--- a/18. Descrição dos Processos de Negócio.pptx
+++ b/18. Descrição dos Processos de Negócio.pptx
@@ -6,6 +6,9 @@
   </p:sldMasterIdLst>
   <p:sldIdLst>
     <p:sldId id="256" r:id="rId3"/>
+    <p:sldId id="257" r:id="rId4"/>
+    <p:sldId id="258" r:id="rId5"/>
+    <p:sldId id="259" r:id="rId6"/>
   </p:sldIdLst>
   <p:sldSz cx="12192000" cy="6858000"/>
   <p:notesSz cx="7559675" cy="10691812"/>
@@ -53,7 +56,7 @@
       </p:grpSpPr>
       <p:sp>
         <p:nvSpPr>
-          <p:cNvPr id="25" name="PlaceHolder 1"/>
+          <p:cNvPr id="23" name="PlaceHolder 1"/>
           <p:cNvSpPr>
             <a:spLocks noGrp="1"/>
           </p:cNvSpPr>
@@ -64,7 +67,7 @@
         <p:spPr>
           <a:xfrm>
             <a:off x="1523880" y="1122480"/>
-            <a:ext cx="9143640" cy="2387160"/>
+            <a:ext cx="9143280" cy="2386800"/>
           </a:xfrm>
           <a:prstGeom prst="rect">
             <a:avLst/>
@@ -75,18 +78,16 @@
             <a:noAutofit/>
           </a:bodyPr>
           <a:p>
-            <a:endParaRPr b="0" lang="pt-BR" sz="1800" spc="-1" strike="noStrike">
-              <a:solidFill>
-                <a:srgbClr val="000000"/>
-              </a:solidFill>
-              <a:latin typeface="Calibri"/>
-            </a:endParaRPr>
-          </a:p>
-        </p:txBody>
-      </p:sp>
-      <p:sp>
-        <p:nvSpPr>
-          <p:cNvPr id="26" name="PlaceHolder 2"/>
+            <a:pPr algn="ctr"/>
+            <a:endParaRPr b="0" lang="pt-BR" sz="4400" spc="-1" strike="noStrike">
+              <a:latin typeface="Arial"/>
+            </a:endParaRPr>
+          </a:p>
+        </p:txBody>
+      </p:sp>
+      <p:sp>
+        <p:nvSpPr>
+          <p:cNvPr id="24" name="PlaceHolder 2"/>
           <p:cNvSpPr>
             <a:spLocks noGrp="1"/>
           </p:cNvSpPr>
@@ -108,18 +109,15 @@
             <a:normAutofit/>
           </a:bodyPr>
           <a:p>
-            <a:endParaRPr b="0" lang="pt-BR" sz="2800" spc="-1" strike="noStrike">
-              <a:solidFill>
-                <a:srgbClr val="000000"/>
-              </a:solidFill>
-              <a:latin typeface="Calibri"/>
-            </a:endParaRPr>
-          </a:p>
-        </p:txBody>
-      </p:sp>
-      <p:sp>
-        <p:nvSpPr>
-          <p:cNvPr id="27" name="PlaceHolder 3"/>
+            <a:endParaRPr b="0" lang="pt-BR" sz="3200" spc="-1" strike="noStrike">
+              <a:latin typeface="Arial"/>
+            </a:endParaRPr>
+          </a:p>
+        </p:txBody>
+      </p:sp>
+      <p:sp>
+        <p:nvSpPr>
+          <p:cNvPr id="25" name="PlaceHolder 3"/>
           <p:cNvSpPr>
             <a:spLocks noGrp="1"/>
           </p:cNvSpPr>
@@ -141,11 +139,8 @@
             <a:normAutofit/>
           </a:bodyPr>
           <a:p>
-            <a:endParaRPr b="0" lang="pt-BR" sz="2800" spc="-1" strike="noStrike">
-              <a:solidFill>
-                <a:srgbClr val="000000"/>
-              </a:solidFill>
-              <a:latin typeface="Calibri"/>
+            <a:endParaRPr b="0" lang="pt-BR" sz="3200" spc="-1" strike="noStrike">
+              <a:latin typeface="Arial"/>
             </a:endParaRPr>
           </a:p>
         </p:txBody>
@@ -174,7 +169,7 @@
       </p:grpSpPr>
       <p:sp>
         <p:nvSpPr>
-          <p:cNvPr id="28" name="PlaceHolder 1"/>
+          <p:cNvPr id="26" name="PlaceHolder 1"/>
           <p:cNvSpPr>
             <a:spLocks noGrp="1"/>
           </p:cNvSpPr>
@@ -185,7 +180,7 @@
         <p:spPr>
           <a:xfrm>
             <a:off x="1523880" y="1122480"/>
-            <a:ext cx="9143640" cy="2387160"/>
+            <a:ext cx="9143280" cy="2386800"/>
           </a:xfrm>
           <a:prstGeom prst="rect">
             <a:avLst/>
@@ -196,18 +191,16 @@
             <a:noAutofit/>
           </a:bodyPr>
           <a:p>
-            <a:endParaRPr b="0" lang="pt-BR" sz="1800" spc="-1" strike="noStrike">
-              <a:solidFill>
-                <a:srgbClr val="000000"/>
-              </a:solidFill>
-              <a:latin typeface="Calibri"/>
-            </a:endParaRPr>
-          </a:p>
-        </p:txBody>
-      </p:sp>
-      <p:sp>
-        <p:nvSpPr>
-          <p:cNvPr id="29" name="PlaceHolder 2"/>
+            <a:pPr algn="ctr"/>
+            <a:endParaRPr b="0" lang="pt-BR" sz="4400" spc="-1" strike="noStrike">
+              <a:latin typeface="Arial"/>
+            </a:endParaRPr>
+          </a:p>
+        </p:txBody>
+      </p:sp>
+      <p:sp>
+        <p:nvSpPr>
+          <p:cNvPr id="27" name="PlaceHolder 2"/>
           <p:cNvSpPr>
             <a:spLocks noGrp="1"/>
           </p:cNvSpPr>
@@ -229,18 +222,15 @@
             <a:normAutofit/>
           </a:bodyPr>
           <a:p>
-            <a:endParaRPr b="0" lang="pt-BR" sz="2800" spc="-1" strike="noStrike">
-              <a:solidFill>
-                <a:srgbClr val="000000"/>
-              </a:solidFill>
-              <a:latin typeface="Calibri"/>
-            </a:endParaRPr>
-          </a:p>
-        </p:txBody>
-      </p:sp>
-      <p:sp>
-        <p:nvSpPr>
-          <p:cNvPr id="30" name="PlaceHolder 3"/>
+            <a:endParaRPr b="0" lang="pt-BR" sz="3200" spc="-1" strike="noStrike">
+              <a:latin typeface="Arial"/>
+            </a:endParaRPr>
+          </a:p>
+        </p:txBody>
+      </p:sp>
+      <p:sp>
+        <p:nvSpPr>
+          <p:cNvPr id="28" name="PlaceHolder 3"/>
           <p:cNvSpPr>
             <a:spLocks noGrp="1"/>
           </p:cNvSpPr>
@@ -262,18 +252,15 @@
             <a:normAutofit/>
           </a:bodyPr>
           <a:p>
-            <a:endParaRPr b="0" lang="pt-BR" sz="2800" spc="-1" strike="noStrike">
-              <a:solidFill>
-                <a:srgbClr val="000000"/>
-              </a:solidFill>
-              <a:latin typeface="Calibri"/>
-            </a:endParaRPr>
-          </a:p>
-        </p:txBody>
-      </p:sp>
-      <p:sp>
-        <p:nvSpPr>
-          <p:cNvPr id="31" name="PlaceHolder 4"/>
+            <a:endParaRPr b="0" lang="pt-BR" sz="3200" spc="-1" strike="noStrike">
+              <a:latin typeface="Arial"/>
+            </a:endParaRPr>
+          </a:p>
+        </p:txBody>
+      </p:sp>
+      <p:sp>
+        <p:nvSpPr>
+          <p:cNvPr id="29" name="PlaceHolder 4"/>
           <p:cNvSpPr>
             <a:spLocks noGrp="1"/>
           </p:cNvSpPr>
@@ -295,18 +282,15 @@
             <a:normAutofit/>
           </a:bodyPr>
           <a:p>
-            <a:endParaRPr b="0" lang="pt-BR" sz="2800" spc="-1" strike="noStrike">
-              <a:solidFill>
-                <a:srgbClr val="000000"/>
-              </a:solidFill>
-              <a:latin typeface="Calibri"/>
-            </a:endParaRPr>
-          </a:p>
-        </p:txBody>
-      </p:sp>
-      <p:sp>
-        <p:nvSpPr>
-          <p:cNvPr id="32" name="PlaceHolder 5"/>
+            <a:endParaRPr b="0" lang="pt-BR" sz="3200" spc="-1" strike="noStrike">
+              <a:latin typeface="Arial"/>
+            </a:endParaRPr>
+          </a:p>
+        </p:txBody>
+      </p:sp>
+      <p:sp>
+        <p:nvSpPr>
+          <p:cNvPr id="30" name="PlaceHolder 5"/>
           <p:cNvSpPr>
             <a:spLocks noGrp="1"/>
           </p:cNvSpPr>
@@ -328,11 +312,8 @@
             <a:normAutofit/>
           </a:bodyPr>
           <a:p>
-            <a:endParaRPr b="0" lang="pt-BR" sz="2800" spc="-1" strike="noStrike">
-              <a:solidFill>
-                <a:srgbClr val="000000"/>
-              </a:solidFill>
-              <a:latin typeface="Calibri"/>
+            <a:endParaRPr b="0" lang="pt-BR" sz="3200" spc="-1" strike="noStrike">
+              <a:latin typeface="Arial"/>
             </a:endParaRPr>
           </a:p>
         </p:txBody>
@@ -361,7 +342,7 @@
       </p:grpSpPr>
       <p:sp>
         <p:nvSpPr>
-          <p:cNvPr id="33" name="PlaceHolder 1"/>
+          <p:cNvPr id="31" name="PlaceHolder 1"/>
           <p:cNvSpPr>
             <a:spLocks noGrp="1"/>
           </p:cNvSpPr>
@@ -372,7 +353,7 @@
         <p:spPr>
           <a:xfrm>
             <a:off x="1523880" y="1122480"/>
-            <a:ext cx="9143640" cy="2387160"/>
+            <a:ext cx="9143280" cy="2386800"/>
           </a:xfrm>
           <a:prstGeom prst="rect">
             <a:avLst/>
@@ -383,18 +364,16 @@
             <a:noAutofit/>
           </a:bodyPr>
           <a:p>
-            <a:endParaRPr b="0" lang="pt-BR" sz="1800" spc="-1" strike="noStrike">
-              <a:solidFill>
-                <a:srgbClr val="000000"/>
-              </a:solidFill>
-              <a:latin typeface="Calibri"/>
-            </a:endParaRPr>
-          </a:p>
-        </p:txBody>
-      </p:sp>
-      <p:sp>
-        <p:nvSpPr>
-          <p:cNvPr id="34" name="PlaceHolder 2"/>
+            <a:pPr algn="ctr"/>
+            <a:endParaRPr b="0" lang="pt-BR" sz="4400" spc="-1" strike="noStrike">
+              <a:latin typeface="Arial"/>
+            </a:endParaRPr>
+          </a:p>
+        </p:txBody>
+      </p:sp>
+      <p:sp>
+        <p:nvSpPr>
+          <p:cNvPr id="32" name="PlaceHolder 2"/>
           <p:cNvSpPr>
             <a:spLocks noGrp="1"/>
           </p:cNvSpPr>
@@ -416,18 +395,15 @@
             <a:normAutofit/>
           </a:bodyPr>
           <a:p>
-            <a:endParaRPr b="0" lang="pt-BR" sz="2800" spc="-1" strike="noStrike">
-              <a:solidFill>
-                <a:srgbClr val="000000"/>
-              </a:solidFill>
-              <a:latin typeface="Calibri"/>
-            </a:endParaRPr>
-          </a:p>
-        </p:txBody>
-      </p:sp>
-      <p:sp>
-        <p:nvSpPr>
-          <p:cNvPr id="35" name="PlaceHolder 3"/>
+            <a:endParaRPr b="0" lang="pt-BR" sz="3200" spc="-1" strike="noStrike">
+              <a:latin typeface="Arial"/>
+            </a:endParaRPr>
+          </a:p>
+        </p:txBody>
+      </p:sp>
+      <p:sp>
+        <p:nvSpPr>
+          <p:cNvPr id="33" name="PlaceHolder 3"/>
           <p:cNvSpPr>
             <a:spLocks noGrp="1"/>
           </p:cNvSpPr>
@@ -449,18 +425,15 @@
             <a:normAutofit/>
           </a:bodyPr>
           <a:p>
-            <a:endParaRPr b="0" lang="pt-BR" sz="2800" spc="-1" strike="noStrike">
-              <a:solidFill>
-                <a:srgbClr val="000000"/>
-              </a:solidFill>
-              <a:latin typeface="Calibri"/>
-            </a:endParaRPr>
-          </a:p>
-        </p:txBody>
-      </p:sp>
-      <p:sp>
-        <p:nvSpPr>
-          <p:cNvPr id="36" name="PlaceHolder 4"/>
+            <a:endParaRPr b="0" lang="pt-BR" sz="3200" spc="-1" strike="noStrike">
+              <a:latin typeface="Arial"/>
+            </a:endParaRPr>
+          </a:p>
+        </p:txBody>
+      </p:sp>
+      <p:sp>
+        <p:nvSpPr>
+          <p:cNvPr id="34" name="PlaceHolder 4"/>
           <p:cNvSpPr>
             <a:spLocks noGrp="1"/>
           </p:cNvSpPr>
@@ -482,18 +455,15 @@
             <a:normAutofit/>
           </a:bodyPr>
           <a:p>
-            <a:endParaRPr b="0" lang="pt-BR" sz="2800" spc="-1" strike="noStrike">
-              <a:solidFill>
-                <a:srgbClr val="000000"/>
-              </a:solidFill>
-              <a:latin typeface="Calibri"/>
-            </a:endParaRPr>
-          </a:p>
-        </p:txBody>
-      </p:sp>
-      <p:sp>
-        <p:nvSpPr>
-          <p:cNvPr id="37" name="PlaceHolder 5"/>
+            <a:endParaRPr b="0" lang="pt-BR" sz="3200" spc="-1" strike="noStrike">
+              <a:latin typeface="Arial"/>
+            </a:endParaRPr>
+          </a:p>
+        </p:txBody>
+      </p:sp>
+      <p:sp>
+        <p:nvSpPr>
+          <p:cNvPr id="35" name="PlaceHolder 5"/>
           <p:cNvSpPr>
             <a:spLocks noGrp="1"/>
           </p:cNvSpPr>
@@ -515,18 +485,15 @@
             <a:normAutofit/>
           </a:bodyPr>
           <a:p>
-            <a:endParaRPr b="0" lang="pt-BR" sz="2800" spc="-1" strike="noStrike">
-              <a:solidFill>
-                <a:srgbClr val="000000"/>
-              </a:solidFill>
-              <a:latin typeface="Calibri"/>
-            </a:endParaRPr>
-          </a:p>
-        </p:txBody>
-      </p:sp>
-      <p:sp>
-        <p:nvSpPr>
-          <p:cNvPr id="38" name="PlaceHolder 6"/>
+            <a:endParaRPr b="0" lang="pt-BR" sz="3200" spc="-1" strike="noStrike">
+              <a:latin typeface="Arial"/>
+            </a:endParaRPr>
+          </a:p>
+        </p:txBody>
+      </p:sp>
+      <p:sp>
+        <p:nvSpPr>
+          <p:cNvPr id="36" name="PlaceHolder 6"/>
           <p:cNvSpPr>
             <a:spLocks noGrp="1"/>
           </p:cNvSpPr>
@@ -548,18 +515,15 @@
             <a:normAutofit/>
           </a:bodyPr>
           <a:p>
-            <a:endParaRPr b="0" lang="pt-BR" sz="2800" spc="-1" strike="noStrike">
-              <a:solidFill>
-                <a:srgbClr val="000000"/>
-              </a:solidFill>
-              <a:latin typeface="Calibri"/>
-            </a:endParaRPr>
-          </a:p>
-        </p:txBody>
-      </p:sp>
-      <p:sp>
-        <p:nvSpPr>
-          <p:cNvPr id="39" name="PlaceHolder 7"/>
+            <a:endParaRPr b="0" lang="pt-BR" sz="3200" spc="-1" strike="noStrike">
+              <a:latin typeface="Arial"/>
+            </a:endParaRPr>
+          </a:p>
+        </p:txBody>
+      </p:sp>
+      <p:sp>
+        <p:nvSpPr>
+          <p:cNvPr id="37" name="PlaceHolder 7"/>
           <p:cNvSpPr>
             <a:spLocks noGrp="1"/>
           </p:cNvSpPr>
@@ -581,11 +545,8 @@
             <a:normAutofit/>
           </a:bodyPr>
           <a:p>
-            <a:endParaRPr b="0" lang="pt-BR" sz="2800" spc="-1" strike="noStrike">
-              <a:solidFill>
-                <a:srgbClr val="000000"/>
-              </a:solidFill>
-              <a:latin typeface="Calibri"/>
+            <a:endParaRPr b="0" lang="pt-BR" sz="3200" spc="-1" strike="noStrike">
+              <a:latin typeface="Arial"/>
             </a:endParaRPr>
           </a:p>
         </p:txBody>
@@ -614,7 +575,7 @@
       </p:grpSpPr>
       <p:sp>
         <p:nvSpPr>
-          <p:cNvPr id="4" name="PlaceHolder 1"/>
+          <p:cNvPr id="2" name="PlaceHolder 1"/>
           <p:cNvSpPr>
             <a:spLocks noGrp="1"/>
           </p:cNvSpPr>
@@ -625,7 +586,7 @@
         <p:spPr>
           <a:xfrm>
             <a:off x="1523880" y="1122480"/>
-            <a:ext cx="9143640" cy="2387160"/>
+            <a:ext cx="9143280" cy="2386800"/>
           </a:xfrm>
           <a:prstGeom prst="rect">
             <a:avLst/>
@@ -636,18 +597,16 @@
             <a:noAutofit/>
           </a:bodyPr>
           <a:p>
-            <a:endParaRPr b="0" lang="pt-BR" sz="1800" spc="-1" strike="noStrike">
-              <a:solidFill>
-                <a:srgbClr val="000000"/>
-              </a:solidFill>
-              <a:latin typeface="Calibri"/>
-            </a:endParaRPr>
-          </a:p>
-        </p:txBody>
-      </p:sp>
-      <p:sp>
-        <p:nvSpPr>
-          <p:cNvPr id="5" name="PlaceHolder 2"/>
+            <a:pPr algn="ctr"/>
+            <a:endParaRPr b="0" lang="pt-BR" sz="4400" spc="-1" strike="noStrike">
+              <a:latin typeface="Arial"/>
+            </a:endParaRPr>
+          </a:p>
+        </p:txBody>
+      </p:sp>
+      <p:sp>
+        <p:nvSpPr>
+          <p:cNvPr id="3" name="PlaceHolder 2"/>
           <p:cNvSpPr>
             <a:spLocks noGrp="1"/>
           </p:cNvSpPr>
@@ -700,7 +659,7 @@
       </p:grpSpPr>
       <p:sp>
         <p:nvSpPr>
-          <p:cNvPr id="6" name="PlaceHolder 1"/>
+          <p:cNvPr id="4" name="PlaceHolder 1"/>
           <p:cNvSpPr>
             <a:spLocks noGrp="1"/>
           </p:cNvSpPr>
@@ -711,7 +670,7 @@
         <p:spPr>
           <a:xfrm>
             <a:off x="1523880" y="1122480"/>
-            <a:ext cx="9143640" cy="2387160"/>
+            <a:ext cx="9143280" cy="2386800"/>
           </a:xfrm>
           <a:prstGeom prst="rect">
             <a:avLst/>
@@ -722,18 +681,16 @@
             <a:noAutofit/>
           </a:bodyPr>
           <a:p>
-            <a:endParaRPr b="0" lang="pt-BR" sz="1800" spc="-1" strike="noStrike">
-              <a:solidFill>
-                <a:srgbClr val="000000"/>
-              </a:solidFill>
-              <a:latin typeface="Calibri"/>
-            </a:endParaRPr>
-          </a:p>
-        </p:txBody>
-      </p:sp>
-      <p:sp>
-        <p:nvSpPr>
-          <p:cNvPr id="7" name="PlaceHolder 2"/>
+            <a:pPr algn="ctr"/>
+            <a:endParaRPr b="0" lang="pt-BR" sz="4400" spc="-1" strike="noStrike">
+              <a:latin typeface="Arial"/>
+            </a:endParaRPr>
+          </a:p>
+        </p:txBody>
+      </p:sp>
+      <p:sp>
+        <p:nvSpPr>
+          <p:cNvPr id="5" name="PlaceHolder 2"/>
           <p:cNvSpPr>
             <a:spLocks noGrp="1"/>
           </p:cNvSpPr>
@@ -755,11 +712,8 @@
             <a:normAutofit/>
           </a:bodyPr>
           <a:p>
-            <a:endParaRPr b="0" lang="pt-BR" sz="2800" spc="-1" strike="noStrike">
-              <a:solidFill>
-                <a:srgbClr val="000000"/>
-              </a:solidFill>
-              <a:latin typeface="Calibri"/>
+            <a:endParaRPr b="0" lang="pt-BR" sz="3200" spc="-1" strike="noStrike">
+              <a:latin typeface="Arial"/>
             </a:endParaRPr>
           </a:p>
         </p:txBody>
@@ -788,7 +742,7 @@
       </p:grpSpPr>
       <p:sp>
         <p:nvSpPr>
-          <p:cNvPr id="8" name="PlaceHolder 1"/>
+          <p:cNvPr id="6" name="PlaceHolder 1"/>
           <p:cNvSpPr>
             <a:spLocks noGrp="1"/>
           </p:cNvSpPr>
@@ -799,7 +753,7 @@
         <p:spPr>
           <a:xfrm>
             <a:off x="1523880" y="1122480"/>
-            <a:ext cx="9143640" cy="2387160"/>
+            <a:ext cx="9143280" cy="2386800"/>
           </a:xfrm>
           <a:prstGeom prst="rect">
             <a:avLst/>
@@ -810,18 +764,16 @@
             <a:noAutofit/>
           </a:bodyPr>
           <a:p>
-            <a:endParaRPr b="0" lang="pt-BR" sz="1800" spc="-1" strike="noStrike">
-              <a:solidFill>
-                <a:srgbClr val="000000"/>
-              </a:solidFill>
-              <a:latin typeface="Calibri"/>
-            </a:endParaRPr>
-          </a:p>
-        </p:txBody>
-      </p:sp>
-      <p:sp>
-        <p:nvSpPr>
-          <p:cNvPr id="9" name="PlaceHolder 2"/>
+            <a:pPr algn="ctr"/>
+            <a:endParaRPr b="0" lang="pt-BR" sz="4400" spc="-1" strike="noStrike">
+              <a:latin typeface="Arial"/>
+            </a:endParaRPr>
+          </a:p>
+        </p:txBody>
+      </p:sp>
+      <p:sp>
+        <p:nvSpPr>
+          <p:cNvPr id="7" name="PlaceHolder 2"/>
           <p:cNvSpPr>
             <a:spLocks noGrp="1"/>
           </p:cNvSpPr>
@@ -843,18 +795,15 @@
             <a:normAutofit/>
           </a:bodyPr>
           <a:p>
-            <a:endParaRPr b="0" lang="pt-BR" sz="2800" spc="-1" strike="noStrike">
-              <a:solidFill>
-                <a:srgbClr val="000000"/>
-              </a:solidFill>
-              <a:latin typeface="Calibri"/>
-            </a:endParaRPr>
-          </a:p>
-        </p:txBody>
-      </p:sp>
-      <p:sp>
-        <p:nvSpPr>
-          <p:cNvPr id="10" name="PlaceHolder 3"/>
+            <a:endParaRPr b="0" lang="pt-BR" sz="3200" spc="-1" strike="noStrike">
+              <a:latin typeface="Arial"/>
+            </a:endParaRPr>
+          </a:p>
+        </p:txBody>
+      </p:sp>
+      <p:sp>
+        <p:nvSpPr>
+          <p:cNvPr id="8" name="PlaceHolder 3"/>
           <p:cNvSpPr>
             <a:spLocks noGrp="1"/>
           </p:cNvSpPr>
@@ -876,11 +825,8 @@
             <a:normAutofit/>
           </a:bodyPr>
           <a:p>
-            <a:endParaRPr b="0" lang="pt-BR" sz="2800" spc="-1" strike="noStrike">
-              <a:solidFill>
-                <a:srgbClr val="000000"/>
-              </a:solidFill>
-              <a:latin typeface="Calibri"/>
+            <a:endParaRPr b="0" lang="pt-BR" sz="3200" spc="-1" strike="noStrike">
+              <a:latin typeface="Arial"/>
             </a:endParaRPr>
           </a:p>
         </p:txBody>
@@ -909,7 +855,7 @@
       </p:grpSpPr>
       <p:sp>
         <p:nvSpPr>
-          <p:cNvPr id="11" name="PlaceHolder 1"/>
+          <p:cNvPr id="9" name="PlaceHolder 1"/>
           <p:cNvSpPr>
             <a:spLocks noGrp="1"/>
           </p:cNvSpPr>
@@ -920,7 +866,7 @@
         <p:spPr>
           <a:xfrm>
             <a:off x="1523880" y="1122480"/>
-            <a:ext cx="9143640" cy="2387160"/>
+            <a:ext cx="9143280" cy="2386800"/>
           </a:xfrm>
           <a:prstGeom prst="rect">
             <a:avLst/>
@@ -931,11 +877,9 @@
             <a:noAutofit/>
           </a:bodyPr>
           <a:p>
-            <a:endParaRPr b="0" lang="pt-BR" sz="1800" spc="-1" strike="noStrike">
-              <a:solidFill>
-                <a:srgbClr val="000000"/>
-              </a:solidFill>
-              <a:latin typeface="Calibri"/>
+            <a:pPr algn="ctr"/>
+            <a:endParaRPr b="0" lang="pt-BR" sz="4400" spc="-1" strike="noStrike">
+              <a:latin typeface="Arial"/>
             </a:endParaRPr>
           </a:p>
         </p:txBody>
@@ -964,7 +908,7 @@
       </p:grpSpPr>
       <p:sp>
         <p:nvSpPr>
-          <p:cNvPr id="12" name="PlaceHolder 1"/>
+          <p:cNvPr id="10" name="PlaceHolder 1"/>
           <p:cNvSpPr>
             <a:spLocks noGrp="1"/>
           </p:cNvSpPr>
@@ -975,7 +919,7 @@
         <p:spPr>
           <a:xfrm>
             <a:off x="1523880" y="1122480"/>
-            <a:ext cx="9143640" cy="11066760"/>
+            <a:ext cx="9143280" cy="11064960"/>
           </a:xfrm>
           <a:prstGeom prst="rect">
             <a:avLst/>
@@ -1017,7 +961,7 @@
       </p:grpSpPr>
       <p:sp>
         <p:nvSpPr>
-          <p:cNvPr id="13" name="PlaceHolder 1"/>
+          <p:cNvPr id="11" name="PlaceHolder 1"/>
           <p:cNvSpPr>
             <a:spLocks noGrp="1"/>
           </p:cNvSpPr>
@@ -1028,7 +972,7 @@
         <p:spPr>
           <a:xfrm>
             <a:off x="1523880" y="1122480"/>
-            <a:ext cx="9143640" cy="2387160"/>
+            <a:ext cx="9143280" cy="2386800"/>
           </a:xfrm>
           <a:prstGeom prst="rect">
             <a:avLst/>
@@ -1039,18 +983,16 @@
             <a:noAutofit/>
           </a:bodyPr>
           <a:p>
-            <a:endParaRPr b="0" lang="pt-BR" sz="1800" spc="-1" strike="noStrike">
-              <a:solidFill>
-                <a:srgbClr val="000000"/>
-              </a:solidFill>
-              <a:latin typeface="Calibri"/>
-            </a:endParaRPr>
-          </a:p>
-        </p:txBody>
-      </p:sp>
-      <p:sp>
-        <p:nvSpPr>
-          <p:cNvPr id="14" name="PlaceHolder 2"/>
+            <a:pPr algn="ctr"/>
+            <a:endParaRPr b="0" lang="pt-BR" sz="4400" spc="-1" strike="noStrike">
+              <a:latin typeface="Arial"/>
+            </a:endParaRPr>
+          </a:p>
+        </p:txBody>
+      </p:sp>
+      <p:sp>
+        <p:nvSpPr>
+          <p:cNvPr id="12" name="PlaceHolder 2"/>
           <p:cNvSpPr>
             <a:spLocks noGrp="1"/>
           </p:cNvSpPr>
@@ -1072,18 +1014,15 @@
             <a:normAutofit/>
           </a:bodyPr>
           <a:p>
-            <a:endParaRPr b="0" lang="pt-BR" sz="2800" spc="-1" strike="noStrike">
-              <a:solidFill>
-                <a:srgbClr val="000000"/>
-              </a:solidFill>
-              <a:latin typeface="Calibri"/>
-            </a:endParaRPr>
-          </a:p>
-        </p:txBody>
-      </p:sp>
-      <p:sp>
-        <p:nvSpPr>
-          <p:cNvPr id="15" name="PlaceHolder 3"/>
+            <a:endParaRPr b="0" lang="pt-BR" sz="3200" spc="-1" strike="noStrike">
+              <a:latin typeface="Arial"/>
+            </a:endParaRPr>
+          </a:p>
+        </p:txBody>
+      </p:sp>
+      <p:sp>
+        <p:nvSpPr>
+          <p:cNvPr id="13" name="PlaceHolder 3"/>
           <p:cNvSpPr>
             <a:spLocks noGrp="1"/>
           </p:cNvSpPr>
@@ -1105,18 +1044,15 @@
             <a:normAutofit/>
           </a:bodyPr>
           <a:p>
-            <a:endParaRPr b="0" lang="pt-BR" sz="2800" spc="-1" strike="noStrike">
-              <a:solidFill>
-                <a:srgbClr val="000000"/>
-              </a:solidFill>
-              <a:latin typeface="Calibri"/>
-            </a:endParaRPr>
-          </a:p>
-        </p:txBody>
-      </p:sp>
-      <p:sp>
-        <p:nvSpPr>
-          <p:cNvPr id="16" name="PlaceHolder 4"/>
+            <a:endParaRPr b="0" lang="pt-BR" sz="3200" spc="-1" strike="noStrike">
+              <a:latin typeface="Arial"/>
+            </a:endParaRPr>
+          </a:p>
+        </p:txBody>
+      </p:sp>
+      <p:sp>
+        <p:nvSpPr>
+          <p:cNvPr id="14" name="PlaceHolder 4"/>
           <p:cNvSpPr>
             <a:spLocks noGrp="1"/>
           </p:cNvSpPr>
@@ -1138,11 +1074,8 @@
             <a:normAutofit/>
           </a:bodyPr>
           <a:p>
-            <a:endParaRPr b="0" lang="pt-BR" sz="2800" spc="-1" strike="noStrike">
-              <a:solidFill>
-                <a:srgbClr val="000000"/>
-              </a:solidFill>
-              <a:latin typeface="Calibri"/>
+            <a:endParaRPr b="0" lang="pt-BR" sz="3200" spc="-1" strike="noStrike">
+              <a:latin typeface="Arial"/>
             </a:endParaRPr>
           </a:p>
         </p:txBody>
@@ -1171,7 +1104,7 @@
       </p:grpSpPr>
       <p:sp>
         <p:nvSpPr>
-          <p:cNvPr id="17" name="PlaceHolder 1"/>
+          <p:cNvPr id="15" name="PlaceHolder 1"/>
           <p:cNvSpPr>
             <a:spLocks noGrp="1"/>
           </p:cNvSpPr>
@@ -1182,7 +1115,7 @@
         <p:spPr>
           <a:xfrm>
             <a:off x="1523880" y="1122480"/>
-            <a:ext cx="9143640" cy="2387160"/>
+            <a:ext cx="9143280" cy="2386800"/>
           </a:xfrm>
           <a:prstGeom prst="rect">
             <a:avLst/>
@@ -1193,18 +1126,16 @@
             <a:noAutofit/>
           </a:bodyPr>
           <a:p>
-            <a:endParaRPr b="0" lang="pt-BR" sz="1800" spc="-1" strike="noStrike">
-              <a:solidFill>
-                <a:srgbClr val="000000"/>
-              </a:solidFill>
-              <a:latin typeface="Calibri"/>
-            </a:endParaRPr>
-          </a:p>
-        </p:txBody>
-      </p:sp>
-      <p:sp>
-        <p:nvSpPr>
-          <p:cNvPr id="18" name="PlaceHolder 2"/>
+            <a:pPr algn="ctr"/>
+            <a:endParaRPr b="0" lang="pt-BR" sz="4400" spc="-1" strike="noStrike">
+              <a:latin typeface="Arial"/>
+            </a:endParaRPr>
+          </a:p>
+        </p:txBody>
+      </p:sp>
+      <p:sp>
+        <p:nvSpPr>
+          <p:cNvPr id="16" name="PlaceHolder 2"/>
           <p:cNvSpPr>
             <a:spLocks noGrp="1"/>
           </p:cNvSpPr>
@@ -1226,18 +1157,15 @@
             <a:normAutofit/>
           </a:bodyPr>
           <a:p>
-            <a:endParaRPr b="0" lang="pt-BR" sz="2800" spc="-1" strike="noStrike">
-              <a:solidFill>
-                <a:srgbClr val="000000"/>
-              </a:solidFill>
-              <a:latin typeface="Calibri"/>
-            </a:endParaRPr>
-          </a:p>
-        </p:txBody>
-      </p:sp>
-      <p:sp>
-        <p:nvSpPr>
-          <p:cNvPr id="19" name="PlaceHolder 3"/>
+            <a:endParaRPr b="0" lang="pt-BR" sz="3200" spc="-1" strike="noStrike">
+              <a:latin typeface="Arial"/>
+            </a:endParaRPr>
+          </a:p>
+        </p:txBody>
+      </p:sp>
+      <p:sp>
+        <p:nvSpPr>
+          <p:cNvPr id="17" name="PlaceHolder 3"/>
           <p:cNvSpPr>
             <a:spLocks noGrp="1"/>
           </p:cNvSpPr>
@@ -1259,18 +1187,15 @@
             <a:normAutofit/>
           </a:bodyPr>
           <a:p>
-            <a:endParaRPr b="0" lang="pt-BR" sz="2800" spc="-1" strike="noStrike">
-              <a:solidFill>
-                <a:srgbClr val="000000"/>
-              </a:solidFill>
-              <a:latin typeface="Calibri"/>
-            </a:endParaRPr>
-          </a:p>
-        </p:txBody>
-      </p:sp>
-      <p:sp>
-        <p:nvSpPr>
-          <p:cNvPr id="20" name="PlaceHolder 4"/>
+            <a:endParaRPr b="0" lang="pt-BR" sz="3200" spc="-1" strike="noStrike">
+              <a:latin typeface="Arial"/>
+            </a:endParaRPr>
+          </a:p>
+        </p:txBody>
+      </p:sp>
+      <p:sp>
+        <p:nvSpPr>
+          <p:cNvPr id="18" name="PlaceHolder 4"/>
           <p:cNvSpPr>
             <a:spLocks noGrp="1"/>
           </p:cNvSpPr>
@@ -1292,11 +1217,8 @@
             <a:normAutofit/>
           </a:bodyPr>
           <a:p>
-            <a:endParaRPr b="0" lang="pt-BR" sz="2800" spc="-1" strike="noStrike">
-              <a:solidFill>
-                <a:srgbClr val="000000"/>
-              </a:solidFill>
-              <a:latin typeface="Calibri"/>
+            <a:endParaRPr b="0" lang="pt-BR" sz="3200" spc="-1" strike="noStrike">
+              <a:latin typeface="Arial"/>
             </a:endParaRPr>
           </a:p>
         </p:txBody>
@@ -1325,7 +1247,7 @@
       </p:grpSpPr>
       <p:sp>
         <p:nvSpPr>
-          <p:cNvPr id="21" name="PlaceHolder 1"/>
+          <p:cNvPr id="19" name="PlaceHolder 1"/>
           <p:cNvSpPr>
             <a:spLocks noGrp="1"/>
           </p:cNvSpPr>
@@ -1336,7 +1258,7 @@
         <p:spPr>
           <a:xfrm>
             <a:off x="1523880" y="1122480"/>
-            <a:ext cx="9143640" cy="2387160"/>
+            <a:ext cx="9143280" cy="2386800"/>
           </a:xfrm>
           <a:prstGeom prst="rect">
             <a:avLst/>
@@ -1347,18 +1269,16 @@
             <a:noAutofit/>
           </a:bodyPr>
           <a:p>
-            <a:endParaRPr b="0" lang="pt-BR" sz="1800" spc="-1" strike="noStrike">
-              <a:solidFill>
-                <a:srgbClr val="000000"/>
-              </a:solidFill>
-              <a:latin typeface="Calibri"/>
-            </a:endParaRPr>
-          </a:p>
-        </p:txBody>
-      </p:sp>
-      <p:sp>
-        <p:nvSpPr>
-          <p:cNvPr id="22" name="PlaceHolder 2"/>
+            <a:pPr algn="ctr"/>
+            <a:endParaRPr b="0" lang="pt-BR" sz="4400" spc="-1" strike="noStrike">
+              <a:latin typeface="Arial"/>
+            </a:endParaRPr>
+          </a:p>
+        </p:txBody>
+      </p:sp>
+      <p:sp>
+        <p:nvSpPr>
+          <p:cNvPr id="20" name="PlaceHolder 2"/>
           <p:cNvSpPr>
             <a:spLocks noGrp="1"/>
           </p:cNvSpPr>
@@ -1380,18 +1300,15 @@
             <a:normAutofit/>
           </a:bodyPr>
           <a:p>
-            <a:endParaRPr b="0" lang="pt-BR" sz="2800" spc="-1" strike="noStrike">
-              <a:solidFill>
-                <a:srgbClr val="000000"/>
-              </a:solidFill>
-              <a:latin typeface="Calibri"/>
-            </a:endParaRPr>
-          </a:p>
-        </p:txBody>
-      </p:sp>
-      <p:sp>
-        <p:nvSpPr>
-          <p:cNvPr id="23" name="PlaceHolder 3"/>
+            <a:endParaRPr b="0" lang="pt-BR" sz="3200" spc="-1" strike="noStrike">
+              <a:latin typeface="Arial"/>
+            </a:endParaRPr>
+          </a:p>
+        </p:txBody>
+      </p:sp>
+      <p:sp>
+        <p:nvSpPr>
+          <p:cNvPr id="21" name="PlaceHolder 3"/>
           <p:cNvSpPr>
             <a:spLocks noGrp="1"/>
           </p:cNvSpPr>
@@ -1413,18 +1330,15 @@
             <a:normAutofit/>
           </a:bodyPr>
           <a:p>
-            <a:endParaRPr b="0" lang="pt-BR" sz="2800" spc="-1" strike="noStrike">
-              <a:solidFill>
-                <a:srgbClr val="000000"/>
-              </a:solidFill>
-              <a:latin typeface="Calibri"/>
-            </a:endParaRPr>
-          </a:p>
-        </p:txBody>
-      </p:sp>
-      <p:sp>
-        <p:nvSpPr>
-          <p:cNvPr id="24" name="PlaceHolder 4"/>
+            <a:endParaRPr b="0" lang="pt-BR" sz="3200" spc="-1" strike="noStrike">
+              <a:latin typeface="Arial"/>
+            </a:endParaRPr>
+          </a:p>
+        </p:txBody>
+      </p:sp>
+      <p:sp>
+        <p:nvSpPr>
+          <p:cNvPr id="22" name="PlaceHolder 4"/>
           <p:cNvSpPr>
             <a:spLocks noGrp="1"/>
           </p:cNvSpPr>
@@ -1446,11 +1360,8 @@
             <a:normAutofit/>
           </a:bodyPr>
           <a:p>
-            <a:endParaRPr b="0" lang="pt-BR" sz="2800" spc="-1" strike="noStrike">
-              <a:solidFill>
-                <a:srgbClr val="000000"/>
-              </a:solidFill>
-              <a:latin typeface="Calibri"/>
+            <a:endParaRPr b="0" lang="pt-BR" sz="3200" spc="-1" strike="noStrike">
+              <a:latin typeface="Arial"/>
             </a:endParaRPr>
           </a:p>
         </p:txBody>
@@ -1497,36 +1408,26 @@
         <p:spPr>
           <a:xfrm>
             <a:off x="1523880" y="1122480"/>
-            <a:ext cx="9143640" cy="2387160"/>
-          </a:xfrm>
-          <a:prstGeom prst="rect">
-            <a:avLst/>
-          </a:prstGeom>
-        </p:spPr>
-        <p:txBody>
-          <a:bodyPr anchor="b">
+            <a:ext cx="9143280" cy="2386800"/>
+          </a:xfrm>
+          <a:prstGeom prst="rect">
+            <a:avLst/>
+          </a:prstGeom>
+        </p:spPr>
+        <p:txBody>
+          <a:bodyPr lIns="0" rIns="0" tIns="0" bIns="0" anchor="ctr">
             <a:noAutofit/>
           </a:bodyPr>
           <a:p>
-            <a:pPr algn="ctr">
-              <a:lnSpc>
-                <a:spcPct val="90000"/>
-              </a:lnSpc>
-            </a:pPr>
-            <a:r>
-              <a:rPr b="0" lang="pt-BR" sz="6000" spc="-1" strike="noStrike">
-                <a:solidFill>
-                  <a:srgbClr val="000000"/>
-                </a:solidFill>
-                <a:latin typeface="Calibri Light"/>
-              </a:rPr>
-              <a:t>Clique para editar o título Mestre</a:t>
-            </a:r>
-            <a:endParaRPr b="0" lang="pt-BR" sz="6000" spc="-1" strike="noStrike">
-              <a:solidFill>
-                <a:srgbClr val="000000"/>
-              </a:solidFill>
-              <a:latin typeface="Calibri"/>
+            <a:pPr algn="ctr"/>
+            <a:r>
+              <a:rPr b="0" lang="pt-BR" sz="1800" spc="-1" strike="noStrike">
+                <a:latin typeface="Arial"/>
+              </a:rPr>
+              <a:t>Clique para editar o formato do texto do título</a:t>
+            </a:r>
+            <a:endParaRPr b="0" lang="pt-BR" sz="1800" spc="-1" strike="noStrike">
+              <a:latin typeface="Arial"/>
             </a:endParaRPr>
           </a:p>
         </p:txBody>
@@ -1538,113 +1439,174 @@
             <a:spLocks noGrp="1"/>
           </p:cNvSpPr>
           <p:nvPr>
-            <p:ph type="dt"/>
+            <p:ph type="body"/>
           </p:nvPr>
         </p:nvSpPr>
         <p:spPr>
           <a:xfrm>
-            <a:off x="838080" y="6356520"/>
-            <a:ext cx="2742840" cy="364680"/>
-          </a:xfrm>
-          <a:prstGeom prst="rect">
-            <a:avLst/>
-          </a:prstGeom>
-        </p:spPr>
-        <p:txBody>
-          <a:bodyPr anchor="ctr">
-            <a:noAutofit/>
-          </a:bodyPr>
-          <a:p>
-            <a:pPr>
-              <a:lnSpc>
-                <a:spcPct val="100000"/>
-              </a:lnSpc>
-            </a:pPr>
-            <a:fld id="{20A6F884-99E6-4CCF-9F39-8C0E206F12FA}" type="datetime">
-              <a:rPr b="0" lang="pt-BR" sz="1200" spc="-1" strike="noStrike">
-                <a:solidFill>
-                  <a:srgbClr val="8b8b8b"/>
-                </a:solidFill>
-                <a:latin typeface="Calibri"/>
-              </a:rPr>
-              <a:t>26/09/20</a:t>
-            </a:fld>
-            <a:endParaRPr b="0" lang="pt-BR" sz="1200" spc="-1" strike="noStrike">
-              <a:latin typeface="Times New Roman"/>
-            </a:endParaRPr>
-          </a:p>
-        </p:txBody>
-      </p:sp>
-      <p:sp>
-        <p:nvSpPr>
-          <p:cNvPr id="2" name="PlaceHolder 3"/>
-          <p:cNvSpPr>
-            <a:spLocks noGrp="1"/>
-          </p:cNvSpPr>
-          <p:nvPr>
-            <p:ph type="ftr"/>
-          </p:nvPr>
-        </p:nvSpPr>
-        <p:spPr>
-          <a:xfrm>
-            <a:off x="4038480" y="6356520"/>
-            <a:ext cx="4114440" cy="364680"/>
-          </a:xfrm>
-          <a:prstGeom prst="rect">
-            <a:avLst/>
-          </a:prstGeom>
-        </p:spPr>
-        <p:txBody>
-          <a:bodyPr anchor="ctr">
-            <a:noAutofit/>
-          </a:bodyPr>
-          <a:p>
+            <a:off x="609480" y="1604520"/>
+            <a:ext cx="10972440" cy="3977280"/>
+          </a:xfrm>
+          <a:prstGeom prst="rect">
+            <a:avLst/>
+          </a:prstGeom>
+        </p:spPr>
+        <p:txBody>
+          <a:bodyPr lIns="0" rIns="0" tIns="0" bIns="0">
+            <a:normAutofit/>
+          </a:bodyPr>
+          <a:p>
+            <a:pPr marL="432000" indent="-324000">
+              <a:spcBef>
+                <a:spcPts val="1417"/>
+              </a:spcBef>
+              <a:buClr>
+                <a:srgbClr val="000000"/>
+              </a:buClr>
+              <a:buSzPct val="45000"/>
+              <a:buFont typeface="Wingdings" charset="2"/>
+              <a:buChar char=""/>
+            </a:pPr>
+            <a:r>
+              <a:rPr b="0" lang="pt-BR" sz="3200" spc="-1" strike="noStrike">
+                <a:latin typeface="Arial"/>
+              </a:rPr>
+              <a:t>Clique para editar o formato do texto da estrutura de tópicos</a:t>
+            </a:r>
+            <a:endParaRPr b="0" lang="pt-BR" sz="3200" spc="-1" strike="noStrike">
+              <a:latin typeface="Arial"/>
+            </a:endParaRPr>
+          </a:p>
+          <a:p>
+            <a:pPr lvl="1" marL="864000" indent="-324000">
+              <a:spcBef>
+                <a:spcPts val="1134"/>
+              </a:spcBef>
+              <a:buClr>
+                <a:srgbClr val="000000"/>
+              </a:buClr>
+              <a:buSzPct val="75000"/>
+              <a:buFont typeface="Symbol" charset="2"/>
+              <a:buChar char=""/>
+            </a:pPr>
+            <a:r>
+              <a:rPr b="0" lang="pt-BR" sz="2800" spc="-1" strike="noStrike">
+                <a:latin typeface="Arial"/>
+              </a:rPr>
+              <a:t>2.º nível da estrutura de tópicos</a:t>
+            </a:r>
+            <a:endParaRPr b="0" lang="pt-BR" sz="2800" spc="-1" strike="noStrike">
+              <a:latin typeface="Arial"/>
+            </a:endParaRPr>
+          </a:p>
+          <a:p>
+            <a:pPr lvl="2" marL="1296000" indent="-288000">
+              <a:spcBef>
+                <a:spcPts val="850"/>
+              </a:spcBef>
+              <a:buClr>
+                <a:srgbClr val="000000"/>
+              </a:buClr>
+              <a:buSzPct val="45000"/>
+              <a:buFont typeface="Wingdings" charset="2"/>
+              <a:buChar char=""/>
+            </a:pPr>
+            <a:r>
+              <a:rPr b="0" lang="pt-BR" sz="2400" spc="-1" strike="noStrike">
+                <a:latin typeface="Arial"/>
+              </a:rPr>
+              <a:t>3.º nível da estrutura de tópicos</a:t>
+            </a:r>
             <a:endParaRPr b="0" lang="pt-BR" sz="2400" spc="-1" strike="noStrike">
-              <a:latin typeface="Times New Roman"/>
-            </a:endParaRPr>
-          </a:p>
-        </p:txBody>
-      </p:sp>
-      <p:sp>
-        <p:nvSpPr>
-          <p:cNvPr id="3" name="PlaceHolder 4"/>
-          <p:cNvSpPr>
-            <a:spLocks noGrp="1"/>
-          </p:cNvSpPr>
-          <p:nvPr>
-            <p:ph type="sldNum"/>
-          </p:nvPr>
-        </p:nvSpPr>
-        <p:spPr>
-          <a:xfrm>
-            <a:off x="8610480" y="6356520"/>
-            <a:ext cx="2742840" cy="364680"/>
-          </a:xfrm>
-          <a:prstGeom prst="rect">
-            <a:avLst/>
-          </a:prstGeom>
-        </p:spPr>
-        <p:txBody>
-          <a:bodyPr anchor="ctr">
-            <a:noAutofit/>
-          </a:bodyPr>
-          <a:p>
-            <a:pPr algn="r">
-              <a:lnSpc>
-                <a:spcPct val="100000"/>
-              </a:lnSpc>
-            </a:pPr>
-            <a:fld id="{39B81F9D-B45B-403D-B9E4-D67BEDE67B57}" type="slidenum">
-              <a:rPr b="0" lang="pt-BR" sz="1200" spc="-1" strike="noStrike">
-                <a:solidFill>
-                  <a:srgbClr val="8b8b8b"/>
-                </a:solidFill>
-                <a:latin typeface="Calibri"/>
-              </a:rPr>
-              <a:t>1</a:t>
-            </a:fld>
-            <a:endParaRPr b="0" lang="pt-BR" sz="1200" spc="-1" strike="noStrike">
-              <a:latin typeface="Times New Roman"/>
+              <a:latin typeface="Arial"/>
+            </a:endParaRPr>
+          </a:p>
+          <a:p>
+            <a:pPr lvl="3" marL="1728000" indent="-216000">
+              <a:spcBef>
+                <a:spcPts val="567"/>
+              </a:spcBef>
+              <a:buClr>
+                <a:srgbClr val="000000"/>
+              </a:buClr>
+              <a:buSzPct val="75000"/>
+              <a:buFont typeface="Symbol" charset="2"/>
+              <a:buChar char=""/>
+            </a:pPr>
+            <a:r>
+              <a:rPr b="0" lang="pt-BR" sz="2000" spc="-1" strike="noStrike">
+                <a:latin typeface="Arial"/>
+              </a:rPr>
+              <a:t>4.º nível da estrutura de tópicos</a:t>
+            </a:r>
+            <a:endParaRPr b="0" lang="pt-BR" sz="2000" spc="-1" strike="noStrike">
+              <a:latin typeface="Arial"/>
+            </a:endParaRPr>
+          </a:p>
+          <a:p>
+            <a:pPr lvl="4" marL="2160000" indent="-216000">
+              <a:spcBef>
+                <a:spcPts val="283"/>
+              </a:spcBef>
+              <a:buClr>
+                <a:srgbClr val="000000"/>
+              </a:buClr>
+              <a:buSzPct val="45000"/>
+              <a:buFont typeface="Wingdings" charset="2"/>
+              <a:buChar char=""/>
+            </a:pPr>
+            <a:r>
+              <a:rPr b="0" lang="pt-BR" sz="2000" spc="-1" strike="noStrike">
+                <a:latin typeface="Arial"/>
+              </a:rPr>
+              <a:t>5.º nível da estrutura de tópicos</a:t>
+            </a:r>
+            <a:endParaRPr b="0" lang="pt-BR" sz="2000" spc="-1" strike="noStrike">
+              <a:latin typeface="Arial"/>
+            </a:endParaRPr>
+          </a:p>
+          <a:p>
+            <a:pPr lvl="5" marL="2592000" indent="-216000">
+              <a:spcBef>
+                <a:spcPts val="283"/>
+              </a:spcBef>
+              <a:buClr>
+                <a:srgbClr val="000000"/>
+              </a:buClr>
+              <a:buSzPct val="45000"/>
+              <a:buFont typeface="Wingdings" charset="2"/>
+              <a:buChar char=""/>
+            </a:pPr>
+            <a:r>
+              <a:rPr b="0" lang="pt-BR" sz="2000" spc="-1" strike="noStrike">
+                <a:latin typeface="Arial"/>
+              </a:rPr>
+              <a:t>6.º nível da estrutura de tópicos</a:t>
+            </a:r>
+            <a:endParaRPr b="0" lang="pt-BR" sz="2000" spc="-1" strike="noStrike">
+              <a:latin typeface="Arial"/>
+            </a:endParaRPr>
+          </a:p>
+          <a:p>
+            <a:pPr lvl="6" marL="3024000" indent="-216000">
+              <a:spcBef>
+                <a:spcPts val="283"/>
+              </a:spcBef>
+              <a:buClr>
+                <a:srgbClr val="000000"/>
+              </a:buClr>
+              <a:buSzPct val="45000"/>
+              <a:buFont typeface="Wingdings" charset="2"/>
+              <a:buChar char=""/>
+            </a:pPr>
+            <a:r>
+              <a:rPr b="0" lang="pt-BR" sz="2000" spc="-1" strike="noStrike">
+                <a:latin typeface="Arial"/>
+              </a:rPr>
+              <a:t>7.º nível da estrutura de tópicos</a:t>
+            </a:r>
+            <a:endParaRPr b="0" lang="pt-BR" sz="2000" spc="-1" strike="noStrike">
+              <a:latin typeface="Arial"/>
             </a:endParaRPr>
           </a:p>
         </p:txBody>
@@ -1688,14 +1650,14 @@
       </p:grpSpPr>
       <p:sp>
         <p:nvSpPr>
-          <p:cNvPr id="40" name="CustomShape 1"/>
+          <p:cNvPr id="38" name="CustomShape 1"/>
           <p:cNvSpPr/>
           <p:nvPr/>
         </p:nvSpPr>
         <p:spPr>
           <a:xfrm>
-            <a:off x="2322000" y="1280160"/>
-            <a:ext cx="1473480" cy="1384920"/>
+            <a:off x="2322000" y="2396160"/>
+            <a:ext cx="1473120" cy="1384560"/>
           </a:xfrm>
           <a:prstGeom prst="ellipse">
             <a:avLst/>
@@ -1732,8 +1694,9 @@
                   <a:srgbClr val="000000"/>
                 </a:solidFill>
                 <a:latin typeface="Calibri"/>
-              </a:rPr>
-              <a:t>Efetuar a compra do produto</a:t>
+                <a:ea typeface="DejaVu Sans"/>
+              </a:rPr>
+              <a:t>Efetuar a venda do produto</a:t>
             </a:r>
             <a:endParaRPr b="0" lang="pt-BR" sz="1200" spc="-1" strike="noStrike">
               <a:latin typeface="Arial"/>
@@ -1743,14 +1706,14 @@
       </p:sp>
       <p:sp>
         <p:nvSpPr>
-          <p:cNvPr id="41" name="CustomShape 2"/>
+          <p:cNvPr id="39" name="CustomShape 2"/>
           <p:cNvSpPr/>
           <p:nvPr/>
         </p:nvSpPr>
         <p:spPr>
           <a:xfrm>
-            <a:off x="705960" y="306000"/>
-            <a:ext cx="834840" cy="435960"/>
+            <a:off x="705960" y="1422000"/>
+            <a:ext cx="834480" cy="435600"/>
           </a:xfrm>
           <a:prstGeom prst="rect">
             <a:avLst/>
@@ -1758,7 +1721,18 @@
           <a:solidFill>
             <a:srgbClr val="66ffff"/>
           </a:solidFill>
-          <a:ln/>
+          <a:ln>
+            <a:solidFill>
+              <a:srgbClr val="5597d3"/>
+            </a:solidFill>
+          </a:ln>
+          <a:effectLst>
+            <a:outerShdw blurRad="40000" dir="5400000" dist="20160" rotWithShape="0">
+              <a:srgbClr val="000000">
+                <a:alpha val="38000"/>
+              </a:srgbClr>
+            </a:outerShdw>
+          </a:effectLst>
         </p:spPr>
         <p:style>
           <a:lnRef idx="1">
@@ -1788,6 +1762,7 @@
                   <a:srgbClr val="000000"/>
                 </a:solidFill>
                 <a:latin typeface="Calibri"/>
+                <a:ea typeface="DejaVu Sans"/>
               </a:rPr>
               <a:t>Cliente</a:t>
             </a:r>
@@ -1799,14 +1774,14 @@
       </p:sp>
       <p:sp>
         <p:nvSpPr>
-          <p:cNvPr id="42" name="CustomShape 3"/>
+          <p:cNvPr id="40" name="CustomShape 3"/>
           <p:cNvSpPr/>
           <p:nvPr/>
         </p:nvSpPr>
         <p:spPr>
           <a:xfrm>
-            <a:off x="921240" y="3228120"/>
-            <a:ext cx="1191240" cy="360360"/>
+            <a:off x="2647800" y="4362480"/>
+            <a:ext cx="821520" cy="360000"/>
           </a:xfrm>
           <a:prstGeom prst="rect">
             <a:avLst/>
@@ -1845,8 +1820,9 @@
                   <a:srgbClr val="000000"/>
                 </a:solidFill>
                 <a:latin typeface="Calibri"/>
-              </a:rPr>
-              <a:t>Preço do produto</a:t>
+                <a:ea typeface="DejaVu Sans"/>
+              </a:rPr>
+              <a:t>Pedido</a:t>
             </a:r>
             <a:endParaRPr b="0" lang="pt-BR" sz="1050" spc="-1" strike="noStrike">
               <a:latin typeface="Arial"/>
@@ -1856,77 +1832,23 @@
       </p:sp>
       <p:sp>
         <p:nvSpPr>
-          <p:cNvPr id="43" name="CustomShape 4"/>
+          <p:cNvPr id="41" name="CustomShape 4"/>
           <p:cNvSpPr/>
           <p:nvPr/>
         </p:nvSpPr>
         <p:spPr>
           <a:xfrm>
-            <a:off x="2647800" y="3246480"/>
-            <a:ext cx="821880" cy="360360"/>
-          </a:xfrm>
-          <a:prstGeom prst="rect">
-            <a:avLst/>
-          </a:prstGeom>
-          <a:ln>
-            <a:noFill/>
-          </a:ln>
-        </p:spPr>
-        <p:style>
-          <a:lnRef idx="2">
-            <a:schemeClr val="accent6">
-              <a:shade val="50000"/>
-            </a:schemeClr>
-          </a:lnRef>
-          <a:fillRef idx="1">
-            <a:schemeClr val="accent6"/>
-          </a:fillRef>
-          <a:effectRef idx="0">
-            <a:schemeClr val="accent6"/>
-          </a:effectRef>
-          <a:fontRef idx="minor"/>
-        </p:style>
-        <p:txBody>
-          <a:bodyPr lIns="90000" rIns="90000" tIns="45000" bIns="45000" anchor="ctr">
-            <a:noAutofit/>
-          </a:bodyPr>
-          <a:p>
-            <a:pPr algn="ctr">
-              <a:lnSpc>
-                <a:spcPct val="100000"/>
-              </a:lnSpc>
-            </a:pPr>
-            <a:r>
-              <a:rPr b="0" lang="pt-BR" sz="1050" spc="-1" strike="noStrike">
-                <a:solidFill>
-                  <a:srgbClr val="000000"/>
-                </a:solidFill>
-                <a:latin typeface="Calibri"/>
-              </a:rPr>
-              <a:t>Produto</a:t>
-            </a:r>
-            <a:endParaRPr b="0" lang="pt-BR" sz="1050" spc="-1" strike="noStrike">
-              <a:latin typeface="Arial"/>
-            </a:endParaRPr>
-          </a:p>
-        </p:txBody>
-      </p:sp>
-      <p:sp>
-        <p:nvSpPr>
-          <p:cNvPr id="44" name="CustomShape 5"/>
-          <p:cNvSpPr/>
-          <p:nvPr/>
-        </p:nvSpPr>
-        <p:spPr>
-          <a:xfrm>
-            <a:off x="1541520" y="524160"/>
-            <a:ext cx="1517040" cy="755640"/>
+            <a:off x="1541520" y="1640160"/>
+            <a:ext cx="1516680" cy="755280"/>
           </a:xfrm>
           <a:prstGeom prst="curvedConnector2">
             <a:avLst/>
           </a:prstGeom>
           <a:noFill/>
           <a:ln>
+            <a:solidFill>
+              <a:srgbClr val="3f6ec2"/>
+            </a:solidFill>
             <a:tailEnd len="med" type="triangle" w="med"/>
           </a:ln>
         </p:spPr>
@@ -1945,14 +1867,14 @@
       </p:sp>
       <p:sp>
         <p:nvSpPr>
-          <p:cNvPr id="45" name="CustomShape 6"/>
+          <p:cNvPr id="42" name="CustomShape 5"/>
           <p:cNvSpPr/>
           <p:nvPr/>
         </p:nvSpPr>
         <p:spPr>
           <a:xfrm>
-            <a:off x="2238120" y="626760"/>
-            <a:ext cx="1164960" cy="227520"/>
+            <a:off x="2238120" y="1742760"/>
+            <a:ext cx="1164600" cy="227160"/>
           </a:xfrm>
           <a:prstGeom prst="rect">
             <a:avLst/>
@@ -1984,8 +1906,9 @@
                   <a:srgbClr val="000000"/>
                 </a:solidFill>
                 <a:latin typeface="Calibri"/>
-              </a:rPr>
-              <a:t>Produto escolhido</a:t>
+                <a:ea typeface="DejaVu Sans"/>
+              </a:rPr>
+              <a:t>pedido</a:t>
             </a:r>
             <a:endParaRPr b="0" lang="pt-BR" sz="900" spc="-1" strike="noStrike">
               <a:latin typeface="Arial"/>
@@ -1995,14 +1918,14 @@
       </p:sp>
       <p:sp>
         <p:nvSpPr>
-          <p:cNvPr id="46" name="CustomShape 7"/>
+          <p:cNvPr id="43" name="CustomShape 6"/>
           <p:cNvSpPr/>
           <p:nvPr/>
         </p:nvSpPr>
         <p:spPr>
-          <a:xfrm flipV="1">
-            <a:off x="1517040" y="2462040"/>
-            <a:ext cx="1020240" cy="765360"/>
+          <a:xfrm>
+            <a:off x="3058920" y="3781440"/>
+            <a:ext cx="360" cy="580320"/>
           </a:xfrm>
           <a:custGeom>
             <a:avLst/>
@@ -2022,6 +1945,9 @@
           </a:custGeom>
           <a:noFill/>
           <a:ln>
+            <a:solidFill>
+              <a:srgbClr val="3f6ec2"/>
+            </a:solidFill>
             <a:tailEnd len="med" type="triangle" w="med"/>
           </a:ln>
         </p:spPr>
@@ -2040,33 +1966,23 @@
       </p:sp>
       <p:sp>
         <p:nvSpPr>
-          <p:cNvPr id="47" name="CustomShape 8"/>
+          <p:cNvPr id="44" name="CustomShape 7"/>
           <p:cNvSpPr/>
           <p:nvPr/>
         </p:nvSpPr>
         <p:spPr>
-          <a:xfrm>
-            <a:off x="3058920" y="2665440"/>
-            <a:ext cx="360" cy="580680"/>
-          </a:xfrm>
-          <a:custGeom>
-            <a:avLst/>
-            <a:gdLst/>
-            <a:ahLst/>
-            <a:rect l="l" t="t" r="r" b="b"/>
-            <a:pathLst>
-              <a:path w="21600" h="21600">
-                <a:moveTo>
-                  <a:pt x="0" y="0"/>
-                </a:moveTo>
-                <a:lnTo>
-                  <a:pt x="21600" y="21600"/>
-                </a:lnTo>
-              </a:path>
-            </a:pathLst>
-          </a:custGeom>
+          <a:xfrm rot="10800000">
+            <a:off x="1124280" y="1857960"/>
+            <a:ext cx="1205640" cy="1236240"/>
+          </a:xfrm>
+          <a:prstGeom prst="curvedConnector2">
+            <a:avLst/>
+          </a:prstGeom>
           <a:noFill/>
           <a:ln>
+            <a:solidFill>
+              <a:srgbClr val="3f6ec2"/>
+            </a:solidFill>
             <a:tailEnd len="med" type="triangle" w="med"/>
           </a:ln>
         </p:spPr>
@@ -2085,46 +2001,14 @@
       </p:sp>
       <p:sp>
         <p:nvSpPr>
-          <p:cNvPr id="48" name="CustomShape 9"/>
+          <p:cNvPr id="45" name="CustomShape 8"/>
           <p:cNvSpPr/>
           <p:nvPr/>
         </p:nvSpPr>
         <p:spPr>
-          <a:xfrm rot="10800000">
-            <a:off x="1123920" y="741960"/>
-            <a:ext cx="1206000" cy="1236600"/>
-          </a:xfrm>
-          <a:prstGeom prst="curvedConnector2">
-            <a:avLst/>
-          </a:prstGeom>
-          <a:noFill/>
-          <a:ln>
-            <a:tailEnd len="med" type="triangle" w="med"/>
-          </a:ln>
-        </p:spPr>
-        <p:style>
-          <a:lnRef idx="1">
-            <a:schemeClr val="accent1"/>
-          </a:lnRef>
-          <a:fillRef idx="0">
-            <a:schemeClr val="accent1"/>
-          </a:fillRef>
-          <a:effectRef idx="0">
-            <a:schemeClr val="accent1"/>
-          </a:effectRef>
-          <a:fontRef idx="minor"/>
-        </p:style>
-      </p:sp>
-      <p:sp>
-        <p:nvSpPr>
-          <p:cNvPr id="49" name="CustomShape 10"/>
-          <p:cNvSpPr/>
-          <p:nvPr/>
-        </p:nvSpPr>
-        <p:spPr>
-          <a:xfrm>
-            <a:off x="726480" y="1413720"/>
-            <a:ext cx="1473480" cy="364680"/>
+          <a:xfrm>
+            <a:off x="726480" y="2529720"/>
+            <a:ext cx="1473120" cy="364680"/>
           </a:xfrm>
           <a:prstGeom prst="rect">
             <a:avLst/>
@@ -2156,8 +2040,9 @@
                   <a:srgbClr val="000000"/>
                 </a:solidFill>
                 <a:latin typeface="Calibri"/>
-              </a:rPr>
-              <a:t>Recusa venda/devolução do valor</a:t>
+                <a:ea typeface="DejaVu Sans"/>
+              </a:rPr>
+              <a:t>valor + formas de pagamento</a:t>
             </a:r>
             <a:endParaRPr b="0" lang="pt-BR" sz="900" spc="-1" strike="noStrike">
               <a:latin typeface="Arial"/>
@@ -2167,14 +2052,14 @@
       </p:sp>
       <p:sp>
         <p:nvSpPr>
-          <p:cNvPr id="50" name="CustomShape 11"/>
+          <p:cNvPr id="46" name="CustomShape 9"/>
           <p:cNvSpPr/>
           <p:nvPr/>
         </p:nvSpPr>
         <p:spPr>
           <a:xfrm>
-            <a:off x="4867200" y="306000"/>
-            <a:ext cx="3074760" cy="700200"/>
+            <a:off x="4867200" y="1422000"/>
+            <a:ext cx="3074400" cy="700200"/>
           </a:xfrm>
           <a:prstGeom prst="rect">
             <a:avLst/>
@@ -2206,6 +2091,7 @@
                   <a:srgbClr val="000000"/>
                 </a:solidFill>
                 <a:latin typeface="Calibri"/>
+                <a:ea typeface="DejaVu Sans"/>
               </a:rPr>
               <a:t>Descrição dos Processos de Negócio</a:t>
             </a:r>
@@ -2217,14 +2103,14 @@
       </p:sp>
       <p:sp>
         <p:nvSpPr>
-          <p:cNvPr id="51" name="CustomShape 12"/>
+          <p:cNvPr id="47" name="CustomShape 10"/>
           <p:cNvSpPr/>
           <p:nvPr/>
         </p:nvSpPr>
         <p:spPr>
           <a:xfrm>
-            <a:off x="4737600" y="2860200"/>
-            <a:ext cx="3720240" cy="1324800"/>
+            <a:off x="4737600" y="3976200"/>
+            <a:ext cx="3719880" cy="1324440"/>
           </a:xfrm>
           <a:prstGeom prst="rect">
             <a:avLst/>
@@ -2258,8 +2144,9 @@
                   <a:srgbClr val="000000"/>
                 </a:solidFill>
                 <a:latin typeface="Calibri"/>
-              </a:rPr>
-              <a:t>Efetuar a compra do produto.</a:t>
+                <a:ea typeface="DejaVu Sans"/>
+              </a:rPr>
+              <a:t>Efetuar a venda do produto.</a:t>
             </a:r>
             <a:endParaRPr b="0" lang="pt-BR" sz="900" spc="-1" strike="noStrike">
               <a:latin typeface="Arial"/>
@@ -2277,6 +2164,7 @@
                   <a:srgbClr val="000000"/>
                 </a:solidFill>
                 <a:latin typeface="Calibri"/>
+                <a:ea typeface="DejaVu Sans"/>
               </a:rPr>
               <a:t>Evento:</a:t>
             </a:r>
@@ -2286,8 +2174,9 @@
                   <a:srgbClr val="000000"/>
                 </a:solidFill>
                 <a:latin typeface="Calibri"/>
-              </a:rPr>
-              <a:t> Cliente efetua a compra do produto.</a:t>
+                <a:ea typeface="DejaVu Sans"/>
+              </a:rPr>
+              <a:t> Cliente faz pedido do produto.</a:t>
             </a:r>
             <a:endParaRPr b="0" lang="pt-BR" sz="900" spc="-1" strike="noStrike">
               <a:latin typeface="Arial"/>
@@ -2305,6 +2194,7 @@
                   <a:srgbClr val="000000"/>
                 </a:solidFill>
                 <a:latin typeface="Calibri"/>
+                <a:ea typeface="DejaVu Sans"/>
               </a:rPr>
               <a:t>Objetivo: </a:t>
             </a:r>
@@ -2314,8 +2204,9 @@
                   <a:srgbClr val="000000"/>
                 </a:solidFill>
                 <a:latin typeface="Calibri"/>
-              </a:rPr>
-              <a:t>Efetuar a compra dos produtos desejados pelo cliente.</a:t>
+                <a:ea typeface="DejaVu Sans"/>
+              </a:rPr>
+              <a:t>Efetuar a venda dos produtos desejados pelo cliente.</a:t>
             </a:r>
             <a:endParaRPr b="0" lang="pt-BR" sz="900" spc="-1" strike="noStrike">
               <a:latin typeface="Arial"/>
@@ -2333,6 +2224,7 @@
                   <a:srgbClr val="000000"/>
                 </a:solidFill>
                 <a:latin typeface="Calibri"/>
+                <a:ea typeface="DejaVu Sans"/>
               </a:rPr>
               <a:t>Trabalhadores envolvidos:</a:t>
             </a:r>
@@ -2341,7 +2233,7 @@
             </a:endParaRPr>
           </a:p>
           <a:p>
-            <a:pPr marL="171360" indent="-171000">
+            <a:pPr marL="171360" indent="-170640">
               <a:lnSpc>
                 <a:spcPct val="100000"/>
               </a:lnSpc>
@@ -2357,6 +2249,7 @@
                   <a:srgbClr val="000000"/>
                 </a:solidFill>
                 <a:latin typeface="Calibri"/>
+                <a:ea typeface="DejaVu Sans"/>
               </a:rPr>
               <a:t>Vendedor.</a:t>
             </a:r>
@@ -2365,7 +2258,7 @@
             </a:endParaRPr>
           </a:p>
           <a:p>
-            <a:pPr lvl="1" marL="432000" indent="-216000">
+            <a:pPr lvl="1" marL="432000" indent="-215640">
               <a:lnSpc>
                 <a:spcPct val="100000"/>
               </a:lnSpc>
@@ -2382,6 +2275,7 @@
                   <a:srgbClr val="000000"/>
                 </a:solidFill>
                 <a:latin typeface="Calibri"/>
+                <a:ea typeface="DejaVu Sans"/>
               </a:rPr>
               <a:t>Verifica disponibilidade e preço do produto.</a:t>
             </a:r>
@@ -2390,7 +2284,7 @@
             </a:endParaRPr>
           </a:p>
           <a:p>
-            <a:pPr lvl="2" marL="648000" indent="-216000">
+            <a:pPr lvl="2" marL="648000" indent="-215640">
               <a:lnSpc>
                 <a:spcPct val="100000"/>
               </a:lnSpc>
@@ -2407,15 +2301,16 @@
                   <a:srgbClr val="000000"/>
                 </a:solidFill>
                 <a:latin typeface="Calibri"/>
-              </a:rPr>
-              <a:t>se não houver disponibilida de, vendedor informa ao cliente que o pedido foi recusado.</a:t>
+                <a:ea typeface="DejaVu Sans"/>
+              </a:rPr>
+              <a:t>Se não houver disponibilidade, vendedor informa ao cliente que o pedido foi recusado.</a:t>
             </a:r>
             <a:endParaRPr b="0" lang="pt-BR" sz="900" spc="-1" strike="noStrike">
               <a:latin typeface="Arial"/>
             </a:endParaRPr>
           </a:p>
           <a:p>
-            <a:pPr lvl="1" marL="432000" indent="-216000">
+            <a:pPr lvl="1" marL="432000" indent="-215640">
               <a:lnSpc>
                 <a:spcPct val="100000"/>
               </a:lnSpc>
@@ -2432,8 +2327,9 @@
                   <a:srgbClr val="000000"/>
                 </a:solidFill>
                 <a:latin typeface="Calibri"/>
-              </a:rPr>
-              <a:t>Guarda o produto escolhido em produto.</a:t>
+                <a:ea typeface="DejaVu Sans"/>
+              </a:rPr>
+              <a:t>Guarda o produto escolhido em pedido.</a:t>
             </a:r>
             <a:endParaRPr b="0" lang="pt-BR" sz="900" spc="-1" strike="noStrike">
               <a:latin typeface="Arial"/>
@@ -2443,14 +2339,14 @@
       </p:sp>
       <p:sp>
         <p:nvSpPr>
-          <p:cNvPr id="52" name="CustomShape 13"/>
+          <p:cNvPr id="48" name="CustomShape 11"/>
           <p:cNvSpPr/>
           <p:nvPr/>
         </p:nvSpPr>
         <p:spPr>
           <a:xfrm>
-            <a:off x="3795840" y="1972800"/>
-            <a:ext cx="2801880" cy="887040"/>
+            <a:off x="3795840" y="3088800"/>
+            <a:ext cx="2801520" cy="886680"/>
           </a:xfrm>
           <a:prstGeom prst="curvedConnector2">
             <a:avLst/>
@@ -2459,6 +2355,13 @@
           <a:ln>
             <a:tailEnd len="med" type="triangle" w="med"/>
           </a:ln>
+          <a:effectLst>
+            <a:outerShdw blurRad="40000" dir="5400000" dist="23040" rotWithShape="0">
+              <a:srgbClr val="000000">
+                <a:alpha val="35000"/>
+              </a:srgbClr>
+            </a:outerShdw>
+          </a:effectLst>
         </p:spPr>
         <p:style>
           <a:lnRef idx="3">
@@ -2475,14 +2378,14 @@
       </p:sp>
       <p:sp>
         <p:nvSpPr>
-          <p:cNvPr id="53" name="CustomShape 14"/>
+          <p:cNvPr id="49" name="CustomShape 12"/>
           <p:cNvSpPr/>
           <p:nvPr/>
         </p:nvSpPr>
         <p:spPr>
           <a:xfrm>
-            <a:off x="4737600" y="3645000"/>
-            <a:ext cx="3720240" cy="230400"/>
+            <a:off x="4737600" y="4761000"/>
+            <a:ext cx="3719880" cy="230040"/>
           </a:xfrm>
           <a:prstGeom prst="rect">
             <a:avLst/>
@@ -2498,6 +2401,3128 @@
           <a:effectRef idx="0"/>
           <a:fontRef idx="minor"/>
         </p:style>
+      </p:sp>
+    </p:spTree>
+  </p:cSld>
+  <mc:AlternateContent>
+    <mc:Choice Requires="p14">
+      <p:transition spd="slow" p14:dur="2000"/>
+    </mc:Choice>
+    <mc:Fallback>
+      <p:transition spd="slow"/>
+    </mc:Fallback>
+  </mc:AlternateContent>
+</p:sld>
+</file>
+
+<file path=ppt/slides/slide2.xml><?xml version="1.0" encoding="utf-8"?>
+<p:sld xmlns:a="http://schemas.openxmlformats.org/drawingml/2006/main" xmlns:p="http://schemas.openxmlformats.org/presentationml/2006/main" xmlns:r="http://schemas.openxmlformats.org/officeDocument/2006/relationships" xmlns:p14="http://schemas.microsoft.com/office/powerpoint/2010/main" xmlns:p15="http://schemas.microsoft.com/office/powerpoint/2012/main" xmlns:mc="http://schemas.openxmlformats.org/markup-compatibility/2006">
+  <p:cSld>
+    <p:spTree>
+      <p:nvGrpSpPr>
+        <p:cNvPr id="1" name=""/>
+        <p:cNvGrpSpPr/>
+        <p:nvPr/>
+      </p:nvGrpSpPr>
+      <p:grpSpPr>
+        <a:xfrm>
+          <a:off x="0" y="0"/>
+          <a:ext cx="0" cy="0"/>
+          <a:chOff x="0" y="0"/>
+          <a:chExt cx="0" cy="0"/>
+        </a:xfrm>
+      </p:grpSpPr>
+      <p:sp>
+        <p:nvSpPr>
+          <p:cNvPr id="50" name="CustomShape 1"/>
+          <p:cNvSpPr/>
+          <p:nvPr/>
+        </p:nvSpPr>
+        <p:spPr>
+          <a:xfrm>
+            <a:off x="2322000" y="2396160"/>
+            <a:ext cx="1473120" cy="1384560"/>
+          </a:xfrm>
+          <a:prstGeom prst="ellipse">
+            <a:avLst/>
+          </a:prstGeom>
+          <a:ln/>
+        </p:spPr>
+        <p:style>
+          <a:lnRef idx="2">
+            <a:schemeClr val="accent2">
+              <a:shade val="50000"/>
+            </a:schemeClr>
+          </a:lnRef>
+          <a:fillRef idx="1">
+            <a:schemeClr val="accent2"/>
+          </a:fillRef>
+          <a:effectRef idx="0">
+            <a:schemeClr val="accent2"/>
+          </a:effectRef>
+          <a:fontRef idx="minor"/>
+        </p:style>
+        <p:txBody>
+          <a:bodyPr lIns="90000" rIns="90000" tIns="45000" bIns="45000" anchor="ctr">
+            <a:noAutofit/>
+          </a:bodyPr>
+          <a:p>
+            <a:pPr algn="ctr">
+              <a:lnSpc>
+                <a:spcPct val="100000"/>
+              </a:lnSpc>
+            </a:pPr>
+            <a:r>
+              <a:rPr b="0" lang="pt-BR" sz="1200" spc="-1" strike="noStrike">
+                <a:solidFill>
+                  <a:srgbClr val="000000"/>
+                </a:solidFill>
+                <a:latin typeface="Calibri"/>
+                <a:ea typeface="DejaVu Sans"/>
+              </a:rPr>
+              <a:t>Receber o pagamento em dinheiro</a:t>
+            </a:r>
+            <a:endParaRPr b="0" lang="pt-BR" sz="1200" spc="-1" strike="noStrike">
+              <a:latin typeface="Arial"/>
+            </a:endParaRPr>
+          </a:p>
+        </p:txBody>
+      </p:sp>
+      <p:sp>
+        <p:nvSpPr>
+          <p:cNvPr id="51" name="CustomShape 2"/>
+          <p:cNvSpPr/>
+          <p:nvPr/>
+        </p:nvSpPr>
+        <p:spPr>
+          <a:xfrm>
+            <a:off x="705960" y="1422000"/>
+            <a:ext cx="834480" cy="435600"/>
+          </a:xfrm>
+          <a:prstGeom prst="rect">
+            <a:avLst/>
+          </a:prstGeom>
+          <a:solidFill>
+            <a:srgbClr val="66ffff"/>
+          </a:solidFill>
+          <a:ln>
+            <a:solidFill>
+              <a:srgbClr val="5597d3"/>
+            </a:solidFill>
+          </a:ln>
+          <a:effectLst>
+            <a:outerShdw blurRad="40000" dir="5400000" dist="20160" rotWithShape="0">
+              <a:srgbClr val="000000">
+                <a:alpha val="38000"/>
+              </a:srgbClr>
+            </a:outerShdw>
+          </a:effectLst>
+        </p:spPr>
+        <p:style>
+          <a:lnRef idx="1">
+            <a:schemeClr val="accent5"/>
+          </a:lnRef>
+          <a:fillRef idx="2">
+            <a:schemeClr val="accent5"/>
+          </a:fillRef>
+          <a:effectRef idx="1">
+            <a:schemeClr val="accent5"/>
+          </a:effectRef>
+          <a:fontRef idx="minor"/>
+        </p:style>
+        <p:txBody>
+          <a:bodyPr lIns="90000" rIns="90000" tIns="45000" bIns="45000" anchor="ctr">
+            <a:noAutofit/>
+          </a:bodyPr>
+          <a:p>
+            <a:pPr algn="ctr">
+              <a:lnSpc>
+                <a:spcPct val="100000"/>
+              </a:lnSpc>
+            </a:pPr>
+            <a:r>
+              <a:rPr b="0" lang="pt-BR" sz="1200" spc="-1" strike="noStrike">
+                <a:solidFill>
+                  <a:srgbClr val="000000"/>
+                </a:solidFill>
+                <a:latin typeface="Calibri"/>
+                <a:ea typeface="DejaVu Sans"/>
+              </a:rPr>
+              <a:t>Cliente</a:t>
+            </a:r>
+            <a:endParaRPr b="0" lang="pt-BR" sz="1200" spc="-1" strike="noStrike">
+              <a:latin typeface="Arial"/>
+            </a:endParaRPr>
+          </a:p>
+        </p:txBody>
+      </p:sp>
+      <p:sp>
+        <p:nvSpPr>
+          <p:cNvPr id="52" name="CustomShape 3"/>
+          <p:cNvSpPr/>
+          <p:nvPr/>
+        </p:nvSpPr>
+        <p:spPr>
+          <a:xfrm>
+            <a:off x="1963800" y="4362480"/>
+            <a:ext cx="821520" cy="360000"/>
+          </a:xfrm>
+          <a:prstGeom prst="rect">
+            <a:avLst/>
+          </a:prstGeom>
+          <a:ln>
+            <a:noFill/>
+          </a:ln>
+        </p:spPr>
+        <p:style>
+          <a:lnRef idx="2">
+            <a:schemeClr val="accent6">
+              <a:shade val="50000"/>
+            </a:schemeClr>
+          </a:lnRef>
+          <a:fillRef idx="1">
+            <a:schemeClr val="accent6"/>
+          </a:fillRef>
+          <a:effectRef idx="0">
+            <a:schemeClr val="accent6"/>
+          </a:effectRef>
+          <a:fontRef idx="minor"/>
+        </p:style>
+        <p:txBody>
+          <a:bodyPr lIns="90000" rIns="90000" tIns="45000" bIns="45000" anchor="ctr">
+            <a:noAutofit/>
+          </a:bodyPr>
+          <a:p>
+            <a:pPr algn="ctr">
+              <a:lnSpc>
+                <a:spcPct val="100000"/>
+              </a:lnSpc>
+            </a:pPr>
+            <a:r>
+              <a:rPr b="0" lang="pt-BR" sz="1050" spc="-1" strike="noStrike">
+                <a:solidFill>
+                  <a:srgbClr val="000000"/>
+                </a:solidFill>
+                <a:latin typeface="Calibri"/>
+                <a:ea typeface="DejaVu Sans"/>
+              </a:rPr>
+              <a:t>Cliente</a:t>
+            </a:r>
+            <a:endParaRPr b="0" lang="pt-BR" sz="1050" spc="-1" strike="noStrike">
+              <a:latin typeface="Arial"/>
+            </a:endParaRPr>
+          </a:p>
+        </p:txBody>
+      </p:sp>
+      <p:sp>
+        <p:nvSpPr>
+          <p:cNvPr id="53" name="CustomShape 4"/>
+          <p:cNvSpPr/>
+          <p:nvPr/>
+        </p:nvSpPr>
+        <p:spPr>
+          <a:xfrm>
+            <a:off x="2238120" y="1742760"/>
+            <a:ext cx="1361880" cy="227520"/>
+          </a:xfrm>
+          <a:prstGeom prst="rect">
+            <a:avLst/>
+          </a:prstGeom>
+          <a:noFill/>
+          <a:ln w="0">
+            <a:noFill/>
+          </a:ln>
+        </p:spPr>
+        <p:style>
+          <a:lnRef idx="0"/>
+          <a:fillRef idx="0"/>
+          <a:effectRef idx="0"/>
+          <a:fontRef idx="minor"/>
+        </p:style>
+        <p:txBody>
+          <a:bodyPr lIns="90000" rIns="90000" tIns="45000" bIns="45000">
+            <a:spAutoFit/>
+          </a:bodyPr>
+          <a:p>
+            <a:pPr>
+              <a:lnSpc>
+                <a:spcPct val="100000"/>
+              </a:lnSpc>
+            </a:pPr>
+            <a:r>
+              <a:rPr b="0" lang="pt-BR" sz="900" spc="-1" strike="noStrike">
+                <a:solidFill>
+                  <a:srgbClr val="000000"/>
+                </a:solidFill>
+                <a:latin typeface="Calibri"/>
+                <a:ea typeface="DejaVu Sans"/>
+              </a:rPr>
+              <a:t>produto + (troco) + NF</a:t>
+            </a:r>
+            <a:endParaRPr b="0" lang="pt-BR" sz="900" spc="-1" strike="noStrike">
+              <a:latin typeface="Arial"/>
+            </a:endParaRPr>
+          </a:p>
+        </p:txBody>
+      </p:sp>
+      <p:sp>
+        <p:nvSpPr>
+          <p:cNvPr id="54" name="CustomShape 5"/>
+          <p:cNvSpPr/>
+          <p:nvPr/>
+        </p:nvSpPr>
+        <p:spPr>
+          <a:xfrm>
+            <a:off x="726480" y="2529720"/>
+            <a:ext cx="1473120" cy="364680"/>
+          </a:xfrm>
+          <a:prstGeom prst="rect">
+            <a:avLst/>
+          </a:prstGeom>
+          <a:noFill/>
+          <a:ln w="0">
+            <a:noFill/>
+          </a:ln>
+        </p:spPr>
+        <p:style>
+          <a:lnRef idx="0"/>
+          <a:fillRef idx="0"/>
+          <a:effectRef idx="0"/>
+          <a:fontRef idx="minor"/>
+        </p:style>
+        <p:txBody>
+          <a:bodyPr lIns="90000" rIns="90000" tIns="45000" bIns="45000">
+            <a:spAutoFit/>
+          </a:bodyPr>
+          <a:p>
+            <a:pPr>
+              <a:lnSpc>
+                <a:spcPct val="100000"/>
+              </a:lnSpc>
+            </a:pPr>
+            <a:r>
+              <a:rPr b="0" lang="pt-BR" sz="900" spc="-1" strike="noStrike">
+                <a:solidFill>
+                  <a:srgbClr val="000000"/>
+                </a:solidFill>
+                <a:latin typeface="Calibri"/>
+                <a:ea typeface="DejaVu Sans"/>
+              </a:rPr>
+              <a:t>pagamento em dinheiro + detalhes do cliente</a:t>
+            </a:r>
+            <a:endParaRPr b="0" lang="pt-BR" sz="900" spc="-1" strike="noStrike">
+              <a:latin typeface="Arial"/>
+            </a:endParaRPr>
+          </a:p>
+        </p:txBody>
+      </p:sp>
+      <p:sp>
+        <p:nvSpPr>
+          <p:cNvPr id="55" name="CustomShape 6"/>
+          <p:cNvSpPr/>
+          <p:nvPr/>
+        </p:nvSpPr>
+        <p:spPr>
+          <a:xfrm>
+            <a:off x="4867200" y="1422000"/>
+            <a:ext cx="3074400" cy="699840"/>
+          </a:xfrm>
+          <a:prstGeom prst="rect">
+            <a:avLst/>
+          </a:prstGeom>
+          <a:noFill/>
+          <a:ln w="0">
+            <a:noFill/>
+          </a:ln>
+        </p:spPr>
+        <p:style>
+          <a:lnRef idx="0"/>
+          <a:fillRef idx="0"/>
+          <a:effectRef idx="0"/>
+          <a:fontRef idx="minor"/>
+        </p:style>
+        <p:txBody>
+          <a:bodyPr lIns="90000" rIns="90000" tIns="45000" bIns="45000">
+            <a:spAutoFit/>
+          </a:bodyPr>
+          <a:p>
+            <a:pPr>
+              <a:lnSpc>
+                <a:spcPct val="100000"/>
+              </a:lnSpc>
+            </a:pPr>
+            <a:r>
+              <a:rPr b="0" lang="pt-BR" sz="2000" spc="-1" strike="noStrike">
+                <a:solidFill>
+                  <a:srgbClr val="000000"/>
+                </a:solidFill>
+                <a:latin typeface="Calibri"/>
+                <a:ea typeface="DejaVu Sans"/>
+              </a:rPr>
+              <a:t>Descrição dos Processos de Negócio</a:t>
+            </a:r>
+            <a:endParaRPr b="0" lang="pt-BR" sz="2000" spc="-1" strike="noStrike">
+              <a:latin typeface="Arial"/>
+            </a:endParaRPr>
+          </a:p>
+        </p:txBody>
+      </p:sp>
+      <p:sp>
+        <p:nvSpPr>
+          <p:cNvPr id="56" name="CustomShape 7"/>
+          <p:cNvSpPr/>
+          <p:nvPr/>
+        </p:nvSpPr>
+        <p:spPr>
+          <a:xfrm>
+            <a:off x="6000120" y="3976200"/>
+            <a:ext cx="3719880" cy="1872720"/>
+          </a:xfrm>
+          <a:prstGeom prst="rect">
+            <a:avLst/>
+          </a:prstGeom>
+          <a:solidFill>
+            <a:schemeClr val="bg2"/>
+          </a:solidFill>
+          <a:ln w="0">
+            <a:noFill/>
+          </a:ln>
+        </p:spPr>
+        <p:style>
+          <a:lnRef idx="0"/>
+          <a:fillRef idx="0"/>
+          <a:effectRef idx="0"/>
+          <a:fontRef idx="minor"/>
+        </p:style>
+        <p:txBody>
+          <a:bodyPr lIns="90000" rIns="90000" tIns="45000" bIns="45000">
+            <a:spAutoFit/>
+          </a:bodyPr>
+          <a:p>
+            <a:pPr>
+              <a:lnSpc>
+                <a:spcPct val="100000"/>
+              </a:lnSpc>
+            </a:pPr>
+            <a:r>
+              <a:rPr b="1" lang="pt-BR" sz="900" spc="-1" strike="noStrike">
+                <a:solidFill>
+                  <a:srgbClr val="000000"/>
+                </a:solidFill>
+                <a:latin typeface="Calibri"/>
+                <a:ea typeface="DejaVu Sans"/>
+              </a:rPr>
+              <a:t>Receber o pagamento em dinheiro.</a:t>
+            </a:r>
+            <a:endParaRPr b="0" lang="pt-BR" sz="900" spc="-1" strike="noStrike">
+              <a:latin typeface="Arial"/>
+            </a:endParaRPr>
+          </a:p>
+          <a:p>
+            <a:pPr>
+              <a:lnSpc>
+                <a:spcPct val="100000"/>
+              </a:lnSpc>
+            </a:pPr>
+            <a:r>
+              <a:rPr b="1" lang="pt-BR" sz="900" spc="-1" strike="noStrike">
+                <a:solidFill>
+                  <a:srgbClr val="000000"/>
+                </a:solidFill>
+                <a:latin typeface="Calibri"/>
+                <a:ea typeface="DejaVu Sans"/>
+              </a:rPr>
+              <a:t>Evento:</a:t>
+            </a:r>
+            <a:r>
+              <a:rPr b="0" lang="pt-BR" sz="900" spc="-1" strike="noStrike">
+                <a:solidFill>
+                  <a:srgbClr val="000000"/>
+                </a:solidFill>
+                <a:latin typeface="Calibri"/>
+                <a:ea typeface="DejaVu Sans"/>
+              </a:rPr>
+              <a:t> Cliente efetua o pagamento em dinheiro.</a:t>
+            </a:r>
+            <a:endParaRPr b="0" lang="pt-BR" sz="900" spc="-1" strike="noStrike">
+              <a:latin typeface="Arial"/>
+            </a:endParaRPr>
+          </a:p>
+          <a:p>
+            <a:pPr>
+              <a:lnSpc>
+                <a:spcPct val="100000"/>
+              </a:lnSpc>
+            </a:pPr>
+            <a:r>
+              <a:rPr b="1" lang="pt-BR" sz="900" spc="-1" strike="noStrike">
+                <a:solidFill>
+                  <a:srgbClr val="000000"/>
+                </a:solidFill>
+                <a:latin typeface="Calibri"/>
+                <a:ea typeface="DejaVu Sans"/>
+              </a:rPr>
+              <a:t>Objetivo: </a:t>
+            </a:r>
+            <a:r>
+              <a:rPr b="0" lang="pt-BR" sz="900" spc="-1" strike="noStrike">
+                <a:solidFill>
+                  <a:srgbClr val="000000"/>
+                </a:solidFill>
+                <a:latin typeface="Calibri"/>
+                <a:ea typeface="DejaVu Sans"/>
+              </a:rPr>
+              <a:t>Receber o pagamento dos produtos </a:t>
+            </a:r>
+            <a:r>
+              <a:rPr b="0" lang="pt-BR" sz="900" spc="-1" strike="noStrike">
+                <a:solidFill>
+                  <a:srgbClr val="000000"/>
+                </a:solidFill>
+                <a:latin typeface="Calibri"/>
+                <a:ea typeface="DejaVu Sans"/>
+              </a:rPr>
+              <a:t>desejados pelo cliente.</a:t>
+            </a:r>
+            <a:endParaRPr b="0" lang="pt-BR" sz="900" spc="-1" strike="noStrike">
+              <a:latin typeface="Arial"/>
+            </a:endParaRPr>
+          </a:p>
+          <a:p>
+            <a:pPr>
+              <a:lnSpc>
+                <a:spcPct val="100000"/>
+              </a:lnSpc>
+            </a:pPr>
+            <a:r>
+              <a:rPr b="1" lang="pt-BR" sz="900" spc="-1" strike="noStrike">
+                <a:solidFill>
+                  <a:srgbClr val="000000"/>
+                </a:solidFill>
+                <a:latin typeface="Calibri"/>
+                <a:ea typeface="DejaVu Sans"/>
+              </a:rPr>
+              <a:t>Trabalhadores envolvidos:</a:t>
+            </a:r>
+            <a:endParaRPr b="0" lang="pt-BR" sz="900" spc="-1" strike="noStrike">
+              <a:latin typeface="Arial"/>
+            </a:endParaRPr>
+          </a:p>
+          <a:p>
+            <a:pPr marL="171360" indent="-170640">
+              <a:lnSpc>
+                <a:spcPct val="100000"/>
+              </a:lnSpc>
+              <a:buClr>
+                <a:srgbClr val="000000"/>
+              </a:buClr>
+              <a:buFont typeface="Wingdings" charset="2"/>
+              <a:buChar char=""/>
+            </a:pPr>
+            <a:r>
+              <a:rPr b="0" lang="pt-BR" sz="900" spc="-1" strike="noStrike">
+                <a:solidFill>
+                  <a:srgbClr val="000000"/>
+                </a:solidFill>
+                <a:latin typeface="Calibri"/>
+                <a:ea typeface="DejaVu Sans"/>
+              </a:rPr>
+              <a:t>Vendedor.</a:t>
+            </a:r>
+            <a:endParaRPr b="0" lang="pt-BR" sz="900" spc="-1" strike="noStrike">
+              <a:latin typeface="Arial"/>
+            </a:endParaRPr>
+          </a:p>
+          <a:p>
+            <a:pPr lvl="1" marL="432000" indent="-215640">
+              <a:lnSpc>
+                <a:spcPct val="100000"/>
+              </a:lnSpc>
+              <a:buClr>
+                <a:srgbClr val="000000"/>
+              </a:buClr>
+              <a:buSzPct val="45000"/>
+              <a:buFont typeface="Wingdings" charset="2"/>
+              <a:buChar char=""/>
+            </a:pPr>
+            <a:r>
+              <a:rPr b="0" lang="pt-BR" sz="900" spc="-1" strike="noStrike">
+                <a:solidFill>
+                  <a:srgbClr val="000000"/>
+                </a:solidFill>
+                <a:latin typeface="Calibri"/>
+                <a:ea typeface="DejaVu Sans"/>
+              </a:rPr>
+              <a:t>Verifica a disponibilidade do produtos.</a:t>
+            </a:r>
+            <a:endParaRPr b="0" lang="pt-BR" sz="900" spc="-1" strike="noStrike">
+              <a:latin typeface="Arial"/>
+            </a:endParaRPr>
+          </a:p>
+          <a:p>
+            <a:pPr lvl="1" marL="432000" indent="-215640">
+              <a:lnSpc>
+                <a:spcPct val="100000"/>
+              </a:lnSpc>
+              <a:buClr>
+                <a:srgbClr val="000000"/>
+              </a:buClr>
+              <a:buSzPct val="45000"/>
+              <a:buFont typeface="Wingdings" charset="2"/>
+              <a:buChar char=""/>
+            </a:pPr>
+            <a:r>
+              <a:rPr b="0" lang="pt-BR" sz="900" spc="-1" strike="noStrike">
+                <a:solidFill>
+                  <a:srgbClr val="000000"/>
+                </a:solidFill>
+                <a:latin typeface="Calibri"/>
+                <a:ea typeface="DejaVu Sans"/>
+              </a:rPr>
+              <a:t>Verifica valor recebido e os detalhes do cliente.</a:t>
+            </a:r>
+            <a:endParaRPr b="0" lang="pt-BR" sz="900" spc="-1" strike="noStrike">
+              <a:latin typeface="Arial"/>
+            </a:endParaRPr>
+          </a:p>
+          <a:p>
+            <a:pPr lvl="2" marL="648000" indent="-216000">
+              <a:lnSpc>
+                <a:spcPct val="100000"/>
+              </a:lnSpc>
+              <a:buClr>
+                <a:srgbClr val="000000"/>
+              </a:buClr>
+              <a:buSzPct val="45000"/>
+              <a:buFont typeface="Wingdings" charset="2"/>
+              <a:buChar char=""/>
+            </a:pPr>
+            <a:r>
+              <a:rPr b="0" lang="pt-BR" sz="900" spc="-1" strike="noStrike">
+                <a:solidFill>
+                  <a:srgbClr val="000000"/>
+                </a:solidFill>
+                <a:latin typeface="Calibri"/>
+                <a:ea typeface="DejaVu Sans"/>
+              </a:rPr>
+              <a:t>Se a quantia for insuficiente, o vendedor informa ao cliente que o pedido foi recusado.</a:t>
+            </a:r>
+            <a:endParaRPr b="0" lang="pt-BR" sz="900" spc="-1" strike="noStrike">
+              <a:latin typeface="Arial"/>
+            </a:endParaRPr>
+          </a:p>
+          <a:p>
+            <a:pPr lvl="2" marL="648000" indent="-216000">
+              <a:lnSpc>
+                <a:spcPct val="100000"/>
+              </a:lnSpc>
+              <a:buClr>
+                <a:srgbClr val="000000"/>
+              </a:buClr>
+              <a:buSzPct val="45000"/>
+              <a:buFont typeface="Wingdings" charset="2"/>
+              <a:buChar char=""/>
+            </a:pPr>
+            <a:r>
+              <a:rPr b="0" lang="pt-BR" sz="900" spc="-1" strike="noStrike">
+                <a:solidFill>
+                  <a:srgbClr val="000000"/>
+                </a:solidFill>
+                <a:latin typeface="Calibri"/>
+                <a:ea typeface="DejaVu Sans"/>
+              </a:rPr>
+              <a:t>Se o cliente não possui cadastro, o vendedor ira cadastra o cliente em cliente.</a:t>
+            </a:r>
+            <a:endParaRPr b="0" lang="pt-BR" sz="900" spc="-1" strike="noStrike">
+              <a:latin typeface="Arial"/>
+            </a:endParaRPr>
+          </a:p>
+          <a:p>
+            <a:pPr lvl="1" marL="432000" indent="-215640">
+              <a:lnSpc>
+                <a:spcPct val="100000"/>
+              </a:lnSpc>
+              <a:buClr>
+                <a:srgbClr val="000000"/>
+              </a:buClr>
+              <a:buSzPct val="45000"/>
+              <a:buFont typeface="Wingdings" charset="2"/>
+              <a:buChar char=""/>
+            </a:pPr>
+            <a:r>
+              <a:rPr b="0" lang="pt-BR" sz="900" spc="-1" strike="noStrike">
+                <a:solidFill>
+                  <a:srgbClr val="000000"/>
+                </a:solidFill>
+                <a:latin typeface="Calibri"/>
+                <a:ea typeface="DejaVu Sans"/>
+              </a:rPr>
+              <a:t>Guarda os produtos escolhidos com o valor recebido.</a:t>
+            </a:r>
+            <a:endParaRPr b="0" lang="pt-BR" sz="900" spc="-1" strike="noStrike">
+              <a:latin typeface="Arial"/>
+            </a:endParaRPr>
+          </a:p>
+          <a:p>
+            <a:pPr lvl="1" marL="432000" indent="-215640">
+              <a:lnSpc>
+                <a:spcPct val="100000"/>
+              </a:lnSpc>
+              <a:buClr>
+                <a:srgbClr val="000000"/>
+              </a:buClr>
+              <a:buSzPct val="45000"/>
+              <a:buFont typeface="Wingdings" charset="2"/>
+              <a:buChar char=""/>
+            </a:pPr>
+            <a:r>
+              <a:rPr b="0" lang="pt-BR" sz="900" spc="-1" strike="noStrike">
+                <a:solidFill>
+                  <a:srgbClr val="000000"/>
+                </a:solidFill>
+                <a:latin typeface="Calibri"/>
+                <a:ea typeface="DejaVu Sans"/>
+              </a:rPr>
+              <a:t>Entrega os produtos, nota fiscal e troco (se houver), ao cliente</a:t>
+            </a:r>
+            <a:endParaRPr b="0" lang="pt-BR" sz="900" spc="-1" strike="noStrike">
+              <a:latin typeface="Arial"/>
+            </a:endParaRPr>
+          </a:p>
+        </p:txBody>
+      </p:sp>
+      <p:sp>
+        <p:nvSpPr>
+          <p:cNvPr id="57" name="CustomShape 8"/>
+          <p:cNvSpPr/>
+          <p:nvPr/>
+        </p:nvSpPr>
+        <p:spPr>
+          <a:xfrm>
+            <a:off x="3795840" y="3088800"/>
+            <a:ext cx="2801520" cy="886680"/>
+          </a:xfrm>
+          <a:prstGeom prst="curvedConnector2">
+            <a:avLst/>
+          </a:prstGeom>
+          <a:noFill/>
+          <a:ln>
+            <a:tailEnd len="med" type="triangle" w="med"/>
+          </a:ln>
+          <a:effectLst>
+            <a:outerShdw blurRad="40000" dir="5400000" dist="23040" rotWithShape="0">
+              <a:srgbClr val="000000">
+                <a:alpha val="35000"/>
+              </a:srgbClr>
+            </a:outerShdw>
+          </a:effectLst>
+        </p:spPr>
+        <p:style>
+          <a:lnRef idx="3">
+            <a:schemeClr val="accent1"/>
+          </a:lnRef>
+          <a:fillRef idx="0">
+            <a:schemeClr val="accent1"/>
+          </a:fillRef>
+          <a:effectRef idx="2">
+            <a:schemeClr val="accent1"/>
+          </a:effectRef>
+          <a:fontRef idx="minor"/>
+        </p:style>
+      </p:sp>
+      <p:sp>
+        <p:nvSpPr>
+          <p:cNvPr id="58" name="CustomShape 9"/>
+          <p:cNvSpPr/>
+          <p:nvPr/>
+        </p:nvSpPr>
+        <p:spPr>
+          <a:xfrm>
+            <a:off x="4737600" y="4761000"/>
+            <a:ext cx="3719880" cy="230040"/>
+          </a:xfrm>
+          <a:prstGeom prst="rect">
+            <a:avLst/>
+          </a:prstGeom>
+          <a:noFill/>
+          <a:ln w="0">
+            <a:noFill/>
+          </a:ln>
+        </p:spPr>
+        <p:style>
+          <a:lnRef idx="0"/>
+          <a:fillRef idx="0"/>
+          <a:effectRef idx="0"/>
+          <a:fontRef idx="minor"/>
+        </p:style>
+      </p:sp>
+      <p:sp>
+        <p:nvSpPr>
+          <p:cNvPr id="59" name="CustomShape 10"/>
+          <p:cNvSpPr/>
+          <p:nvPr/>
+        </p:nvSpPr>
+        <p:spPr>
+          <a:xfrm>
+            <a:off x="762480" y="4356000"/>
+            <a:ext cx="821520" cy="360000"/>
+          </a:xfrm>
+          <a:prstGeom prst="rect">
+            <a:avLst/>
+          </a:prstGeom>
+          <a:ln>
+            <a:noFill/>
+          </a:ln>
+        </p:spPr>
+        <p:style>
+          <a:lnRef idx="2">
+            <a:schemeClr val="accent6">
+              <a:shade val="50000"/>
+            </a:schemeClr>
+          </a:lnRef>
+          <a:fillRef idx="1">
+            <a:schemeClr val="accent6"/>
+          </a:fillRef>
+          <a:effectRef idx="0">
+            <a:schemeClr val="accent6"/>
+          </a:effectRef>
+          <a:fontRef idx="minor"/>
+        </p:style>
+        <p:txBody>
+          <a:bodyPr lIns="90000" rIns="90000" tIns="45000" bIns="45000" anchor="ctr">
+            <a:noAutofit/>
+          </a:bodyPr>
+          <a:p>
+            <a:pPr algn="ctr">
+              <a:lnSpc>
+                <a:spcPct val="100000"/>
+              </a:lnSpc>
+            </a:pPr>
+            <a:r>
+              <a:rPr b="0" lang="pt-BR" sz="1050" spc="-1" strike="noStrike">
+                <a:solidFill>
+                  <a:srgbClr val="000000"/>
+                </a:solidFill>
+                <a:latin typeface="Calibri"/>
+                <a:ea typeface="DejaVu Sans"/>
+              </a:rPr>
+              <a:t>Pedido</a:t>
+            </a:r>
+            <a:endParaRPr b="0" lang="pt-BR" sz="1050" spc="-1" strike="noStrike">
+              <a:latin typeface="Arial"/>
+            </a:endParaRPr>
+          </a:p>
+        </p:txBody>
+      </p:sp>
+      <p:cxnSp>
+        <p:nvCxnSpPr>
+          <p:cNvPr id="60" name="Line 11"/>
+          <p:cNvCxnSpPr>
+            <a:stCxn id="51" idx="2"/>
+            <a:endCxn id="50" idx="1"/>
+          </p:cNvCxnSpPr>
+          <p:nvPr/>
+        </p:nvCxnSpPr>
+        <p:spPr>
+          <a:xfrm>
+            <a:off x="1123200" y="1857600"/>
+            <a:ext cx="1199160" cy="1231200"/>
+          </a:xfrm>
+          <a:prstGeom prst="curvedConnector3">
+            <a:avLst/>
+          </a:prstGeom>
+          <a:ln w="0">
+            <a:solidFill>
+              <a:srgbClr val="3465a4"/>
+            </a:solidFill>
+            <a:tailEnd len="med" type="triangle" w="med"/>
+          </a:ln>
+        </p:spPr>
+      </p:cxnSp>
+      <p:cxnSp>
+        <p:nvCxnSpPr>
+          <p:cNvPr id="61" name="Line 12"/>
+          <p:cNvCxnSpPr>
+            <a:stCxn id="50" idx="0"/>
+            <a:endCxn id="51" idx="3"/>
+          </p:cNvCxnSpPr>
+          <p:nvPr/>
+        </p:nvCxnSpPr>
+        <p:spPr>
+          <a:xfrm flipH="1" flipV="1">
+            <a:off x="1540440" y="1639800"/>
+            <a:ext cx="1518480" cy="756720"/>
+          </a:xfrm>
+          <a:prstGeom prst="curvedConnector3">
+            <a:avLst/>
+          </a:prstGeom>
+          <a:ln w="0">
+            <a:solidFill>
+              <a:srgbClr val="3465a4"/>
+            </a:solidFill>
+            <a:tailEnd len="med" type="triangle" w="med"/>
+          </a:ln>
+        </p:spPr>
+      </p:cxnSp>
+      <p:sp>
+        <p:nvSpPr>
+          <p:cNvPr id="62" name="CustomShape 13"/>
+          <p:cNvSpPr/>
+          <p:nvPr/>
+        </p:nvSpPr>
+        <p:spPr>
+          <a:xfrm>
+            <a:off x="3138480" y="4356000"/>
+            <a:ext cx="1001520" cy="360000"/>
+          </a:xfrm>
+          <a:prstGeom prst="rect">
+            <a:avLst/>
+          </a:prstGeom>
+          <a:ln>
+            <a:noFill/>
+          </a:ln>
+        </p:spPr>
+        <p:style>
+          <a:lnRef idx="2">
+            <a:schemeClr val="accent6">
+              <a:shade val="50000"/>
+            </a:schemeClr>
+          </a:lnRef>
+          <a:fillRef idx="1">
+            <a:schemeClr val="accent6"/>
+          </a:fillRef>
+          <a:effectRef idx="0">
+            <a:schemeClr val="accent6"/>
+          </a:effectRef>
+          <a:fontRef idx="minor"/>
+        </p:style>
+        <p:txBody>
+          <a:bodyPr lIns="90000" rIns="90000" tIns="45000" bIns="45000" anchor="ctr">
+            <a:noAutofit/>
+          </a:bodyPr>
+          <a:p>
+            <a:pPr algn="ctr">
+              <a:lnSpc>
+                <a:spcPct val="100000"/>
+              </a:lnSpc>
+            </a:pPr>
+            <a:r>
+              <a:rPr b="0" lang="pt-BR" sz="1050" spc="-1" strike="noStrike">
+                <a:solidFill>
+                  <a:srgbClr val="000000"/>
+                </a:solidFill>
+                <a:latin typeface="Calibri"/>
+                <a:ea typeface="DejaVu Sans"/>
+              </a:rPr>
+              <a:t>Lançamento</a:t>
+            </a:r>
+            <a:endParaRPr b="0" lang="pt-BR" sz="1050" spc="-1" strike="noStrike">
+              <a:latin typeface="Arial"/>
+            </a:endParaRPr>
+          </a:p>
+        </p:txBody>
+      </p:sp>
+      <p:sp>
+        <p:nvSpPr>
+          <p:cNvPr id="63" name="CustomShape 14"/>
+          <p:cNvSpPr/>
+          <p:nvPr/>
+        </p:nvSpPr>
+        <p:spPr>
+          <a:xfrm>
+            <a:off x="4470480" y="4356000"/>
+            <a:ext cx="821520" cy="360000"/>
+          </a:xfrm>
+          <a:prstGeom prst="rect">
+            <a:avLst/>
+          </a:prstGeom>
+          <a:ln>
+            <a:noFill/>
+          </a:ln>
+        </p:spPr>
+        <p:style>
+          <a:lnRef idx="2">
+            <a:schemeClr val="accent6">
+              <a:shade val="50000"/>
+            </a:schemeClr>
+          </a:lnRef>
+          <a:fillRef idx="1">
+            <a:schemeClr val="accent6"/>
+          </a:fillRef>
+          <a:effectRef idx="0">
+            <a:schemeClr val="accent6"/>
+          </a:effectRef>
+          <a:fontRef idx="minor"/>
+        </p:style>
+        <p:txBody>
+          <a:bodyPr lIns="90000" rIns="90000" tIns="45000" bIns="45000" anchor="ctr">
+            <a:noAutofit/>
+          </a:bodyPr>
+          <a:p>
+            <a:pPr algn="ctr">
+              <a:lnSpc>
+                <a:spcPct val="100000"/>
+              </a:lnSpc>
+            </a:pPr>
+            <a:r>
+              <a:rPr b="0" lang="pt-BR" sz="1050" spc="-1" strike="noStrike">
+                <a:solidFill>
+                  <a:srgbClr val="000000"/>
+                </a:solidFill>
+                <a:latin typeface="Calibri"/>
+                <a:ea typeface="DejaVu Sans"/>
+              </a:rPr>
+              <a:t>Produto</a:t>
+            </a:r>
+            <a:endParaRPr b="0" lang="pt-BR" sz="1050" spc="-1" strike="noStrike">
+              <a:latin typeface="Arial"/>
+            </a:endParaRPr>
+          </a:p>
+        </p:txBody>
+      </p:sp>
+      <p:cxnSp>
+        <p:nvCxnSpPr>
+          <p:cNvPr id="64" name="Line 15"/>
+          <p:cNvCxnSpPr>
+            <a:endCxn id="59" idx="0"/>
+          </p:cNvCxnSpPr>
+          <p:nvPr/>
+        </p:nvCxnSpPr>
+        <p:spPr>
+          <a:xfrm flipH="1">
+            <a:off x="1173240" y="3550320"/>
+            <a:ext cx="1240200" cy="806040"/>
+          </a:xfrm>
+          <a:prstGeom prst="straightConnector1">
+            <a:avLst/>
+          </a:prstGeom>
+          <a:ln w="0">
+            <a:solidFill>
+              <a:srgbClr val="3465a4"/>
+            </a:solidFill>
+            <a:headEnd len="med" type="triangle" w="med"/>
+            <a:tailEnd len="med" type="triangle" w="med"/>
+          </a:ln>
+        </p:spPr>
+      </p:cxnSp>
+      <p:cxnSp>
+        <p:nvCxnSpPr>
+          <p:cNvPr id="65" name="Line 16"/>
+          <p:cNvCxnSpPr>
+            <a:endCxn id="52" idx="0"/>
+          </p:cNvCxnSpPr>
+          <p:nvPr/>
+        </p:nvCxnSpPr>
+        <p:spPr>
+          <a:xfrm flipH="1">
+            <a:off x="2374560" y="3825360"/>
+            <a:ext cx="451440" cy="537480"/>
+          </a:xfrm>
+          <a:prstGeom prst="straightConnector1">
+            <a:avLst/>
+          </a:prstGeom>
+          <a:ln w="0">
+            <a:solidFill>
+              <a:srgbClr val="3465a4"/>
+            </a:solidFill>
+            <a:headEnd len="med" type="triangle" w="med"/>
+            <a:tailEnd len="med" type="triangle" w="med"/>
+          </a:ln>
+        </p:spPr>
+      </p:cxnSp>
+      <p:cxnSp>
+        <p:nvCxnSpPr>
+          <p:cNvPr id="66" name="Line 17"/>
+          <p:cNvCxnSpPr>
+            <a:endCxn id="62" idx="0"/>
+          </p:cNvCxnSpPr>
+          <p:nvPr/>
+        </p:nvCxnSpPr>
+        <p:spPr>
+          <a:xfrm>
+            <a:off x="3418560" y="3762000"/>
+            <a:ext cx="221040" cy="594360"/>
+          </a:xfrm>
+          <a:prstGeom prst="straightConnector1">
+            <a:avLst/>
+          </a:prstGeom>
+          <a:ln w="0">
+            <a:solidFill>
+              <a:srgbClr val="3465a4"/>
+            </a:solidFill>
+            <a:headEnd len="med" type="triangle" w="med"/>
+            <a:tailEnd len="med" type="triangle" w="med"/>
+          </a:ln>
+        </p:spPr>
+      </p:cxnSp>
+      <p:cxnSp>
+        <p:nvCxnSpPr>
+          <p:cNvPr id="67" name="Line 18"/>
+          <p:cNvCxnSpPr>
+            <a:endCxn id="63" idx="0"/>
+          </p:cNvCxnSpPr>
+          <p:nvPr/>
+        </p:nvCxnSpPr>
+        <p:spPr>
+          <a:xfrm>
+            <a:off x="3651120" y="3592440"/>
+            <a:ext cx="1230480" cy="763920"/>
+          </a:xfrm>
+          <a:prstGeom prst="straightConnector1">
+            <a:avLst/>
+          </a:prstGeom>
+          <a:ln w="0">
+            <a:solidFill>
+              <a:srgbClr val="3465a4"/>
+            </a:solidFill>
+            <a:headEnd len="med" type="triangle" w="med"/>
+            <a:tailEnd len="med" type="triangle" w="med"/>
+          </a:ln>
+        </p:spPr>
+      </p:cxnSp>
+    </p:spTree>
+  </p:cSld>
+  <mc:AlternateContent>
+    <mc:Choice Requires="p14">
+      <p:transition spd="slow" p14:dur="2000"/>
+    </mc:Choice>
+    <mc:Fallback>
+      <p:transition spd="slow"/>
+    </mc:Fallback>
+  </mc:AlternateContent>
+</p:sld>
+</file>
+
+<file path=ppt/slides/slide3.xml><?xml version="1.0" encoding="utf-8"?>
+<p:sld xmlns:a="http://schemas.openxmlformats.org/drawingml/2006/main" xmlns:p="http://schemas.openxmlformats.org/presentationml/2006/main" xmlns:r="http://schemas.openxmlformats.org/officeDocument/2006/relationships" xmlns:p14="http://schemas.microsoft.com/office/powerpoint/2010/main" xmlns:p15="http://schemas.microsoft.com/office/powerpoint/2012/main" xmlns:mc="http://schemas.openxmlformats.org/markup-compatibility/2006">
+  <p:cSld>
+    <p:spTree>
+      <p:nvGrpSpPr>
+        <p:cNvPr id="1" name=""/>
+        <p:cNvGrpSpPr/>
+        <p:nvPr/>
+      </p:nvGrpSpPr>
+      <p:grpSpPr>
+        <a:xfrm>
+          <a:off x="0" y="0"/>
+          <a:ext cx="0" cy="0"/>
+          <a:chOff x="0" y="0"/>
+          <a:chExt cx="0" cy="0"/>
+        </a:xfrm>
+      </p:grpSpPr>
+      <p:sp>
+        <p:nvSpPr>
+          <p:cNvPr id="68" name="CustomShape 1"/>
+          <p:cNvSpPr/>
+          <p:nvPr/>
+        </p:nvSpPr>
+        <p:spPr>
+          <a:xfrm>
+            <a:off x="1800000" y="2648160"/>
+            <a:ext cx="1473120" cy="1384560"/>
+          </a:xfrm>
+          <a:prstGeom prst="ellipse">
+            <a:avLst/>
+          </a:prstGeom>
+          <a:ln/>
+        </p:spPr>
+        <p:style>
+          <a:lnRef idx="2">
+            <a:schemeClr val="accent2">
+              <a:shade val="50000"/>
+            </a:schemeClr>
+          </a:lnRef>
+          <a:fillRef idx="1">
+            <a:schemeClr val="accent2"/>
+          </a:fillRef>
+          <a:effectRef idx="0">
+            <a:schemeClr val="accent2"/>
+          </a:effectRef>
+          <a:fontRef idx="minor"/>
+        </p:style>
+        <p:txBody>
+          <a:bodyPr lIns="90000" rIns="90000" tIns="45000" bIns="45000" anchor="ctr">
+            <a:noAutofit/>
+          </a:bodyPr>
+          <a:p>
+            <a:pPr algn="ctr">
+              <a:lnSpc>
+                <a:spcPct val="100000"/>
+              </a:lnSpc>
+            </a:pPr>
+            <a:r>
+              <a:rPr b="0" lang="pt-BR" sz="1200" spc="-1" strike="noStrike">
+                <a:solidFill>
+                  <a:srgbClr val="000000"/>
+                </a:solidFill>
+                <a:latin typeface="Calibri"/>
+                <a:ea typeface="DejaVu Sans"/>
+              </a:rPr>
+              <a:t>Receber o pagamento em cartão de credito/ débito</a:t>
+            </a:r>
+            <a:endParaRPr b="0" lang="pt-BR" sz="1200" spc="-1" strike="noStrike">
+              <a:latin typeface="Arial"/>
+            </a:endParaRPr>
+          </a:p>
+        </p:txBody>
+      </p:sp>
+      <p:sp>
+        <p:nvSpPr>
+          <p:cNvPr id="69" name="CustomShape 2"/>
+          <p:cNvSpPr/>
+          <p:nvPr/>
+        </p:nvSpPr>
+        <p:spPr>
+          <a:xfrm>
+            <a:off x="705960" y="1422000"/>
+            <a:ext cx="834480" cy="435600"/>
+          </a:xfrm>
+          <a:prstGeom prst="rect">
+            <a:avLst/>
+          </a:prstGeom>
+          <a:solidFill>
+            <a:srgbClr val="66ffff"/>
+          </a:solidFill>
+          <a:ln>
+            <a:solidFill>
+              <a:srgbClr val="5597d3"/>
+            </a:solidFill>
+          </a:ln>
+          <a:effectLst>
+            <a:outerShdw blurRad="40000" dir="5400000" dist="20160" rotWithShape="0">
+              <a:srgbClr val="000000">
+                <a:alpha val="38000"/>
+              </a:srgbClr>
+            </a:outerShdw>
+          </a:effectLst>
+        </p:spPr>
+        <p:style>
+          <a:lnRef idx="1">
+            <a:schemeClr val="accent5"/>
+          </a:lnRef>
+          <a:fillRef idx="2">
+            <a:schemeClr val="accent5"/>
+          </a:fillRef>
+          <a:effectRef idx="1">
+            <a:schemeClr val="accent5"/>
+          </a:effectRef>
+          <a:fontRef idx="minor"/>
+        </p:style>
+        <p:txBody>
+          <a:bodyPr lIns="90000" rIns="90000" tIns="45000" bIns="45000" anchor="ctr">
+            <a:noAutofit/>
+          </a:bodyPr>
+          <a:p>
+            <a:pPr algn="ctr">
+              <a:lnSpc>
+                <a:spcPct val="100000"/>
+              </a:lnSpc>
+            </a:pPr>
+            <a:r>
+              <a:rPr b="0" lang="pt-BR" sz="1200" spc="-1" strike="noStrike">
+                <a:solidFill>
+                  <a:srgbClr val="000000"/>
+                </a:solidFill>
+                <a:latin typeface="Calibri"/>
+                <a:ea typeface="DejaVu Sans"/>
+              </a:rPr>
+              <a:t>Cliente</a:t>
+            </a:r>
+            <a:endParaRPr b="0" lang="pt-BR" sz="1200" spc="-1" strike="noStrike">
+              <a:latin typeface="Arial"/>
+            </a:endParaRPr>
+          </a:p>
+        </p:txBody>
+      </p:sp>
+      <p:sp>
+        <p:nvSpPr>
+          <p:cNvPr id="70" name="CustomShape 3"/>
+          <p:cNvSpPr/>
+          <p:nvPr/>
+        </p:nvSpPr>
+        <p:spPr>
+          <a:xfrm>
+            <a:off x="1800000" y="5040000"/>
+            <a:ext cx="821520" cy="360000"/>
+          </a:xfrm>
+          <a:prstGeom prst="rect">
+            <a:avLst/>
+          </a:prstGeom>
+          <a:ln>
+            <a:noFill/>
+          </a:ln>
+        </p:spPr>
+        <p:style>
+          <a:lnRef idx="2">
+            <a:schemeClr val="accent6">
+              <a:shade val="50000"/>
+            </a:schemeClr>
+          </a:lnRef>
+          <a:fillRef idx="1">
+            <a:schemeClr val="accent6"/>
+          </a:fillRef>
+          <a:effectRef idx="0">
+            <a:schemeClr val="accent6"/>
+          </a:effectRef>
+          <a:fontRef idx="minor"/>
+        </p:style>
+        <p:txBody>
+          <a:bodyPr lIns="90000" rIns="90000" tIns="45000" bIns="45000" anchor="ctr">
+            <a:noAutofit/>
+          </a:bodyPr>
+          <a:p>
+            <a:pPr algn="ctr">
+              <a:lnSpc>
+                <a:spcPct val="100000"/>
+              </a:lnSpc>
+            </a:pPr>
+            <a:r>
+              <a:rPr b="0" lang="pt-BR" sz="1050" spc="-1" strike="noStrike">
+                <a:solidFill>
+                  <a:srgbClr val="000000"/>
+                </a:solidFill>
+                <a:latin typeface="Calibri"/>
+                <a:ea typeface="DejaVu Sans"/>
+              </a:rPr>
+              <a:t>Cliente</a:t>
+            </a:r>
+            <a:endParaRPr b="0" lang="pt-BR" sz="1050" spc="-1" strike="noStrike">
+              <a:latin typeface="Arial"/>
+            </a:endParaRPr>
+          </a:p>
+        </p:txBody>
+      </p:sp>
+      <p:sp>
+        <p:nvSpPr>
+          <p:cNvPr id="71" name="CustomShape 4"/>
+          <p:cNvSpPr/>
+          <p:nvPr/>
+        </p:nvSpPr>
+        <p:spPr>
+          <a:xfrm>
+            <a:off x="686880" y="2335320"/>
+            <a:ext cx="1473120" cy="364680"/>
+          </a:xfrm>
+          <a:prstGeom prst="rect">
+            <a:avLst/>
+          </a:prstGeom>
+          <a:noFill/>
+          <a:ln w="0">
+            <a:noFill/>
+          </a:ln>
+        </p:spPr>
+        <p:style>
+          <a:lnRef idx="0"/>
+          <a:fillRef idx="0"/>
+          <a:effectRef idx="0"/>
+          <a:fontRef idx="minor"/>
+        </p:style>
+        <p:txBody>
+          <a:bodyPr lIns="90000" rIns="90000" tIns="45000" bIns="45000">
+            <a:spAutoFit/>
+          </a:bodyPr>
+          <a:p>
+            <a:pPr>
+              <a:lnSpc>
+                <a:spcPct val="100000"/>
+              </a:lnSpc>
+            </a:pPr>
+            <a:r>
+              <a:rPr b="0" lang="pt-BR" sz="900" spc="-1" strike="noStrike">
+                <a:solidFill>
+                  <a:srgbClr val="000000"/>
+                </a:solidFill>
+                <a:latin typeface="Calibri"/>
+                <a:ea typeface="DejaVu Sans"/>
+              </a:rPr>
+              <a:t>cartão de crédito/ débito + senha + detalhes do cliente</a:t>
+            </a:r>
+            <a:endParaRPr b="0" lang="pt-BR" sz="900" spc="-1" strike="noStrike">
+              <a:latin typeface="Arial"/>
+            </a:endParaRPr>
+          </a:p>
+        </p:txBody>
+      </p:sp>
+      <p:sp>
+        <p:nvSpPr>
+          <p:cNvPr id="72" name="CustomShape 5"/>
+          <p:cNvSpPr/>
+          <p:nvPr/>
+        </p:nvSpPr>
+        <p:spPr>
+          <a:xfrm>
+            <a:off x="6660000" y="1764720"/>
+            <a:ext cx="4140000" cy="395280"/>
+          </a:xfrm>
+          <a:prstGeom prst="rect">
+            <a:avLst/>
+          </a:prstGeom>
+          <a:noFill/>
+          <a:ln w="0">
+            <a:noFill/>
+          </a:ln>
+        </p:spPr>
+        <p:style>
+          <a:lnRef idx="0"/>
+          <a:fillRef idx="0"/>
+          <a:effectRef idx="0"/>
+          <a:fontRef idx="minor"/>
+        </p:style>
+        <p:txBody>
+          <a:bodyPr lIns="90000" rIns="90000" tIns="45000" bIns="45000">
+            <a:spAutoFit/>
+          </a:bodyPr>
+          <a:p>
+            <a:pPr>
+              <a:lnSpc>
+                <a:spcPct val="100000"/>
+              </a:lnSpc>
+            </a:pPr>
+            <a:r>
+              <a:rPr b="0" lang="pt-BR" sz="2000" spc="-1" strike="noStrike">
+                <a:solidFill>
+                  <a:srgbClr val="000000"/>
+                </a:solidFill>
+                <a:latin typeface="Calibri"/>
+                <a:ea typeface="DejaVu Sans"/>
+              </a:rPr>
+              <a:t>Descrição dos Processos de Negócio</a:t>
+            </a:r>
+            <a:endParaRPr b="0" lang="pt-BR" sz="2000" spc="-1" strike="noStrike">
+              <a:latin typeface="Arial"/>
+            </a:endParaRPr>
+          </a:p>
+        </p:txBody>
+      </p:sp>
+      <p:sp>
+        <p:nvSpPr>
+          <p:cNvPr id="73" name="CustomShape 6"/>
+          <p:cNvSpPr/>
+          <p:nvPr/>
+        </p:nvSpPr>
+        <p:spPr>
+          <a:xfrm>
+            <a:off x="6648120" y="3976200"/>
+            <a:ext cx="3719880" cy="1599120"/>
+          </a:xfrm>
+          <a:prstGeom prst="rect">
+            <a:avLst/>
+          </a:prstGeom>
+          <a:solidFill>
+            <a:schemeClr val="bg2"/>
+          </a:solidFill>
+          <a:ln w="0">
+            <a:noFill/>
+          </a:ln>
+        </p:spPr>
+        <p:style>
+          <a:lnRef idx="0"/>
+          <a:fillRef idx="0"/>
+          <a:effectRef idx="0"/>
+          <a:fontRef idx="minor"/>
+        </p:style>
+        <p:txBody>
+          <a:bodyPr lIns="90000" rIns="90000" tIns="45000" bIns="45000">
+            <a:spAutoFit/>
+          </a:bodyPr>
+          <a:p>
+            <a:pPr>
+              <a:lnSpc>
+                <a:spcPct val="100000"/>
+              </a:lnSpc>
+            </a:pPr>
+            <a:r>
+              <a:rPr b="1" lang="pt-BR" sz="900" spc="-1" strike="noStrike">
+                <a:solidFill>
+                  <a:srgbClr val="000000"/>
+                </a:solidFill>
+                <a:latin typeface="Calibri"/>
+                <a:ea typeface="DejaVu Sans"/>
+              </a:rPr>
+              <a:t>Receber o pagamento em cartão de crédito/débito.</a:t>
+            </a:r>
+            <a:endParaRPr b="0" lang="pt-BR" sz="900" spc="-1" strike="noStrike">
+              <a:latin typeface="Arial"/>
+            </a:endParaRPr>
+          </a:p>
+          <a:p>
+            <a:pPr>
+              <a:lnSpc>
+                <a:spcPct val="100000"/>
+              </a:lnSpc>
+            </a:pPr>
+            <a:r>
+              <a:rPr b="1" lang="pt-BR" sz="900" spc="-1" strike="noStrike">
+                <a:solidFill>
+                  <a:srgbClr val="000000"/>
+                </a:solidFill>
+                <a:latin typeface="Calibri"/>
+                <a:ea typeface="DejaVu Sans"/>
+              </a:rPr>
+              <a:t>Evento:</a:t>
+            </a:r>
+            <a:r>
+              <a:rPr b="0" lang="pt-BR" sz="900" spc="-1" strike="noStrike">
+                <a:solidFill>
+                  <a:srgbClr val="000000"/>
+                </a:solidFill>
+                <a:latin typeface="Calibri"/>
+                <a:ea typeface="DejaVu Sans"/>
+              </a:rPr>
+              <a:t> Cliente efetua o pagamento em cartão de crédito/ débito.</a:t>
+            </a:r>
+            <a:endParaRPr b="0" lang="pt-BR" sz="900" spc="-1" strike="noStrike">
+              <a:latin typeface="Arial"/>
+            </a:endParaRPr>
+          </a:p>
+          <a:p>
+            <a:pPr>
+              <a:lnSpc>
+                <a:spcPct val="100000"/>
+              </a:lnSpc>
+            </a:pPr>
+            <a:r>
+              <a:rPr b="1" lang="pt-BR" sz="900" spc="-1" strike="noStrike">
+                <a:solidFill>
+                  <a:srgbClr val="000000"/>
+                </a:solidFill>
+                <a:latin typeface="Calibri"/>
+                <a:ea typeface="DejaVu Sans"/>
+              </a:rPr>
+              <a:t>Objetivo: </a:t>
+            </a:r>
+            <a:r>
+              <a:rPr b="0" lang="pt-BR" sz="900" spc="-1" strike="noStrike">
+                <a:solidFill>
+                  <a:srgbClr val="000000"/>
+                </a:solidFill>
+                <a:latin typeface="Calibri"/>
+                <a:ea typeface="DejaVu Sans"/>
+              </a:rPr>
+              <a:t>Receber o pagamento dos produtos </a:t>
+            </a:r>
+            <a:r>
+              <a:rPr b="0" lang="pt-BR" sz="900" spc="-1" strike="noStrike">
+                <a:solidFill>
+                  <a:srgbClr val="000000"/>
+                </a:solidFill>
+                <a:latin typeface="Calibri"/>
+                <a:ea typeface="DejaVu Sans"/>
+              </a:rPr>
+              <a:t>desejados pelo cliente.</a:t>
+            </a:r>
+            <a:endParaRPr b="0" lang="pt-BR" sz="900" spc="-1" strike="noStrike">
+              <a:latin typeface="Arial"/>
+            </a:endParaRPr>
+          </a:p>
+          <a:p>
+            <a:pPr>
+              <a:lnSpc>
+                <a:spcPct val="100000"/>
+              </a:lnSpc>
+            </a:pPr>
+            <a:r>
+              <a:rPr b="1" lang="pt-BR" sz="900" spc="-1" strike="noStrike">
+                <a:solidFill>
+                  <a:srgbClr val="000000"/>
+                </a:solidFill>
+                <a:latin typeface="Calibri"/>
+                <a:ea typeface="DejaVu Sans"/>
+              </a:rPr>
+              <a:t>Trabalhadores envolvidos:</a:t>
+            </a:r>
+            <a:endParaRPr b="0" lang="pt-BR" sz="900" spc="-1" strike="noStrike">
+              <a:latin typeface="Arial"/>
+            </a:endParaRPr>
+          </a:p>
+          <a:p>
+            <a:pPr marL="171360" indent="-170640">
+              <a:lnSpc>
+                <a:spcPct val="100000"/>
+              </a:lnSpc>
+              <a:buClr>
+                <a:srgbClr val="000000"/>
+              </a:buClr>
+              <a:buFont typeface="Wingdings" charset="2"/>
+              <a:buChar char=""/>
+            </a:pPr>
+            <a:r>
+              <a:rPr b="0" lang="pt-BR" sz="900" spc="-1" strike="noStrike">
+                <a:solidFill>
+                  <a:srgbClr val="000000"/>
+                </a:solidFill>
+                <a:latin typeface="Calibri"/>
+                <a:ea typeface="DejaVu Sans"/>
+              </a:rPr>
+              <a:t>Vendedor.</a:t>
+            </a:r>
+            <a:endParaRPr b="0" lang="pt-BR" sz="900" spc="-1" strike="noStrike">
+              <a:latin typeface="Arial"/>
+            </a:endParaRPr>
+          </a:p>
+          <a:p>
+            <a:pPr lvl="1" marL="432000" indent="-215640">
+              <a:lnSpc>
+                <a:spcPct val="100000"/>
+              </a:lnSpc>
+              <a:buClr>
+                <a:srgbClr val="000000"/>
+              </a:buClr>
+              <a:buSzPct val="45000"/>
+              <a:buFont typeface="Wingdings" charset="2"/>
+              <a:buChar char=""/>
+            </a:pPr>
+            <a:r>
+              <a:rPr b="0" lang="pt-BR" sz="900" spc="-1" strike="noStrike">
+                <a:solidFill>
+                  <a:srgbClr val="000000"/>
+                </a:solidFill>
+                <a:latin typeface="Calibri"/>
+                <a:ea typeface="DejaVu Sans"/>
+              </a:rPr>
+              <a:t>Verifica os detalhes do cliente.</a:t>
+            </a:r>
+            <a:endParaRPr b="0" lang="pt-BR" sz="900" spc="-1" strike="noStrike">
+              <a:latin typeface="Arial"/>
+            </a:endParaRPr>
+          </a:p>
+          <a:p>
+            <a:pPr lvl="2" marL="648000" indent="-216000">
+              <a:lnSpc>
+                <a:spcPct val="100000"/>
+              </a:lnSpc>
+              <a:buClr>
+                <a:srgbClr val="000000"/>
+              </a:buClr>
+              <a:buSzPct val="45000"/>
+              <a:buFont typeface="Wingdings" charset="2"/>
+              <a:buChar char=""/>
+            </a:pPr>
+            <a:r>
+              <a:rPr b="0" lang="pt-BR" sz="900" spc="-1" strike="noStrike">
+                <a:solidFill>
+                  <a:srgbClr val="000000"/>
+                </a:solidFill>
+                <a:latin typeface="Calibri"/>
+                <a:ea typeface="DejaVu Sans"/>
+              </a:rPr>
+              <a:t>Se o cliente não possui cadastro, o vendedor ira cadastra o cliente em cliente.</a:t>
+            </a:r>
+            <a:endParaRPr b="0" lang="pt-BR" sz="900" spc="-1" strike="noStrike">
+              <a:latin typeface="Arial"/>
+            </a:endParaRPr>
+          </a:p>
+          <a:p>
+            <a:pPr lvl="1" marL="432000" indent="-215640">
+              <a:lnSpc>
+                <a:spcPct val="100000"/>
+              </a:lnSpc>
+              <a:buClr>
+                <a:srgbClr val="000000"/>
+              </a:buClr>
+              <a:buSzPct val="45000"/>
+              <a:buFont typeface="Wingdings" charset="2"/>
+              <a:buChar char=""/>
+            </a:pPr>
+            <a:r>
+              <a:rPr b="0" lang="pt-BR" sz="900" spc="-1" strike="noStrike">
+                <a:solidFill>
+                  <a:srgbClr val="000000"/>
+                </a:solidFill>
+                <a:latin typeface="Calibri"/>
+                <a:ea typeface="DejaVu Sans"/>
+              </a:rPr>
+              <a:t>Solicita aprovação de debito a entidade externa provedor do cartão.</a:t>
+            </a:r>
+            <a:endParaRPr b="0" lang="pt-BR" sz="900" spc="-1" strike="noStrike">
+              <a:latin typeface="Arial"/>
+            </a:endParaRPr>
+          </a:p>
+          <a:p>
+            <a:pPr lvl="1" marL="432000" indent="-215640">
+              <a:lnSpc>
+                <a:spcPct val="100000"/>
+              </a:lnSpc>
+              <a:buClr>
+                <a:srgbClr val="000000"/>
+              </a:buClr>
+              <a:buSzPct val="45000"/>
+              <a:buFont typeface="Wingdings" charset="2"/>
+              <a:buChar char=""/>
+            </a:pPr>
+            <a:r>
+              <a:rPr b="0" lang="pt-BR" sz="900" spc="-1" strike="noStrike">
+                <a:solidFill>
+                  <a:srgbClr val="000000"/>
+                </a:solidFill>
+                <a:latin typeface="Calibri"/>
+                <a:ea typeface="DejaVu Sans"/>
+              </a:rPr>
+              <a:t>??</a:t>
+            </a:r>
+            <a:endParaRPr b="0" lang="pt-BR" sz="900" spc="-1" strike="noStrike">
+              <a:latin typeface="Arial"/>
+            </a:endParaRPr>
+          </a:p>
+        </p:txBody>
+      </p:sp>
+      <p:sp>
+        <p:nvSpPr>
+          <p:cNvPr id="74" name="CustomShape 7"/>
+          <p:cNvSpPr/>
+          <p:nvPr/>
+        </p:nvSpPr>
+        <p:spPr>
+          <a:xfrm>
+            <a:off x="3273120" y="3420000"/>
+            <a:ext cx="5006880" cy="555480"/>
+          </a:xfrm>
+          <a:prstGeom prst="curvedConnector2">
+            <a:avLst/>
+          </a:prstGeom>
+          <a:noFill/>
+          <a:ln>
+            <a:tailEnd len="med" type="triangle" w="med"/>
+          </a:ln>
+          <a:effectLst>
+            <a:outerShdw blurRad="40000" dir="5400000" dist="23040" rotWithShape="0">
+              <a:srgbClr val="000000">
+                <a:alpha val="35000"/>
+              </a:srgbClr>
+            </a:outerShdw>
+          </a:effectLst>
+        </p:spPr>
+        <p:style>
+          <a:lnRef idx="3">
+            <a:schemeClr val="accent1"/>
+          </a:lnRef>
+          <a:fillRef idx="0">
+            <a:schemeClr val="accent1"/>
+          </a:fillRef>
+          <a:effectRef idx="2">
+            <a:schemeClr val="accent1"/>
+          </a:effectRef>
+          <a:fontRef idx="minor"/>
+        </p:style>
+      </p:sp>
+      <p:sp>
+        <p:nvSpPr>
+          <p:cNvPr id="75" name="CustomShape 8"/>
+          <p:cNvSpPr/>
+          <p:nvPr/>
+        </p:nvSpPr>
+        <p:spPr>
+          <a:xfrm>
+            <a:off x="4737600" y="4761000"/>
+            <a:ext cx="3719880" cy="230040"/>
+          </a:xfrm>
+          <a:prstGeom prst="rect">
+            <a:avLst/>
+          </a:prstGeom>
+          <a:noFill/>
+          <a:ln w="0">
+            <a:noFill/>
+          </a:ln>
+        </p:spPr>
+        <p:style>
+          <a:lnRef idx="0"/>
+          <a:fillRef idx="0"/>
+          <a:effectRef idx="0"/>
+          <a:fontRef idx="minor"/>
+        </p:style>
+      </p:sp>
+      <p:sp>
+        <p:nvSpPr>
+          <p:cNvPr id="76" name="CustomShape 9"/>
+          <p:cNvSpPr/>
+          <p:nvPr/>
+        </p:nvSpPr>
+        <p:spPr>
+          <a:xfrm>
+            <a:off x="798480" y="5040000"/>
+            <a:ext cx="821520" cy="360000"/>
+          </a:xfrm>
+          <a:prstGeom prst="rect">
+            <a:avLst/>
+          </a:prstGeom>
+          <a:ln>
+            <a:noFill/>
+          </a:ln>
+        </p:spPr>
+        <p:style>
+          <a:lnRef idx="2">
+            <a:schemeClr val="accent6">
+              <a:shade val="50000"/>
+            </a:schemeClr>
+          </a:lnRef>
+          <a:fillRef idx="1">
+            <a:schemeClr val="accent6"/>
+          </a:fillRef>
+          <a:effectRef idx="0">
+            <a:schemeClr val="accent6"/>
+          </a:effectRef>
+          <a:fontRef idx="minor"/>
+        </p:style>
+        <p:txBody>
+          <a:bodyPr lIns="90000" rIns="90000" tIns="45000" bIns="45000" anchor="ctr">
+            <a:noAutofit/>
+          </a:bodyPr>
+          <a:p>
+            <a:pPr algn="ctr">
+              <a:lnSpc>
+                <a:spcPct val="100000"/>
+              </a:lnSpc>
+            </a:pPr>
+            <a:r>
+              <a:rPr b="0" lang="pt-BR" sz="1050" spc="-1" strike="noStrike">
+                <a:solidFill>
+                  <a:srgbClr val="000000"/>
+                </a:solidFill>
+                <a:latin typeface="Calibri"/>
+                <a:ea typeface="DejaVu Sans"/>
+              </a:rPr>
+              <a:t>Pedido</a:t>
+            </a:r>
+            <a:endParaRPr b="0" lang="pt-BR" sz="1050" spc="-1" strike="noStrike">
+              <a:latin typeface="Arial"/>
+            </a:endParaRPr>
+          </a:p>
+        </p:txBody>
+      </p:sp>
+      <p:cxnSp>
+        <p:nvCxnSpPr>
+          <p:cNvPr id="77" name="Line 10"/>
+          <p:cNvCxnSpPr>
+            <a:stCxn id="69" idx="2"/>
+            <a:endCxn id="68" idx="1"/>
+          </p:cNvCxnSpPr>
+          <p:nvPr/>
+        </p:nvCxnSpPr>
+        <p:spPr>
+          <a:xfrm>
+            <a:off x="1123200" y="1857600"/>
+            <a:ext cx="677160" cy="1483200"/>
+          </a:xfrm>
+          <a:prstGeom prst="curvedConnector3">
+            <a:avLst/>
+          </a:prstGeom>
+          <a:ln w="0">
+            <a:solidFill>
+              <a:srgbClr val="3465a4"/>
+            </a:solidFill>
+            <a:tailEnd len="med" type="triangle" w="med"/>
+          </a:ln>
+        </p:spPr>
+      </p:cxnSp>
+      <p:cxnSp>
+        <p:nvCxnSpPr>
+          <p:cNvPr id="78" name="Line 11"/>
+          <p:cNvCxnSpPr>
+            <a:endCxn id="76" idx="0"/>
+          </p:cNvCxnSpPr>
+          <p:nvPr/>
+        </p:nvCxnSpPr>
+        <p:spPr>
+          <a:xfrm flipH="1">
+            <a:off x="1209240" y="3915720"/>
+            <a:ext cx="812520" cy="1124640"/>
+          </a:xfrm>
+          <a:prstGeom prst="straightConnector1">
+            <a:avLst/>
+          </a:prstGeom>
+          <a:ln w="0">
+            <a:solidFill>
+              <a:srgbClr val="3465a4"/>
+            </a:solidFill>
+            <a:headEnd len="med" type="triangle" w="med"/>
+            <a:tailEnd len="med" type="triangle" w="med"/>
+          </a:ln>
+        </p:spPr>
+      </p:cxnSp>
+      <p:cxnSp>
+        <p:nvCxnSpPr>
+          <p:cNvPr id="79" name="Line 12"/>
+          <p:cNvCxnSpPr>
+            <a:endCxn id="70" idx="0"/>
+          </p:cNvCxnSpPr>
+          <p:nvPr/>
+        </p:nvCxnSpPr>
+        <p:spPr>
+          <a:xfrm flipH="1">
+            <a:off x="2210760" y="4074480"/>
+            <a:ext cx="149760" cy="965880"/>
+          </a:xfrm>
+          <a:prstGeom prst="straightConnector1">
+            <a:avLst/>
+          </a:prstGeom>
+          <a:ln w="0">
+            <a:solidFill>
+              <a:srgbClr val="3465a4"/>
+            </a:solidFill>
+            <a:headEnd len="med" type="triangle" w="med"/>
+            <a:tailEnd len="med" type="triangle" w="med"/>
+          </a:ln>
+        </p:spPr>
+      </p:cxnSp>
+      <p:sp>
+        <p:nvSpPr>
+          <p:cNvPr id="80" name="CustomShape 13"/>
+          <p:cNvSpPr/>
+          <p:nvPr/>
+        </p:nvSpPr>
+        <p:spPr>
+          <a:xfrm>
+            <a:off x="3852000" y="1432080"/>
+            <a:ext cx="1548000" cy="435600"/>
+          </a:xfrm>
+          <a:prstGeom prst="rect">
+            <a:avLst/>
+          </a:prstGeom>
+          <a:solidFill>
+            <a:srgbClr val="66ffff"/>
+          </a:solidFill>
+          <a:ln>
+            <a:solidFill>
+              <a:srgbClr val="5597d3"/>
+            </a:solidFill>
+          </a:ln>
+          <a:effectLst>
+            <a:outerShdw blurRad="40000" dir="5400000" dist="20160" rotWithShape="0">
+              <a:srgbClr val="000000">
+                <a:alpha val="38000"/>
+              </a:srgbClr>
+            </a:outerShdw>
+          </a:effectLst>
+        </p:spPr>
+        <p:style>
+          <a:lnRef idx="1">
+            <a:schemeClr val="accent5"/>
+          </a:lnRef>
+          <a:fillRef idx="2">
+            <a:schemeClr val="accent5"/>
+          </a:fillRef>
+          <a:effectRef idx="1">
+            <a:schemeClr val="accent5"/>
+          </a:effectRef>
+          <a:fontRef idx="minor"/>
+        </p:style>
+        <p:txBody>
+          <a:bodyPr lIns="90000" rIns="90000" tIns="45000" bIns="45000" anchor="ctr">
+            <a:noAutofit/>
+          </a:bodyPr>
+          <a:p>
+            <a:pPr algn="ctr">
+              <a:lnSpc>
+                <a:spcPct val="100000"/>
+              </a:lnSpc>
+            </a:pPr>
+            <a:r>
+              <a:rPr b="0" lang="pt-BR" sz="1200" spc="-1" strike="noStrike">
+                <a:solidFill>
+                  <a:srgbClr val="000000"/>
+                </a:solidFill>
+                <a:latin typeface="Calibri"/>
+                <a:ea typeface="DejaVu Sans"/>
+              </a:rPr>
+              <a:t>Provedor do cartão</a:t>
+            </a:r>
+            <a:endParaRPr b="0" lang="pt-BR" sz="1200" spc="-1" strike="noStrike">
+              <a:latin typeface="Arial"/>
+            </a:endParaRPr>
+          </a:p>
+        </p:txBody>
+      </p:sp>
+      <p:sp>
+        <p:nvSpPr>
+          <p:cNvPr id="81" name="CustomShape 14"/>
+          <p:cNvSpPr/>
+          <p:nvPr/>
+        </p:nvSpPr>
+        <p:spPr>
+          <a:xfrm>
+            <a:off x="3060000" y="2160000"/>
+            <a:ext cx="1473120" cy="364680"/>
+          </a:xfrm>
+          <a:prstGeom prst="rect">
+            <a:avLst/>
+          </a:prstGeom>
+          <a:noFill/>
+          <a:ln w="0">
+            <a:noFill/>
+          </a:ln>
+        </p:spPr>
+        <p:style>
+          <a:lnRef idx="0"/>
+          <a:fillRef idx="0"/>
+          <a:effectRef idx="0"/>
+          <a:fontRef idx="minor"/>
+        </p:style>
+        <p:txBody>
+          <a:bodyPr lIns="90000" rIns="90000" tIns="45000" bIns="45000">
+            <a:spAutoFit/>
+          </a:bodyPr>
+          <a:p>
+            <a:pPr>
+              <a:lnSpc>
+                <a:spcPct val="100000"/>
+              </a:lnSpc>
+            </a:pPr>
+            <a:r>
+              <a:rPr b="0" lang="pt-BR" sz="900" spc="-1" strike="noStrike">
+                <a:solidFill>
+                  <a:srgbClr val="000000"/>
+                </a:solidFill>
+                <a:latin typeface="Calibri"/>
+                <a:ea typeface="DejaVu Sans"/>
+              </a:rPr>
+              <a:t>solicitação de débito para a compra</a:t>
+            </a:r>
+            <a:endParaRPr b="0" lang="pt-BR" sz="900" spc="-1" strike="noStrike">
+              <a:latin typeface="Arial"/>
+            </a:endParaRPr>
+          </a:p>
+        </p:txBody>
+      </p:sp>
+      <p:sp>
+        <p:nvSpPr>
+          <p:cNvPr id="82" name="Line 15"/>
+          <p:cNvSpPr/>
+          <p:nvPr/>
+        </p:nvSpPr>
+        <p:spPr>
+          <a:xfrm flipV="1">
+            <a:off x="3060000" y="1867680"/>
+            <a:ext cx="1440000" cy="1012320"/>
+          </a:xfrm>
+          <a:prstGeom prst="line">
+            <a:avLst/>
+          </a:prstGeom>
+          <a:ln w="0">
+            <a:solidFill>
+              <a:srgbClr val="3465a4"/>
+            </a:solidFill>
+            <a:tailEnd len="med" type="triangle" w="med"/>
+          </a:ln>
+        </p:spPr>
+        <p:style>
+          <a:lnRef idx="0"/>
+          <a:fillRef idx="0"/>
+          <a:effectRef idx="0"/>
+          <a:fontRef idx="minor"/>
+        </p:style>
+      </p:sp>
+    </p:spTree>
+  </p:cSld>
+  <mc:AlternateContent>
+    <mc:Choice Requires="p14">
+      <p:transition spd="slow" p14:dur="2000"/>
+    </mc:Choice>
+    <mc:Fallback>
+      <p:transition spd="slow"/>
+    </mc:Fallback>
+  </mc:AlternateContent>
+</p:sld>
+</file>
+
+<file path=ppt/slides/slide4.xml><?xml version="1.0" encoding="utf-8"?>
+<p:sld xmlns:a="http://schemas.openxmlformats.org/drawingml/2006/main" xmlns:p="http://schemas.openxmlformats.org/presentationml/2006/main" xmlns:r="http://schemas.openxmlformats.org/officeDocument/2006/relationships" xmlns:p14="http://schemas.microsoft.com/office/powerpoint/2010/main" xmlns:p15="http://schemas.microsoft.com/office/powerpoint/2012/main" xmlns:mc="http://schemas.openxmlformats.org/markup-compatibility/2006">
+  <p:cSld>
+    <p:spTree>
+      <p:nvGrpSpPr>
+        <p:cNvPr id="1" name=""/>
+        <p:cNvGrpSpPr/>
+        <p:nvPr/>
+      </p:nvGrpSpPr>
+      <p:grpSpPr>
+        <a:xfrm>
+          <a:off x="0" y="0"/>
+          <a:ext cx="0" cy="0"/>
+          <a:chOff x="0" y="0"/>
+          <a:chExt cx="0" cy="0"/>
+        </a:xfrm>
+      </p:grpSpPr>
+      <p:sp>
+        <p:nvSpPr>
+          <p:cNvPr id="83" name="CustomShape 1"/>
+          <p:cNvSpPr/>
+          <p:nvPr/>
+        </p:nvSpPr>
+        <p:spPr>
+          <a:xfrm>
+            <a:off x="705960" y="1422000"/>
+            <a:ext cx="834480" cy="435600"/>
+          </a:xfrm>
+          <a:prstGeom prst="rect">
+            <a:avLst/>
+          </a:prstGeom>
+          <a:solidFill>
+            <a:srgbClr val="66ffff"/>
+          </a:solidFill>
+          <a:ln>
+            <a:solidFill>
+              <a:srgbClr val="5597d3"/>
+            </a:solidFill>
+          </a:ln>
+          <a:effectLst>
+            <a:outerShdw blurRad="40000" dir="5400000" dist="20160" rotWithShape="0">
+              <a:srgbClr val="000000">
+                <a:alpha val="38000"/>
+              </a:srgbClr>
+            </a:outerShdw>
+          </a:effectLst>
+        </p:spPr>
+        <p:style>
+          <a:lnRef idx="1">
+            <a:schemeClr val="accent5"/>
+          </a:lnRef>
+          <a:fillRef idx="2">
+            <a:schemeClr val="accent5"/>
+          </a:fillRef>
+          <a:effectRef idx="1">
+            <a:schemeClr val="accent5"/>
+          </a:effectRef>
+          <a:fontRef idx="minor"/>
+        </p:style>
+        <p:txBody>
+          <a:bodyPr lIns="90000" rIns="90000" tIns="45000" bIns="45000" anchor="ctr">
+            <a:noAutofit/>
+          </a:bodyPr>
+          <a:p>
+            <a:pPr algn="ctr">
+              <a:lnSpc>
+                <a:spcPct val="100000"/>
+              </a:lnSpc>
+            </a:pPr>
+            <a:r>
+              <a:rPr b="0" lang="pt-BR" sz="1200" spc="-1" strike="noStrike">
+                <a:solidFill>
+                  <a:srgbClr val="000000"/>
+                </a:solidFill>
+                <a:latin typeface="Calibri"/>
+                <a:ea typeface="DejaVu Sans"/>
+              </a:rPr>
+              <a:t>Cliente</a:t>
+            </a:r>
+            <a:endParaRPr b="0" lang="pt-BR" sz="1200" spc="-1" strike="noStrike">
+              <a:latin typeface="Arial"/>
+            </a:endParaRPr>
+          </a:p>
+        </p:txBody>
+      </p:sp>
+      <p:sp>
+        <p:nvSpPr>
+          <p:cNvPr id="84" name="CustomShape 2"/>
+          <p:cNvSpPr/>
+          <p:nvPr/>
+        </p:nvSpPr>
+        <p:spPr>
+          <a:xfrm>
+            <a:off x="1800000" y="5040000"/>
+            <a:ext cx="821520" cy="360000"/>
+          </a:xfrm>
+          <a:prstGeom prst="rect">
+            <a:avLst/>
+          </a:prstGeom>
+          <a:ln>
+            <a:noFill/>
+          </a:ln>
+        </p:spPr>
+        <p:style>
+          <a:lnRef idx="2">
+            <a:schemeClr val="accent6">
+              <a:shade val="50000"/>
+            </a:schemeClr>
+          </a:lnRef>
+          <a:fillRef idx="1">
+            <a:schemeClr val="accent6"/>
+          </a:fillRef>
+          <a:effectRef idx="0">
+            <a:schemeClr val="accent6"/>
+          </a:effectRef>
+          <a:fontRef idx="minor"/>
+        </p:style>
+        <p:txBody>
+          <a:bodyPr lIns="90000" rIns="90000" tIns="45000" bIns="45000" anchor="ctr">
+            <a:noAutofit/>
+          </a:bodyPr>
+          <a:p>
+            <a:pPr algn="ctr">
+              <a:lnSpc>
+                <a:spcPct val="100000"/>
+              </a:lnSpc>
+            </a:pPr>
+            <a:r>
+              <a:rPr b="0" lang="pt-BR" sz="1050" spc="-1" strike="noStrike">
+                <a:solidFill>
+                  <a:srgbClr val="000000"/>
+                </a:solidFill>
+                <a:latin typeface="Calibri"/>
+                <a:ea typeface="DejaVu Sans"/>
+              </a:rPr>
+              <a:t>Cliente</a:t>
+            </a:r>
+            <a:endParaRPr b="0" lang="pt-BR" sz="1050" spc="-1" strike="noStrike">
+              <a:latin typeface="Arial"/>
+            </a:endParaRPr>
+          </a:p>
+        </p:txBody>
+      </p:sp>
+      <p:sp>
+        <p:nvSpPr>
+          <p:cNvPr id="85" name="CustomShape 3"/>
+          <p:cNvSpPr/>
+          <p:nvPr/>
+        </p:nvSpPr>
+        <p:spPr>
+          <a:xfrm>
+            <a:off x="6660000" y="1764720"/>
+            <a:ext cx="4140000" cy="395280"/>
+          </a:xfrm>
+          <a:prstGeom prst="rect">
+            <a:avLst/>
+          </a:prstGeom>
+          <a:noFill/>
+          <a:ln w="0">
+            <a:noFill/>
+          </a:ln>
+        </p:spPr>
+        <p:style>
+          <a:lnRef idx="0"/>
+          <a:fillRef idx="0"/>
+          <a:effectRef idx="0"/>
+          <a:fontRef idx="minor"/>
+        </p:style>
+        <p:txBody>
+          <a:bodyPr lIns="90000" rIns="90000" tIns="45000" bIns="45000">
+            <a:spAutoFit/>
+          </a:bodyPr>
+          <a:p>
+            <a:pPr>
+              <a:lnSpc>
+                <a:spcPct val="100000"/>
+              </a:lnSpc>
+            </a:pPr>
+            <a:r>
+              <a:rPr b="0" lang="pt-BR" sz="2000" spc="-1" strike="noStrike">
+                <a:solidFill>
+                  <a:srgbClr val="000000"/>
+                </a:solidFill>
+                <a:latin typeface="Calibri"/>
+                <a:ea typeface="DejaVu Sans"/>
+              </a:rPr>
+              <a:t>Descrição dos Processos de Negócio</a:t>
+            </a:r>
+            <a:endParaRPr b="0" lang="pt-BR" sz="2000" spc="-1" strike="noStrike">
+              <a:latin typeface="Arial"/>
+            </a:endParaRPr>
+          </a:p>
+        </p:txBody>
+      </p:sp>
+      <p:sp>
+        <p:nvSpPr>
+          <p:cNvPr id="86" name="CustomShape 4"/>
+          <p:cNvSpPr/>
+          <p:nvPr/>
+        </p:nvSpPr>
+        <p:spPr>
+          <a:xfrm>
+            <a:off x="6648120" y="3976200"/>
+            <a:ext cx="3719880" cy="1461960"/>
+          </a:xfrm>
+          <a:prstGeom prst="rect">
+            <a:avLst/>
+          </a:prstGeom>
+          <a:solidFill>
+            <a:schemeClr val="bg2"/>
+          </a:solidFill>
+          <a:ln w="0">
+            <a:noFill/>
+          </a:ln>
+        </p:spPr>
+        <p:style>
+          <a:lnRef idx="0"/>
+          <a:fillRef idx="0"/>
+          <a:effectRef idx="0"/>
+          <a:fontRef idx="minor"/>
+        </p:style>
+        <p:txBody>
+          <a:bodyPr lIns="90000" rIns="90000" tIns="45000" bIns="45000">
+            <a:spAutoFit/>
+          </a:bodyPr>
+          <a:p>
+            <a:pPr>
+              <a:lnSpc>
+                <a:spcPct val="100000"/>
+              </a:lnSpc>
+            </a:pPr>
+            <a:r>
+              <a:rPr b="1" lang="pt-BR" sz="900" spc="-1" strike="noStrike">
+                <a:solidFill>
+                  <a:srgbClr val="000000"/>
+                </a:solidFill>
+                <a:latin typeface="Calibri"/>
+                <a:ea typeface="DejaVu Sans"/>
+              </a:rPr>
+              <a:t>Tratar resposta da operação realizada.</a:t>
+            </a:r>
+            <a:endParaRPr b="0" lang="pt-BR" sz="900" spc="-1" strike="noStrike">
+              <a:latin typeface="Arial"/>
+            </a:endParaRPr>
+          </a:p>
+          <a:p>
+            <a:pPr>
+              <a:lnSpc>
+                <a:spcPct val="100000"/>
+              </a:lnSpc>
+            </a:pPr>
+            <a:r>
+              <a:rPr b="1" lang="pt-BR" sz="900" spc="-1" strike="noStrike">
+                <a:solidFill>
+                  <a:srgbClr val="000000"/>
+                </a:solidFill>
+                <a:latin typeface="Calibri"/>
+                <a:ea typeface="DejaVu Sans"/>
+              </a:rPr>
+              <a:t>Evento:</a:t>
+            </a:r>
+            <a:r>
+              <a:rPr b="0" lang="pt-BR" sz="900" spc="-1" strike="noStrike">
+                <a:solidFill>
+                  <a:srgbClr val="000000"/>
+                </a:solidFill>
+                <a:latin typeface="Calibri"/>
+                <a:ea typeface="DejaVu Sans"/>
+              </a:rPr>
+              <a:t> Provedor do cartão responde a solicitação de crédito/ débito.</a:t>
+            </a:r>
+            <a:endParaRPr b="0" lang="pt-BR" sz="900" spc="-1" strike="noStrike">
+              <a:latin typeface="Arial"/>
+            </a:endParaRPr>
+          </a:p>
+          <a:p>
+            <a:pPr>
+              <a:lnSpc>
+                <a:spcPct val="100000"/>
+              </a:lnSpc>
+            </a:pPr>
+            <a:r>
+              <a:rPr b="1" lang="pt-BR" sz="900" spc="-1" strike="noStrike">
+                <a:solidFill>
+                  <a:srgbClr val="000000"/>
+                </a:solidFill>
+                <a:latin typeface="Calibri"/>
+                <a:ea typeface="DejaVu Sans"/>
+              </a:rPr>
+              <a:t>Objetivo: </a:t>
+            </a:r>
+            <a:r>
+              <a:rPr b="0" lang="pt-BR" sz="900" spc="-1" strike="noStrike">
+                <a:solidFill>
+                  <a:srgbClr val="000000"/>
+                </a:solidFill>
+                <a:latin typeface="Calibri"/>
+                <a:ea typeface="DejaVu Sans"/>
+              </a:rPr>
+              <a:t>Receber o pagamento dos produtos </a:t>
+            </a:r>
+            <a:r>
+              <a:rPr b="0" lang="pt-BR" sz="900" spc="-1" strike="noStrike">
+                <a:solidFill>
+                  <a:srgbClr val="000000"/>
+                </a:solidFill>
+                <a:latin typeface="Calibri"/>
+                <a:ea typeface="DejaVu Sans"/>
+              </a:rPr>
+              <a:t>desejados pelo cliente.</a:t>
+            </a:r>
+            <a:endParaRPr b="0" lang="pt-BR" sz="900" spc="-1" strike="noStrike">
+              <a:latin typeface="Arial"/>
+            </a:endParaRPr>
+          </a:p>
+          <a:p>
+            <a:pPr>
+              <a:lnSpc>
+                <a:spcPct val="100000"/>
+              </a:lnSpc>
+            </a:pPr>
+            <a:r>
+              <a:rPr b="1" lang="pt-BR" sz="900" spc="-1" strike="noStrike">
+                <a:solidFill>
+                  <a:srgbClr val="000000"/>
+                </a:solidFill>
+                <a:latin typeface="Calibri"/>
+                <a:ea typeface="DejaVu Sans"/>
+              </a:rPr>
+              <a:t>Trabalhadores envolvidos:</a:t>
+            </a:r>
+            <a:endParaRPr b="0" lang="pt-BR" sz="900" spc="-1" strike="noStrike">
+              <a:latin typeface="Arial"/>
+            </a:endParaRPr>
+          </a:p>
+          <a:p>
+            <a:pPr marL="171360" indent="-170640">
+              <a:lnSpc>
+                <a:spcPct val="100000"/>
+              </a:lnSpc>
+              <a:buClr>
+                <a:srgbClr val="000000"/>
+              </a:buClr>
+              <a:buFont typeface="Wingdings" charset="2"/>
+              <a:buChar char=""/>
+            </a:pPr>
+            <a:r>
+              <a:rPr b="0" lang="pt-BR" sz="900" spc="-1" strike="noStrike">
+                <a:solidFill>
+                  <a:srgbClr val="000000"/>
+                </a:solidFill>
+                <a:latin typeface="Calibri"/>
+                <a:ea typeface="DejaVu Sans"/>
+              </a:rPr>
+              <a:t>Vendedor.</a:t>
+            </a:r>
+            <a:endParaRPr b="0" lang="pt-BR" sz="900" spc="-1" strike="noStrike">
+              <a:latin typeface="Arial"/>
+            </a:endParaRPr>
+          </a:p>
+          <a:p>
+            <a:pPr lvl="1" marL="432000" indent="-215640">
+              <a:lnSpc>
+                <a:spcPct val="100000"/>
+              </a:lnSpc>
+              <a:buClr>
+                <a:srgbClr val="000000"/>
+              </a:buClr>
+              <a:buSzPct val="45000"/>
+              <a:buFont typeface="Wingdings" charset="2"/>
+              <a:buChar char=""/>
+            </a:pPr>
+            <a:r>
+              <a:rPr b="0" lang="pt-BR" sz="900" spc="-1" strike="noStrike">
+                <a:solidFill>
+                  <a:srgbClr val="000000"/>
+                </a:solidFill>
+                <a:latin typeface="Calibri"/>
+                <a:ea typeface="DejaVu Sans"/>
+              </a:rPr>
+              <a:t>Verifica os detalhes do cliente.</a:t>
+            </a:r>
+            <a:endParaRPr b="0" lang="pt-BR" sz="900" spc="-1" strike="noStrike">
+              <a:latin typeface="Arial"/>
+            </a:endParaRPr>
+          </a:p>
+          <a:p>
+            <a:pPr lvl="2" marL="648000" indent="-216000">
+              <a:lnSpc>
+                <a:spcPct val="100000"/>
+              </a:lnSpc>
+              <a:buClr>
+                <a:srgbClr val="000000"/>
+              </a:buClr>
+              <a:buSzPct val="45000"/>
+              <a:buFont typeface="Wingdings" charset="2"/>
+              <a:buChar char=""/>
+            </a:pPr>
+            <a:r>
+              <a:rPr b="0" lang="pt-BR" sz="900" spc="-1" strike="noStrike">
+                <a:solidFill>
+                  <a:srgbClr val="000000"/>
+                </a:solidFill>
+                <a:latin typeface="Calibri"/>
+                <a:ea typeface="DejaVu Sans"/>
+              </a:rPr>
+              <a:t>Se não aprovado</a:t>
+            </a:r>
+            <a:r>
+              <a:rPr b="0" lang="pt-BR" sz="900" spc="-1" strike="noStrike">
+                <a:solidFill>
+                  <a:srgbClr val="000000"/>
+                </a:solidFill>
+                <a:latin typeface="Calibri"/>
+                <a:ea typeface="DejaVu Sans"/>
+              </a:rPr>
+              <a:t> o vendedor informa ao cliente que o pedido foi recusado.</a:t>
+            </a:r>
+            <a:endParaRPr b="0" lang="pt-BR" sz="900" spc="-1" strike="noStrike">
+              <a:latin typeface="Arial"/>
+            </a:endParaRPr>
+          </a:p>
+          <a:p>
+            <a:pPr lvl="1" marL="432000" indent="-215640">
+              <a:lnSpc>
+                <a:spcPct val="100000"/>
+              </a:lnSpc>
+              <a:buClr>
+                <a:srgbClr val="000000"/>
+              </a:buClr>
+              <a:buSzPct val="45000"/>
+              <a:buFont typeface="Wingdings" charset="2"/>
+              <a:buChar char=""/>
+            </a:pPr>
+            <a:r>
+              <a:rPr b="0" lang="pt-BR" sz="900" spc="-1" strike="noStrike">
+                <a:solidFill>
+                  <a:srgbClr val="000000"/>
+                </a:solidFill>
+                <a:latin typeface="Calibri"/>
+                <a:ea typeface="DejaVu Sans"/>
+              </a:rPr>
+              <a:t>Guarda os produtos escolhidos com o valor recebido.</a:t>
+            </a:r>
+            <a:endParaRPr b="0" lang="pt-BR" sz="900" spc="-1" strike="noStrike">
+              <a:latin typeface="Arial"/>
+            </a:endParaRPr>
+          </a:p>
+          <a:p>
+            <a:pPr lvl="1" marL="432000" indent="-215640">
+              <a:lnSpc>
+                <a:spcPct val="100000"/>
+              </a:lnSpc>
+              <a:buClr>
+                <a:srgbClr val="000000"/>
+              </a:buClr>
+              <a:buSzPct val="45000"/>
+              <a:buFont typeface="Wingdings" charset="2"/>
+              <a:buChar char=""/>
+            </a:pPr>
+            <a:r>
+              <a:rPr b="0" lang="pt-BR" sz="900" spc="-1" strike="noStrike">
+                <a:solidFill>
+                  <a:srgbClr val="000000"/>
+                </a:solidFill>
+                <a:latin typeface="Calibri"/>
+                <a:ea typeface="DejaVu Sans"/>
+              </a:rPr>
+              <a:t>Entrega os produtos, nota fiscal e recibo (se houver) ao cliente</a:t>
+            </a:r>
+            <a:endParaRPr b="0" lang="pt-BR" sz="900" spc="-1" strike="noStrike">
+              <a:latin typeface="Arial"/>
+            </a:endParaRPr>
+          </a:p>
+        </p:txBody>
+      </p:sp>
+      <p:sp>
+        <p:nvSpPr>
+          <p:cNvPr id="87" name="CustomShape 5"/>
+          <p:cNvSpPr/>
+          <p:nvPr/>
+        </p:nvSpPr>
+        <p:spPr>
+          <a:xfrm>
+            <a:off x="5577120" y="3420000"/>
+            <a:ext cx="2702880" cy="555480"/>
+          </a:xfrm>
+          <a:prstGeom prst="curvedConnector2">
+            <a:avLst/>
+          </a:prstGeom>
+          <a:noFill/>
+          <a:ln>
+            <a:tailEnd len="med" type="triangle" w="med"/>
+          </a:ln>
+          <a:effectLst>
+            <a:outerShdw blurRad="40000" dir="5400000" dist="23040" rotWithShape="0">
+              <a:srgbClr val="000000">
+                <a:alpha val="35000"/>
+              </a:srgbClr>
+            </a:outerShdw>
+          </a:effectLst>
+        </p:spPr>
+        <p:style>
+          <a:lnRef idx="3">
+            <a:schemeClr val="accent1"/>
+          </a:lnRef>
+          <a:fillRef idx="0">
+            <a:schemeClr val="accent1"/>
+          </a:fillRef>
+          <a:effectRef idx="2">
+            <a:schemeClr val="accent1"/>
+          </a:effectRef>
+          <a:fontRef idx="minor"/>
+        </p:style>
+      </p:sp>
+      <p:sp>
+        <p:nvSpPr>
+          <p:cNvPr id="88" name="CustomShape 6"/>
+          <p:cNvSpPr/>
+          <p:nvPr/>
+        </p:nvSpPr>
+        <p:spPr>
+          <a:xfrm>
+            <a:off x="4737600" y="4761000"/>
+            <a:ext cx="3719880" cy="230040"/>
+          </a:xfrm>
+          <a:prstGeom prst="rect">
+            <a:avLst/>
+          </a:prstGeom>
+          <a:noFill/>
+          <a:ln w="0">
+            <a:noFill/>
+          </a:ln>
+        </p:spPr>
+        <p:style>
+          <a:lnRef idx="0"/>
+          <a:fillRef idx="0"/>
+          <a:effectRef idx="0"/>
+          <a:fontRef idx="minor"/>
+        </p:style>
+      </p:sp>
+      <p:sp>
+        <p:nvSpPr>
+          <p:cNvPr id="89" name="CustomShape 7"/>
+          <p:cNvSpPr/>
+          <p:nvPr/>
+        </p:nvSpPr>
+        <p:spPr>
+          <a:xfrm>
+            <a:off x="798480" y="5040000"/>
+            <a:ext cx="821520" cy="360000"/>
+          </a:xfrm>
+          <a:prstGeom prst="rect">
+            <a:avLst/>
+          </a:prstGeom>
+          <a:ln>
+            <a:noFill/>
+          </a:ln>
+        </p:spPr>
+        <p:style>
+          <a:lnRef idx="2">
+            <a:schemeClr val="accent6">
+              <a:shade val="50000"/>
+            </a:schemeClr>
+          </a:lnRef>
+          <a:fillRef idx="1">
+            <a:schemeClr val="accent6"/>
+          </a:fillRef>
+          <a:effectRef idx="0">
+            <a:schemeClr val="accent6"/>
+          </a:effectRef>
+          <a:fontRef idx="minor"/>
+        </p:style>
+        <p:txBody>
+          <a:bodyPr lIns="90000" rIns="90000" tIns="45000" bIns="45000" anchor="ctr">
+            <a:noAutofit/>
+          </a:bodyPr>
+          <a:p>
+            <a:pPr algn="ctr">
+              <a:lnSpc>
+                <a:spcPct val="100000"/>
+              </a:lnSpc>
+            </a:pPr>
+            <a:r>
+              <a:rPr b="0" lang="pt-BR" sz="1050" spc="-1" strike="noStrike">
+                <a:solidFill>
+                  <a:srgbClr val="000000"/>
+                </a:solidFill>
+                <a:latin typeface="Calibri"/>
+                <a:ea typeface="DejaVu Sans"/>
+              </a:rPr>
+              <a:t>Pedido</a:t>
+            </a:r>
+            <a:endParaRPr b="0" lang="pt-BR" sz="1050" spc="-1" strike="noStrike">
+              <a:latin typeface="Arial"/>
+            </a:endParaRPr>
+          </a:p>
+        </p:txBody>
+      </p:sp>
+      <p:sp>
+        <p:nvSpPr>
+          <p:cNvPr id="90" name="CustomShape 8"/>
+          <p:cNvSpPr/>
+          <p:nvPr/>
+        </p:nvSpPr>
+        <p:spPr>
+          <a:xfrm>
+            <a:off x="2778480" y="5040000"/>
+            <a:ext cx="821520" cy="360000"/>
+          </a:xfrm>
+          <a:prstGeom prst="rect">
+            <a:avLst/>
+          </a:prstGeom>
+          <a:ln>
+            <a:noFill/>
+          </a:ln>
+        </p:spPr>
+        <p:style>
+          <a:lnRef idx="2">
+            <a:schemeClr val="accent6">
+              <a:shade val="50000"/>
+            </a:schemeClr>
+          </a:lnRef>
+          <a:fillRef idx="1">
+            <a:schemeClr val="accent6"/>
+          </a:fillRef>
+          <a:effectRef idx="0">
+            <a:schemeClr val="accent6"/>
+          </a:effectRef>
+          <a:fontRef idx="minor"/>
+        </p:style>
+        <p:txBody>
+          <a:bodyPr lIns="90000" rIns="90000" tIns="45000" bIns="45000" anchor="ctr">
+            <a:noAutofit/>
+          </a:bodyPr>
+          <a:p>
+            <a:pPr algn="ctr">
+              <a:lnSpc>
+                <a:spcPct val="100000"/>
+              </a:lnSpc>
+            </a:pPr>
+            <a:r>
+              <a:rPr b="0" lang="pt-BR" sz="1050" spc="-1" strike="noStrike">
+                <a:solidFill>
+                  <a:srgbClr val="000000"/>
+                </a:solidFill>
+                <a:latin typeface="Calibri"/>
+                <a:ea typeface="DejaVu Sans"/>
+              </a:rPr>
+              <a:t>Produto</a:t>
+            </a:r>
+            <a:endParaRPr b="0" lang="pt-BR" sz="1050" spc="-1" strike="noStrike">
+              <a:latin typeface="Arial"/>
+            </a:endParaRPr>
+          </a:p>
+        </p:txBody>
+      </p:sp>
+      <p:cxnSp>
+        <p:nvCxnSpPr>
+          <p:cNvPr id="91" name="Line 9"/>
+          <p:cNvCxnSpPr>
+            <a:endCxn id="90" idx="0"/>
+          </p:cNvCxnSpPr>
+          <p:nvPr/>
+        </p:nvCxnSpPr>
+        <p:spPr>
+          <a:xfrm flipH="1">
+            <a:off x="3189240" y="4000680"/>
+            <a:ext cx="1147680" cy="1039680"/>
+          </a:xfrm>
+          <a:prstGeom prst="straightConnector1">
+            <a:avLst/>
+          </a:prstGeom>
+          <a:ln w="0">
+            <a:solidFill>
+              <a:srgbClr val="3465a4"/>
+            </a:solidFill>
+            <a:headEnd len="med" type="triangle" w="med"/>
+            <a:tailEnd len="med" type="triangle" w="med"/>
+          </a:ln>
+        </p:spPr>
+      </p:cxnSp>
+      <p:sp>
+        <p:nvSpPr>
+          <p:cNvPr id="92" name="CustomShape 10"/>
+          <p:cNvSpPr/>
+          <p:nvPr/>
+        </p:nvSpPr>
+        <p:spPr>
+          <a:xfrm>
+            <a:off x="3852000" y="1432080"/>
+            <a:ext cx="1548000" cy="435600"/>
+          </a:xfrm>
+          <a:prstGeom prst="rect">
+            <a:avLst/>
+          </a:prstGeom>
+          <a:solidFill>
+            <a:srgbClr val="66ffff"/>
+          </a:solidFill>
+          <a:ln>
+            <a:solidFill>
+              <a:srgbClr val="5597d3"/>
+            </a:solidFill>
+          </a:ln>
+          <a:effectLst>
+            <a:outerShdw blurRad="40000" dir="5400000" dist="20160" rotWithShape="0">
+              <a:srgbClr val="000000">
+                <a:alpha val="38000"/>
+              </a:srgbClr>
+            </a:outerShdw>
+          </a:effectLst>
+        </p:spPr>
+        <p:style>
+          <a:lnRef idx="1">
+            <a:schemeClr val="accent5"/>
+          </a:lnRef>
+          <a:fillRef idx="2">
+            <a:schemeClr val="accent5"/>
+          </a:fillRef>
+          <a:effectRef idx="1">
+            <a:schemeClr val="accent5"/>
+          </a:effectRef>
+          <a:fontRef idx="minor"/>
+        </p:style>
+        <p:txBody>
+          <a:bodyPr lIns="90000" rIns="90000" tIns="45000" bIns="45000" anchor="ctr">
+            <a:noAutofit/>
+          </a:bodyPr>
+          <a:p>
+            <a:pPr algn="ctr">
+              <a:lnSpc>
+                <a:spcPct val="100000"/>
+              </a:lnSpc>
+            </a:pPr>
+            <a:r>
+              <a:rPr b="0" lang="pt-BR" sz="1200" spc="-1" strike="noStrike">
+                <a:solidFill>
+                  <a:srgbClr val="000000"/>
+                </a:solidFill>
+                <a:latin typeface="Calibri"/>
+                <a:ea typeface="DejaVu Sans"/>
+              </a:rPr>
+              <a:t>Provedor do cartão</a:t>
+            </a:r>
+            <a:endParaRPr b="0" lang="pt-BR" sz="1200" spc="-1" strike="noStrike">
+              <a:latin typeface="Arial"/>
+            </a:endParaRPr>
+          </a:p>
+        </p:txBody>
+      </p:sp>
+      <p:sp>
+        <p:nvSpPr>
+          <p:cNvPr id="93" name="CustomShape 11"/>
+          <p:cNvSpPr/>
+          <p:nvPr/>
+        </p:nvSpPr>
+        <p:spPr>
+          <a:xfrm>
+            <a:off x="4104000" y="2662920"/>
+            <a:ext cx="1473120" cy="1384560"/>
+          </a:xfrm>
+          <a:prstGeom prst="ellipse">
+            <a:avLst/>
+          </a:prstGeom>
+          <a:ln/>
+        </p:spPr>
+        <p:style>
+          <a:lnRef idx="2">
+            <a:schemeClr val="accent2">
+              <a:shade val="50000"/>
+            </a:schemeClr>
+          </a:lnRef>
+          <a:fillRef idx="1">
+            <a:schemeClr val="accent2"/>
+          </a:fillRef>
+          <a:effectRef idx="0">
+            <a:schemeClr val="accent2"/>
+          </a:effectRef>
+          <a:fontRef idx="minor"/>
+        </p:style>
+        <p:txBody>
+          <a:bodyPr lIns="90000" rIns="90000" tIns="45000" bIns="45000" anchor="ctr">
+            <a:noAutofit/>
+          </a:bodyPr>
+          <a:p>
+            <a:pPr algn="ctr">
+              <a:lnSpc>
+                <a:spcPct val="100000"/>
+              </a:lnSpc>
+            </a:pPr>
+            <a:r>
+              <a:rPr b="0" lang="pt-BR" sz="1200" spc="-1" strike="noStrike">
+                <a:solidFill>
+                  <a:srgbClr val="000000"/>
+                </a:solidFill>
+                <a:latin typeface="Calibri"/>
+                <a:ea typeface="DejaVu Sans"/>
+              </a:rPr>
+              <a:t>Tratar resposta da operação realizada</a:t>
+            </a:r>
+            <a:endParaRPr b="0" lang="pt-BR" sz="1200" spc="-1" strike="noStrike">
+              <a:latin typeface="Arial"/>
+            </a:endParaRPr>
+          </a:p>
+        </p:txBody>
+      </p:sp>
+      <p:sp>
+        <p:nvSpPr>
+          <p:cNvPr id="94" name="CustomShape 12"/>
+          <p:cNvSpPr/>
+          <p:nvPr/>
+        </p:nvSpPr>
+        <p:spPr>
+          <a:xfrm>
+            <a:off x="3780000" y="5040000"/>
+            <a:ext cx="1473120" cy="360000"/>
+          </a:xfrm>
+          <a:prstGeom prst="rect">
+            <a:avLst/>
+          </a:prstGeom>
+          <a:ln>
+            <a:noFill/>
+          </a:ln>
+        </p:spPr>
+        <p:style>
+          <a:lnRef idx="2">
+            <a:schemeClr val="accent6">
+              <a:shade val="50000"/>
+            </a:schemeClr>
+          </a:lnRef>
+          <a:fillRef idx="1">
+            <a:schemeClr val="accent6"/>
+          </a:fillRef>
+          <a:effectRef idx="0">
+            <a:schemeClr val="accent6"/>
+          </a:effectRef>
+          <a:fontRef idx="minor"/>
+        </p:style>
+        <p:txBody>
+          <a:bodyPr lIns="90000" rIns="90000" tIns="45000" bIns="45000" anchor="ctr">
+            <a:noAutofit/>
+          </a:bodyPr>
+          <a:p>
+            <a:pPr algn="ctr">
+              <a:lnSpc>
+                <a:spcPct val="100000"/>
+              </a:lnSpc>
+            </a:pPr>
+            <a:r>
+              <a:rPr b="0" lang="pt-BR" sz="1050" spc="-1" strike="noStrike">
+                <a:solidFill>
+                  <a:srgbClr val="000000"/>
+                </a:solidFill>
+                <a:latin typeface="Calibri"/>
+                <a:ea typeface="DejaVu Sans"/>
+              </a:rPr>
+              <a:t>Comprovante da Venda</a:t>
+            </a:r>
+            <a:endParaRPr b="0" lang="pt-BR" sz="1050" spc="-1" strike="noStrike">
+              <a:latin typeface="Arial"/>
+            </a:endParaRPr>
+          </a:p>
+        </p:txBody>
+      </p:sp>
+      <p:sp>
+        <p:nvSpPr>
+          <p:cNvPr id="95" name="Line 13"/>
+          <p:cNvSpPr/>
+          <p:nvPr/>
+        </p:nvSpPr>
+        <p:spPr>
+          <a:xfrm>
+            <a:off x="4680000" y="1867680"/>
+            <a:ext cx="180000" cy="795240"/>
+          </a:xfrm>
+          <a:prstGeom prst="line">
+            <a:avLst/>
+          </a:prstGeom>
+          <a:ln w="0">
+            <a:solidFill>
+              <a:srgbClr val="3465a4"/>
+            </a:solidFill>
+            <a:tailEnd len="med" type="triangle" w="med"/>
+          </a:ln>
+        </p:spPr>
+        <p:style>
+          <a:lnRef idx="0"/>
+          <a:fillRef idx="0"/>
+          <a:effectRef idx="0"/>
+          <a:fontRef idx="minor"/>
+        </p:style>
+      </p:sp>
+      <p:sp>
+        <p:nvSpPr>
+          <p:cNvPr id="96" name="CustomShape 14"/>
+          <p:cNvSpPr/>
+          <p:nvPr/>
+        </p:nvSpPr>
+        <p:spPr>
+          <a:xfrm>
+            <a:off x="4533120" y="2155320"/>
+            <a:ext cx="1473120" cy="227520"/>
+          </a:xfrm>
+          <a:prstGeom prst="rect">
+            <a:avLst/>
+          </a:prstGeom>
+          <a:noFill/>
+          <a:ln w="0">
+            <a:noFill/>
+          </a:ln>
+        </p:spPr>
+        <p:style>
+          <a:lnRef idx="0"/>
+          <a:fillRef idx="0"/>
+          <a:effectRef idx="0"/>
+          <a:fontRef idx="minor"/>
+        </p:style>
+        <p:txBody>
+          <a:bodyPr lIns="90000" rIns="90000" tIns="45000" bIns="45000">
+            <a:spAutoFit/>
+          </a:bodyPr>
+          <a:p>
+            <a:pPr>
+              <a:lnSpc>
+                <a:spcPct val="100000"/>
+              </a:lnSpc>
+            </a:pPr>
+            <a:r>
+              <a:rPr b="0" lang="pt-BR" sz="900" spc="-1" strike="noStrike">
+                <a:solidFill>
+                  <a:srgbClr val="000000"/>
+                </a:solidFill>
+                <a:latin typeface="Calibri"/>
+                <a:ea typeface="DejaVu Sans"/>
+              </a:rPr>
+              <a:t>resposta do pagamento</a:t>
+            </a:r>
+            <a:endParaRPr b="0" lang="pt-BR" sz="900" spc="-1" strike="noStrike">
+              <a:latin typeface="Arial"/>
+            </a:endParaRPr>
+          </a:p>
+        </p:txBody>
+      </p:sp>
+      <p:sp>
+        <p:nvSpPr>
+          <p:cNvPr id="97" name="Line 15"/>
+          <p:cNvSpPr/>
+          <p:nvPr/>
+        </p:nvSpPr>
+        <p:spPr>
+          <a:xfrm flipV="1">
+            <a:off x="2360160" y="3780000"/>
+            <a:ext cx="1779840" cy="1260000"/>
+          </a:xfrm>
+          <a:prstGeom prst="line">
+            <a:avLst/>
+          </a:prstGeom>
+          <a:ln w="0">
+            <a:solidFill>
+              <a:srgbClr val="3465a4"/>
+            </a:solidFill>
+            <a:tailEnd len="med" type="triangle" w="med"/>
+          </a:ln>
+        </p:spPr>
+        <p:style>
+          <a:lnRef idx="0"/>
+          <a:fillRef idx="0"/>
+          <a:effectRef idx="0"/>
+          <a:fontRef idx="minor"/>
+        </p:style>
+      </p:sp>
+      <p:sp>
+        <p:nvSpPr>
+          <p:cNvPr id="98" name="Line 16"/>
+          <p:cNvSpPr/>
+          <p:nvPr/>
+        </p:nvSpPr>
+        <p:spPr>
+          <a:xfrm flipH="1">
+            <a:off x="4508640" y="4047480"/>
+            <a:ext cx="351360" cy="992520"/>
+          </a:xfrm>
+          <a:prstGeom prst="line">
+            <a:avLst/>
+          </a:prstGeom>
+          <a:ln w="0">
+            <a:solidFill>
+              <a:srgbClr val="3465a4"/>
+            </a:solidFill>
+            <a:tailEnd len="med" type="triangle" w="med"/>
+          </a:ln>
+        </p:spPr>
+        <p:style>
+          <a:lnRef idx="0"/>
+          <a:fillRef idx="0"/>
+          <a:effectRef idx="0"/>
+          <a:fontRef idx="minor"/>
+        </p:style>
+      </p:sp>
+      <p:cxnSp>
+        <p:nvCxnSpPr>
+          <p:cNvPr id="99" name="Line 17"/>
+          <p:cNvCxnSpPr>
+            <a:stCxn id="89" idx="0"/>
+          </p:cNvCxnSpPr>
+          <p:nvPr/>
+        </p:nvCxnSpPr>
+        <p:spPr>
+          <a:xfrm flipV="1">
+            <a:off x="1209240" y="3545280"/>
+            <a:ext cx="2855160" cy="1495080"/>
+          </a:xfrm>
+          <a:prstGeom prst="straightConnector1">
+            <a:avLst/>
+          </a:prstGeom>
+          <a:ln w="0">
+            <a:solidFill>
+              <a:srgbClr val="3465a4"/>
+            </a:solidFill>
+            <a:headEnd len="med" type="triangle" w="med"/>
+            <a:tailEnd len="med" type="triangle" w="med"/>
+          </a:ln>
+        </p:spPr>
+      </p:cxnSp>
+      <p:cxnSp>
+        <p:nvCxnSpPr>
+          <p:cNvPr id="100" name="Line 18"/>
+          <p:cNvCxnSpPr>
+            <a:stCxn id="93" idx="1"/>
+            <a:endCxn id="83" idx="3"/>
+          </p:cNvCxnSpPr>
+          <p:nvPr/>
+        </p:nvCxnSpPr>
+        <p:spPr>
+          <a:xfrm flipH="1" flipV="1">
+            <a:off x="1540440" y="1639800"/>
+            <a:ext cx="2563920" cy="1715760"/>
+          </a:xfrm>
+          <a:prstGeom prst="curvedConnector3">
+            <a:avLst/>
+          </a:prstGeom>
+          <a:ln w="0">
+            <a:solidFill>
+              <a:srgbClr val="3465a4"/>
+            </a:solidFill>
+            <a:tailEnd len="med" type="triangle" w="med"/>
+          </a:ln>
+        </p:spPr>
+      </p:cxnSp>
+      <p:sp>
+        <p:nvSpPr>
+          <p:cNvPr id="101" name="CustomShape 19"/>
+          <p:cNvSpPr/>
+          <p:nvPr/>
+        </p:nvSpPr>
+        <p:spPr>
+          <a:xfrm>
+            <a:off x="1980000" y="1615320"/>
+            <a:ext cx="1473120" cy="501840"/>
+          </a:xfrm>
+          <a:prstGeom prst="rect">
+            <a:avLst/>
+          </a:prstGeom>
+          <a:noFill/>
+          <a:ln w="0">
+            <a:noFill/>
+          </a:ln>
+        </p:spPr>
+        <p:style>
+          <a:lnRef idx="0"/>
+          <a:fillRef idx="0"/>
+          <a:effectRef idx="0"/>
+          <a:fontRef idx="minor"/>
+        </p:style>
+        <p:txBody>
+          <a:bodyPr lIns="90000" rIns="90000" tIns="45000" bIns="45000">
+            <a:spAutoFit/>
+          </a:bodyPr>
+          <a:p>
+            <a:pPr>
+              <a:lnSpc>
+                <a:spcPct val="100000"/>
+              </a:lnSpc>
+            </a:pPr>
+            <a:r>
+              <a:rPr b="0" lang="pt-BR" sz="900" spc="-1" strike="noStrike">
+                <a:solidFill>
+                  <a:srgbClr val="000000"/>
+                </a:solidFill>
+                <a:latin typeface="Calibri"/>
+                <a:ea typeface="DejaVu Sans"/>
+              </a:rPr>
+              <a:t>transação aceita + produtos + NF + (recibo) | transação recusada</a:t>
+            </a:r>
+            <a:endParaRPr b="0" lang="pt-BR" sz="900" spc="-1" strike="noStrike">
+              <a:latin typeface="Arial"/>
+            </a:endParaRPr>
+          </a:p>
+        </p:txBody>
       </p:sp>
     </p:spTree>
   </p:cSld>

--- a/18. Descrição dos Processos de Negócio.pptx
+++ b/18. Descrição dos Processos de Negócio.pptx
@@ -1,22 +1,117 @@
 
 <file path=ppt/presentation.xml><?xml version="1.0" encoding="utf-8"?>
-<p:presentation xmlns:a="http://schemas.openxmlformats.org/drawingml/2006/main" xmlns:p="http://schemas.openxmlformats.org/presentationml/2006/main" xmlns:r="http://schemas.openxmlformats.org/officeDocument/2006/relationships" xmlns:p14="http://schemas.microsoft.com/office/powerpoint/2010/main" xmlns:p15="http://schemas.microsoft.com/office/powerpoint/2012/main" xmlns:mc="http://schemas.openxmlformats.org/markup-compatibility/2006">
+<p:presentation xmlns:a="http://schemas.openxmlformats.org/drawingml/2006/main" xmlns:r="http://schemas.openxmlformats.org/officeDocument/2006/relationships" xmlns:p="http://schemas.openxmlformats.org/presentationml/2006/main">
   <p:sldMasterIdLst>
-    <p:sldMasterId id="2147483648" r:id="rId2"/>
+    <p:sldMasterId id="2147483648" r:id="rId1"/>
   </p:sldMasterIdLst>
   <p:sldIdLst>
-    <p:sldId id="256" r:id="rId3"/>
-    <p:sldId id="257" r:id="rId4"/>
-    <p:sldId id="258" r:id="rId5"/>
-    <p:sldId id="259" r:id="rId6"/>
+    <p:sldId id="256" r:id="rId2"/>
+    <p:sldId id="257" r:id="rId3"/>
+    <p:sldId id="258" r:id="rId4"/>
+    <p:sldId id="259" r:id="rId5"/>
   </p:sldIdLst>
   <p:sldSz cx="12192000" cy="6858000"/>
-  <p:notesSz cx="7559675" cy="10691812"/>
+  <p:notesSz cx="7559675" cy="10691813"/>
+  <p:defaultTextStyle>
+    <a:defPPr>
+      <a:defRPr lang="pt-BR"/>
+    </a:defPPr>
+    <a:lvl1pPr marL="0" algn="l" defTabSz="914400" rtl="0" eaLnBrk="1" latinLnBrk="0" hangingPunct="1">
+      <a:defRPr sz="1800" kern="1200">
+        <a:solidFill>
+          <a:schemeClr val="tx1"/>
+        </a:solidFill>
+        <a:latin typeface="+mn-lt"/>
+        <a:ea typeface="+mn-ea"/>
+        <a:cs typeface="+mn-cs"/>
+      </a:defRPr>
+    </a:lvl1pPr>
+    <a:lvl2pPr marL="457200" algn="l" defTabSz="914400" rtl="0" eaLnBrk="1" latinLnBrk="0" hangingPunct="1">
+      <a:defRPr sz="1800" kern="1200">
+        <a:solidFill>
+          <a:schemeClr val="tx1"/>
+        </a:solidFill>
+        <a:latin typeface="+mn-lt"/>
+        <a:ea typeface="+mn-ea"/>
+        <a:cs typeface="+mn-cs"/>
+      </a:defRPr>
+    </a:lvl2pPr>
+    <a:lvl3pPr marL="914400" algn="l" defTabSz="914400" rtl="0" eaLnBrk="1" latinLnBrk="0" hangingPunct="1">
+      <a:defRPr sz="1800" kern="1200">
+        <a:solidFill>
+          <a:schemeClr val="tx1"/>
+        </a:solidFill>
+        <a:latin typeface="+mn-lt"/>
+        <a:ea typeface="+mn-ea"/>
+        <a:cs typeface="+mn-cs"/>
+      </a:defRPr>
+    </a:lvl3pPr>
+    <a:lvl4pPr marL="1371600" algn="l" defTabSz="914400" rtl="0" eaLnBrk="1" latinLnBrk="0" hangingPunct="1">
+      <a:defRPr sz="1800" kern="1200">
+        <a:solidFill>
+          <a:schemeClr val="tx1"/>
+        </a:solidFill>
+        <a:latin typeface="+mn-lt"/>
+        <a:ea typeface="+mn-ea"/>
+        <a:cs typeface="+mn-cs"/>
+      </a:defRPr>
+    </a:lvl4pPr>
+    <a:lvl5pPr marL="1828800" algn="l" defTabSz="914400" rtl="0" eaLnBrk="1" latinLnBrk="0" hangingPunct="1">
+      <a:defRPr sz="1800" kern="1200">
+        <a:solidFill>
+          <a:schemeClr val="tx1"/>
+        </a:solidFill>
+        <a:latin typeface="+mn-lt"/>
+        <a:ea typeface="+mn-ea"/>
+        <a:cs typeface="+mn-cs"/>
+      </a:defRPr>
+    </a:lvl5pPr>
+    <a:lvl6pPr marL="2286000" algn="l" defTabSz="914400" rtl="0" eaLnBrk="1" latinLnBrk="0" hangingPunct="1">
+      <a:defRPr sz="1800" kern="1200">
+        <a:solidFill>
+          <a:schemeClr val="tx1"/>
+        </a:solidFill>
+        <a:latin typeface="+mn-lt"/>
+        <a:ea typeface="+mn-ea"/>
+        <a:cs typeface="+mn-cs"/>
+      </a:defRPr>
+    </a:lvl6pPr>
+    <a:lvl7pPr marL="2743200" algn="l" defTabSz="914400" rtl="0" eaLnBrk="1" latinLnBrk="0" hangingPunct="1">
+      <a:defRPr sz="1800" kern="1200">
+        <a:solidFill>
+          <a:schemeClr val="tx1"/>
+        </a:solidFill>
+        <a:latin typeface="+mn-lt"/>
+        <a:ea typeface="+mn-ea"/>
+        <a:cs typeface="+mn-cs"/>
+      </a:defRPr>
+    </a:lvl7pPr>
+    <a:lvl8pPr marL="3200400" algn="l" defTabSz="914400" rtl="0" eaLnBrk="1" latinLnBrk="0" hangingPunct="1">
+      <a:defRPr sz="1800" kern="1200">
+        <a:solidFill>
+          <a:schemeClr val="tx1"/>
+        </a:solidFill>
+        <a:latin typeface="+mn-lt"/>
+        <a:ea typeface="+mn-ea"/>
+        <a:cs typeface="+mn-cs"/>
+      </a:defRPr>
+    </a:lvl8pPr>
+    <a:lvl9pPr marL="3657600" algn="l" defTabSz="914400" rtl="0" eaLnBrk="1" latinLnBrk="0" hangingPunct="1">
+      <a:defRPr sz="1800" kern="1200">
+        <a:solidFill>
+          <a:schemeClr val="tx1"/>
+        </a:solidFill>
+        <a:latin typeface="+mn-lt"/>
+        <a:ea typeface="+mn-ea"/>
+        <a:cs typeface="+mn-cs"/>
+      </a:defRPr>
+    </a:lvl9pPr>
+  </p:defaultTextStyle>
 </p:presentation>
 </file>
 
 <file path=ppt/slideLayouts/slideLayout1.xml><?xml version="1.0" encoding="utf-8"?>
-<p:sldLayout xmlns:a="http://schemas.openxmlformats.org/drawingml/2006/main" xmlns:p="http://schemas.openxmlformats.org/presentationml/2006/main" xmlns:r="http://schemas.openxmlformats.org/officeDocument/2006/relationships" xmlns:p14="http://schemas.microsoft.com/office/powerpoint/2010/main" xmlns:p15="http://schemas.microsoft.com/office/powerpoint/2012/main" xmlns:mc="http://schemas.openxmlformats.org/markup-compatibility/2006" type="blank" preserve="1">
+<p:sldLayout xmlns:a="http://schemas.openxmlformats.org/drawingml/2006/main" xmlns:r="http://schemas.openxmlformats.org/officeDocument/2006/relationships" xmlns:p="http://schemas.openxmlformats.org/presentationml/2006/main" type="blank" preserve="1">
   <p:cSld name="Blank Slide">
     <p:spTree>
       <p:nvGrpSpPr>
@@ -34,11 +129,14 @@
       </p:grpSpPr>
     </p:spTree>
   </p:cSld>
+  <p:clrMapOvr>
+    <a:masterClrMapping/>
+  </p:clrMapOvr>
 </p:sldLayout>
 </file>
 
 <file path=ppt/slideLayouts/slideLayout10.xml><?xml version="1.0" encoding="utf-8"?>
-<p:sldLayout xmlns:a="http://schemas.openxmlformats.org/drawingml/2006/main" xmlns:p="http://schemas.openxmlformats.org/presentationml/2006/main" xmlns:r="http://schemas.openxmlformats.org/officeDocument/2006/relationships" xmlns:p14="http://schemas.microsoft.com/office/powerpoint/2010/main" xmlns:p15="http://schemas.microsoft.com/office/powerpoint/2012/main" xmlns:mc="http://schemas.openxmlformats.org/markup-compatibility/2006" type="objOverTx" preserve="1">
+<p:sldLayout xmlns:a="http://schemas.openxmlformats.org/drawingml/2006/main" xmlns:r="http://schemas.openxmlformats.org/officeDocument/2006/relationships" xmlns:p="http://schemas.openxmlformats.org/presentationml/2006/main" type="objOverTx" preserve="1">
   <p:cSld name="Title, Content over Content">
     <p:spTree>
       <p:nvGrpSpPr>
@@ -74,12 +172,13 @@
           </a:prstGeom>
         </p:spPr>
         <p:txBody>
-          <a:bodyPr lIns="0" rIns="0" tIns="0" bIns="0" anchor="ctr">
+          <a:bodyPr lIns="0" tIns="0" rIns="0" bIns="0" anchor="ctr">
             <a:noAutofit/>
           </a:bodyPr>
+          <a:lstStyle/>
           <a:p>
             <a:pPr algn="ctr"/>
-            <a:endParaRPr b="0" lang="pt-BR" sz="4400" spc="-1" strike="noStrike">
+            <a:endParaRPr lang="pt-BR" sz="4400" b="0" strike="noStrike" spc="-1">
               <a:latin typeface="Arial"/>
             </a:endParaRPr>
           </a:p>
@@ -105,11 +204,12 @@
           </a:prstGeom>
         </p:spPr>
         <p:txBody>
-          <a:bodyPr lIns="0" rIns="0" tIns="0" bIns="0">
+          <a:bodyPr lIns="0" tIns="0" rIns="0" bIns="0">
             <a:normAutofit/>
           </a:bodyPr>
-          <a:p>
-            <a:endParaRPr b="0" lang="pt-BR" sz="3200" spc="-1" strike="noStrike">
+          <a:lstStyle/>
+          <a:p>
+            <a:endParaRPr lang="pt-BR" sz="3200" b="0" strike="noStrike" spc="-1">
               <a:latin typeface="Arial"/>
             </a:endParaRPr>
           </a:p>
@@ -135,11 +235,12 @@
           </a:prstGeom>
         </p:spPr>
         <p:txBody>
-          <a:bodyPr lIns="0" rIns="0" tIns="0" bIns="0">
+          <a:bodyPr lIns="0" tIns="0" rIns="0" bIns="0">
             <a:normAutofit/>
           </a:bodyPr>
-          <a:p>
-            <a:endParaRPr b="0" lang="pt-BR" sz="3200" spc="-1" strike="noStrike">
+          <a:lstStyle/>
+          <a:p>
+            <a:endParaRPr lang="pt-BR" sz="3200" b="0" strike="noStrike" spc="-1">
               <a:latin typeface="Arial"/>
             </a:endParaRPr>
           </a:p>
@@ -147,11 +248,14 @@
       </p:sp>
     </p:spTree>
   </p:cSld>
+  <p:clrMapOvr>
+    <a:masterClrMapping/>
+  </p:clrMapOvr>
 </p:sldLayout>
 </file>
 
 <file path=ppt/slideLayouts/slideLayout11.xml><?xml version="1.0" encoding="utf-8"?>
-<p:sldLayout xmlns:a="http://schemas.openxmlformats.org/drawingml/2006/main" xmlns:p="http://schemas.openxmlformats.org/presentationml/2006/main" xmlns:r="http://schemas.openxmlformats.org/officeDocument/2006/relationships" xmlns:p14="http://schemas.microsoft.com/office/powerpoint/2010/main" xmlns:p15="http://schemas.microsoft.com/office/powerpoint/2012/main" xmlns:mc="http://schemas.openxmlformats.org/markup-compatibility/2006" type="fourObj" preserve="1">
+<p:sldLayout xmlns:a="http://schemas.openxmlformats.org/drawingml/2006/main" xmlns:r="http://schemas.openxmlformats.org/officeDocument/2006/relationships" xmlns:p="http://schemas.openxmlformats.org/presentationml/2006/main" type="fourObj" preserve="1">
   <p:cSld name="Title, 4 Content">
     <p:spTree>
       <p:nvGrpSpPr>
@@ -187,12 +291,13 @@
           </a:prstGeom>
         </p:spPr>
         <p:txBody>
-          <a:bodyPr lIns="0" rIns="0" tIns="0" bIns="0" anchor="ctr">
+          <a:bodyPr lIns="0" tIns="0" rIns="0" bIns="0" anchor="ctr">
             <a:noAutofit/>
           </a:bodyPr>
+          <a:lstStyle/>
           <a:p>
             <a:pPr algn="ctr"/>
-            <a:endParaRPr b="0" lang="pt-BR" sz="4400" spc="-1" strike="noStrike">
+            <a:endParaRPr lang="pt-BR" sz="4400" b="0" strike="noStrike" spc="-1">
               <a:latin typeface="Arial"/>
             </a:endParaRPr>
           </a:p>
@@ -218,11 +323,12 @@
           </a:prstGeom>
         </p:spPr>
         <p:txBody>
-          <a:bodyPr lIns="0" rIns="0" tIns="0" bIns="0">
+          <a:bodyPr lIns="0" tIns="0" rIns="0" bIns="0">
             <a:normAutofit/>
           </a:bodyPr>
-          <a:p>
-            <a:endParaRPr b="0" lang="pt-BR" sz="3200" spc="-1" strike="noStrike">
+          <a:lstStyle/>
+          <a:p>
+            <a:endParaRPr lang="pt-BR" sz="3200" b="0" strike="noStrike" spc="-1">
               <a:latin typeface="Arial"/>
             </a:endParaRPr>
           </a:p>
@@ -248,11 +354,12 @@
           </a:prstGeom>
         </p:spPr>
         <p:txBody>
-          <a:bodyPr lIns="0" rIns="0" tIns="0" bIns="0">
+          <a:bodyPr lIns="0" tIns="0" rIns="0" bIns="0">
             <a:normAutofit/>
           </a:bodyPr>
-          <a:p>
-            <a:endParaRPr b="0" lang="pt-BR" sz="3200" spc="-1" strike="noStrike">
+          <a:lstStyle/>
+          <a:p>
+            <a:endParaRPr lang="pt-BR" sz="3200" b="0" strike="noStrike" spc="-1">
               <a:latin typeface="Arial"/>
             </a:endParaRPr>
           </a:p>
@@ -278,11 +385,12 @@
           </a:prstGeom>
         </p:spPr>
         <p:txBody>
-          <a:bodyPr lIns="0" rIns="0" tIns="0" bIns="0">
+          <a:bodyPr lIns="0" tIns="0" rIns="0" bIns="0">
             <a:normAutofit/>
           </a:bodyPr>
-          <a:p>
-            <a:endParaRPr b="0" lang="pt-BR" sz="3200" spc="-1" strike="noStrike">
+          <a:lstStyle/>
+          <a:p>
+            <a:endParaRPr lang="pt-BR" sz="3200" b="0" strike="noStrike" spc="-1">
               <a:latin typeface="Arial"/>
             </a:endParaRPr>
           </a:p>
@@ -308,11 +416,12 @@
           </a:prstGeom>
         </p:spPr>
         <p:txBody>
-          <a:bodyPr lIns="0" rIns="0" tIns="0" bIns="0">
+          <a:bodyPr lIns="0" tIns="0" rIns="0" bIns="0">
             <a:normAutofit/>
           </a:bodyPr>
-          <a:p>
-            <a:endParaRPr b="0" lang="pt-BR" sz="3200" spc="-1" strike="noStrike">
+          <a:lstStyle/>
+          <a:p>
+            <a:endParaRPr lang="pt-BR" sz="3200" b="0" strike="noStrike" spc="-1">
               <a:latin typeface="Arial"/>
             </a:endParaRPr>
           </a:p>
@@ -320,11 +429,14 @@
       </p:sp>
     </p:spTree>
   </p:cSld>
+  <p:clrMapOvr>
+    <a:masterClrMapping/>
+  </p:clrMapOvr>
 </p:sldLayout>
 </file>
 
 <file path=ppt/slideLayouts/slideLayout12.xml><?xml version="1.0" encoding="utf-8"?>
-<p:sldLayout xmlns:a="http://schemas.openxmlformats.org/drawingml/2006/main" xmlns:p="http://schemas.openxmlformats.org/presentationml/2006/main" xmlns:r="http://schemas.openxmlformats.org/officeDocument/2006/relationships" xmlns:p14="http://schemas.microsoft.com/office/powerpoint/2010/main" xmlns:p15="http://schemas.microsoft.com/office/powerpoint/2012/main" xmlns:mc="http://schemas.openxmlformats.org/markup-compatibility/2006" type="blank" preserve="1">
+<p:sldLayout xmlns:a="http://schemas.openxmlformats.org/drawingml/2006/main" xmlns:r="http://schemas.openxmlformats.org/officeDocument/2006/relationships" xmlns:p="http://schemas.openxmlformats.org/presentationml/2006/main" type="blank" preserve="1">
   <p:cSld name="Title, 6 Content">
     <p:spTree>
       <p:nvGrpSpPr>
@@ -360,12 +472,13 @@
           </a:prstGeom>
         </p:spPr>
         <p:txBody>
-          <a:bodyPr lIns="0" rIns="0" tIns="0" bIns="0" anchor="ctr">
+          <a:bodyPr lIns="0" tIns="0" rIns="0" bIns="0" anchor="ctr">
             <a:noAutofit/>
           </a:bodyPr>
+          <a:lstStyle/>
           <a:p>
             <a:pPr algn="ctr"/>
-            <a:endParaRPr b="0" lang="pt-BR" sz="4400" spc="-1" strike="noStrike">
+            <a:endParaRPr lang="pt-BR" sz="4400" b="0" strike="noStrike" spc="-1">
               <a:latin typeface="Arial"/>
             </a:endParaRPr>
           </a:p>
@@ -391,11 +504,12 @@
           </a:prstGeom>
         </p:spPr>
         <p:txBody>
-          <a:bodyPr lIns="0" rIns="0" tIns="0" bIns="0">
+          <a:bodyPr lIns="0" tIns="0" rIns="0" bIns="0">
             <a:normAutofit/>
           </a:bodyPr>
-          <a:p>
-            <a:endParaRPr b="0" lang="pt-BR" sz="3200" spc="-1" strike="noStrike">
+          <a:lstStyle/>
+          <a:p>
+            <a:endParaRPr lang="pt-BR" sz="3200" b="0" strike="noStrike" spc="-1">
               <a:latin typeface="Arial"/>
             </a:endParaRPr>
           </a:p>
@@ -421,11 +535,12 @@
           </a:prstGeom>
         </p:spPr>
         <p:txBody>
-          <a:bodyPr lIns="0" rIns="0" tIns="0" bIns="0">
+          <a:bodyPr lIns="0" tIns="0" rIns="0" bIns="0">
             <a:normAutofit/>
           </a:bodyPr>
-          <a:p>
-            <a:endParaRPr b="0" lang="pt-BR" sz="3200" spc="-1" strike="noStrike">
+          <a:lstStyle/>
+          <a:p>
+            <a:endParaRPr lang="pt-BR" sz="3200" b="0" strike="noStrike" spc="-1">
               <a:latin typeface="Arial"/>
             </a:endParaRPr>
           </a:p>
@@ -451,11 +566,12 @@
           </a:prstGeom>
         </p:spPr>
         <p:txBody>
-          <a:bodyPr lIns="0" rIns="0" tIns="0" bIns="0">
+          <a:bodyPr lIns="0" tIns="0" rIns="0" bIns="0">
             <a:normAutofit/>
           </a:bodyPr>
-          <a:p>
-            <a:endParaRPr b="0" lang="pt-BR" sz="3200" spc="-1" strike="noStrike">
+          <a:lstStyle/>
+          <a:p>
+            <a:endParaRPr lang="pt-BR" sz="3200" b="0" strike="noStrike" spc="-1">
               <a:latin typeface="Arial"/>
             </a:endParaRPr>
           </a:p>
@@ -481,11 +597,12 @@
           </a:prstGeom>
         </p:spPr>
         <p:txBody>
-          <a:bodyPr lIns="0" rIns="0" tIns="0" bIns="0">
+          <a:bodyPr lIns="0" tIns="0" rIns="0" bIns="0">
             <a:normAutofit/>
           </a:bodyPr>
-          <a:p>
-            <a:endParaRPr b="0" lang="pt-BR" sz="3200" spc="-1" strike="noStrike">
+          <a:lstStyle/>
+          <a:p>
+            <a:endParaRPr lang="pt-BR" sz="3200" b="0" strike="noStrike" spc="-1">
               <a:latin typeface="Arial"/>
             </a:endParaRPr>
           </a:p>
@@ -511,11 +628,12 @@
           </a:prstGeom>
         </p:spPr>
         <p:txBody>
-          <a:bodyPr lIns="0" rIns="0" tIns="0" bIns="0">
+          <a:bodyPr lIns="0" tIns="0" rIns="0" bIns="0">
             <a:normAutofit/>
           </a:bodyPr>
-          <a:p>
-            <a:endParaRPr b="0" lang="pt-BR" sz="3200" spc="-1" strike="noStrike">
+          <a:lstStyle/>
+          <a:p>
+            <a:endParaRPr lang="pt-BR" sz="3200" b="0" strike="noStrike" spc="-1">
               <a:latin typeface="Arial"/>
             </a:endParaRPr>
           </a:p>
@@ -541,11 +659,12 @@
           </a:prstGeom>
         </p:spPr>
         <p:txBody>
-          <a:bodyPr lIns="0" rIns="0" tIns="0" bIns="0">
+          <a:bodyPr lIns="0" tIns="0" rIns="0" bIns="0">
             <a:normAutofit/>
           </a:bodyPr>
-          <a:p>
-            <a:endParaRPr b="0" lang="pt-BR" sz="3200" spc="-1" strike="noStrike">
+          <a:lstStyle/>
+          <a:p>
+            <a:endParaRPr lang="pt-BR" sz="3200" b="0" strike="noStrike" spc="-1">
               <a:latin typeface="Arial"/>
             </a:endParaRPr>
           </a:p>
@@ -553,11 +672,14 @@
       </p:sp>
     </p:spTree>
   </p:cSld>
+  <p:clrMapOvr>
+    <a:masterClrMapping/>
+  </p:clrMapOvr>
 </p:sldLayout>
 </file>
 
 <file path=ppt/slideLayouts/slideLayout2.xml><?xml version="1.0" encoding="utf-8"?>
-<p:sldLayout xmlns:a="http://schemas.openxmlformats.org/drawingml/2006/main" xmlns:p="http://schemas.openxmlformats.org/presentationml/2006/main" xmlns:r="http://schemas.openxmlformats.org/officeDocument/2006/relationships" xmlns:p14="http://schemas.microsoft.com/office/powerpoint/2010/main" xmlns:p15="http://schemas.microsoft.com/office/powerpoint/2012/main" xmlns:mc="http://schemas.openxmlformats.org/markup-compatibility/2006" type="tx" preserve="1">
+<p:sldLayout xmlns:a="http://schemas.openxmlformats.org/drawingml/2006/main" xmlns:r="http://schemas.openxmlformats.org/officeDocument/2006/relationships" xmlns:p="http://schemas.openxmlformats.org/presentationml/2006/main" type="tx" preserve="1">
   <p:cSld name="Title Slide">
     <p:spTree>
       <p:nvGrpSpPr>
@@ -593,12 +715,13 @@
           </a:prstGeom>
         </p:spPr>
         <p:txBody>
-          <a:bodyPr lIns="0" rIns="0" tIns="0" bIns="0" anchor="ctr">
+          <a:bodyPr lIns="0" tIns="0" rIns="0" bIns="0" anchor="ctr">
             <a:noAutofit/>
           </a:bodyPr>
+          <a:lstStyle/>
           <a:p>
             <a:pPr algn="ctr"/>
-            <a:endParaRPr b="0" lang="pt-BR" sz="4400" spc="-1" strike="noStrike">
+            <a:endParaRPr lang="pt-BR" sz="4400" b="0" strike="noStrike" spc="-1">
               <a:latin typeface="Arial"/>
             </a:endParaRPr>
           </a:p>
@@ -624,12 +747,13 @@
           </a:prstGeom>
         </p:spPr>
         <p:txBody>
-          <a:bodyPr lIns="0" rIns="0" tIns="0" bIns="0" anchor="ctr">
+          <a:bodyPr lIns="0" tIns="0" rIns="0" bIns="0" anchor="ctr">
             <a:noAutofit/>
           </a:bodyPr>
+          <a:lstStyle/>
           <a:p>
             <a:pPr algn="ctr"/>
-            <a:endParaRPr b="0" lang="pt-BR" sz="3200" spc="-1" strike="noStrike">
+            <a:endParaRPr lang="pt-BR" sz="3200" b="0" strike="noStrike" spc="-1">
               <a:latin typeface="Arial"/>
             </a:endParaRPr>
           </a:p>
@@ -637,11 +761,14 @@
       </p:sp>
     </p:spTree>
   </p:cSld>
+  <p:clrMapOvr>
+    <a:masterClrMapping/>
+  </p:clrMapOvr>
 </p:sldLayout>
 </file>
 
 <file path=ppt/slideLayouts/slideLayout3.xml><?xml version="1.0" encoding="utf-8"?>
-<p:sldLayout xmlns:a="http://schemas.openxmlformats.org/drawingml/2006/main" xmlns:p="http://schemas.openxmlformats.org/presentationml/2006/main" xmlns:r="http://schemas.openxmlformats.org/officeDocument/2006/relationships" xmlns:p14="http://schemas.microsoft.com/office/powerpoint/2010/main" xmlns:p15="http://schemas.microsoft.com/office/powerpoint/2012/main" xmlns:mc="http://schemas.openxmlformats.org/markup-compatibility/2006" type="obj" preserve="1">
+<p:sldLayout xmlns:a="http://schemas.openxmlformats.org/drawingml/2006/main" xmlns:r="http://schemas.openxmlformats.org/officeDocument/2006/relationships" xmlns:p="http://schemas.openxmlformats.org/presentationml/2006/main" type="obj" preserve="1">
   <p:cSld name="Title, Content">
     <p:spTree>
       <p:nvGrpSpPr>
@@ -677,12 +804,13 @@
           </a:prstGeom>
         </p:spPr>
         <p:txBody>
-          <a:bodyPr lIns="0" rIns="0" tIns="0" bIns="0" anchor="ctr">
+          <a:bodyPr lIns="0" tIns="0" rIns="0" bIns="0" anchor="ctr">
             <a:noAutofit/>
           </a:bodyPr>
+          <a:lstStyle/>
           <a:p>
             <a:pPr algn="ctr"/>
-            <a:endParaRPr b="0" lang="pt-BR" sz="4400" spc="-1" strike="noStrike">
+            <a:endParaRPr lang="pt-BR" sz="4400" b="0" strike="noStrike" spc="-1">
               <a:latin typeface="Arial"/>
             </a:endParaRPr>
           </a:p>
@@ -708,11 +836,12 @@
           </a:prstGeom>
         </p:spPr>
         <p:txBody>
-          <a:bodyPr lIns="0" rIns="0" tIns="0" bIns="0">
+          <a:bodyPr lIns="0" tIns="0" rIns="0" bIns="0">
             <a:normAutofit/>
           </a:bodyPr>
-          <a:p>
-            <a:endParaRPr b="0" lang="pt-BR" sz="3200" spc="-1" strike="noStrike">
+          <a:lstStyle/>
+          <a:p>
+            <a:endParaRPr lang="pt-BR" sz="3200" b="0" strike="noStrike" spc="-1">
               <a:latin typeface="Arial"/>
             </a:endParaRPr>
           </a:p>
@@ -720,11 +849,14 @@
       </p:sp>
     </p:spTree>
   </p:cSld>
+  <p:clrMapOvr>
+    <a:masterClrMapping/>
+  </p:clrMapOvr>
 </p:sldLayout>
 </file>
 
 <file path=ppt/slideLayouts/slideLayout4.xml><?xml version="1.0" encoding="utf-8"?>
-<p:sldLayout xmlns:a="http://schemas.openxmlformats.org/drawingml/2006/main" xmlns:p="http://schemas.openxmlformats.org/presentationml/2006/main" xmlns:r="http://schemas.openxmlformats.org/officeDocument/2006/relationships" xmlns:p14="http://schemas.microsoft.com/office/powerpoint/2010/main" xmlns:p15="http://schemas.microsoft.com/office/powerpoint/2012/main" xmlns:mc="http://schemas.openxmlformats.org/markup-compatibility/2006" type="twoObj" preserve="1">
+<p:sldLayout xmlns:a="http://schemas.openxmlformats.org/drawingml/2006/main" xmlns:r="http://schemas.openxmlformats.org/officeDocument/2006/relationships" xmlns:p="http://schemas.openxmlformats.org/presentationml/2006/main" type="twoObj" preserve="1">
   <p:cSld name="Title, 2 Content">
     <p:spTree>
       <p:nvGrpSpPr>
@@ -760,12 +892,13 @@
           </a:prstGeom>
         </p:spPr>
         <p:txBody>
-          <a:bodyPr lIns="0" rIns="0" tIns="0" bIns="0" anchor="ctr">
+          <a:bodyPr lIns="0" tIns="0" rIns="0" bIns="0" anchor="ctr">
             <a:noAutofit/>
           </a:bodyPr>
+          <a:lstStyle/>
           <a:p>
             <a:pPr algn="ctr"/>
-            <a:endParaRPr b="0" lang="pt-BR" sz="4400" spc="-1" strike="noStrike">
+            <a:endParaRPr lang="pt-BR" sz="4400" b="0" strike="noStrike" spc="-1">
               <a:latin typeface="Arial"/>
             </a:endParaRPr>
           </a:p>
@@ -791,11 +924,12 @@
           </a:prstGeom>
         </p:spPr>
         <p:txBody>
-          <a:bodyPr lIns="0" rIns="0" tIns="0" bIns="0">
+          <a:bodyPr lIns="0" tIns="0" rIns="0" bIns="0">
             <a:normAutofit/>
           </a:bodyPr>
-          <a:p>
-            <a:endParaRPr b="0" lang="pt-BR" sz="3200" spc="-1" strike="noStrike">
+          <a:lstStyle/>
+          <a:p>
+            <a:endParaRPr lang="pt-BR" sz="3200" b="0" strike="noStrike" spc="-1">
               <a:latin typeface="Arial"/>
             </a:endParaRPr>
           </a:p>
@@ -821,11 +955,12 @@
           </a:prstGeom>
         </p:spPr>
         <p:txBody>
-          <a:bodyPr lIns="0" rIns="0" tIns="0" bIns="0">
+          <a:bodyPr lIns="0" tIns="0" rIns="0" bIns="0">
             <a:normAutofit/>
           </a:bodyPr>
-          <a:p>
-            <a:endParaRPr b="0" lang="pt-BR" sz="3200" spc="-1" strike="noStrike">
+          <a:lstStyle/>
+          <a:p>
+            <a:endParaRPr lang="pt-BR" sz="3200" b="0" strike="noStrike" spc="-1">
               <a:latin typeface="Arial"/>
             </a:endParaRPr>
           </a:p>
@@ -833,11 +968,14 @@
       </p:sp>
     </p:spTree>
   </p:cSld>
+  <p:clrMapOvr>
+    <a:masterClrMapping/>
+  </p:clrMapOvr>
 </p:sldLayout>
 </file>
 
 <file path=ppt/slideLayouts/slideLayout5.xml><?xml version="1.0" encoding="utf-8"?>
-<p:sldLayout xmlns:a="http://schemas.openxmlformats.org/drawingml/2006/main" xmlns:p="http://schemas.openxmlformats.org/presentationml/2006/main" xmlns:r="http://schemas.openxmlformats.org/officeDocument/2006/relationships" xmlns:p14="http://schemas.microsoft.com/office/powerpoint/2010/main" xmlns:p15="http://schemas.microsoft.com/office/powerpoint/2012/main" xmlns:mc="http://schemas.openxmlformats.org/markup-compatibility/2006" type="titleOnly" preserve="1">
+<p:sldLayout xmlns:a="http://schemas.openxmlformats.org/drawingml/2006/main" xmlns:r="http://schemas.openxmlformats.org/officeDocument/2006/relationships" xmlns:p="http://schemas.openxmlformats.org/presentationml/2006/main" type="titleOnly" preserve="1">
   <p:cSld name="Title Only">
     <p:spTree>
       <p:nvGrpSpPr>
@@ -873,12 +1011,13 @@
           </a:prstGeom>
         </p:spPr>
         <p:txBody>
-          <a:bodyPr lIns="0" rIns="0" tIns="0" bIns="0" anchor="ctr">
+          <a:bodyPr lIns="0" tIns="0" rIns="0" bIns="0" anchor="ctr">
             <a:noAutofit/>
           </a:bodyPr>
+          <a:lstStyle/>
           <a:p>
             <a:pPr algn="ctr"/>
-            <a:endParaRPr b="0" lang="pt-BR" sz="4400" spc="-1" strike="noStrike">
+            <a:endParaRPr lang="pt-BR" sz="4400" b="0" strike="noStrike" spc="-1">
               <a:latin typeface="Arial"/>
             </a:endParaRPr>
           </a:p>
@@ -886,11 +1025,14 @@
       </p:sp>
     </p:spTree>
   </p:cSld>
+  <p:clrMapOvr>
+    <a:masterClrMapping/>
+  </p:clrMapOvr>
 </p:sldLayout>
 </file>
 
 <file path=ppt/slideLayouts/slideLayout6.xml><?xml version="1.0" encoding="utf-8"?>
-<p:sldLayout xmlns:a="http://schemas.openxmlformats.org/drawingml/2006/main" xmlns:p="http://schemas.openxmlformats.org/presentationml/2006/main" xmlns:r="http://schemas.openxmlformats.org/officeDocument/2006/relationships" xmlns:p14="http://schemas.microsoft.com/office/powerpoint/2010/main" xmlns:p15="http://schemas.microsoft.com/office/powerpoint/2012/main" xmlns:mc="http://schemas.openxmlformats.org/markup-compatibility/2006" type="objOnly" preserve="1">
+<p:sldLayout xmlns:a="http://schemas.openxmlformats.org/drawingml/2006/main" xmlns:r="http://schemas.openxmlformats.org/officeDocument/2006/relationships" xmlns:p="http://schemas.openxmlformats.org/presentationml/2006/main" type="objOnly" preserve="1">
   <p:cSld name="Centered Text">
     <p:spTree>
       <p:nvGrpSpPr>
@@ -926,12 +1068,13 @@
           </a:prstGeom>
         </p:spPr>
         <p:txBody>
-          <a:bodyPr lIns="0" rIns="0" tIns="0" bIns="0" anchor="ctr">
+          <a:bodyPr lIns="0" tIns="0" rIns="0" bIns="0" anchor="ctr">
             <a:noAutofit/>
           </a:bodyPr>
+          <a:lstStyle/>
           <a:p>
             <a:pPr algn="ctr"/>
-            <a:endParaRPr b="0" lang="pt-BR" sz="3200" spc="-1" strike="noStrike">
+            <a:endParaRPr lang="pt-BR" sz="3200" b="0" strike="noStrike" spc="-1">
               <a:latin typeface="Arial"/>
             </a:endParaRPr>
           </a:p>
@@ -939,11 +1082,14 @@
       </p:sp>
     </p:spTree>
   </p:cSld>
+  <p:clrMapOvr>
+    <a:masterClrMapping/>
+  </p:clrMapOvr>
 </p:sldLayout>
 </file>
 
 <file path=ppt/slideLayouts/slideLayout7.xml><?xml version="1.0" encoding="utf-8"?>
-<p:sldLayout xmlns:a="http://schemas.openxmlformats.org/drawingml/2006/main" xmlns:p="http://schemas.openxmlformats.org/presentationml/2006/main" xmlns:r="http://schemas.openxmlformats.org/officeDocument/2006/relationships" xmlns:p14="http://schemas.microsoft.com/office/powerpoint/2010/main" xmlns:p15="http://schemas.microsoft.com/office/powerpoint/2012/main" xmlns:mc="http://schemas.openxmlformats.org/markup-compatibility/2006" type="twoObjAndObj" preserve="1">
+<p:sldLayout xmlns:a="http://schemas.openxmlformats.org/drawingml/2006/main" xmlns:r="http://schemas.openxmlformats.org/officeDocument/2006/relationships" xmlns:p="http://schemas.openxmlformats.org/presentationml/2006/main" type="twoObjAndObj" preserve="1">
   <p:cSld name="Title, 2 Content and Content">
     <p:spTree>
       <p:nvGrpSpPr>
@@ -979,12 +1125,13 @@
           </a:prstGeom>
         </p:spPr>
         <p:txBody>
-          <a:bodyPr lIns="0" rIns="0" tIns="0" bIns="0" anchor="ctr">
+          <a:bodyPr lIns="0" tIns="0" rIns="0" bIns="0" anchor="ctr">
             <a:noAutofit/>
           </a:bodyPr>
+          <a:lstStyle/>
           <a:p>
             <a:pPr algn="ctr"/>
-            <a:endParaRPr b="0" lang="pt-BR" sz="4400" spc="-1" strike="noStrike">
+            <a:endParaRPr lang="pt-BR" sz="4400" b="0" strike="noStrike" spc="-1">
               <a:latin typeface="Arial"/>
             </a:endParaRPr>
           </a:p>
@@ -1010,11 +1157,12 @@
           </a:prstGeom>
         </p:spPr>
         <p:txBody>
-          <a:bodyPr lIns="0" rIns="0" tIns="0" bIns="0">
+          <a:bodyPr lIns="0" tIns="0" rIns="0" bIns="0">
             <a:normAutofit/>
           </a:bodyPr>
-          <a:p>
-            <a:endParaRPr b="0" lang="pt-BR" sz="3200" spc="-1" strike="noStrike">
+          <a:lstStyle/>
+          <a:p>
+            <a:endParaRPr lang="pt-BR" sz="3200" b="0" strike="noStrike" spc="-1">
               <a:latin typeface="Arial"/>
             </a:endParaRPr>
           </a:p>
@@ -1040,11 +1188,12 @@
           </a:prstGeom>
         </p:spPr>
         <p:txBody>
-          <a:bodyPr lIns="0" rIns="0" tIns="0" bIns="0">
+          <a:bodyPr lIns="0" tIns="0" rIns="0" bIns="0">
             <a:normAutofit/>
           </a:bodyPr>
-          <a:p>
-            <a:endParaRPr b="0" lang="pt-BR" sz="3200" spc="-1" strike="noStrike">
+          <a:lstStyle/>
+          <a:p>
+            <a:endParaRPr lang="pt-BR" sz="3200" b="0" strike="noStrike" spc="-1">
               <a:latin typeface="Arial"/>
             </a:endParaRPr>
           </a:p>
@@ -1070,11 +1219,12 @@
           </a:prstGeom>
         </p:spPr>
         <p:txBody>
-          <a:bodyPr lIns="0" rIns="0" tIns="0" bIns="0">
+          <a:bodyPr lIns="0" tIns="0" rIns="0" bIns="0">
             <a:normAutofit/>
           </a:bodyPr>
-          <a:p>
-            <a:endParaRPr b="0" lang="pt-BR" sz="3200" spc="-1" strike="noStrike">
+          <a:lstStyle/>
+          <a:p>
+            <a:endParaRPr lang="pt-BR" sz="3200" b="0" strike="noStrike" spc="-1">
               <a:latin typeface="Arial"/>
             </a:endParaRPr>
           </a:p>
@@ -1082,11 +1232,14 @@
       </p:sp>
     </p:spTree>
   </p:cSld>
+  <p:clrMapOvr>
+    <a:masterClrMapping/>
+  </p:clrMapOvr>
 </p:sldLayout>
 </file>
 
 <file path=ppt/slideLayouts/slideLayout8.xml><?xml version="1.0" encoding="utf-8"?>
-<p:sldLayout xmlns:a="http://schemas.openxmlformats.org/drawingml/2006/main" xmlns:p="http://schemas.openxmlformats.org/presentationml/2006/main" xmlns:r="http://schemas.openxmlformats.org/officeDocument/2006/relationships" xmlns:p14="http://schemas.microsoft.com/office/powerpoint/2010/main" xmlns:p15="http://schemas.microsoft.com/office/powerpoint/2012/main" xmlns:mc="http://schemas.openxmlformats.org/markup-compatibility/2006" type="objAndTwoObj" preserve="1">
+<p:sldLayout xmlns:a="http://schemas.openxmlformats.org/drawingml/2006/main" xmlns:r="http://schemas.openxmlformats.org/officeDocument/2006/relationships" xmlns:p="http://schemas.openxmlformats.org/presentationml/2006/main" type="objAndTwoObj" preserve="1">
   <p:cSld name="Title Content and 2 Content">
     <p:spTree>
       <p:nvGrpSpPr>
@@ -1122,12 +1275,13 @@
           </a:prstGeom>
         </p:spPr>
         <p:txBody>
-          <a:bodyPr lIns="0" rIns="0" tIns="0" bIns="0" anchor="ctr">
+          <a:bodyPr lIns="0" tIns="0" rIns="0" bIns="0" anchor="ctr">
             <a:noAutofit/>
           </a:bodyPr>
+          <a:lstStyle/>
           <a:p>
             <a:pPr algn="ctr"/>
-            <a:endParaRPr b="0" lang="pt-BR" sz="4400" spc="-1" strike="noStrike">
+            <a:endParaRPr lang="pt-BR" sz="4400" b="0" strike="noStrike" spc="-1">
               <a:latin typeface="Arial"/>
             </a:endParaRPr>
           </a:p>
@@ -1153,11 +1307,12 @@
           </a:prstGeom>
         </p:spPr>
         <p:txBody>
-          <a:bodyPr lIns="0" rIns="0" tIns="0" bIns="0">
+          <a:bodyPr lIns="0" tIns="0" rIns="0" bIns="0">
             <a:normAutofit/>
           </a:bodyPr>
-          <a:p>
-            <a:endParaRPr b="0" lang="pt-BR" sz="3200" spc="-1" strike="noStrike">
+          <a:lstStyle/>
+          <a:p>
+            <a:endParaRPr lang="pt-BR" sz="3200" b="0" strike="noStrike" spc="-1">
               <a:latin typeface="Arial"/>
             </a:endParaRPr>
           </a:p>
@@ -1183,11 +1338,12 @@
           </a:prstGeom>
         </p:spPr>
         <p:txBody>
-          <a:bodyPr lIns="0" rIns="0" tIns="0" bIns="0">
+          <a:bodyPr lIns="0" tIns="0" rIns="0" bIns="0">
             <a:normAutofit/>
           </a:bodyPr>
-          <a:p>
-            <a:endParaRPr b="0" lang="pt-BR" sz="3200" spc="-1" strike="noStrike">
+          <a:lstStyle/>
+          <a:p>
+            <a:endParaRPr lang="pt-BR" sz="3200" b="0" strike="noStrike" spc="-1">
               <a:latin typeface="Arial"/>
             </a:endParaRPr>
           </a:p>
@@ -1213,11 +1369,12 @@
           </a:prstGeom>
         </p:spPr>
         <p:txBody>
-          <a:bodyPr lIns="0" rIns="0" tIns="0" bIns="0">
+          <a:bodyPr lIns="0" tIns="0" rIns="0" bIns="0">
             <a:normAutofit/>
           </a:bodyPr>
-          <a:p>
-            <a:endParaRPr b="0" lang="pt-BR" sz="3200" spc="-1" strike="noStrike">
+          <a:lstStyle/>
+          <a:p>
+            <a:endParaRPr lang="pt-BR" sz="3200" b="0" strike="noStrike" spc="-1">
               <a:latin typeface="Arial"/>
             </a:endParaRPr>
           </a:p>
@@ -1225,11 +1382,14 @@
       </p:sp>
     </p:spTree>
   </p:cSld>
+  <p:clrMapOvr>
+    <a:masterClrMapping/>
+  </p:clrMapOvr>
 </p:sldLayout>
 </file>
 
 <file path=ppt/slideLayouts/slideLayout9.xml><?xml version="1.0" encoding="utf-8"?>
-<p:sldLayout xmlns:a="http://schemas.openxmlformats.org/drawingml/2006/main" xmlns:p="http://schemas.openxmlformats.org/presentationml/2006/main" xmlns:r="http://schemas.openxmlformats.org/officeDocument/2006/relationships" xmlns:p14="http://schemas.microsoft.com/office/powerpoint/2010/main" xmlns:p15="http://schemas.microsoft.com/office/powerpoint/2012/main" xmlns:mc="http://schemas.openxmlformats.org/markup-compatibility/2006" type="twoObjOverTx" preserve="1">
+<p:sldLayout xmlns:a="http://schemas.openxmlformats.org/drawingml/2006/main" xmlns:r="http://schemas.openxmlformats.org/officeDocument/2006/relationships" xmlns:p="http://schemas.openxmlformats.org/presentationml/2006/main" type="twoObjOverTx" preserve="1">
   <p:cSld name="Title, 2 Content over Content">
     <p:spTree>
       <p:nvGrpSpPr>
@@ -1265,12 +1425,13 @@
           </a:prstGeom>
         </p:spPr>
         <p:txBody>
-          <a:bodyPr lIns="0" rIns="0" tIns="0" bIns="0" anchor="ctr">
+          <a:bodyPr lIns="0" tIns="0" rIns="0" bIns="0" anchor="ctr">
             <a:noAutofit/>
           </a:bodyPr>
+          <a:lstStyle/>
           <a:p>
             <a:pPr algn="ctr"/>
-            <a:endParaRPr b="0" lang="pt-BR" sz="4400" spc="-1" strike="noStrike">
+            <a:endParaRPr lang="pt-BR" sz="4400" b="0" strike="noStrike" spc="-1">
               <a:latin typeface="Arial"/>
             </a:endParaRPr>
           </a:p>
@@ -1296,11 +1457,12 @@
           </a:prstGeom>
         </p:spPr>
         <p:txBody>
-          <a:bodyPr lIns="0" rIns="0" tIns="0" bIns="0">
+          <a:bodyPr lIns="0" tIns="0" rIns="0" bIns="0">
             <a:normAutofit/>
           </a:bodyPr>
-          <a:p>
-            <a:endParaRPr b="0" lang="pt-BR" sz="3200" spc="-1" strike="noStrike">
+          <a:lstStyle/>
+          <a:p>
+            <a:endParaRPr lang="pt-BR" sz="3200" b="0" strike="noStrike" spc="-1">
               <a:latin typeface="Arial"/>
             </a:endParaRPr>
           </a:p>
@@ -1326,11 +1488,12 @@
           </a:prstGeom>
         </p:spPr>
         <p:txBody>
-          <a:bodyPr lIns="0" rIns="0" tIns="0" bIns="0">
+          <a:bodyPr lIns="0" tIns="0" rIns="0" bIns="0">
             <a:normAutofit/>
           </a:bodyPr>
-          <a:p>
-            <a:endParaRPr b="0" lang="pt-BR" sz="3200" spc="-1" strike="noStrike">
+          <a:lstStyle/>
+          <a:p>
+            <a:endParaRPr lang="pt-BR" sz="3200" b="0" strike="noStrike" spc="-1">
               <a:latin typeface="Arial"/>
             </a:endParaRPr>
           </a:p>
@@ -1356,11 +1519,12 @@
           </a:prstGeom>
         </p:spPr>
         <p:txBody>
-          <a:bodyPr lIns="0" rIns="0" tIns="0" bIns="0">
+          <a:bodyPr lIns="0" tIns="0" rIns="0" bIns="0">
             <a:normAutofit/>
           </a:bodyPr>
-          <a:p>
-            <a:endParaRPr b="0" lang="pt-BR" sz="3200" spc="-1" strike="noStrike">
+          <a:lstStyle/>
+          <a:p>
+            <a:endParaRPr lang="pt-BR" sz="3200" b="0" strike="noStrike" spc="-1">
               <a:latin typeface="Arial"/>
             </a:endParaRPr>
           </a:p>
@@ -1368,17 +1532,21 @@
       </p:sp>
     </p:spTree>
   </p:cSld>
+  <p:clrMapOvr>
+    <a:masterClrMapping/>
+  </p:clrMapOvr>
 </p:sldLayout>
 </file>
 
 <file path=ppt/slideMasters/slideMaster1.xml><?xml version="1.0" encoding="utf-8"?>
-<p:sldMaster xmlns:a="http://schemas.openxmlformats.org/drawingml/2006/main" xmlns:p="http://schemas.openxmlformats.org/presentationml/2006/main" xmlns:r="http://schemas.openxmlformats.org/officeDocument/2006/relationships" xmlns:p14="http://schemas.microsoft.com/office/powerpoint/2010/main" xmlns:p15="http://schemas.microsoft.com/office/powerpoint/2012/main" xmlns:mc="http://schemas.openxmlformats.org/markup-compatibility/2006">
+<p:sldMaster xmlns:a="http://schemas.openxmlformats.org/drawingml/2006/main" xmlns:r="http://schemas.openxmlformats.org/officeDocument/2006/relationships" xmlns:p="http://schemas.openxmlformats.org/presentationml/2006/main">
   <p:cSld>
     <p:bg>
       <p:bgPr>
         <a:solidFill>
-          <a:srgbClr val="ffffff"/>
+          <a:srgbClr val="FFFFFF"/>
         </a:solidFill>
+        <a:effectLst/>
       </p:bgPr>
     </p:bg>
     <p:spTree>
@@ -1397,7 +1565,7 @@
       </p:grpSpPr>
       <p:sp>
         <p:nvSpPr>
-          <p:cNvPr id="0" name="PlaceHolder 1"/>
+          <p:cNvPr id="2" name="PlaceHolder 1"/>
           <p:cNvSpPr>
             <a:spLocks noGrp="1"/>
           </p:cNvSpPr>
@@ -1415,26 +1583,24 @@
           </a:prstGeom>
         </p:spPr>
         <p:txBody>
-          <a:bodyPr lIns="0" rIns="0" tIns="0" bIns="0" anchor="ctr">
+          <a:bodyPr lIns="0" tIns="0" rIns="0" bIns="0" anchor="ctr">
             <a:noAutofit/>
           </a:bodyPr>
+          <a:lstStyle/>
           <a:p>
             <a:pPr algn="ctr"/>
             <a:r>
-              <a:rPr b="0" lang="pt-BR" sz="1800" spc="-1" strike="noStrike">
+              <a:rPr lang="pt-BR" sz="1800" b="0" strike="noStrike" spc="-1">
                 <a:latin typeface="Arial"/>
               </a:rPr>
               <a:t>Clique para editar o formato do texto do título</a:t>
             </a:r>
-            <a:endParaRPr b="0" lang="pt-BR" sz="1800" spc="-1" strike="noStrike">
-              <a:latin typeface="Arial"/>
-            </a:endParaRPr>
-          </a:p>
-        </p:txBody>
-      </p:sp>
-      <p:sp>
-        <p:nvSpPr>
-          <p:cNvPr id="1" name="PlaceHolder 2"/>
+          </a:p>
+        </p:txBody>
+      </p:sp>
+      <p:sp>
+        <p:nvSpPr>
+          <p:cNvPr id="3" name="PlaceHolder 2"/>
           <p:cNvSpPr>
             <a:spLocks noGrp="1"/>
           </p:cNvSpPr>
@@ -1452,9 +1618,10 @@
           </a:prstGeom>
         </p:spPr>
         <p:txBody>
-          <a:bodyPr lIns="0" rIns="0" tIns="0" bIns="0">
+          <a:bodyPr lIns="0" tIns="0" rIns="0" bIns="0">
             <a:normAutofit/>
           </a:bodyPr>
+          <a:lstStyle/>
           <a:p>
             <a:pPr marL="432000" indent="-324000">
               <a:spcBef>
@@ -1468,17 +1635,14 @@
               <a:buChar char=""/>
             </a:pPr>
             <a:r>
-              <a:rPr b="0" lang="pt-BR" sz="3200" spc="-1" strike="noStrike">
+              <a:rPr lang="pt-BR" sz="3200" b="0" strike="noStrike" spc="-1">
                 <a:latin typeface="Arial"/>
               </a:rPr>
               <a:t>Clique para editar o formato do texto da estrutura de tópicos</a:t>
             </a:r>
-            <a:endParaRPr b="0" lang="pt-BR" sz="3200" spc="-1" strike="noStrike">
-              <a:latin typeface="Arial"/>
-            </a:endParaRPr>
-          </a:p>
-          <a:p>
-            <a:pPr lvl="1" marL="864000" indent="-324000">
+          </a:p>
+          <a:p>
+            <a:pPr marL="864000" lvl="1" indent="-324000">
               <a:spcBef>
                 <a:spcPts val="1134"/>
               </a:spcBef>
@@ -1490,17 +1654,14 @@
               <a:buChar char=""/>
             </a:pPr>
             <a:r>
-              <a:rPr b="0" lang="pt-BR" sz="2800" spc="-1" strike="noStrike">
+              <a:rPr lang="pt-BR" sz="2800" b="0" strike="noStrike" spc="-1">
                 <a:latin typeface="Arial"/>
               </a:rPr>
               <a:t>2.º nível da estrutura de tópicos</a:t>
             </a:r>
-            <a:endParaRPr b="0" lang="pt-BR" sz="2800" spc="-1" strike="noStrike">
-              <a:latin typeface="Arial"/>
-            </a:endParaRPr>
-          </a:p>
-          <a:p>
-            <a:pPr lvl="2" marL="1296000" indent="-288000">
+          </a:p>
+          <a:p>
+            <a:pPr marL="1296000" lvl="2" indent="-288000">
               <a:spcBef>
                 <a:spcPts val="850"/>
               </a:spcBef>
@@ -1512,17 +1673,14 @@
               <a:buChar char=""/>
             </a:pPr>
             <a:r>
-              <a:rPr b="0" lang="pt-BR" sz="2400" spc="-1" strike="noStrike">
+              <a:rPr lang="pt-BR" sz="2400" b="0" strike="noStrike" spc="-1">
                 <a:latin typeface="Arial"/>
               </a:rPr>
               <a:t>3.º nível da estrutura de tópicos</a:t>
             </a:r>
-            <a:endParaRPr b="0" lang="pt-BR" sz="2400" spc="-1" strike="noStrike">
-              <a:latin typeface="Arial"/>
-            </a:endParaRPr>
-          </a:p>
-          <a:p>
-            <a:pPr lvl="3" marL="1728000" indent="-216000">
+          </a:p>
+          <a:p>
+            <a:pPr marL="1728000" lvl="3" indent="-216000">
               <a:spcBef>
                 <a:spcPts val="567"/>
               </a:spcBef>
@@ -1534,17 +1692,14 @@
               <a:buChar char=""/>
             </a:pPr>
             <a:r>
-              <a:rPr b="0" lang="pt-BR" sz="2000" spc="-1" strike="noStrike">
+              <a:rPr lang="pt-BR" sz="2000" b="0" strike="noStrike" spc="-1">
                 <a:latin typeface="Arial"/>
               </a:rPr>
               <a:t>4.º nível da estrutura de tópicos</a:t>
             </a:r>
-            <a:endParaRPr b="0" lang="pt-BR" sz="2000" spc="-1" strike="noStrike">
-              <a:latin typeface="Arial"/>
-            </a:endParaRPr>
-          </a:p>
-          <a:p>
-            <a:pPr lvl="4" marL="2160000" indent="-216000">
+          </a:p>
+          <a:p>
+            <a:pPr marL="2160000" lvl="4" indent="-216000">
               <a:spcBef>
                 <a:spcPts val="283"/>
               </a:spcBef>
@@ -1556,17 +1711,14 @@
               <a:buChar char=""/>
             </a:pPr>
             <a:r>
-              <a:rPr b="0" lang="pt-BR" sz="2000" spc="-1" strike="noStrike">
+              <a:rPr lang="pt-BR" sz="2000" b="0" strike="noStrike" spc="-1">
                 <a:latin typeface="Arial"/>
               </a:rPr>
               <a:t>5.º nível da estrutura de tópicos</a:t>
             </a:r>
-            <a:endParaRPr b="0" lang="pt-BR" sz="2000" spc="-1" strike="noStrike">
-              <a:latin typeface="Arial"/>
-            </a:endParaRPr>
-          </a:p>
-          <a:p>
-            <a:pPr lvl="5" marL="2592000" indent="-216000">
+          </a:p>
+          <a:p>
+            <a:pPr marL="2592000" lvl="5" indent="-216000">
               <a:spcBef>
                 <a:spcPts val="283"/>
               </a:spcBef>
@@ -1578,17 +1730,14 @@
               <a:buChar char=""/>
             </a:pPr>
             <a:r>
-              <a:rPr b="0" lang="pt-BR" sz="2000" spc="-1" strike="noStrike">
+              <a:rPr lang="pt-BR" sz="2000" b="0" strike="noStrike" spc="-1">
                 <a:latin typeface="Arial"/>
               </a:rPr>
               <a:t>6.º nível da estrutura de tópicos</a:t>
             </a:r>
-            <a:endParaRPr b="0" lang="pt-BR" sz="2000" spc="-1" strike="noStrike">
-              <a:latin typeface="Arial"/>
-            </a:endParaRPr>
-          </a:p>
-          <a:p>
-            <a:pPr lvl="6" marL="3024000" indent="-216000">
+          </a:p>
+          <a:p>
+            <a:pPr marL="3024000" lvl="6" indent="-216000">
               <a:spcBef>
                 <a:spcPts val="283"/>
               </a:spcBef>
@@ -1600,39 +1749,316 @@
               <a:buChar char=""/>
             </a:pPr>
             <a:r>
-              <a:rPr b="0" lang="pt-BR" sz="2000" spc="-1" strike="noStrike">
+              <a:rPr lang="pt-BR" sz="2000" b="0" strike="noStrike" spc="-1">
                 <a:latin typeface="Arial"/>
               </a:rPr>
               <a:t>7.º nível da estrutura de tópicos</a:t>
             </a:r>
-            <a:endParaRPr b="0" lang="pt-BR" sz="2000" spc="-1" strike="noStrike">
-              <a:latin typeface="Arial"/>
-            </a:endParaRPr>
           </a:p>
         </p:txBody>
       </p:sp>
     </p:spTree>
   </p:cSld>
-  <p:clrMap bg1="lt1" bg2="lt2" tx1="dk1" tx2="dk2" accent1="accent1" accent2="accent2" accent3="accent3" accent4="accent4" accent5="accent5" accent6="accent6" hlink="hlink" folHlink="folHlink"/>
+  <p:clrMap bg1="lt1" tx1="dk1" bg2="lt2" tx2="dk2" accent1="accent1" accent2="accent2" accent3="accent3" accent4="accent4" accent5="accent5" accent6="accent6" hlink="hlink" folHlink="folHlink"/>
   <p:sldLayoutIdLst>
-    <p:sldLayoutId id="2147483649" r:id="rId2"/>
-    <p:sldLayoutId id="2147483650" r:id="rId3"/>
-    <p:sldLayoutId id="2147483651" r:id="rId4"/>
-    <p:sldLayoutId id="2147483652" r:id="rId5"/>
-    <p:sldLayoutId id="2147483653" r:id="rId6"/>
-    <p:sldLayoutId id="2147483654" r:id="rId7"/>
-    <p:sldLayoutId id="2147483655" r:id="rId8"/>
-    <p:sldLayoutId id="2147483656" r:id="rId9"/>
-    <p:sldLayoutId id="2147483657" r:id="rId10"/>
-    <p:sldLayoutId id="2147483658" r:id="rId11"/>
-    <p:sldLayoutId id="2147483659" r:id="rId12"/>
-    <p:sldLayoutId id="2147483660" r:id="rId13"/>
+    <p:sldLayoutId id="2147483649" r:id="rId1"/>
+    <p:sldLayoutId id="2147483650" r:id="rId2"/>
+    <p:sldLayoutId id="2147483651" r:id="rId3"/>
+    <p:sldLayoutId id="2147483652" r:id="rId4"/>
+    <p:sldLayoutId id="2147483653" r:id="rId5"/>
+    <p:sldLayoutId id="2147483654" r:id="rId6"/>
+    <p:sldLayoutId id="2147483655" r:id="rId7"/>
+    <p:sldLayoutId id="2147483656" r:id="rId8"/>
+    <p:sldLayoutId id="2147483657" r:id="rId9"/>
+    <p:sldLayoutId id="2147483658" r:id="rId10"/>
+    <p:sldLayoutId id="2147483659" r:id="rId11"/>
+    <p:sldLayoutId id="2147483660" r:id="rId12"/>
   </p:sldLayoutIdLst>
+  <p:txStyles>
+    <p:titleStyle>
+      <a:lvl1pPr algn="l" defTabSz="914400" rtl="0" eaLnBrk="1" latinLnBrk="0" hangingPunct="1">
+        <a:lnSpc>
+          <a:spcPct val="90000"/>
+        </a:lnSpc>
+        <a:spcBef>
+          <a:spcPct val="0"/>
+        </a:spcBef>
+        <a:buNone/>
+        <a:defRPr sz="4400" kern="1200">
+          <a:solidFill>
+            <a:schemeClr val="tx1"/>
+          </a:solidFill>
+          <a:latin typeface="+mj-lt"/>
+          <a:ea typeface="+mj-ea"/>
+          <a:cs typeface="+mj-cs"/>
+        </a:defRPr>
+      </a:lvl1pPr>
+    </p:titleStyle>
+    <p:bodyStyle>
+      <a:lvl1pPr marL="228600" indent="-228600" algn="l" defTabSz="914400" rtl="0" eaLnBrk="1" latinLnBrk="0" hangingPunct="1">
+        <a:lnSpc>
+          <a:spcPct val="90000"/>
+        </a:lnSpc>
+        <a:spcBef>
+          <a:spcPts val="1000"/>
+        </a:spcBef>
+        <a:buFont typeface="Arial" panose="020B0604020202020204" pitchFamily="34" charset="0"/>
+        <a:buChar char="•"/>
+        <a:defRPr sz="2800" kern="1200">
+          <a:solidFill>
+            <a:schemeClr val="tx1"/>
+          </a:solidFill>
+          <a:latin typeface="+mn-lt"/>
+          <a:ea typeface="+mn-ea"/>
+          <a:cs typeface="+mn-cs"/>
+        </a:defRPr>
+      </a:lvl1pPr>
+      <a:lvl2pPr marL="685800" indent="-228600" algn="l" defTabSz="914400" rtl="0" eaLnBrk="1" latinLnBrk="0" hangingPunct="1">
+        <a:lnSpc>
+          <a:spcPct val="90000"/>
+        </a:lnSpc>
+        <a:spcBef>
+          <a:spcPts val="500"/>
+        </a:spcBef>
+        <a:buFont typeface="Arial" panose="020B0604020202020204" pitchFamily="34" charset="0"/>
+        <a:buChar char="•"/>
+        <a:defRPr sz="2400" kern="1200">
+          <a:solidFill>
+            <a:schemeClr val="tx1"/>
+          </a:solidFill>
+          <a:latin typeface="+mn-lt"/>
+          <a:ea typeface="+mn-ea"/>
+          <a:cs typeface="+mn-cs"/>
+        </a:defRPr>
+      </a:lvl2pPr>
+      <a:lvl3pPr marL="1143000" indent="-228600" algn="l" defTabSz="914400" rtl="0" eaLnBrk="1" latinLnBrk="0" hangingPunct="1">
+        <a:lnSpc>
+          <a:spcPct val="90000"/>
+        </a:lnSpc>
+        <a:spcBef>
+          <a:spcPts val="500"/>
+        </a:spcBef>
+        <a:buFont typeface="Arial" panose="020B0604020202020204" pitchFamily="34" charset="0"/>
+        <a:buChar char="•"/>
+        <a:defRPr sz="2000" kern="1200">
+          <a:solidFill>
+            <a:schemeClr val="tx1"/>
+          </a:solidFill>
+          <a:latin typeface="+mn-lt"/>
+          <a:ea typeface="+mn-ea"/>
+          <a:cs typeface="+mn-cs"/>
+        </a:defRPr>
+      </a:lvl3pPr>
+      <a:lvl4pPr marL="1600200" indent="-228600" algn="l" defTabSz="914400" rtl="0" eaLnBrk="1" latinLnBrk="0" hangingPunct="1">
+        <a:lnSpc>
+          <a:spcPct val="90000"/>
+        </a:lnSpc>
+        <a:spcBef>
+          <a:spcPts val="500"/>
+        </a:spcBef>
+        <a:buFont typeface="Arial" panose="020B0604020202020204" pitchFamily="34" charset="0"/>
+        <a:buChar char="•"/>
+        <a:defRPr sz="1800" kern="1200">
+          <a:solidFill>
+            <a:schemeClr val="tx1"/>
+          </a:solidFill>
+          <a:latin typeface="+mn-lt"/>
+          <a:ea typeface="+mn-ea"/>
+          <a:cs typeface="+mn-cs"/>
+        </a:defRPr>
+      </a:lvl4pPr>
+      <a:lvl5pPr marL="2057400" indent="-228600" algn="l" defTabSz="914400" rtl="0" eaLnBrk="1" latinLnBrk="0" hangingPunct="1">
+        <a:lnSpc>
+          <a:spcPct val="90000"/>
+        </a:lnSpc>
+        <a:spcBef>
+          <a:spcPts val="500"/>
+        </a:spcBef>
+        <a:buFont typeface="Arial" panose="020B0604020202020204" pitchFamily="34" charset="0"/>
+        <a:buChar char="•"/>
+        <a:defRPr sz="1800" kern="1200">
+          <a:solidFill>
+            <a:schemeClr val="tx1"/>
+          </a:solidFill>
+          <a:latin typeface="+mn-lt"/>
+          <a:ea typeface="+mn-ea"/>
+          <a:cs typeface="+mn-cs"/>
+        </a:defRPr>
+      </a:lvl5pPr>
+      <a:lvl6pPr marL="2514600" indent="-228600" algn="l" defTabSz="914400" rtl="0" eaLnBrk="1" latinLnBrk="0" hangingPunct="1">
+        <a:lnSpc>
+          <a:spcPct val="90000"/>
+        </a:lnSpc>
+        <a:spcBef>
+          <a:spcPts val="500"/>
+        </a:spcBef>
+        <a:buFont typeface="Arial" panose="020B0604020202020204" pitchFamily="34" charset="0"/>
+        <a:buChar char="•"/>
+        <a:defRPr sz="1800" kern="1200">
+          <a:solidFill>
+            <a:schemeClr val="tx1"/>
+          </a:solidFill>
+          <a:latin typeface="+mn-lt"/>
+          <a:ea typeface="+mn-ea"/>
+          <a:cs typeface="+mn-cs"/>
+        </a:defRPr>
+      </a:lvl6pPr>
+      <a:lvl7pPr marL="2971800" indent="-228600" algn="l" defTabSz="914400" rtl="0" eaLnBrk="1" latinLnBrk="0" hangingPunct="1">
+        <a:lnSpc>
+          <a:spcPct val="90000"/>
+        </a:lnSpc>
+        <a:spcBef>
+          <a:spcPts val="500"/>
+        </a:spcBef>
+        <a:buFont typeface="Arial" panose="020B0604020202020204" pitchFamily="34" charset="0"/>
+        <a:buChar char="•"/>
+        <a:defRPr sz="1800" kern="1200">
+          <a:solidFill>
+            <a:schemeClr val="tx1"/>
+          </a:solidFill>
+          <a:latin typeface="+mn-lt"/>
+          <a:ea typeface="+mn-ea"/>
+          <a:cs typeface="+mn-cs"/>
+        </a:defRPr>
+      </a:lvl7pPr>
+      <a:lvl8pPr marL="3429000" indent="-228600" algn="l" defTabSz="914400" rtl="0" eaLnBrk="1" latinLnBrk="0" hangingPunct="1">
+        <a:lnSpc>
+          <a:spcPct val="90000"/>
+        </a:lnSpc>
+        <a:spcBef>
+          <a:spcPts val="500"/>
+        </a:spcBef>
+        <a:buFont typeface="Arial" panose="020B0604020202020204" pitchFamily="34" charset="0"/>
+        <a:buChar char="•"/>
+        <a:defRPr sz="1800" kern="1200">
+          <a:solidFill>
+            <a:schemeClr val="tx1"/>
+          </a:solidFill>
+          <a:latin typeface="+mn-lt"/>
+          <a:ea typeface="+mn-ea"/>
+          <a:cs typeface="+mn-cs"/>
+        </a:defRPr>
+      </a:lvl8pPr>
+      <a:lvl9pPr marL="3886200" indent="-228600" algn="l" defTabSz="914400" rtl="0" eaLnBrk="1" latinLnBrk="0" hangingPunct="1">
+        <a:lnSpc>
+          <a:spcPct val="90000"/>
+        </a:lnSpc>
+        <a:spcBef>
+          <a:spcPts val="500"/>
+        </a:spcBef>
+        <a:buFont typeface="Arial" panose="020B0604020202020204" pitchFamily="34" charset="0"/>
+        <a:buChar char="•"/>
+        <a:defRPr sz="1800" kern="1200">
+          <a:solidFill>
+            <a:schemeClr val="tx1"/>
+          </a:solidFill>
+          <a:latin typeface="+mn-lt"/>
+          <a:ea typeface="+mn-ea"/>
+          <a:cs typeface="+mn-cs"/>
+        </a:defRPr>
+      </a:lvl9pPr>
+    </p:bodyStyle>
+    <p:otherStyle>
+      <a:defPPr>
+        <a:defRPr lang="pt-BR"/>
+      </a:defPPr>
+      <a:lvl1pPr marL="0" algn="l" defTabSz="914400" rtl="0" eaLnBrk="1" latinLnBrk="0" hangingPunct="1">
+        <a:defRPr sz="1800" kern="1200">
+          <a:solidFill>
+            <a:schemeClr val="tx1"/>
+          </a:solidFill>
+          <a:latin typeface="+mn-lt"/>
+          <a:ea typeface="+mn-ea"/>
+          <a:cs typeface="+mn-cs"/>
+        </a:defRPr>
+      </a:lvl1pPr>
+      <a:lvl2pPr marL="457200" algn="l" defTabSz="914400" rtl="0" eaLnBrk="1" latinLnBrk="0" hangingPunct="1">
+        <a:defRPr sz="1800" kern="1200">
+          <a:solidFill>
+            <a:schemeClr val="tx1"/>
+          </a:solidFill>
+          <a:latin typeface="+mn-lt"/>
+          <a:ea typeface="+mn-ea"/>
+          <a:cs typeface="+mn-cs"/>
+        </a:defRPr>
+      </a:lvl2pPr>
+      <a:lvl3pPr marL="914400" algn="l" defTabSz="914400" rtl="0" eaLnBrk="1" latinLnBrk="0" hangingPunct="1">
+        <a:defRPr sz="1800" kern="1200">
+          <a:solidFill>
+            <a:schemeClr val="tx1"/>
+          </a:solidFill>
+          <a:latin typeface="+mn-lt"/>
+          <a:ea typeface="+mn-ea"/>
+          <a:cs typeface="+mn-cs"/>
+        </a:defRPr>
+      </a:lvl3pPr>
+      <a:lvl4pPr marL="1371600" algn="l" defTabSz="914400" rtl="0" eaLnBrk="1" latinLnBrk="0" hangingPunct="1">
+        <a:defRPr sz="1800" kern="1200">
+          <a:solidFill>
+            <a:schemeClr val="tx1"/>
+          </a:solidFill>
+          <a:latin typeface="+mn-lt"/>
+          <a:ea typeface="+mn-ea"/>
+          <a:cs typeface="+mn-cs"/>
+        </a:defRPr>
+      </a:lvl4pPr>
+      <a:lvl5pPr marL="1828800" algn="l" defTabSz="914400" rtl="0" eaLnBrk="1" latinLnBrk="0" hangingPunct="1">
+        <a:defRPr sz="1800" kern="1200">
+          <a:solidFill>
+            <a:schemeClr val="tx1"/>
+          </a:solidFill>
+          <a:latin typeface="+mn-lt"/>
+          <a:ea typeface="+mn-ea"/>
+          <a:cs typeface="+mn-cs"/>
+        </a:defRPr>
+      </a:lvl5pPr>
+      <a:lvl6pPr marL="2286000" algn="l" defTabSz="914400" rtl="0" eaLnBrk="1" latinLnBrk="0" hangingPunct="1">
+        <a:defRPr sz="1800" kern="1200">
+          <a:solidFill>
+            <a:schemeClr val="tx1"/>
+          </a:solidFill>
+          <a:latin typeface="+mn-lt"/>
+          <a:ea typeface="+mn-ea"/>
+          <a:cs typeface="+mn-cs"/>
+        </a:defRPr>
+      </a:lvl6pPr>
+      <a:lvl7pPr marL="2743200" algn="l" defTabSz="914400" rtl="0" eaLnBrk="1" latinLnBrk="0" hangingPunct="1">
+        <a:defRPr sz="1800" kern="1200">
+          <a:solidFill>
+            <a:schemeClr val="tx1"/>
+          </a:solidFill>
+          <a:latin typeface="+mn-lt"/>
+          <a:ea typeface="+mn-ea"/>
+          <a:cs typeface="+mn-cs"/>
+        </a:defRPr>
+      </a:lvl7pPr>
+      <a:lvl8pPr marL="3200400" algn="l" defTabSz="914400" rtl="0" eaLnBrk="1" latinLnBrk="0" hangingPunct="1">
+        <a:defRPr sz="1800" kern="1200">
+          <a:solidFill>
+            <a:schemeClr val="tx1"/>
+          </a:solidFill>
+          <a:latin typeface="+mn-lt"/>
+          <a:ea typeface="+mn-ea"/>
+          <a:cs typeface="+mn-cs"/>
+        </a:defRPr>
+      </a:lvl8pPr>
+      <a:lvl9pPr marL="3657600" algn="l" defTabSz="914400" rtl="0" eaLnBrk="1" latinLnBrk="0" hangingPunct="1">
+        <a:defRPr sz="1800" kern="1200">
+          <a:solidFill>
+            <a:schemeClr val="tx1"/>
+          </a:solidFill>
+          <a:latin typeface="+mn-lt"/>
+          <a:ea typeface="+mn-ea"/>
+          <a:cs typeface="+mn-cs"/>
+        </a:defRPr>
+      </a:lvl9pPr>
+    </p:otherStyle>
+  </p:txStyles>
 </p:sldMaster>
 </file>
 
 <file path=ppt/slides/slide1.xml><?xml version="1.0" encoding="utf-8"?>
-<p:sld xmlns:a="http://schemas.openxmlformats.org/drawingml/2006/main" xmlns:p="http://schemas.openxmlformats.org/presentationml/2006/main" xmlns:r="http://schemas.openxmlformats.org/officeDocument/2006/relationships" xmlns:p14="http://schemas.microsoft.com/office/powerpoint/2010/main" xmlns:p15="http://schemas.microsoft.com/office/powerpoint/2012/main" xmlns:mc="http://schemas.openxmlformats.org/markup-compatibility/2006">
+<p:sld xmlns:a="http://schemas.openxmlformats.org/drawingml/2006/main" xmlns:r="http://schemas.openxmlformats.org/officeDocument/2006/relationships" xmlns:p="http://schemas.openxmlformats.org/presentationml/2006/main">
   <p:cSld>
     <p:spTree>
       <p:nvGrpSpPr>
@@ -1679,9 +2105,10 @@
           <a:fontRef idx="minor"/>
         </p:style>
         <p:txBody>
-          <a:bodyPr lIns="90000" rIns="90000" tIns="45000" bIns="45000" anchor="ctr">
+          <a:bodyPr lIns="90000" tIns="45000" rIns="90000" bIns="45000" anchor="ctr">
             <a:noAutofit/>
           </a:bodyPr>
+          <a:lstStyle/>
           <a:p>
             <a:pPr algn="ctr">
               <a:lnSpc>
@@ -1689,7 +2116,7 @@
               </a:lnSpc>
             </a:pPr>
             <a:r>
-              <a:rPr b="0" lang="pt-BR" sz="1200" spc="-1" strike="noStrike">
+              <a:rPr lang="pt-BR" sz="1200" b="0" strike="noStrike" spc="-1">
                 <a:solidFill>
                   <a:srgbClr val="000000"/>
                 </a:solidFill>
@@ -1698,7 +2125,7 @@
               </a:rPr>
               <a:t>Efetuar a venda do produto</a:t>
             </a:r>
-            <a:endParaRPr b="0" lang="pt-BR" sz="1200" spc="-1" strike="noStrike">
+            <a:endParaRPr lang="pt-BR" sz="1200" b="0" strike="noStrike" spc="-1">
               <a:latin typeface="Arial"/>
             </a:endParaRPr>
           </a:p>
@@ -1719,15 +2146,15 @@
             <a:avLst/>
           </a:prstGeom>
           <a:solidFill>
-            <a:srgbClr val="66ffff"/>
+            <a:srgbClr val="66FFFF"/>
           </a:solidFill>
           <a:ln>
             <a:solidFill>
-              <a:srgbClr val="5597d3"/>
+              <a:srgbClr val="5597D3"/>
             </a:solidFill>
           </a:ln>
           <a:effectLst>
-            <a:outerShdw blurRad="40000" dir="5400000" dist="20160" rotWithShape="0">
+            <a:outerShdw blurRad="40000" dist="20160" dir="5400000" rotWithShape="0">
               <a:srgbClr val="000000">
                 <a:alpha val="38000"/>
               </a:srgbClr>
@@ -1747,9 +2174,10 @@
           <a:fontRef idx="minor"/>
         </p:style>
         <p:txBody>
-          <a:bodyPr lIns="90000" rIns="90000" tIns="45000" bIns="45000" anchor="ctr">
+          <a:bodyPr lIns="90000" tIns="45000" rIns="90000" bIns="45000" anchor="ctr">
             <a:noAutofit/>
           </a:bodyPr>
+          <a:lstStyle/>
           <a:p>
             <a:pPr algn="ctr">
               <a:lnSpc>
@@ -1757,7 +2185,7 @@
               </a:lnSpc>
             </a:pPr>
             <a:r>
-              <a:rPr b="0" lang="pt-BR" sz="1200" spc="-1" strike="noStrike">
+              <a:rPr lang="pt-BR" sz="1200" b="0" strike="noStrike" spc="-1">
                 <a:solidFill>
                   <a:srgbClr val="000000"/>
                 </a:solidFill>
@@ -1766,7 +2194,7 @@
               </a:rPr>
               <a:t>Cliente</a:t>
             </a:r>
-            <a:endParaRPr b="0" lang="pt-BR" sz="1200" spc="-1" strike="noStrike">
+            <a:endParaRPr lang="pt-BR" sz="1200" b="0" strike="noStrike" spc="-1">
               <a:latin typeface="Arial"/>
             </a:endParaRPr>
           </a:p>
@@ -1805,9 +2233,10 @@
           <a:fontRef idx="minor"/>
         </p:style>
         <p:txBody>
-          <a:bodyPr lIns="90000" rIns="90000" tIns="45000" bIns="45000" anchor="ctr">
+          <a:bodyPr lIns="90000" tIns="45000" rIns="90000" bIns="45000" anchor="ctr">
             <a:noAutofit/>
           </a:bodyPr>
+          <a:lstStyle/>
           <a:p>
             <a:pPr algn="ctr">
               <a:lnSpc>
@@ -1815,7 +2244,7 @@
               </a:lnSpc>
             </a:pPr>
             <a:r>
-              <a:rPr b="0" lang="pt-BR" sz="1050" spc="-1" strike="noStrike">
+              <a:rPr lang="pt-BR" sz="1050" b="0" strike="noStrike" spc="-1">
                 <a:solidFill>
                   <a:srgbClr val="000000"/>
                 </a:solidFill>
@@ -1824,7 +2253,7 @@
               </a:rPr>
               <a:t>Pedido</a:t>
             </a:r>
-            <a:endParaRPr b="0" lang="pt-BR" sz="1050" spc="-1" strike="noStrike">
+            <a:endParaRPr lang="pt-BR" sz="1050" b="0" strike="noStrike" spc="-1">
               <a:latin typeface="Arial"/>
             </a:endParaRPr>
           </a:p>
@@ -1847,9 +2276,9 @@
           <a:noFill/>
           <a:ln>
             <a:solidFill>
-              <a:srgbClr val="3f6ec2"/>
+              <a:srgbClr val="3F6EC2"/>
             </a:solidFill>
-            <a:tailEnd len="med" type="triangle" w="med"/>
+            <a:tailEnd type="triangle" w="med" len="med"/>
           </a:ln>
         </p:spPr>
         <p:style>
@@ -1885,15 +2314,22 @@
           </a:ln>
         </p:spPr>
         <p:style>
-          <a:lnRef idx="0"/>
-          <a:fillRef idx="0"/>
-          <a:effectRef idx="0"/>
+          <a:lnRef idx="0">
+            <a:scrgbClr r="0" g="0" b="0"/>
+          </a:lnRef>
+          <a:fillRef idx="0">
+            <a:scrgbClr r="0" g="0" b="0"/>
+          </a:fillRef>
+          <a:effectRef idx="0">
+            <a:scrgbClr r="0" g="0" b="0"/>
+          </a:effectRef>
           <a:fontRef idx="minor"/>
         </p:style>
         <p:txBody>
-          <a:bodyPr lIns="90000" rIns="90000" tIns="45000" bIns="45000">
+          <a:bodyPr lIns="90000" tIns="45000" rIns="90000" bIns="45000">
             <a:spAutoFit/>
           </a:bodyPr>
+          <a:lstStyle/>
           <a:p>
             <a:pPr>
               <a:lnSpc>
@@ -1901,7 +2337,7 @@
               </a:lnSpc>
             </a:pPr>
             <a:r>
-              <a:rPr b="0" lang="pt-BR" sz="900" spc="-1" strike="noStrike">
+              <a:rPr lang="pt-BR" sz="900" b="0" strike="noStrike" spc="-1">
                 <a:solidFill>
                   <a:srgbClr val="000000"/>
                 </a:solidFill>
@@ -1910,7 +2346,7 @@
               </a:rPr>
               <a:t>pedido</a:t>
             </a:r>
-            <a:endParaRPr b="0" lang="pt-BR" sz="900" spc="-1" strike="noStrike">
+            <a:endParaRPr lang="pt-BR" sz="900" b="0" strike="noStrike" spc="-1">
               <a:latin typeface="Arial"/>
             </a:endParaRPr>
           </a:p>
@@ -1931,6 +2367,7 @@
             <a:avLst/>
             <a:gdLst/>
             <a:ahLst/>
+            <a:cxnLst/>
             <a:rect l="l" t="t" r="r" b="b"/>
             <a:pathLst>
               <a:path w="21600" h="21600">
@@ -1946,9 +2383,9 @@
           <a:noFill/>
           <a:ln>
             <a:solidFill>
-              <a:srgbClr val="3f6ec2"/>
+              <a:srgbClr val="3F6EC2"/>
             </a:solidFill>
-            <a:tailEnd len="med" type="triangle" w="med"/>
+            <a:tailEnd type="triangle" w="med" len="med"/>
           </a:ln>
         </p:spPr>
         <p:style>
@@ -1981,9 +2418,9 @@
           <a:noFill/>
           <a:ln>
             <a:solidFill>
-              <a:srgbClr val="3f6ec2"/>
+              <a:srgbClr val="3F6EC2"/>
             </a:solidFill>
-            <a:tailEnd len="med" type="triangle" w="med"/>
+            <a:tailEnd type="triangle" w="med" len="med"/>
           </a:ln>
         </p:spPr>
         <p:style>
@@ -2019,15 +2456,22 @@
           </a:ln>
         </p:spPr>
         <p:style>
-          <a:lnRef idx="0"/>
-          <a:fillRef idx="0"/>
-          <a:effectRef idx="0"/>
+          <a:lnRef idx="0">
+            <a:scrgbClr r="0" g="0" b="0"/>
+          </a:lnRef>
+          <a:fillRef idx="0">
+            <a:scrgbClr r="0" g="0" b="0"/>
+          </a:fillRef>
+          <a:effectRef idx="0">
+            <a:scrgbClr r="0" g="0" b="0"/>
+          </a:effectRef>
           <a:fontRef idx="minor"/>
         </p:style>
         <p:txBody>
-          <a:bodyPr lIns="90000" rIns="90000" tIns="45000" bIns="45000">
+          <a:bodyPr lIns="90000" tIns="45000" rIns="90000" bIns="45000">
             <a:spAutoFit/>
           </a:bodyPr>
+          <a:lstStyle/>
           <a:p>
             <a:pPr>
               <a:lnSpc>
@@ -2035,7 +2479,7 @@
               </a:lnSpc>
             </a:pPr>
             <a:r>
-              <a:rPr b="0" lang="pt-BR" sz="900" spc="-1" strike="noStrike">
+              <a:rPr lang="pt-BR" sz="900" b="0" strike="noStrike" spc="-1">
                 <a:solidFill>
                   <a:srgbClr val="000000"/>
                 </a:solidFill>
@@ -2044,7 +2488,7 @@
               </a:rPr>
               <a:t>valor + formas de pagamento</a:t>
             </a:r>
-            <a:endParaRPr b="0" lang="pt-BR" sz="900" spc="-1" strike="noStrike">
+            <a:endParaRPr lang="pt-BR" sz="900" b="0" strike="noStrike" spc="-1">
               <a:latin typeface="Arial"/>
             </a:endParaRPr>
           </a:p>
@@ -2070,15 +2514,22 @@
           </a:ln>
         </p:spPr>
         <p:style>
-          <a:lnRef idx="0"/>
-          <a:fillRef idx="0"/>
-          <a:effectRef idx="0"/>
+          <a:lnRef idx="0">
+            <a:scrgbClr r="0" g="0" b="0"/>
+          </a:lnRef>
+          <a:fillRef idx="0">
+            <a:scrgbClr r="0" g="0" b="0"/>
+          </a:fillRef>
+          <a:effectRef idx="0">
+            <a:scrgbClr r="0" g="0" b="0"/>
+          </a:effectRef>
           <a:fontRef idx="minor"/>
         </p:style>
         <p:txBody>
-          <a:bodyPr lIns="90000" rIns="90000" tIns="45000" bIns="45000">
+          <a:bodyPr lIns="90000" tIns="45000" rIns="90000" bIns="45000">
             <a:spAutoFit/>
           </a:bodyPr>
+          <a:lstStyle/>
           <a:p>
             <a:pPr>
               <a:lnSpc>
@@ -2086,7 +2537,7 @@
               </a:lnSpc>
             </a:pPr>
             <a:r>
-              <a:rPr b="0" lang="pt-BR" sz="2000" spc="-1" strike="noStrike">
+              <a:rPr lang="pt-BR" sz="2000" b="0" strike="noStrike" spc="-1">
                 <a:solidFill>
                   <a:srgbClr val="000000"/>
                 </a:solidFill>
@@ -2095,7 +2546,7 @@
               </a:rPr>
               <a:t>Descrição dos Processos de Negócio</a:t>
             </a:r>
-            <a:endParaRPr b="0" lang="pt-BR" sz="2000" spc="-1" strike="noStrike">
+            <a:endParaRPr lang="pt-BR" sz="2000" b="0" strike="noStrike" spc="-1">
               <a:latin typeface="Arial"/>
             </a:endParaRPr>
           </a:p>
@@ -2123,15 +2574,22 @@
           </a:ln>
         </p:spPr>
         <p:style>
-          <a:lnRef idx="0"/>
-          <a:fillRef idx="0"/>
-          <a:effectRef idx="0"/>
+          <a:lnRef idx="0">
+            <a:scrgbClr r="0" g="0" b="0"/>
+          </a:lnRef>
+          <a:fillRef idx="0">
+            <a:scrgbClr r="0" g="0" b="0"/>
+          </a:fillRef>
+          <a:effectRef idx="0">
+            <a:scrgbClr r="0" g="0" b="0"/>
+          </a:effectRef>
           <a:fontRef idx="minor"/>
         </p:style>
         <p:txBody>
-          <a:bodyPr lIns="90000" rIns="90000" tIns="45000" bIns="45000">
+          <a:bodyPr lIns="90000" tIns="45000" rIns="90000" bIns="45000">
             <a:spAutoFit/>
           </a:bodyPr>
+          <a:lstStyle/>
           <a:p>
             <a:pPr>
               <a:lnSpc>
@@ -2139,7 +2597,7 @@
               </a:lnSpc>
             </a:pPr>
             <a:r>
-              <a:rPr b="1" lang="pt-BR" sz="900" spc="-1" strike="noStrike">
+              <a:rPr lang="pt-BR" sz="900" b="1" strike="noStrike" spc="-1">
                 <a:solidFill>
                   <a:srgbClr val="000000"/>
                 </a:solidFill>
@@ -2148,7 +2606,7 @@
               </a:rPr>
               <a:t>Efetuar a venda do produto.</a:t>
             </a:r>
-            <a:endParaRPr b="0" lang="pt-BR" sz="900" spc="-1" strike="noStrike">
+            <a:endParaRPr lang="pt-BR" sz="900" b="0" strike="noStrike" spc="-1">
               <a:latin typeface="Arial"/>
             </a:endParaRPr>
           </a:p>
@@ -2159,7 +2617,7 @@
               </a:lnSpc>
             </a:pPr>
             <a:r>
-              <a:rPr b="1" lang="pt-BR" sz="900" spc="-1" strike="noStrike">
+              <a:rPr lang="pt-BR" sz="900" b="1" strike="noStrike" spc="-1">
                 <a:solidFill>
                   <a:srgbClr val="000000"/>
                 </a:solidFill>
@@ -2169,7 +2627,7 @@
               <a:t>Evento:</a:t>
             </a:r>
             <a:r>
-              <a:rPr b="0" lang="pt-BR" sz="900" spc="-1" strike="noStrike">
+              <a:rPr lang="pt-BR" sz="900" b="0" strike="noStrike" spc="-1">
                 <a:solidFill>
                   <a:srgbClr val="000000"/>
                 </a:solidFill>
@@ -2178,7 +2636,7 @@
               </a:rPr>
               <a:t> Cliente faz pedido do produto.</a:t>
             </a:r>
-            <a:endParaRPr b="0" lang="pt-BR" sz="900" spc="-1" strike="noStrike">
+            <a:endParaRPr lang="pt-BR" sz="900" b="0" strike="noStrike" spc="-1">
               <a:latin typeface="Arial"/>
             </a:endParaRPr>
           </a:p>
@@ -2189,7 +2647,7 @@
               </a:lnSpc>
             </a:pPr>
             <a:r>
-              <a:rPr b="1" lang="pt-BR" sz="900" spc="-1" strike="noStrike">
+              <a:rPr lang="pt-BR" sz="900" b="1" strike="noStrike" spc="-1">
                 <a:solidFill>
                   <a:srgbClr val="000000"/>
                 </a:solidFill>
@@ -2199,7 +2657,7 @@
               <a:t>Objetivo: </a:t>
             </a:r>
             <a:r>
-              <a:rPr b="0" lang="pt-BR" sz="900" spc="-1" strike="noStrike">
+              <a:rPr lang="pt-BR" sz="900" b="0" strike="noStrike" spc="-1">
                 <a:solidFill>
                   <a:srgbClr val="000000"/>
                 </a:solidFill>
@@ -2208,7 +2666,7 @@
               </a:rPr>
               <a:t>Efetuar a venda dos produtos desejados pelo cliente.</a:t>
             </a:r>
-            <a:endParaRPr b="0" lang="pt-BR" sz="900" spc="-1" strike="noStrike">
+            <a:endParaRPr lang="pt-BR" sz="900" b="0" strike="noStrike" spc="-1">
               <a:latin typeface="Arial"/>
             </a:endParaRPr>
           </a:p>
@@ -2219,7 +2677,7 @@
               </a:lnSpc>
             </a:pPr>
             <a:r>
-              <a:rPr b="1" lang="pt-BR" sz="900" spc="-1" strike="noStrike">
+              <a:rPr lang="pt-BR" sz="900" b="1" strike="noStrike" spc="-1">
                 <a:solidFill>
                   <a:srgbClr val="000000"/>
                 </a:solidFill>
@@ -2228,7 +2686,7 @@
               </a:rPr>
               <a:t>Trabalhadores envolvidos:</a:t>
             </a:r>
-            <a:endParaRPr b="0" lang="pt-BR" sz="900" spc="-1" strike="noStrike">
+            <a:endParaRPr lang="pt-BR" sz="900" b="0" strike="noStrike" spc="-1">
               <a:latin typeface="Arial"/>
             </a:endParaRPr>
           </a:p>
@@ -2244,7 +2702,7 @@
               <a:buChar char=""/>
             </a:pPr>
             <a:r>
-              <a:rPr b="0" lang="pt-BR" sz="900" spc="-1" strike="noStrike">
+              <a:rPr lang="pt-BR" sz="900" b="0" strike="noStrike" spc="-1">
                 <a:solidFill>
                   <a:srgbClr val="000000"/>
                 </a:solidFill>
@@ -2253,12 +2711,12 @@
               </a:rPr>
               <a:t>Vendedor.</a:t>
             </a:r>
-            <a:endParaRPr b="0" lang="pt-BR" sz="900" spc="-1" strike="noStrike">
-              <a:latin typeface="Arial"/>
-            </a:endParaRPr>
-          </a:p>
-          <a:p>
-            <a:pPr lvl="1" marL="432000" indent="-215640">
+            <a:endParaRPr lang="pt-BR" sz="900" b="0" strike="noStrike" spc="-1">
+              <a:latin typeface="Arial"/>
+            </a:endParaRPr>
+          </a:p>
+          <a:p>
+            <a:pPr marL="432000" lvl="1" indent="-215640">
               <a:lnSpc>
                 <a:spcPct val="100000"/>
               </a:lnSpc>
@@ -2270,7 +2728,7 @@
               <a:buChar char=""/>
             </a:pPr>
             <a:r>
-              <a:rPr b="0" lang="pt-BR" sz="900" spc="-1" strike="noStrike">
+              <a:rPr lang="pt-BR" sz="900" b="0" strike="noStrike" spc="-1">
                 <a:solidFill>
                   <a:srgbClr val="000000"/>
                 </a:solidFill>
@@ -2279,12 +2737,12 @@
               </a:rPr>
               <a:t>Verifica disponibilidade e preço do produto.</a:t>
             </a:r>
-            <a:endParaRPr b="0" lang="pt-BR" sz="900" spc="-1" strike="noStrike">
-              <a:latin typeface="Arial"/>
-            </a:endParaRPr>
-          </a:p>
-          <a:p>
-            <a:pPr lvl="2" marL="648000" indent="-215640">
+            <a:endParaRPr lang="pt-BR" sz="900" b="0" strike="noStrike" spc="-1">
+              <a:latin typeface="Arial"/>
+            </a:endParaRPr>
+          </a:p>
+          <a:p>
+            <a:pPr marL="648000" lvl="2" indent="-215640">
               <a:lnSpc>
                 <a:spcPct val="100000"/>
               </a:lnSpc>
@@ -2296,7 +2754,7 @@
               <a:buChar char=""/>
             </a:pPr>
             <a:r>
-              <a:rPr b="0" lang="pt-BR" sz="900" spc="-1" strike="noStrike">
+              <a:rPr lang="pt-BR" sz="900" b="0" strike="noStrike" spc="-1">
                 <a:solidFill>
                   <a:srgbClr val="000000"/>
                 </a:solidFill>
@@ -2305,12 +2763,12 @@
               </a:rPr>
               <a:t>Se não houver disponibilidade, vendedor informa ao cliente que o pedido foi recusado.</a:t>
             </a:r>
-            <a:endParaRPr b="0" lang="pt-BR" sz="900" spc="-1" strike="noStrike">
-              <a:latin typeface="Arial"/>
-            </a:endParaRPr>
-          </a:p>
-          <a:p>
-            <a:pPr lvl="1" marL="432000" indent="-215640">
+            <a:endParaRPr lang="pt-BR" sz="900" b="0" strike="noStrike" spc="-1">
+              <a:latin typeface="Arial"/>
+            </a:endParaRPr>
+          </a:p>
+          <a:p>
+            <a:pPr marL="432000" lvl="1" indent="-215640">
               <a:lnSpc>
                 <a:spcPct val="100000"/>
               </a:lnSpc>
@@ -2322,7 +2780,7 @@
               <a:buChar char=""/>
             </a:pPr>
             <a:r>
-              <a:rPr b="0" lang="pt-BR" sz="900" spc="-1" strike="noStrike">
+              <a:rPr lang="pt-BR" sz="900" b="0" strike="noStrike" spc="-1">
                 <a:solidFill>
                   <a:srgbClr val="000000"/>
                 </a:solidFill>
@@ -2331,7 +2789,7 @@
               </a:rPr>
               <a:t>Guarda o produto escolhido em pedido.</a:t>
             </a:r>
-            <a:endParaRPr b="0" lang="pt-BR" sz="900" spc="-1" strike="noStrike">
+            <a:endParaRPr lang="pt-BR" sz="900" b="0" strike="noStrike" spc="-1">
               <a:latin typeface="Arial"/>
             </a:endParaRPr>
           </a:p>
@@ -2353,10 +2811,10 @@
           </a:prstGeom>
           <a:noFill/>
           <a:ln>
-            <a:tailEnd len="med" type="triangle" w="med"/>
+            <a:tailEnd type="triangle" w="med" len="med"/>
           </a:ln>
           <a:effectLst>
-            <a:outerShdw blurRad="40000" dir="5400000" dist="23040" rotWithShape="0">
+            <a:outerShdw blurRad="40000" dist="23040" dir="5400000" rotWithShape="0">
               <a:srgbClr val="000000">
                 <a:alpha val="35000"/>
               </a:srgbClr>
@@ -2396,27 +2854,28 @@
           </a:ln>
         </p:spPr>
         <p:style>
-          <a:lnRef idx="0"/>
-          <a:fillRef idx="0"/>
-          <a:effectRef idx="0"/>
+          <a:lnRef idx="0">
+            <a:scrgbClr r="0" g="0" b="0"/>
+          </a:lnRef>
+          <a:fillRef idx="0">
+            <a:scrgbClr r="0" g="0" b="0"/>
+          </a:fillRef>
+          <a:effectRef idx="0">
+            <a:scrgbClr r="0" g="0" b="0"/>
+          </a:effectRef>
           <a:fontRef idx="minor"/>
         </p:style>
       </p:sp>
     </p:spTree>
   </p:cSld>
-  <mc:AlternateContent>
-    <mc:Choice Requires="p14">
-      <p:transition spd="slow" p14:dur="2000"/>
-    </mc:Choice>
-    <mc:Fallback>
-      <p:transition spd="slow"/>
-    </mc:Fallback>
-  </mc:AlternateContent>
+  <p:clrMapOvr>
+    <a:masterClrMapping/>
+  </p:clrMapOvr>
 </p:sld>
 </file>
 
 <file path=ppt/slides/slide2.xml><?xml version="1.0" encoding="utf-8"?>
-<p:sld xmlns:a="http://schemas.openxmlformats.org/drawingml/2006/main" xmlns:p="http://schemas.openxmlformats.org/presentationml/2006/main" xmlns:r="http://schemas.openxmlformats.org/officeDocument/2006/relationships" xmlns:p14="http://schemas.microsoft.com/office/powerpoint/2010/main" xmlns:p15="http://schemas.microsoft.com/office/powerpoint/2012/main" xmlns:mc="http://schemas.openxmlformats.org/markup-compatibility/2006">
+<p:sld xmlns:a="http://schemas.openxmlformats.org/drawingml/2006/main" xmlns:r="http://schemas.openxmlformats.org/officeDocument/2006/relationships" xmlns:p="http://schemas.openxmlformats.org/presentationml/2006/main">
   <p:cSld>
     <p:spTree>
       <p:nvGrpSpPr>
@@ -2463,9 +2922,10 @@
           <a:fontRef idx="minor"/>
         </p:style>
         <p:txBody>
-          <a:bodyPr lIns="90000" rIns="90000" tIns="45000" bIns="45000" anchor="ctr">
+          <a:bodyPr lIns="90000" tIns="45000" rIns="90000" bIns="45000" anchor="ctr">
             <a:noAutofit/>
           </a:bodyPr>
+          <a:lstStyle/>
           <a:p>
             <a:pPr algn="ctr">
               <a:lnSpc>
@@ -2473,7 +2933,7 @@
               </a:lnSpc>
             </a:pPr>
             <a:r>
-              <a:rPr b="0" lang="pt-BR" sz="1200" spc="-1" strike="noStrike">
+              <a:rPr lang="pt-BR" sz="1200" b="0" strike="noStrike" spc="-1">
                 <a:solidFill>
                   <a:srgbClr val="000000"/>
                 </a:solidFill>
@@ -2482,7 +2942,7 @@
               </a:rPr>
               <a:t>Receber o pagamento em dinheiro</a:t>
             </a:r>
-            <a:endParaRPr b="0" lang="pt-BR" sz="1200" spc="-1" strike="noStrike">
+            <a:endParaRPr lang="pt-BR" sz="1200" b="0" strike="noStrike" spc="-1">
               <a:latin typeface="Arial"/>
             </a:endParaRPr>
           </a:p>
@@ -2503,15 +2963,15 @@
             <a:avLst/>
           </a:prstGeom>
           <a:solidFill>
-            <a:srgbClr val="66ffff"/>
+            <a:srgbClr val="66FFFF"/>
           </a:solidFill>
           <a:ln>
             <a:solidFill>
-              <a:srgbClr val="5597d3"/>
+              <a:srgbClr val="5597D3"/>
             </a:solidFill>
           </a:ln>
           <a:effectLst>
-            <a:outerShdw blurRad="40000" dir="5400000" dist="20160" rotWithShape="0">
+            <a:outerShdw blurRad="40000" dist="20160" dir="5400000" rotWithShape="0">
               <a:srgbClr val="000000">
                 <a:alpha val="38000"/>
               </a:srgbClr>
@@ -2531,9 +2991,10 @@
           <a:fontRef idx="minor"/>
         </p:style>
         <p:txBody>
-          <a:bodyPr lIns="90000" rIns="90000" tIns="45000" bIns="45000" anchor="ctr">
+          <a:bodyPr lIns="90000" tIns="45000" rIns="90000" bIns="45000" anchor="ctr">
             <a:noAutofit/>
           </a:bodyPr>
+          <a:lstStyle/>
           <a:p>
             <a:pPr algn="ctr">
               <a:lnSpc>
@@ -2541,7 +3002,7 @@
               </a:lnSpc>
             </a:pPr>
             <a:r>
-              <a:rPr b="0" lang="pt-BR" sz="1200" spc="-1" strike="noStrike">
+              <a:rPr lang="pt-BR" sz="1200" b="0" strike="noStrike" spc="-1">
                 <a:solidFill>
                   <a:srgbClr val="000000"/>
                 </a:solidFill>
@@ -2550,7 +3011,7 @@
               </a:rPr>
               <a:t>Cliente</a:t>
             </a:r>
-            <a:endParaRPr b="0" lang="pt-BR" sz="1200" spc="-1" strike="noStrike">
+            <a:endParaRPr lang="pt-BR" sz="1200" b="0" strike="noStrike" spc="-1">
               <a:latin typeface="Arial"/>
             </a:endParaRPr>
           </a:p>
@@ -2589,9 +3050,10 @@
           <a:fontRef idx="minor"/>
         </p:style>
         <p:txBody>
-          <a:bodyPr lIns="90000" rIns="90000" tIns="45000" bIns="45000" anchor="ctr">
+          <a:bodyPr lIns="90000" tIns="45000" rIns="90000" bIns="45000" anchor="ctr">
             <a:noAutofit/>
           </a:bodyPr>
+          <a:lstStyle/>
           <a:p>
             <a:pPr algn="ctr">
               <a:lnSpc>
@@ -2599,7 +3061,7 @@
               </a:lnSpc>
             </a:pPr>
             <a:r>
-              <a:rPr b="0" lang="pt-BR" sz="1050" spc="-1" strike="noStrike">
+              <a:rPr lang="pt-BR" sz="1050" b="0" strike="noStrike" spc="-1">
                 <a:solidFill>
                   <a:srgbClr val="000000"/>
                 </a:solidFill>
@@ -2608,7 +3070,7 @@
               </a:rPr>
               <a:t>Cliente</a:t>
             </a:r>
-            <a:endParaRPr b="0" lang="pt-BR" sz="1050" spc="-1" strike="noStrike">
+            <a:endParaRPr lang="pt-BR" sz="1050" b="0" strike="noStrike" spc="-1">
               <a:latin typeface="Arial"/>
             </a:endParaRPr>
           </a:p>
@@ -2634,15 +3096,22 @@
           </a:ln>
         </p:spPr>
         <p:style>
-          <a:lnRef idx="0"/>
-          <a:fillRef idx="0"/>
-          <a:effectRef idx="0"/>
+          <a:lnRef idx="0">
+            <a:scrgbClr r="0" g="0" b="0"/>
+          </a:lnRef>
+          <a:fillRef idx="0">
+            <a:scrgbClr r="0" g="0" b="0"/>
+          </a:fillRef>
+          <a:effectRef idx="0">
+            <a:scrgbClr r="0" g="0" b="0"/>
+          </a:effectRef>
           <a:fontRef idx="minor"/>
         </p:style>
         <p:txBody>
-          <a:bodyPr lIns="90000" rIns="90000" tIns="45000" bIns="45000">
+          <a:bodyPr lIns="90000" tIns="45000" rIns="90000" bIns="45000">
             <a:spAutoFit/>
           </a:bodyPr>
+          <a:lstStyle/>
           <a:p>
             <a:pPr>
               <a:lnSpc>
@@ -2650,7 +3119,7 @@
               </a:lnSpc>
             </a:pPr>
             <a:r>
-              <a:rPr b="0" lang="pt-BR" sz="900" spc="-1" strike="noStrike">
+              <a:rPr lang="pt-BR" sz="900" b="0" strike="noStrike" spc="-1">
                 <a:solidFill>
                   <a:srgbClr val="000000"/>
                 </a:solidFill>
@@ -2659,7 +3128,7 @@
               </a:rPr>
               <a:t>produto + (troco) + NF</a:t>
             </a:r>
-            <a:endParaRPr b="0" lang="pt-BR" sz="900" spc="-1" strike="noStrike">
+            <a:endParaRPr lang="pt-BR" sz="900" b="0" strike="noStrike" spc="-1">
               <a:latin typeface="Arial"/>
             </a:endParaRPr>
           </a:p>
@@ -2685,15 +3154,22 @@
           </a:ln>
         </p:spPr>
         <p:style>
-          <a:lnRef idx="0"/>
-          <a:fillRef idx="0"/>
-          <a:effectRef idx="0"/>
+          <a:lnRef idx="0">
+            <a:scrgbClr r="0" g="0" b="0"/>
+          </a:lnRef>
+          <a:fillRef idx="0">
+            <a:scrgbClr r="0" g="0" b="0"/>
+          </a:fillRef>
+          <a:effectRef idx="0">
+            <a:scrgbClr r="0" g="0" b="0"/>
+          </a:effectRef>
           <a:fontRef idx="minor"/>
         </p:style>
         <p:txBody>
-          <a:bodyPr lIns="90000" rIns="90000" tIns="45000" bIns="45000">
+          <a:bodyPr lIns="90000" tIns="45000" rIns="90000" bIns="45000">
             <a:spAutoFit/>
           </a:bodyPr>
+          <a:lstStyle/>
           <a:p>
             <a:pPr>
               <a:lnSpc>
@@ -2701,7 +3177,7 @@
               </a:lnSpc>
             </a:pPr>
             <a:r>
-              <a:rPr b="0" lang="pt-BR" sz="900" spc="-1" strike="noStrike">
+              <a:rPr lang="pt-BR" sz="900" b="0" strike="noStrike" spc="-1">
                 <a:solidFill>
                   <a:srgbClr val="000000"/>
                 </a:solidFill>
@@ -2710,7 +3186,7 @@
               </a:rPr>
               <a:t>pagamento em dinheiro + detalhes do cliente</a:t>
             </a:r>
-            <a:endParaRPr b="0" lang="pt-BR" sz="900" spc="-1" strike="noStrike">
+            <a:endParaRPr lang="pt-BR" sz="900" b="0" strike="noStrike" spc="-1">
               <a:latin typeface="Arial"/>
             </a:endParaRPr>
           </a:p>
@@ -2736,15 +3212,22 @@
           </a:ln>
         </p:spPr>
         <p:style>
-          <a:lnRef idx="0"/>
-          <a:fillRef idx="0"/>
-          <a:effectRef idx="0"/>
+          <a:lnRef idx="0">
+            <a:scrgbClr r="0" g="0" b="0"/>
+          </a:lnRef>
+          <a:fillRef idx="0">
+            <a:scrgbClr r="0" g="0" b="0"/>
+          </a:fillRef>
+          <a:effectRef idx="0">
+            <a:scrgbClr r="0" g="0" b="0"/>
+          </a:effectRef>
           <a:fontRef idx="minor"/>
         </p:style>
         <p:txBody>
-          <a:bodyPr lIns="90000" rIns="90000" tIns="45000" bIns="45000">
+          <a:bodyPr lIns="90000" tIns="45000" rIns="90000" bIns="45000">
             <a:spAutoFit/>
           </a:bodyPr>
+          <a:lstStyle/>
           <a:p>
             <a:pPr>
               <a:lnSpc>
@@ -2752,7 +3235,7 @@
               </a:lnSpc>
             </a:pPr>
             <a:r>
-              <a:rPr b="0" lang="pt-BR" sz="2000" spc="-1" strike="noStrike">
+              <a:rPr lang="pt-BR" sz="2000" b="0" strike="noStrike" spc="-1">
                 <a:solidFill>
                   <a:srgbClr val="000000"/>
                 </a:solidFill>
@@ -2761,7 +3244,7 @@
               </a:rPr>
               <a:t>Descrição dos Processos de Negócio</a:t>
             </a:r>
-            <a:endParaRPr b="0" lang="pt-BR" sz="2000" spc="-1" strike="noStrike">
+            <a:endParaRPr lang="pt-BR" sz="2000" b="0" strike="noStrike" spc="-1">
               <a:latin typeface="Arial"/>
             </a:endParaRPr>
           </a:p>
@@ -2776,7 +3259,7 @@
         <p:spPr>
           <a:xfrm>
             <a:off x="6000120" y="3976200"/>
-            <a:ext cx="3719880" cy="1872720"/>
+            <a:ext cx="3719880" cy="1891372"/>
           </a:xfrm>
           <a:prstGeom prst="rect">
             <a:avLst/>
@@ -2789,15 +3272,22 @@
           </a:ln>
         </p:spPr>
         <p:style>
-          <a:lnRef idx="0"/>
-          <a:fillRef idx="0"/>
-          <a:effectRef idx="0"/>
+          <a:lnRef idx="0">
+            <a:scrgbClr r="0" g="0" b="0"/>
+          </a:lnRef>
+          <a:fillRef idx="0">
+            <a:scrgbClr r="0" g="0" b="0"/>
+          </a:fillRef>
+          <a:effectRef idx="0">
+            <a:scrgbClr r="0" g="0" b="0"/>
+          </a:effectRef>
           <a:fontRef idx="minor"/>
         </p:style>
         <p:txBody>
-          <a:bodyPr lIns="90000" rIns="90000" tIns="45000" bIns="45000">
+          <a:bodyPr lIns="90000" tIns="45000" rIns="90000" bIns="45000">
             <a:spAutoFit/>
           </a:bodyPr>
+          <a:lstStyle/>
           <a:p>
             <a:pPr>
               <a:lnSpc>
@@ -2805,7 +3295,7 @@
               </a:lnSpc>
             </a:pPr>
             <a:r>
-              <a:rPr b="1" lang="pt-BR" sz="900" spc="-1" strike="noStrike">
+              <a:rPr lang="pt-BR" sz="900" b="1" strike="noStrike" spc="-1" dirty="0">
                 <a:solidFill>
                   <a:srgbClr val="000000"/>
                 </a:solidFill>
@@ -2814,7 +3304,7 @@
               </a:rPr>
               <a:t>Receber o pagamento em dinheiro.</a:t>
             </a:r>
-            <a:endParaRPr b="0" lang="pt-BR" sz="900" spc="-1" strike="noStrike">
+            <a:endParaRPr lang="pt-BR" sz="900" b="0" strike="noStrike" spc="-1" dirty="0">
               <a:latin typeface="Arial"/>
             </a:endParaRPr>
           </a:p>
@@ -2825,7 +3315,7 @@
               </a:lnSpc>
             </a:pPr>
             <a:r>
-              <a:rPr b="1" lang="pt-BR" sz="900" spc="-1" strike="noStrike">
+              <a:rPr lang="pt-BR" sz="900" b="1" strike="noStrike" spc="-1" dirty="0">
                 <a:solidFill>
                   <a:srgbClr val="000000"/>
                 </a:solidFill>
@@ -2835,7 +3325,7 @@
               <a:t>Evento:</a:t>
             </a:r>
             <a:r>
-              <a:rPr b="0" lang="pt-BR" sz="900" spc="-1" strike="noStrike">
+              <a:rPr lang="pt-BR" sz="900" b="0" strike="noStrike" spc="-1" dirty="0">
                 <a:solidFill>
                   <a:srgbClr val="000000"/>
                 </a:solidFill>
@@ -2844,7 +3334,7 @@
               </a:rPr>
               <a:t> Cliente efetua o pagamento em dinheiro.</a:t>
             </a:r>
-            <a:endParaRPr b="0" lang="pt-BR" sz="900" spc="-1" strike="noStrike">
+            <a:endParaRPr lang="pt-BR" sz="900" b="0" strike="noStrike" spc="-1" dirty="0">
               <a:latin typeface="Arial"/>
             </a:endParaRPr>
           </a:p>
@@ -2855,7 +3345,7 @@
               </a:lnSpc>
             </a:pPr>
             <a:r>
-              <a:rPr b="1" lang="pt-BR" sz="900" spc="-1" strike="noStrike">
+              <a:rPr lang="pt-BR" sz="900" b="1" strike="noStrike" spc="-1" dirty="0">
                 <a:solidFill>
                   <a:srgbClr val="000000"/>
                 </a:solidFill>
@@ -2865,26 +3355,16 @@
               <a:t>Objetivo: </a:t>
             </a:r>
             <a:r>
-              <a:rPr b="0" lang="pt-BR" sz="900" spc="-1" strike="noStrike">
-                <a:solidFill>
-                  <a:srgbClr val="000000"/>
-                </a:solidFill>
-                <a:latin typeface="Calibri"/>
-                <a:ea typeface="DejaVu Sans"/>
-              </a:rPr>
-              <a:t>Receber o pagamento dos produtos </a:t>
-            </a:r>
-            <a:r>
-              <a:rPr b="0" lang="pt-BR" sz="900" spc="-1" strike="noStrike">
-                <a:solidFill>
-                  <a:srgbClr val="000000"/>
-                </a:solidFill>
-                <a:latin typeface="Calibri"/>
-                <a:ea typeface="DejaVu Sans"/>
-              </a:rPr>
-              <a:t>desejados pelo cliente.</a:t>
-            </a:r>
-            <a:endParaRPr b="0" lang="pt-BR" sz="900" spc="-1" strike="noStrike">
+              <a:rPr lang="pt-BR" sz="900" b="0" strike="noStrike" spc="-1" dirty="0">
+                <a:solidFill>
+                  <a:srgbClr val="000000"/>
+                </a:solidFill>
+                <a:latin typeface="Calibri"/>
+                <a:ea typeface="DejaVu Sans"/>
+              </a:rPr>
+              <a:t>Receber o pagamento dos produtos desejados pelo cliente.</a:t>
+            </a:r>
+            <a:endParaRPr lang="pt-BR" sz="900" b="0" strike="noStrike" spc="-1" dirty="0">
               <a:latin typeface="Arial"/>
             </a:endParaRPr>
           </a:p>
@@ -2895,7 +3375,7 @@
               </a:lnSpc>
             </a:pPr>
             <a:r>
-              <a:rPr b="1" lang="pt-BR" sz="900" spc="-1" strike="noStrike">
+              <a:rPr lang="pt-BR" sz="900" b="1" strike="noStrike" spc="-1" dirty="0">
                 <a:solidFill>
                   <a:srgbClr val="000000"/>
                 </a:solidFill>
@@ -2904,7 +3384,7 @@
               </a:rPr>
               <a:t>Trabalhadores envolvidos:</a:t>
             </a:r>
-            <a:endParaRPr b="0" lang="pt-BR" sz="900" spc="-1" strike="noStrike">
+            <a:endParaRPr lang="pt-BR" sz="900" b="0" strike="noStrike" spc="-1" dirty="0">
               <a:latin typeface="Arial"/>
             </a:endParaRPr>
           </a:p>
@@ -2920,7 +3400,7 @@
               <a:buChar char=""/>
             </a:pPr>
             <a:r>
-              <a:rPr b="0" lang="pt-BR" sz="900" spc="-1" strike="noStrike">
+              <a:rPr lang="pt-BR" sz="900" b="0" strike="noStrike" spc="-1" dirty="0">
                 <a:solidFill>
                   <a:srgbClr val="000000"/>
                 </a:solidFill>
@@ -2929,12 +3409,12 @@
               </a:rPr>
               <a:t>Vendedor.</a:t>
             </a:r>
-            <a:endParaRPr b="0" lang="pt-BR" sz="900" spc="-1" strike="noStrike">
-              <a:latin typeface="Arial"/>
-            </a:endParaRPr>
-          </a:p>
-          <a:p>
-            <a:pPr lvl="1" marL="432000" indent="-215640">
+            <a:endParaRPr lang="pt-BR" sz="900" b="0" strike="noStrike" spc="-1" dirty="0">
+              <a:latin typeface="Arial"/>
+            </a:endParaRPr>
+          </a:p>
+          <a:p>
+            <a:pPr marL="432000" lvl="1" indent="-215640">
               <a:lnSpc>
                 <a:spcPct val="100000"/>
               </a:lnSpc>
@@ -2946,7 +3426,7 @@
               <a:buChar char=""/>
             </a:pPr>
             <a:r>
-              <a:rPr b="0" lang="pt-BR" sz="900" spc="-1" strike="noStrike">
+              <a:rPr lang="pt-BR" sz="900" b="0" strike="noStrike" spc="-1" dirty="0">
                 <a:solidFill>
                   <a:srgbClr val="000000"/>
                 </a:solidFill>
@@ -2955,12 +3435,12 @@
               </a:rPr>
               <a:t>Verifica a disponibilidade do produtos.</a:t>
             </a:r>
-            <a:endParaRPr b="0" lang="pt-BR" sz="900" spc="-1" strike="noStrike">
-              <a:latin typeface="Arial"/>
-            </a:endParaRPr>
-          </a:p>
-          <a:p>
-            <a:pPr lvl="1" marL="432000" indent="-215640">
+            <a:endParaRPr lang="pt-BR" sz="900" b="0" strike="noStrike" spc="-1" dirty="0">
+              <a:latin typeface="Arial"/>
+            </a:endParaRPr>
+          </a:p>
+          <a:p>
+            <a:pPr marL="432000" lvl="1" indent="-215640">
               <a:lnSpc>
                 <a:spcPct val="100000"/>
               </a:lnSpc>
@@ -2972,7 +3452,7 @@
               <a:buChar char=""/>
             </a:pPr>
             <a:r>
-              <a:rPr b="0" lang="pt-BR" sz="900" spc="-1" strike="noStrike">
+              <a:rPr lang="pt-BR" sz="900" b="0" strike="noStrike" spc="-1" dirty="0">
                 <a:solidFill>
                   <a:srgbClr val="000000"/>
                 </a:solidFill>
@@ -2981,12 +3461,12 @@
               </a:rPr>
               <a:t>Verifica valor recebido e os detalhes do cliente.</a:t>
             </a:r>
-            <a:endParaRPr b="0" lang="pt-BR" sz="900" spc="-1" strike="noStrike">
-              <a:latin typeface="Arial"/>
-            </a:endParaRPr>
-          </a:p>
-          <a:p>
-            <a:pPr lvl="2" marL="648000" indent="-216000">
+            <a:endParaRPr lang="pt-BR" sz="900" b="0" strike="noStrike" spc="-1" dirty="0">
+              <a:latin typeface="Arial"/>
+            </a:endParaRPr>
+          </a:p>
+          <a:p>
+            <a:pPr marL="648000" lvl="2" indent="-216000">
               <a:lnSpc>
                 <a:spcPct val="100000"/>
               </a:lnSpc>
@@ -2998,7 +3478,7 @@
               <a:buChar char=""/>
             </a:pPr>
             <a:r>
-              <a:rPr b="0" lang="pt-BR" sz="900" spc="-1" strike="noStrike">
+              <a:rPr lang="pt-BR" sz="900" b="0" strike="noStrike" spc="-1" dirty="0">
                 <a:solidFill>
                   <a:srgbClr val="000000"/>
                 </a:solidFill>
@@ -3007,12 +3487,12 @@
               </a:rPr>
               <a:t>Se a quantia for insuficiente, o vendedor informa ao cliente que o pedido foi recusado.</a:t>
             </a:r>
-            <a:endParaRPr b="0" lang="pt-BR" sz="900" spc="-1" strike="noStrike">
-              <a:latin typeface="Arial"/>
-            </a:endParaRPr>
-          </a:p>
-          <a:p>
-            <a:pPr lvl="2" marL="648000" indent="-216000">
+            <a:endParaRPr lang="pt-BR" sz="900" b="0" strike="noStrike" spc="-1" dirty="0">
+              <a:latin typeface="Arial"/>
+            </a:endParaRPr>
+          </a:p>
+          <a:p>
+            <a:pPr marL="648000" lvl="2" indent="-216000">
               <a:lnSpc>
                 <a:spcPct val="100000"/>
               </a:lnSpc>
@@ -3024,7 +3504,7 @@
               <a:buChar char=""/>
             </a:pPr>
             <a:r>
-              <a:rPr b="0" lang="pt-BR" sz="900" spc="-1" strike="noStrike">
+              <a:rPr lang="pt-BR" sz="900" b="0" strike="noStrike" spc="-1" dirty="0">
                 <a:solidFill>
                   <a:srgbClr val="000000"/>
                 </a:solidFill>
@@ -3033,12 +3513,12 @@
               </a:rPr>
               <a:t>Se o cliente não possui cadastro, o vendedor ira cadastra o cliente em cliente.</a:t>
             </a:r>
-            <a:endParaRPr b="0" lang="pt-BR" sz="900" spc="-1" strike="noStrike">
-              <a:latin typeface="Arial"/>
-            </a:endParaRPr>
-          </a:p>
-          <a:p>
-            <a:pPr lvl="1" marL="432000" indent="-215640">
+            <a:endParaRPr lang="pt-BR" sz="900" b="0" strike="noStrike" spc="-1" dirty="0">
+              <a:latin typeface="Arial"/>
+            </a:endParaRPr>
+          </a:p>
+          <a:p>
+            <a:pPr marL="432000" lvl="1" indent="-215640">
               <a:lnSpc>
                 <a:spcPct val="100000"/>
               </a:lnSpc>
@@ -3050,7 +3530,7 @@
               <a:buChar char=""/>
             </a:pPr>
             <a:r>
-              <a:rPr b="0" lang="pt-BR" sz="900" spc="-1" strike="noStrike">
+              <a:rPr lang="pt-BR" sz="900" b="0" strike="noStrike" spc="-1" dirty="0">
                 <a:solidFill>
                   <a:srgbClr val="000000"/>
                 </a:solidFill>
@@ -3059,12 +3539,12 @@
               </a:rPr>
               <a:t>Guarda os produtos escolhidos com o valor recebido.</a:t>
             </a:r>
-            <a:endParaRPr b="0" lang="pt-BR" sz="900" spc="-1" strike="noStrike">
-              <a:latin typeface="Arial"/>
-            </a:endParaRPr>
-          </a:p>
-          <a:p>
-            <a:pPr lvl="1" marL="432000" indent="-215640">
+            <a:endParaRPr lang="pt-BR" sz="900" b="0" strike="noStrike" spc="-1" dirty="0">
+              <a:latin typeface="Arial"/>
+            </a:endParaRPr>
+          </a:p>
+          <a:p>
+            <a:pPr marL="432000" lvl="1" indent="-215640">
               <a:lnSpc>
                 <a:spcPct val="100000"/>
               </a:lnSpc>
@@ -3076,16 +3556,16 @@
               <a:buChar char=""/>
             </a:pPr>
             <a:r>
-              <a:rPr b="0" lang="pt-BR" sz="900" spc="-1" strike="noStrike">
-                <a:solidFill>
-                  <a:srgbClr val="000000"/>
-                </a:solidFill>
-                <a:latin typeface="Calibri"/>
-                <a:ea typeface="DejaVu Sans"/>
-              </a:rPr>
-              <a:t>Entrega os produtos, nota fiscal e troco (se houver), ao cliente</a:t>
-            </a:r>
-            <a:endParaRPr b="0" lang="pt-BR" sz="900" spc="-1" strike="noStrike">
+              <a:rPr lang="pt-BR" sz="900" b="0" strike="noStrike" spc="-1" dirty="0">
+                <a:solidFill>
+                  <a:srgbClr val="000000"/>
+                </a:solidFill>
+                <a:latin typeface="Calibri"/>
+                <a:ea typeface="DejaVu Sans"/>
+              </a:rPr>
+              <a:t>Entrega os produtos, nota fiscal e troco (se houver) ao cliente.</a:t>
+            </a:r>
+            <a:endParaRPr lang="pt-BR" sz="900" b="0" strike="noStrike" spc="-1" dirty="0">
               <a:latin typeface="Arial"/>
             </a:endParaRPr>
           </a:p>
@@ -3107,10 +3587,10 @@
           </a:prstGeom>
           <a:noFill/>
           <a:ln>
-            <a:tailEnd len="med" type="triangle" w="med"/>
+            <a:tailEnd type="triangle" w="med" len="med"/>
           </a:ln>
           <a:effectLst>
-            <a:outerShdw blurRad="40000" dir="5400000" dist="23040" rotWithShape="0">
+            <a:outerShdw blurRad="40000" dist="23040" dir="5400000" rotWithShape="0">
               <a:srgbClr val="000000">
                 <a:alpha val="35000"/>
               </a:srgbClr>
@@ -3150,9 +3630,15 @@
           </a:ln>
         </p:spPr>
         <p:style>
-          <a:lnRef idx="0"/>
-          <a:fillRef idx="0"/>
-          <a:effectRef idx="0"/>
+          <a:lnRef idx="0">
+            <a:scrgbClr r="0" g="0" b="0"/>
+          </a:lnRef>
+          <a:fillRef idx="0">
+            <a:scrgbClr r="0" g="0" b="0"/>
+          </a:fillRef>
+          <a:effectRef idx="0">
+            <a:scrgbClr r="0" g="0" b="0"/>
+          </a:effectRef>
           <a:fontRef idx="minor"/>
         </p:style>
       </p:sp>
@@ -3189,9 +3675,10 @@
           <a:fontRef idx="minor"/>
         </p:style>
         <p:txBody>
-          <a:bodyPr lIns="90000" rIns="90000" tIns="45000" bIns="45000" anchor="ctr">
+          <a:bodyPr lIns="90000" tIns="45000" rIns="90000" bIns="45000" anchor="ctr">
             <a:noAutofit/>
           </a:bodyPr>
+          <a:lstStyle/>
           <a:p>
             <a:pPr algn="ctr">
               <a:lnSpc>
@@ -3199,7 +3686,7 @@
               </a:lnSpc>
             </a:pPr>
             <a:r>
-              <a:rPr b="0" lang="pt-BR" sz="1050" spc="-1" strike="noStrike">
+              <a:rPr lang="pt-BR" sz="1050" b="0" strike="noStrike" spc="-1">
                 <a:solidFill>
                   <a:srgbClr val="000000"/>
                 </a:solidFill>
@@ -3208,7 +3695,7 @@
               </a:rPr>
               <a:t>Pedido</a:t>
             </a:r>
-            <a:endParaRPr b="0" lang="pt-BR" sz="1050" spc="-1" strike="noStrike">
+            <a:endParaRPr lang="pt-BR" sz="1050" b="0" strike="noStrike" spc="-1">
               <a:latin typeface="Arial"/>
             </a:endParaRPr>
           </a:p>
@@ -3233,9 +3720,9 @@
           </a:prstGeom>
           <a:ln w="0">
             <a:solidFill>
-              <a:srgbClr val="3465a4"/>
+              <a:srgbClr val="3465A4"/>
             </a:solidFill>
-            <a:tailEnd len="med" type="triangle" w="med"/>
+            <a:tailEnd type="triangle" w="med" len="med"/>
           </a:ln>
         </p:spPr>
       </p:cxnSp>
@@ -3258,9 +3745,9 @@
           </a:prstGeom>
           <a:ln w="0">
             <a:solidFill>
-              <a:srgbClr val="3465a4"/>
+              <a:srgbClr val="3465A4"/>
             </a:solidFill>
-            <a:tailEnd len="med" type="triangle" w="med"/>
+            <a:tailEnd type="triangle" w="med" len="med"/>
           </a:ln>
         </p:spPr>
       </p:cxnSp>
@@ -3297,9 +3784,10 @@
           <a:fontRef idx="minor"/>
         </p:style>
         <p:txBody>
-          <a:bodyPr lIns="90000" rIns="90000" tIns="45000" bIns="45000" anchor="ctr">
+          <a:bodyPr lIns="90000" tIns="45000" rIns="90000" bIns="45000" anchor="ctr">
             <a:noAutofit/>
           </a:bodyPr>
+          <a:lstStyle/>
           <a:p>
             <a:pPr algn="ctr">
               <a:lnSpc>
@@ -3307,7 +3795,7 @@
               </a:lnSpc>
             </a:pPr>
             <a:r>
-              <a:rPr b="0" lang="pt-BR" sz="1050" spc="-1" strike="noStrike">
+              <a:rPr lang="pt-BR" sz="1050" b="0" strike="noStrike" spc="-1">
                 <a:solidFill>
                   <a:srgbClr val="000000"/>
                 </a:solidFill>
@@ -3316,7 +3804,7 @@
               </a:rPr>
               <a:t>Lançamento</a:t>
             </a:r>
-            <a:endParaRPr b="0" lang="pt-BR" sz="1050" spc="-1" strike="noStrike">
+            <a:endParaRPr lang="pt-BR" sz="1050" b="0" strike="noStrike" spc="-1">
               <a:latin typeface="Arial"/>
             </a:endParaRPr>
           </a:p>
@@ -3355,9 +3843,10 @@
           <a:fontRef idx="minor"/>
         </p:style>
         <p:txBody>
-          <a:bodyPr lIns="90000" rIns="90000" tIns="45000" bIns="45000" anchor="ctr">
+          <a:bodyPr lIns="90000" tIns="45000" rIns="90000" bIns="45000" anchor="ctr">
             <a:noAutofit/>
           </a:bodyPr>
+          <a:lstStyle/>
           <a:p>
             <a:pPr algn="ctr">
               <a:lnSpc>
@@ -3365,7 +3854,7 @@
               </a:lnSpc>
             </a:pPr>
             <a:r>
-              <a:rPr b="0" lang="pt-BR" sz="1050" spc="-1" strike="noStrike">
+              <a:rPr lang="pt-BR" sz="1050" b="0" strike="noStrike" spc="-1">
                 <a:solidFill>
                   <a:srgbClr val="000000"/>
                 </a:solidFill>
@@ -3374,7 +3863,7 @@
               </a:rPr>
               <a:t>Produto</a:t>
             </a:r>
-            <a:endParaRPr b="0" lang="pt-BR" sz="1050" spc="-1" strike="noStrike">
+            <a:endParaRPr lang="pt-BR" sz="1050" b="0" strike="noStrike" spc="-1">
               <a:latin typeface="Arial"/>
             </a:endParaRPr>
           </a:p>
@@ -3398,10 +3887,10 @@
           </a:prstGeom>
           <a:ln w="0">
             <a:solidFill>
-              <a:srgbClr val="3465a4"/>
+              <a:srgbClr val="3465A4"/>
             </a:solidFill>
-            <a:headEnd len="med" type="triangle" w="med"/>
-            <a:tailEnd len="med" type="triangle" w="med"/>
+            <a:headEnd type="triangle" w="med" len="med"/>
+            <a:tailEnd type="triangle" w="med" len="med"/>
           </a:ln>
         </p:spPr>
       </p:cxnSp>
@@ -3423,10 +3912,10 @@
           </a:prstGeom>
           <a:ln w="0">
             <a:solidFill>
-              <a:srgbClr val="3465a4"/>
+              <a:srgbClr val="3465A4"/>
             </a:solidFill>
-            <a:headEnd len="med" type="triangle" w="med"/>
-            <a:tailEnd len="med" type="triangle" w="med"/>
+            <a:headEnd type="triangle" w="med" len="med"/>
+            <a:tailEnd type="triangle" w="med" len="med"/>
           </a:ln>
         </p:spPr>
       </p:cxnSp>
@@ -3448,10 +3937,10 @@
           </a:prstGeom>
           <a:ln w="0">
             <a:solidFill>
-              <a:srgbClr val="3465a4"/>
+              <a:srgbClr val="3465A4"/>
             </a:solidFill>
-            <a:headEnd len="med" type="triangle" w="med"/>
-            <a:tailEnd len="med" type="triangle" w="med"/>
+            <a:headEnd type="triangle" w="med" len="med"/>
+            <a:tailEnd type="triangle" w="med" len="med"/>
           </a:ln>
         </p:spPr>
       </p:cxnSp>
@@ -3473,28 +3962,23 @@
           </a:prstGeom>
           <a:ln w="0">
             <a:solidFill>
-              <a:srgbClr val="3465a4"/>
+              <a:srgbClr val="3465A4"/>
             </a:solidFill>
-            <a:headEnd len="med" type="triangle" w="med"/>
-            <a:tailEnd len="med" type="triangle" w="med"/>
+            <a:headEnd type="triangle" w="med" len="med"/>
+            <a:tailEnd type="triangle" w="med" len="med"/>
           </a:ln>
         </p:spPr>
       </p:cxnSp>
     </p:spTree>
   </p:cSld>
-  <mc:AlternateContent>
-    <mc:Choice Requires="p14">
-      <p:transition spd="slow" p14:dur="2000"/>
-    </mc:Choice>
-    <mc:Fallback>
-      <p:transition spd="slow"/>
-    </mc:Fallback>
-  </mc:AlternateContent>
+  <p:clrMapOvr>
+    <a:masterClrMapping/>
+  </p:clrMapOvr>
 </p:sld>
 </file>
 
 <file path=ppt/slides/slide3.xml><?xml version="1.0" encoding="utf-8"?>
-<p:sld xmlns:a="http://schemas.openxmlformats.org/drawingml/2006/main" xmlns:p="http://schemas.openxmlformats.org/presentationml/2006/main" xmlns:r="http://schemas.openxmlformats.org/officeDocument/2006/relationships" xmlns:p14="http://schemas.microsoft.com/office/powerpoint/2010/main" xmlns:p15="http://schemas.microsoft.com/office/powerpoint/2012/main" xmlns:mc="http://schemas.openxmlformats.org/markup-compatibility/2006">
+<p:sld xmlns:a="http://schemas.openxmlformats.org/drawingml/2006/main" xmlns:r="http://schemas.openxmlformats.org/officeDocument/2006/relationships" xmlns:p="http://schemas.openxmlformats.org/presentationml/2006/main">
   <p:cSld>
     <p:spTree>
       <p:nvGrpSpPr>
@@ -3541,9 +4025,10 @@
           <a:fontRef idx="minor"/>
         </p:style>
         <p:txBody>
-          <a:bodyPr lIns="90000" rIns="90000" tIns="45000" bIns="45000" anchor="ctr">
+          <a:bodyPr lIns="90000" tIns="45000" rIns="90000" bIns="45000" anchor="ctr">
             <a:noAutofit/>
           </a:bodyPr>
+          <a:lstStyle/>
           <a:p>
             <a:pPr algn="ctr">
               <a:lnSpc>
@@ -3551,7 +4036,7 @@
               </a:lnSpc>
             </a:pPr>
             <a:r>
-              <a:rPr b="0" lang="pt-BR" sz="1200" spc="-1" strike="noStrike">
+              <a:rPr lang="pt-BR" sz="1200" b="0" strike="noStrike" spc="-1">
                 <a:solidFill>
                   <a:srgbClr val="000000"/>
                 </a:solidFill>
@@ -3560,7 +4045,7 @@
               </a:rPr>
               <a:t>Receber o pagamento em cartão de credito/ débito</a:t>
             </a:r>
-            <a:endParaRPr b="0" lang="pt-BR" sz="1200" spc="-1" strike="noStrike">
+            <a:endParaRPr lang="pt-BR" sz="1200" b="0" strike="noStrike" spc="-1">
               <a:latin typeface="Arial"/>
             </a:endParaRPr>
           </a:p>
@@ -3581,15 +4066,15 @@
             <a:avLst/>
           </a:prstGeom>
           <a:solidFill>
-            <a:srgbClr val="66ffff"/>
+            <a:srgbClr val="66FFFF"/>
           </a:solidFill>
           <a:ln>
             <a:solidFill>
-              <a:srgbClr val="5597d3"/>
+              <a:srgbClr val="5597D3"/>
             </a:solidFill>
           </a:ln>
           <a:effectLst>
-            <a:outerShdw blurRad="40000" dir="5400000" dist="20160" rotWithShape="0">
+            <a:outerShdw blurRad="40000" dist="20160" dir="5400000" rotWithShape="0">
               <a:srgbClr val="000000">
                 <a:alpha val="38000"/>
               </a:srgbClr>
@@ -3609,9 +4094,10 @@
           <a:fontRef idx="minor"/>
         </p:style>
         <p:txBody>
-          <a:bodyPr lIns="90000" rIns="90000" tIns="45000" bIns="45000" anchor="ctr">
+          <a:bodyPr lIns="90000" tIns="45000" rIns="90000" bIns="45000" anchor="ctr">
             <a:noAutofit/>
           </a:bodyPr>
+          <a:lstStyle/>
           <a:p>
             <a:pPr algn="ctr">
               <a:lnSpc>
@@ -3619,7 +4105,7 @@
               </a:lnSpc>
             </a:pPr>
             <a:r>
-              <a:rPr b="0" lang="pt-BR" sz="1200" spc="-1" strike="noStrike">
+              <a:rPr lang="pt-BR" sz="1200" b="0" strike="noStrike" spc="-1">
                 <a:solidFill>
                   <a:srgbClr val="000000"/>
                 </a:solidFill>
@@ -3628,7 +4114,7 @@
               </a:rPr>
               <a:t>Cliente</a:t>
             </a:r>
-            <a:endParaRPr b="0" lang="pt-BR" sz="1200" spc="-1" strike="noStrike">
+            <a:endParaRPr lang="pt-BR" sz="1200" b="0" strike="noStrike" spc="-1">
               <a:latin typeface="Arial"/>
             </a:endParaRPr>
           </a:p>
@@ -3667,9 +4153,10 @@
           <a:fontRef idx="minor"/>
         </p:style>
         <p:txBody>
-          <a:bodyPr lIns="90000" rIns="90000" tIns="45000" bIns="45000" anchor="ctr">
+          <a:bodyPr lIns="90000" tIns="45000" rIns="90000" bIns="45000" anchor="ctr">
             <a:noAutofit/>
           </a:bodyPr>
+          <a:lstStyle/>
           <a:p>
             <a:pPr algn="ctr">
               <a:lnSpc>
@@ -3677,7 +4164,7 @@
               </a:lnSpc>
             </a:pPr>
             <a:r>
-              <a:rPr b="0" lang="pt-BR" sz="1050" spc="-1" strike="noStrike">
+              <a:rPr lang="pt-BR" sz="1050" b="0" strike="noStrike" spc="-1">
                 <a:solidFill>
                   <a:srgbClr val="000000"/>
                 </a:solidFill>
@@ -3686,7 +4173,7 @@
               </a:rPr>
               <a:t>Cliente</a:t>
             </a:r>
-            <a:endParaRPr b="0" lang="pt-BR" sz="1050" spc="-1" strike="noStrike">
+            <a:endParaRPr lang="pt-BR" sz="1050" b="0" strike="noStrike" spc="-1">
               <a:latin typeface="Arial"/>
             </a:endParaRPr>
           </a:p>
@@ -3712,15 +4199,22 @@
           </a:ln>
         </p:spPr>
         <p:style>
-          <a:lnRef idx="0"/>
-          <a:fillRef idx="0"/>
-          <a:effectRef idx="0"/>
+          <a:lnRef idx="0">
+            <a:scrgbClr r="0" g="0" b="0"/>
+          </a:lnRef>
+          <a:fillRef idx="0">
+            <a:scrgbClr r="0" g="0" b="0"/>
+          </a:fillRef>
+          <a:effectRef idx="0">
+            <a:scrgbClr r="0" g="0" b="0"/>
+          </a:effectRef>
           <a:fontRef idx="minor"/>
         </p:style>
         <p:txBody>
-          <a:bodyPr lIns="90000" rIns="90000" tIns="45000" bIns="45000">
+          <a:bodyPr lIns="90000" tIns="45000" rIns="90000" bIns="45000">
             <a:spAutoFit/>
           </a:bodyPr>
+          <a:lstStyle/>
           <a:p>
             <a:pPr>
               <a:lnSpc>
@@ -3728,7 +4222,7 @@
               </a:lnSpc>
             </a:pPr>
             <a:r>
-              <a:rPr b="0" lang="pt-BR" sz="900" spc="-1" strike="noStrike">
+              <a:rPr lang="pt-BR" sz="900" b="0" strike="noStrike" spc="-1">
                 <a:solidFill>
                   <a:srgbClr val="000000"/>
                 </a:solidFill>
@@ -3737,7 +4231,7 @@
               </a:rPr>
               <a:t>cartão de crédito/ débito + senha + detalhes do cliente</a:t>
             </a:r>
-            <a:endParaRPr b="0" lang="pt-BR" sz="900" spc="-1" strike="noStrike">
+            <a:endParaRPr lang="pt-BR" sz="900" b="0" strike="noStrike" spc="-1">
               <a:latin typeface="Arial"/>
             </a:endParaRPr>
           </a:p>
@@ -3763,15 +4257,22 @@
           </a:ln>
         </p:spPr>
         <p:style>
-          <a:lnRef idx="0"/>
-          <a:fillRef idx="0"/>
-          <a:effectRef idx="0"/>
+          <a:lnRef idx="0">
+            <a:scrgbClr r="0" g="0" b="0"/>
+          </a:lnRef>
+          <a:fillRef idx="0">
+            <a:scrgbClr r="0" g="0" b="0"/>
+          </a:fillRef>
+          <a:effectRef idx="0">
+            <a:scrgbClr r="0" g="0" b="0"/>
+          </a:effectRef>
           <a:fontRef idx="minor"/>
         </p:style>
         <p:txBody>
-          <a:bodyPr lIns="90000" rIns="90000" tIns="45000" bIns="45000">
+          <a:bodyPr lIns="90000" tIns="45000" rIns="90000" bIns="45000">
             <a:spAutoFit/>
           </a:bodyPr>
+          <a:lstStyle/>
           <a:p>
             <a:pPr>
               <a:lnSpc>
@@ -3779,7 +4280,7 @@
               </a:lnSpc>
             </a:pPr>
             <a:r>
-              <a:rPr b="0" lang="pt-BR" sz="2000" spc="-1" strike="noStrike">
+              <a:rPr lang="pt-BR" sz="2000" b="0" strike="noStrike" spc="-1">
                 <a:solidFill>
                   <a:srgbClr val="000000"/>
                 </a:solidFill>
@@ -3788,7 +4289,7 @@
               </a:rPr>
               <a:t>Descrição dos Processos de Negócio</a:t>
             </a:r>
-            <a:endParaRPr b="0" lang="pt-BR" sz="2000" spc="-1" strike="noStrike">
+            <a:endParaRPr lang="pt-BR" sz="2000" b="0" strike="noStrike" spc="-1">
               <a:latin typeface="Arial"/>
             </a:endParaRPr>
           </a:p>
@@ -3803,7 +4304,7 @@
         <p:spPr>
           <a:xfrm>
             <a:off x="6648120" y="3976200"/>
-            <a:ext cx="3719880" cy="1599120"/>
+            <a:ext cx="3719880" cy="1475873"/>
           </a:xfrm>
           <a:prstGeom prst="rect">
             <a:avLst/>
@@ -3816,15 +4317,22 @@
           </a:ln>
         </p:spPr>
         <p:style>
-          <a:lnRef idx="0"/>
-          <a:fillRef idx="0"/>
-          <a:effectRef idx="0"/>
+          <a:lnRef idx="0">
+            <a:scrgbClr r="0" g="0" b="0"/>
+          </a:lnRef>
+          <a:fillRef idx="0">
+            <a:scrgbClr r="0" g="0" b="0"/>
+          </a:fillRef>
+          <a:effectRef idx="0">
+            <a:scrgbClr r="0" g="0" b="0"/>
+          </a:effectRef>
           <a:fontRef idx="minor"/>
         </p:style>
         <p:txBody>
-          <a:bodyPr lIns="90000" rIns="90000" tIns="45000" bIns="45000">
+          <a:bodyPr lIns="90000" tIns="45000" rIns="90000" bIns="45000">
             <a:spAutoFit/>
           </a:bodyPr>
+          <a:lstStyle/>
           <a:p>
             <a:pPr>
               <a:lnSpc>
@@ -3832,7 +4340,7 @@
               </a:lnSpc>
             </a:pPr>
             <a:r>
-              <a:rPr b="1" lang="pt-BR" sz="900" spc="-1" strike="noStrike">
+              <a:rPr lang="pt-BR" sz="900" b="1" strike="noStrike" spc="-1" dirty="0">
                 <a:solidFill>
                   <a:srgbClr val="000000"/>
                 </a:solidFill>
@@ -3841,7 +4349,7 @@
               </a:rPr>
               <a:t>Receber o pagamento em cartão de crédito/débito.</a:t>
             </a:r>
-            <a:endParaRPr b="0" lang="pt-BR" sz="900" spc="-1" strike="noStrike">
+            <a:endParaRPr lang="pt-BR" sz="900" b="0" strike="noStrike" spc="-1" dirty="0">
               <a:latin typeface="Arial"/>
             </a:endParaRPr>
           </a:p>
@@ -3852,7 +4360,7 @@
               </a:lnSpc>
             </a:pPr>
             <a:r>
-              <a:rPr b="1" lang="pt-BR" sz="900" spc="-1" strike="noStrike">
+              <a:rPr lang="pt-BR" sz="900" b="1" strike="noStrike" spc="-1" dirty="0">
                 <a:solidFill>
                   <a:srgbClr val="000000"/>
                 </a:solidFill>
@@ -3862,7 +4370,7 @@
               <a:t>Evento:</a:t>
             </a:r>
             <a:r>
-              <a:rPr b="0" lang="pt-BR" sz="900" spc="-1" strike="noStrike">
+              <a:rPr lang="pt-BR" sz="900" b="0" strike="noStrike" spc="-1" dirty="0">
                 <a:solidFill>
                   <a:srgbClr val="000000"/>
                 </a:solidFill>
@@ -3871,7 +4379,7 @@
               </a:rPr>
               <a:t> Cliente efetua o pagamento em cartão de crédito/ débito.</a:t>
             </a:r>
-            <a:endParaRPr b="0" lang="pt-BR" sz="900" spc="-1" strike="noStrike">
+            <a:endParaRPr lang="pt-BR" sz="900" b="0" strike="noStrike" spc="-1" dirty="0">
               <a:latin typeface="Arial"/>
             </a:endParaRPr>
           </a:p>
@@ -3882,7 +4390,7 @@
               </a:lnSpc>
             </a:pPr>
             <a:r>
-              <a:rPr b="1" lang="pt-BR" sz="900" spc="-1" strike="noStrike">
+              <a:rPr lang="pt-BR" sz="900" b="1" strike="noStrike" spc="-1" dirty="0">
                 <a:solidFill>
                   <a:srgbClr val="000000"/>
                 </a:solidFill>
@@ -3892,26 +4400,16 @@
               <a:t>Objetivo: </a:t>
             </a:r>
             <a:r>
-              <a:rPr b="0" lang="pt-BR" sz="900" spc="-1" strike="noStrike">
-                <a:solidFill>
-                  <a:srgbClr val="000000"/>
-                </a:solidFill>
-                <a:latin typeface="Calibri"/>
-                <a:ea typeface="DejaVu Sans"/>
-              </a:rPr>
-              <a:t>Receber o pagamento dos produtos </a:t>
-            </a:r>
-            <a:r>
-              <a:rPr b="0" lang="pt-BR" sz="900" spc="-1" strike="noStrike">
-                <a:solidFill>
-                  <a:srgbClr val="000000"/>
-                </a:solidFill>
-                <a:latin typeface="Calibri"/>
-                <a:ea typeface="DejaVu Sans"/>
-              </a:rPr>
-              <a:t>desejados pelo cliente.</a:t>
-            </a:r>
-            <a:endParaRPr b="0" lang="pt-BR" sz="900" spc="-1" strike="noStrike">
+              <a:rPr lang="pt-BR" sz="900" b="0" strike="noStrike" spc="-1" dirty="0">
+                <a:solidFill>
+                  <a:srgbClr val="000000"/>
+                </a:solidFill>
+                <a:latin typeface="Calibri"/>
+                <a:ea typeface="DejaVu Sans"/>
+              </a:rPr>
+              <a:t>Receber o pagamento dos produtos desejados pelo cliente.</a:t>
+            </a:r>
+            <a:endParaRPr lang="pt-BR" sz="900" b="0" strike="noStrike" spc="-1" dirty="0">
               <a:latin typeface="Arial"/>
             </a:endParaRPr>
           </a:p>
@@ -3922,7 +4420,7 @@
               </a:lnSpc>
             </a:pPr>
             <a:r>
-              <a:rPr b="1" lang="pt-BR" sz="900" spc="-1" strike="noStrike">
+              <a:rPr lang="pt-BR" sz="900" b="1" strike="noStrike" spc="-1" dirty="0">
                 <a:solidFill>
                   <a:srgbClr val="000000"/>
                 </a:solidFill>
@@ -3931,7 +4429,7 @@
               </a:rPr>
               <a:t>Trabalhadores envolvidos:</a:t>
             </a:r>
-            <a:endParaRPr b="0" lang="pt-BR" sz="900" spc="-1" strike="noStrike">
+            <a:endParaRPr lang="pt-BR" sz="900" b="0" strike="noStrike" spc="-1" dirty="0">
               <a:latin typeface="Arial"/>
             </a:endParaRPr>
           </a:p>
@@ -3947,7 +4445,7 @@
               <a:buChar char=""/>
             </a:pPr>
             <a:r>
-              <a:rPr b="0" lang="pt-BR" sz="900" spc="-1" strike="noStrike">
+              <a:rPr lang="pt-BR" sz="900" b="0" strike="noStrike" spc="-1" dirty="0">
                 <a:solidFill>
                   <a:srgbClr val="000000"/>
                 </a:solidFill>
@@ -3956,12 +4454,12 @@
               </a:rPr>
               <a:t>Vendedor.</a:t>
             </a:r>
-            <a:endParaRPr b="0" lang="pt-BR" sz="900" spc="-1" strike="noStrike">
-              <a:latin typeface="Arial"/>
-            </a:endParaRPr>
-          </a:p>
-          <a:p>
-            <a:pPr lvl="1" marL="432000" indent="-215640">
+            <a:endParaRPr lang="pt-BR" sz="900" b="0" strike="noStrike" spc="-1" dirty="0">
+              <a:latin typeface="Arial"/>
+            </a:endParaRPr>
+          </a:p>
+          <a:p>
+            <a:pPr marL="432000" lvl="1" indent="-215640">
               <a:lnSpc>
                 <a:spcPct val="100000"/>
               </a:lnSpc>
@@ -3973,7 +4471,7 @@
               <a:buChar char=""/>
             </a:pPr>
             <a:r>
-              <a:rPr b="0" lang="pt-BR" sz="900" spc="-1" strike="noStrike">
+              <a:rPr lang="pt-BR" sz="900" b="0" strike="noStrike" spc="-1" dirty="0">
                 <a:solidFill>
                   <a:srgbClr val="000000"/>
                 </a:solidFill>
@@ -3982,12 +4480,12 @@
               </a:rPr>
               <a:t>Verifica os detalhes do cliente.</a:t>
             </a:r>
-            <a:endParaRPr b="0" lang="pt-BR" sz="900" spc="-1" strike="noStrike">
-              <a:latin typeface="Arial"/>
-            </a:endParaRPr>
-          </a:p>
-          <a:p>
-            <a:pPr lvl="2" marL="648000" indent="-216000">
+            <a:endParaRPr lang="pt-BR" sz="900" b="0" strike="noStrike" spc="-1" dirty="0">
+              <a:latin typeface="Arial"/>
+            </a:endParaRPr>
+          </a:p>
+          <a:p>
+            <a:pPr marL="648000" lvl="2" indent="-216000">
               <a:lnSpc>
                 <a:spcPct val="100000"/>
               </a:lnSpc>
@@ -3999,7 +4497,7 @@
               <a:buChar char=""/>
             </a:pPr>
             <a:r>
-              <a:rPr b="0" lang="pt-BR" sz="900" spc="-1" strike="noStrike">
+              <a:rPr lang="pt-BR" sz="900" b="0" strike="noStrike" spc="-1" dirty="0">
                 <a:solidFill>
                   <a:srgbClr val="000000"/>
                 </a:solidFill>
@@ -4008,12 +4506,12 @@
               </a:rPr>
               <a:t>Se o cliente não possui cadastro, o vendedor ira cadastra o cliente em cliente.</a:t>
             </a:r>
-            <a:endParaRPr b="0" lang="pt-BR" sz="900" spc="-1" strike="noStrike">
-              <a:latin typeface="Arial"/>
-            </a:endParaRPr>
-          </a:p>
-          <a:p>
-            <a:pPr lvl="1" marL="432000" indent="-215640">
+            <a:endParaRPr lang="pt-BR" sz="900" b="0" strike="noStrike" spc="-1" dirty="0">
+              <a:latin typeface="Arial"/>
+            </a:endParaRPr>
+          </a:p>
+          <a:p>
+            <a:pPr marL="432000" lvl="1" indent="-215640">
               <a:lnSpc>
                 <a:spcPct val="100000"/>
               </a:lnSpc>
@@ -4025,7 +4523,7 @@
               <a:buChar char=""/>
             </a:pPr>
             <a:r>
-              <a:rPr b="0" lang="pt-BR" sz="900" spc="-1" strike="noStrike">
+              <a:rPr lang="pt-BR" sz="900" b="0" strike="noStrike" spc="-1" dirty="0">
                 <a:solidFill>
                   <a:srgbClr val="000000"/>
                 </a:solidFill>
@@ -4034,33 +4532,7 @@
               </a:rPr>
               <a:t>Solicita aprovação de debito a entidade externa provedor do cartão.</a:t>
             </a:r>
-            <a:endParaRPr b="0" lang="pt-BR" sz="900" spc="-1" strike="noStrike">
-              <a:latin typeface="Arial"/>
-            </a:endParaRPr>
-          </a:p>
-          <a:p>
-            <a:pPr lvl="1" marL="432000" indent="-215640">
-              <a:lnSpc>
-                <a:spcPct val="100000"/>
-              </a:lnSpc>
-              <a:buClr>
-                <a:srgbClr val="000000"/>
-              </a:buClr>
-              <a:buSzPct val="45000"/>
-              <a:buFont typeface="Wingdings" charset="2"/>
-              <a:buChar char=""/>
-            </a:pPr>
-            <a:r>
-              <a:rPr b="0" lang="pt-BR" sz="900" spc="-1" strike="noStrike">
-                <a:solidFill>
-                  <a:srgbClr val="000000"/>
-                </a:solidFill>
-                <a:latin typeface="Calibri"/>
-                <a:ea typeface="DejaVu Sans"/>
-              </a:rPr>
-              <a:t>??</a:t>
-            </a:r>
-            <a:endParaRPr b="0" lang="pt-BR" sz="900" spc="-1" strike="noStrike">
+            <a:endParaRPr lang="pt-BR" sz="900" b="0" strike="noStrike" spc="-1" dirty="0">
               <a:latin typeface="Arial"/>
             </a:endParaRPr>
           </a:p>
@@ -4082,10 +4554,10 @@
           </a:prstGeom>
           <a:noFill/>
           <a:ln>
-            <a:tailEnd len="med" type="triangle" w="med"/>
+            <a:tailEnd type="triangle" w="med" len="med"/>
           </a:ln>
           <a:effectLst>
-            <a:outerShdw blurRad="40000" dir="5400000" dist="23040" rotWithShape="0">
+            <a:outerShdw blurRad="40000" dist="23040" dir="5400000" rotWithShape="0">
               <a:srgbClr val="000000">
                 <a:alpha val="35000"/>
               </a:srgbClr>
@@ -4125,9 +4597,15 @@
           </a:ln>
         </p:spPr>
         <p:style>
-          <a:lnRef idx="0"/>
-          <a:fillRef idx="0"/>
-          <a:effectRef idx="0"/>
+          <a:lnRef idx="0">
+            <a:scrgbClr r="0" g="0" b="0"/>
+          </a:lnRef>
+          <a:fillRef idx="0">
+            <a:scrgbClr r="0" g="0" b="0"/>
+          </a:fillRef>
+          <a:effectRef idx="0">
+            <a:scrgbClr r="0" g="0" b="0"/>
+          </a:effectRef>
           <a:fontRef idx="minor"/>
         </p:style>
       </p:sp>
@@ -4164,9 +4642,10 @@
           <a:fontRef idx="minor"/>
         </p:style>
         <p:txBody>
-          <a:bodyPr lIns="90000" rIns="90000" tIns="45000" bIns="45000" anchor="ctr">
+          <a:bodyPr lIns="90000" tIns="45000" rIns="90000" bIns="45000" anchor="ctr">
             <a:noAutofit/>
           </a:bodyPr>
+          <a:lstStyle/>
           <a:p>
             <a:pPr algn="ctr">
               <a:lnSpc>
@@ -4174,7 +4653,7 @@
               </a:lnSpc>
             </a:pPr>
             <a:r>
-              <a:rPr b="0" lang="pt-BR" sz="1050" spc="-1" strike="noStrike">
+              <a:rPr lang="pt-BR" sz="1050" b="0" strike="noStrike" spc="-1">
                 <a:solidFill>
                   <a:srgbClr val="000000"/>
                 </a:solidFill>
@@ -4183,7 +4662,7 @@
               </a:rPr>
               <a:t>Pedido</a:t>
             </a:r>
-            <a:endParaRPr b="0" lang="pt-BR" sz="1050" spc="-1" strike="noStrike">
+            <a:endParaRPr lang="pt-BR" sz="1050" b="0" strike="noStrike" spc="-1">
               <a:latin typeface="Arial"/>
             </a:endParaRPr>
           </a:p>
@@ -4208,9 +4687,9 @@
           </a:prstGeom>
           <a:ln w="0">
             <a:solidFill>
-              <a:srgbClr val="3465a4"/>
+              <a:srgbClr val="3465A4"/>
             </a:solidFill>
-            <a:tailEnd len="med" type="triangle" w="med"/>
+            <a:tailEnd type="triangle" w="med" len="med"/>
           </a:ln>
         </p:spPr>
       </p:cxnSp>
@@ -4232,10 +4711,10 @@
           </a:prstGeom>
           <a:ln w="0">
             <a:solidFill>
-              <a:srgbClr val="3465a4"/>
+              <a:srgbClr val="3465A4"/>
             </a:solidFill>
-            <a:headEnd len="med" type="triangle" w="med"/>
-            <a:tailEnd len="med" type="triangle" w="med"/>
+            <a:headEnd type="triangle" w="med" len="med"/>
+            <a:tailEnd type="triangle" w="med" len="med"/>
           </a:ln>
         </p:spPr>
       </p:cxnSp>
@@ -4257,10 +4736,10 @@
           </a:prstGeom>
           <a:ln w="0">
             <a:solidFill>
-              <a:srgbClr val="3465a4"/>
+              <a:srgbClr val="3465A4"/>
             </a:solidFill>
-            <a:headEnd len="med" type="triangle" w="med"/>
-            <a:tailEnd len="med" type="triangle" w="med"/>
+            <a:headEnd type="triangle" w="med" len="med"/>
+            <a:tailEnd type="triangle" w="med" len="med"/>
           </a:ln>
         </p:spPr>
       </p:cxnSp>
@@ -4279,15 +4758,15 @@
             <a:avLst/>
           </a:prstGeom>
           <a:solidFill>
-            <a:srgbClr val="66ffff"/>
+            <a:srgbClr val="66FFFF"/>
           </a:solidFill>
           <a:ln>
             <a:solidFill>
-              <a:srgbClr val="5597d3"/>
+              <a:srgbClr val="5597D3"/>
             </a:solidFill>
           </a:ln>
           <a:effectLst>
-            <a:outerShdw blurRad="40000" dir="5400000" dist="20160" rotWithShape="0">
+            <a:outerShdw blurRad="40000" dist="20160" dir="5400000" rotWithShape="0">
               <a:srgbClr val="000000">
                 <a:alpha val="38000"/>
               </a:srgbClr>
@@ -4307,9 +4786,10 @@
           <a:fontRef idx="minor"/>
         </p:style>
         <p:txBody>
-          <a:bodyPr lIns="90000" rIns="90000" tIns="45000" bIns="45000" anchor="ctr">
+          <a:bodyPr lIns="90000" tIns="45000" rIns="90000" bIns="45000" anchor="ctr">
             <a:noAutofit/>
           </a:bodyPr>
+          <a:lstStyle/>
           <a:p>
             <a:pPr algn="ctr">
               <a:lnSpc>
@@ -4317,7 +4797,7 @@
               </a:lnSpc>
             </a:pPr>
             <a:r>
-              <a:rPr b="0" lang="pt-BR" sz="1200" spc="-1" strike="noStrike">
+              <a:rPr lang="pt-BR" sz="1200" b="0" strike="noStrike" spc="-1">
                 <a:solidFill>
                   <a:srgbClr val="000000"/>
                 </a:solidFill>
@@ -4326,7 +4806,7 @@
               </a:rPr>
               <a:t>Provedor do cartão</a:t>
             </a:r>
-            <a:endParaRPr b="0" lang="pt-BR" sz="1200" spc="-1" strike="noStrike">
+            <a:endParaRPr lang="pt-BR" sz="1200" b="0" strike="noStrike" spc="-1">
               <a:latin typeface="Arial"/>
             </a:endParaRPr>
           </a:p>
@@ -4352,15 +4832,22 @@
           </a:ln>
         </p:spPr>
         <p:style>
-          <a:lnRef idx="0"/>
-          <a:fillRef idx="0"/>
-          <a:effectRef idx="0"/>
+          <a:lnRef idx="0">
+            <a:scrgbClr r="0" g="0" b="0"/>
+          </a:lnRef>
+          <a:fillRef idx="0">
+            <a:scrgbClr r="0" g="0" b="0"/>
+          </a:fillRef>
+          <a:effectRef idx="0">
+            <a:scrgbClr r="0" g="0" b="0"/>
+          </a:effectRef>
           <a:fontRef idx="minor"/>
         </p:style>
         <p:txBody>
-          <a:bodyPr lIns="90000" rIns="90000" tIns="45000" bIns="45000">
+          <a:bodyPr lIns="90000" tIns="45000" rIns="90000" bIns="45000">
             <a:spAutoFit/>
           </a:bodyPr>
+          <a:lstStyle/>
           <a:p>
             <a:pPr>
               <a:lnSpc>
@@ -4368,7 +4855,7 @@
               </a:lnSpc>
             </a:pPr>
             <a:r>
-              <a:rPr b="0" lang="pt-BR" sz="900" spc="-1" strike="noStrike">
+              <a:rPr lang="pt-BR" sz="900" b="0" strike="noStrike" spc="-1">
                 <a:solidFill>
                   <a:srgbClr val="000000"/>
                 </a:solidFill>
@@ -4377,7 +4864,7 @@
               </a:rPr>
               <a:t>solicitação de débito para a compra</a:t>
             </a:r>
-            <a:endParaRPr b="0" lang="pt-BR" sz="900" spc="-1" strike="noStrike">
+            <a:endParaRPr lang="pt-BR" sz="900" b="0" strike="noStrike" spc="-1">
               <a:latin typeface="Arial"/>
             </a:endParaRPr>
           </a:p>
@@ -4399,33 +4886,34 @@
           </a:prstGeom>
           <a:ln w="0">
             <a:solidFill>
-              <a:srgbClr val="3465a4"/>
+              <a:srgbClr val="3465A4"/>
             </a:solidFill>
-            <a:tailEnd len="med" type="triangle" w="med"/>
+            <a:tailEnd type="triangle" w="med" len="med"/>
           </a:ln>
         </p:spPr>
         <p:style>
-          <a:lnRef idx="0"/>
-          <a:fillRef idx="0"/>
-          <a:effectRef idx="0"/>
+          <a:lnRef idx="0">
+            <a:scrgbClr r="0" g="0" b="0"/>
+          </a:lnRef>
+          <a:fillRef idx="0">
+            <a:scrgbClr r="0" g="0" b="0"/>
+          </a:fillRef>
+          <a:effectRef idx="0">
+            <a:scrgbClr r="0" g="0" b="0"/>
+          </a:effectRef>
           <a:fontRef idx="minor"/>
         </p:style>
       </p:sp>
     </p:spTree>
   </p:cSld>
-  <mc:AlternateContent>
-    <mc:Choice Requires="p14">
-      <p:transition spd="slow" p14:dur="2000"/>
-    </mc:Choice>
-    <mc:Fallback>
-      <p:transition spd="slow"/>
-    </mc:Fallback>
-  </mc:AlternateContent>
+  <p:clrMapOvr>
+    <a:masterClrMapping/>
+  </p:clrMapOvr>
 </p:sld>
 </file>
 
 <file path=ppt/slides/slide4.xml><?xml version="1.0" encoding="utf-8"?>
-<p:sld xmlns:a="http://schemas.openxmlformats.org/drawingml/2006/main" xmlns:p="http://schemas.openxmlformats.org/presentationml/2006/main" xmlns:r="http://schemas.openxmlformats.org/officeDocument/2006/relationships" xmlns:p14="http://schemas.microsoft.com/office/powerpoint/2010/main" xmlns:p15="http://schemas.microsoft.com/office/powerpoint/2012/main" xmlns:mc="http://schemas.openxmlformats.org/markup-compatibility/2006">
+<p:sld xmlns:a="http://schemas.openxmlformats.org/drawingml/2006/main" xmlns:r="http://schemas.openxmlformats.org/officeDocument/2006/relationships" xmlns:p="http://schemas.openxmlformats.org/presentationml/2006/main">
   <p:cSld>
     <p:spTree>
       <p:nvGrpSpPr>
@@ -4456,15 +4944,15 @@
             <a:avLst/>
           </a:prstGeom>
           <a:solidFill>
-            <a:srgbClr val="66ffff"/>
+            <a:srgbClr val="66FFFF"/>
           </a:solidFill>
           <a:ln>
             <a:solidFill>
-              <a:srgbClr val="5597d3"/>
+              <a:srgbClr val="5597D3"/>
             </a:solidFill>
           </a:ln>
           <a:effectLst>
-            <a:outerShdw blurRad="40000" dir="5400000" dist="20160" rotWithShape="0">
+            <a:outerShdw blurRad="40000" dist="20160" dir="5400000" rotWithShape="0">
               <a:srgbClr val="000000">
                 <a:alpha val="38000"/>
               </a:srgbClr>
@@ -4484,9 +4972,10 @@
           <a:fontRef idx="minor"/>
         </p:style>
         <p:txBody>
-          <a:bodyPr lIns="90000" rIns="90000" tIns="45000" bIns="45000" anchor="ctr">
+          <a:bodyPr lIns="90000" tIns="45000" rIns="90000" bIns="45000" anchor="ctr">
             <a:noAutofit/>
           </a:bodyPr>
+          <a:lstStyle/>
           <a:p>
             <a:pPr algn="ctr">
               <a:lnSpc>
@@ -4494,7 +4983,7 @@
               </a:lnSpc>
             </a:pPr>
             <a:r>
-              <a:rPr b="0" lang="pt-BR" sz="1200" spc="-1" strike="noStrike">
+              <a:rPr lang="pt-BR" sz="1200" b="0" strike="noStrike" spc="-1">
                 <a:solidFill>
                   <a:srgbClr val="000000"/>
                 </a:solidFill>
@@ -4503,7 +4992,7 @@
               </a:rPr>
               <a:t>Cliente</a:t>
             </a:r>
-            <a:endParaRPr b="0" lang="pt-BR" sz="1200" spc="-1" strike="noStrike">
+            <a:endParaRPr lang="pt-BR" sz="1200" b="0" strike="noStrike" spc="-1">
               <a:latin typeface="Arial"/>
             </a:endParaRPr>
           </a:p>
@@ -4542,9 +5031,10 @@
           <a:fontRef idx="minor"/>
         </p:style>
         <p:txBody>
-          <a:bodyPr lIns="90000" rIns="90000" tIns="45000" bIns="45000" anchor="ctr">
+          <a:bodyPr lIns="90000" tIns="45000" rIns="90000" bIns="45000" anchor="ctr">
             <a:noAutofit/>
           </a:bodyPr>
+          <a:lstStyle/>
           <a:p>
             <a:pPr algn="ctr">
               <a:lnSpc>
@@ -4552,7 +5042,7 @@
               </a:lnSpc>
             </a:pPr>
             <a:r>
-              <a:rPr b="0" lang="pt-BR" sz="1050" spc="-1" strike="noStrike">
+              <a:rPr lang="pt-BR" sz="1050" b="0" strike="noStrike" spc="-1">
                 <a:solidFill>
                   <a:srgbClr val="000000"/>
                 </a:solidFill>
@@ -4561,7 +5051,7 @@
               </a:rPr>
               <a:t>Cliente</a:t>
             </a:r>
-            <a:endParaRPr b="0" lang="pt-BR" sz="1050" spc="-1" strike="noStrike">
+            <a:endParaRPr lang="pt-BR" sz="1050" b="0" strike="noStrike" spc="-1">
               <a:latin typeface="Arial"/>
             </a:endParaRPr>
           </a:p>
@@ -4587,15 +5077,22 @@
           </a:ln>
         </p:spPr>
         <p:style>
-          <a:lnRef idx="0"/>
-          <a:fillRef idx="0"/>
-          <a:effectRef idx="0"/>
+          <a:lnRef idx="0">
+            <a:scrgbClr r="0" g="0" b="0"/>
+          </a:lnRef>
+          <a:fillRef idx="0">
+            <a:scrgbClr r="0" g="0" b="0"/>
+          </a:fillRef>
+          <a:effectRef idx="0">
+            <a:scrgbClr r="0" g="0" b="0"/>
+          </a:effectRef>
           <a:fontRef idx="minor"/>
         </p:style>
         <p:txBody>
-          <a:bodyPr lIns="90000" rIns="90000" tIns="45000" bIns="45000">
+          <a:bodyPr lIns="90000" tIns="45000" rIns="90000" bIns="45000">
             <a:spAutoFit/>
           </a:bodyPr>
+          <a:lstStyle/>
           <a:p>
             <a:pPr>
               <a:lnSpc>
@@ -4603,7 +5100,7 @@
               </a:lnSpc>
             </a:pPr>
             <a:r>
-              <a:rPr b="0" lang="pt-BR" sz="2000" spc="-1" strike="noStrike">
+              <a:rPr lang="pt-BR" sz="2000" b="0" strike="noStrike" spc="-1">
                 <a:solidFill>
                   <a:srgbClr val="000000"/>
                 </a:solidFill>
@@ -4612,7 +5109,7 @@
               </a:rPr>
               <a:t>Descrição dos Processos de Negócio</a:t>
             </a:r>
-            <a:endParaRPr b="0" lang="pt-BR" sz="2000" spc="-1" strike="noStrike">
+            <a:endParaRPr lang="pt-BR" sz="2000" b="0" strike="noStrike" spc="-1">
               <a:latin typeface="Arial"/>
             </a:endParaRPr>
           </a:p>
@@ -4640,15 +5137,22 @@
           </a:ln>
         </p:spPr>
         <p:style>
-          <a:lnRef idx="0"/>
-          <a:fillRef idx="0"/>
-          <a:effectRef idx="0"/>
+          <a:lnRef idx="0">
+            <a:scrgbClr r="0" g="0" b="0"/>
+          </a:lnRef>
+          <a:fillRef idx="0">
+            <a:scrgbClr r="0" g="0" b="0"/>
+          </a:fillRef>
+          <a:effectRef idx="0">
+            <a:scrgbClr r="0" g="0" b="0"/>
+          </a:effectRef>
           <a:fontRef idx="minor"/>
         </p:style>
         <p:txBody>
-          <a:bodyPr lIns="90000" rIns="90000" tIns="45000" bIns="45000">
+          <a:bodyPr lIns="90000" tIns="45000" rIns="90000" bIns="45000">
             <a:spAutoFit/>
           </a:bodyPr>
+          <a:lstStyle/>
           <a:p>
             <a:pPr>
               <a:lnSpc>
@@ -4656,7 +5160,7 @@
               </a:lnSpc>
             </a:pPr>
             <a:r>
-              <a:rPr b="1" lang="pt-BR" sz="900" spc="-1" strike="noStrike">
+              <a:rPr lang="pt-BR" sz="900" b="1" strike="noStrike" spc="-1" dirty="0">
                 <a:solidFill>
                   <a:srgbClr val="000000"/>
                 </a:solidFill>
@@ -4665,7 +5169,7 @@
               </a:rPr>
               <a:t>Tratar resposta da operação realizada.</a:t>
             </a:r>
-            <a:endParaRPr b="0" lang="pt-BR" sz="900" spc="-1" strike="noStrike">
+            <a:endParaRPr lang="pt-BR" sz="900" b="0" strike="noStrike" spc="-1" dirty="0">
               <a:latin typeface="Arial"/>
             </a:endParaRPr>
           </a:p>
@@ -4676,7 +5180,7 @@
               </a:lnSpc>
             </a:pPr>
             <a:r>
-              <a:rPr b="1" lang="pt-BR" sz="900" spc="-1" strike="noStrike">
+              <a:rPr lang="pt-BR" sz="900" b="1" strike="noStrike" spc="-1" dirty="0">
                 <a:solidFill>
                   <a:srgbClr val="000000"/>
                 </a:solidFill>
@@ -4686,7 +5190,7 @@
               <a:t>Evento:</a:t>
             </a:r>
             <a:r>
-              <a:rPr b="0" lang="pt-BR" sz="900" spc="-1" strike="noStrike">
+              <a:rPr lang="pt-BR" sz="900" b="0" strike="noStrike" spc="-1" dirty="0">
                 <a:solidFill>
                   <a:srgbClr val="000000"/>
                 </a:solidFill>
@@ -4695,7 +5199,7 @@
               </a:rPr>
               <a:t> Provedor do cartão responde a solicitação de crédito/ débito.</a:t>
             </a:r>
-            <a:endParaRPr b="0" lang="pt-BR" sz="900" spc="-1" strike="noStrike">
+            <a:endParaRPr lang="pt-BR" sz="900" b="0" strike="noStrike" spc="-1" dirty="0">
               <a:latin typeface="Arial"/>
             </a:endParaRPr>
           </a:p>
@@ -4706,7 +5210,7 @@
               </a:lnSpc>
             </a:pPr>
             <a:r>
-              <a:rPr b="1" lang="pt-BR" sz="900" spc="-1" strike="noStrike">
+              <a:rPr lang="pt-BR" sz="900" b="1" strike="noStrike" spc="-1" dirty="0">
                 <a:solidFill>
                   <a:srgbClr val="000000"/>
                 </a:solidFill>
@@ -4716,26 +5220,16 @@
               <a:t>Objetivo: </a:t>
             </a:r>
             <a:r>
-              <a:rPr b="0" lang="pt-BR" sz="900" spc="-1" strike="noStrike">
-                <a:solidFill>
-                  <a:srgbClr val="000000"/>
-                </a:solidFill>
-                <a:latin typeface="Calibri"/>
-                <a:ea typeface="DejaVu Sans"/>
-              </a:rPr>
-              <a:t>Receber o pagamento dos produtos </a:t>
-            </a:r>
-            <a:r>
-              <a:rPr b="0" lang="pt-BR" sz="900" spc="-1" strike="noStrike">
-                <a:solidFill>
-                  <a:srgbClr val="000000"/>
-                </a:solidFill>
-                <a:latin typeface="Calibri"/>
-                <a:ea typeface="DejaVu Sans"/>
-              </a:rPr>
-              <a:t>desejados pelo cliente.</a:t>
-            </a:r>
-            <a:endParaRPr b="0" lang="pt-BR" sz="900" spc="-1" strike="noStrike">
+              <a:rPr lang="pt-BR" sz="900" b="0" strike="noStrike" spc="-1" dirty="0">
+                <a:solidFill>
+                  <a:srgbClr val="000000"/>
+                </a:solidFill>
+                <a:latin typeface="Calibri"/>
+                <a:ea typeface="DejaVu Sans"/>
+              </a:rPr>
+              <a:t>Receber o pagamento dos produtos desejados pelo cliente.</a:t>
+            </a:r>
+            <a:endParaRPr lang="pt-BR" sz="900" b="0" strike="noStrike" spc="-1" dirty="0">
               <a:latin typeface="Arial"/>
             </a:endParaRPr>
           </a:p>
@@ -4746,7 +5240,7 @@
               </a:lnSpc>
             </a:pPr>
             <a:r>
-              <a:rPr b="1" lang="pt-BR" sz="900" spc="-1" strike="noStrike">
+              <a:rPr lang="pt-BR" sz="900" b="1" strike="noStrike" spc="-1" dirty="0">
                 <a:solidFill>
                   <a:srgbClr val="000000"/>
                 </a:solidFill>
@@ -4755,7 +5249,7 @@
               </a:rPr>
               <a:t>Trabalhadores envolvidos:</a:t>
             </a:r>
-            <a:endParaRPr b="0" lang="pt-BR" sz="900" spc="-1" strike="noStrike">
+            <a:endParaRPr lang="pt-BR" sz="900" b="0" strike="noStrike" spc="-1" dirty="0">
               <a:latin typeface="Arial"/>
             </a:endParaRPr>
           </a:p>
@@ -4771,7 +5265,7 @@
               <a:buChar char=""/>
             </a:pPr>
             <a:r>
-              <a:rPr b="0" lang="pt-BR" sz="900" spc="-1" strike="noStrike">
+              <a:rPr lang="pt-BR" sz="900" b="0" strike="noStrike" spc="-1" dirty="0">
                 <a:solidFill>
                   <a:srgbClr val="000000"/>
                 </a:solidFill>
@@ -4780,12 +5274,12 @@
               </a:rPr>
               <a:t>Vendedor.</a:t>
             </a:r>
-            <a:endParaRPr b="0" lang="pt-BR" sz="900" spc="-1" strike="noStrike">
-              <a:latin typeface="Arial"/>
-            </a:endParaRPr>
-          </a:p>
-          <a:p>
-            <a:pPr lvl="1" marL="432000" indent="-215640">
+            <a:endParaRPr lang="pt-BR" sz="900" b="0" strike="noStrike" spc="-1" dirty="0">
+              <a:latin typeface="Arial"/>
+            </a:endParaRPr>
+          </a:p>
+          <a:p>
+            <a:pPr marL="432000" lvl="1" indent="-215640">
               <a:lnSpc>
                 <a:spcPct val="100000"/>
               </a:lnSpc>
@@ -4797,7 +5291,7 @@
               <a:buChar char=""/>
             </a:pPr>
             <a:r>
-              <a:rPr b="0" lang="pt-BR" sz="900" spc="-1" strike="noStrike">
+              <a:rPr lang="pt-BR" sz="900" b="0" strike="noStrike" spc="-1" dirty="0">
                 <a:solidFill>
                   <a:srgbClr val="000000"/>
                 </a:solidFill>
@@ -4806,12 +5300,12 @@
               </a:rPr>
               <a:t>Verifica os detalhes do cliente.</a:t>
             </a:r>
-            <a:endParaRPr b="0" lang="pt-BR" sz="900" spc="-1" strike="noStrike">
-              <a:latin typeface="Arial"/>
-            </a:endParaRPr>
-          </a:p>
-          <a:p>
-            <a:pPr lvl="2" marL="648000" indent="-216000">
+            <a:endParaRPr lang="pt-BR" sz="900" b="0" strike="noStrike" spc="-1" dirty="0">
+              <a:latin typeface="Arial"/>
+            </a:endParaRPr>
+          </a:p>
+          <a:p>
+            <a:pPr marL="648000" lvl="2" indent="-216000">
               <a:lnSpc>
                 <a:spcPct val="100000"/>
               </a:lnSpc>
@@ -4823,31 +5317,21 @@
               <a:buChar char=""/>
             </a:pPr>
             <a:r>
-              <a:rPr b="0" lang="pt-BR" sz="900" spc="-1" strike="noStrike">
-                <a:solidFill>
-                  <a:srgbClr val="000000"/>
-                </a:solidFill>
-                <a:latin typeface="Calibri"/>
-                <a:ea typeface="DejaVu Sans"/>
-              </a:rPr>
-              <a:t>Se não aprovado</a:t>
-            </a:r>
-            <a:r>
-              <a:rPr b="0" lang="pt-BR" sz="900" spc="-1" strike="noStrike">
-                <a:solidFill>
-                  <a:srgbClr val="000000"/>
-                </a:solidFill>
-                <a:latin typeface="Calibri"/>
-                <a:ea typeface="DejaVu Sans"/>
-              </a:rPr>
-              <a:t> o vendedor informa ao cliente que o pedido foi recusado.</a:t>
-            </a:r>
-            <a:endParaRPr b="0" lang="pt-BR" sz="900" spc="-1" strike="noStrike">
-              <a:latin typeface="Arial"/>
-            </a:endParaRPr>
-          </a:p>
-          <a:p>
-            <a:pPr lvl="1" marL="432000" indent="-215640">
+              <a:rPr lang="pt-BR" sz="900" b="0" strike="noStrike" spc="-1" dirty="0">
+                <a:solidFill>
+                  <a:srgbClr val="000000"/>
+                </a:solidFill>
+                <a:latin typeface="Calibri"/>
+                <a:ea typeface="DejaVu Sans"/>
+              </a:rPr>
+              <a:t>Se não aprovado o vendedor informa ao cliente que o pedido foi recusado.</a:t>
+            </a:r>
+            <a:endParaRPr lang="pt-BR" sz="900" b="0" strike="noStrike" spc="-1" dirty="0">
+              <a:latin typeface="Arial"/>
+            </a:endParaRPr>
+          </a:p>
+          <a:p>
+            <a:pPr marL="432000" lvl="1" indent="-215640">
               <a:lnSpc>
                 <a:spcPct val="100000"/>
               </a:lnSpc>
@@ -4859,7 +5343,7 @@
               <a:buChar char=""/>
             </a:pPr>
             <a:r>
-              <a:rPr b="0" lang="pt-BR" sz="900" spc="-1" strike="noStrike">
+              <a:rPr lang="pt-BR" sz="900" b="0" strike="noStrike" spc="-1" dirty="0">
                 <a:solidFill>
                   <a:srgbClr val="000000"/>
                 </a:solidFill>
@@ -4868,12 +5352,12 @@
               </a:rPr>
               <a:t>Guarda os produtos escolhidos com o valor recebido.</a:t>
             </a:r>
-            <a:endParaRPr b="0" lang="pt-BR" sz="900" spc="-1" strike="noStrike">
-              <a:latin typeface="Arial"/>
-            </a:endParaRPr>
-          </a:p>
-          <a:p>
-            <a:pPr lvl="1" marL="432000" indent="-215640">
+            <a:endParaRPr lang="pt-BR" sz="900" b="0" strike="noStrike" spc="-1" dirty="0">
+              <a:latin typeface="Arial"/>
+            </a:endParaRPr>
+          </a:p>
+          <a:p>
+            <a:pPr marL="432000" lvl="1" indent="-215640">
               <a:lnSpc>
                 <a:spcPct val="100000"/>
               </a:lnSpc>
@@ -4885,16 +5369,16 @@
               <a:buChar char=""/>
             </a:pPr>
             <a:r>
-              <a:rPr b="0" lang="pt-BR" sz="900" spc="-1" strike="noStrike">
-                <a:solidFill>
-                  <a:srgbClr val="000000"/>
-                </a:solidFill>
-                <a:latin typeface="Calibri"/>
-                <a:ea typeface="DejaVu Sans"/>
-              </a:rPr>
-              <a:t>Entrega os produtos, nota fiscal e recibo (se houver) ao cliente</a:t>
-            </a:r>
-            <a:endParaRPr b="0" lang="pt-BR" sz="900" spc="-1" strike="noStrike">
+              <a:rPr lang="pt-BR" sz="900" b="0" strike="noStrike" spc="-1" dirty="0">
+                <a:solidFill>
+                  <a:srgbClr val="000000"/>
+                </a:solidFill>
+                <a:latin typeface="Calibri"/>
+                <a:ea typeface="DejaVu Sans"/>
+              </a:rPr>
+              <a:t>Entrega os produtos, nota fiscal e recibo (se houver) ao cliente.</a:t>
+            </a:r>
+            <a:endParaRPr lang="pt-BR" sz="900" b="0" strike="noStrike" spc="-1" dirty="0">
               <a:latin typeface="Arial"/>
             </a:endParaRPr>
           </a:p>
@@ -4916,10 +5400,10 @@
           </a:prstGeom>
           <a:noFill/>
           <a:ln>
-            <a:tailEnd len="med" type="triangle" w="med"/>
+            <a:tailEnd type="triangle" w="med" len="med"/>
           </a:ln>
           <a:effectLst>
-            <a:outerShdw blurRad="40000" dir="5400000" dist="23040" rotWithShape="0">
+            <a:outerShdw blurRad="40000" dist="23040" dir="5400000" rotWithShape="0">
               <a:srgbClr val="000000">
                 <a:alpha val="35000"/>
               </a:srgbClr>
@@ -4959,9 +5443,15 @@
           </a:ln>
         </p:spPr>
         <p:style>
-          <a:lnRef idx="0"/>
-          <a:fillRef idx="0"/>
-          <a:effectRef idx="0"/>
+          <a:lnRef idx="0">
+            <a:scrgbClr r="0" g="0" b="0"/>
+          </a:lnRef>
+          <a:fillRef idx="0">
+            <a:scrgbClr r="0" g="0" b="0"/>
+          </a:fillRef>
+          <a:effectRef idx="0">
+            <a:scrgbClr r="0" g="0" b="0"/>
+          </a:effectRef>
           <a:fontRef idx="minor"/>
         </p:style>
       </p:sp>
@@ -4998,9 +5488,10 @@
           <a:fontRef idx="minor"/>
         </p:style>
         <p:txBody>
-          <a:bodyPr lIns="90000" rIns="90000" tIns="45000" bIns="45000" anchor="ctr">
+          <a:bodyPr lIns="90000" tIns="45000" rIns="90000" bIns="45000" anchor="ctr">
             <a:noAutofit/>
           </a:bodyPr>
+          <a:lstStyle/>
           <a:p>
             <a:pPr algn="ctr">
               <a:lnSpc>
@@ -5008,7 +5499,7 @@
               </a:lnSpc>
             </a:pPr>
             <a:r>
-              <a:rPr b="0" lang="pt-BR" sz="1050" spc="-1" strike="noStrike">
+              <a:rPr lang="pt-BR" sz="1050" b="0" strike="noStrike" spc="-1">
                 <a:solidFill>
                   <a:srgbClr val="000000"/>
                 </a:solidFill>
@@ -5017,7 +5508,7 @@
               </a:rPr>
               <a:t>Pedido</a:t>
             </a:r>
-            <a:endParaRPr b="0" lang="pt-BR" sz="1050" spc="-1" strike="noStrike">
+            <a:endParaRPr lang="pt-BR" sz="1050" b="0" strike="noStrike" spc="-1">
               <a:latin typeface="Arial"/>
             </a:endParaRPr>
           </a:p>
@@ -5056,9 +5547,10 @@
           <a:fontRef idx="minor"/>
         </p:style>
         <p:txBody>
-          <a:bodyPr lIns="90000" rIns="90000" tIns="45000" bIns="45000" anchor="ctr">
+          <a:bodyPr lIns="90000" tIns="45000" rIns="90000" bIns="45000" anchor="ctr">
             <a:noAutofit/>
           </a:bodyPr>
+          <a:lstStyle/>
           <a:p>
             <a:pPr algn="ctr">
               <a:lnSpc>
@@ -5066,7 +5558,7 @@
               </a:lnSpc>
             </a:pPr>
             <a:r>
-              <a:rPr b="0" lang="pt-BR" sz="1050" spc="-1" strike="noStrike">
+              <a:rPr lang="pt-BR" sz="1050" b="0" strike="noStrike" spc="-1">
                 <a:solidFill>
                   <a:srgbClr val="000000"/>
                 </a:solidFill>
@@ -5075,7 +5567,7 @@
               </a:rPr>
               <a:t>Produto</a:t>
             </a:r>
-            <a:endParaRPr b="0" lang="pt-BR" sz="1050" spc="-1" strike="noStrike">
+            <a:endParaRPr lang="pt-BR" sz="1050" b="0" strike="noStrike" spc="-1">
               <a:latin typeface="Arial"/>
             </a:endParaRPr>
           </a:p>
@@ -5099,10 +5591,10 @@
           </a:prstGeom>
           <a:ln w="0">
             <a:solidFill>
-              <a:srgbClr val="3465a4"/>
+              <a:srgbClr val="3465A4"/>
             </a:solidFill>
-            <a:headEnd len="med" type="triangle" w="med"/>
-            <a:tailEnd len="med" type="triangle" w="med"/>
+            <a:headEnd type="triangle" w="med" len="med"/>
+            <a:tailEnd type="triangle" w="med" len="med"/>
           </a:ln>
         </p:spPr>
       </p:cxnSp>
@@ -5121,15 +5613,15 @@
             <a:avLst/>
           </a:prstGeom>
           <a:solidFill>
-            <a:srgbClr val="66ffff"/>
+            <a:srgbClr val="66FFFF"/>
           </a:solidFill>
           <a:ln>
             <a:solidFill>
-              <a:srgbClr val="5597d3"/>
+              <a:srgbClr val="5597D3"/>
             </a:solidFill>
           </a:ln>
           <a:effectLst>
-            <a:outerShdw blurRad="40000" dir="5400000" dist="20160" rotWithShape="0">
+            <a:outerShdw blurRad="40000" dist="20160" dir="5400000" rotWithShape="0">
               <a:srgbClr val="000000">
                 <a:alpha val="38000"/>
               </a:srgbClr>
@@ -5149,9 +5641,10 @@
           <a:fontRef idx="minor"/>
         </p:style>
         <p:txBody>
-          <a:bodyPr lIns="90000" rIns="90000" tIns="45000" bIns="45000" anchor="ctr">
+          <a:bodyPr lIns="90000" tIns="45000" rIns="90000" bIns="45000" anchor="ctr">
             <a:noAutofit/>
           </a:bodyPr>
+          <a:lstStyle/>
           <a:p>
             <a:pPr algn="ctr">
               <a:lnSpc>
@@ -5159,7 +5652,7 @@
               </a:lnSpc>
             </a:pPr>
             <a:r>
-              <a:rPr b="0" lang="pt-BR" sz="1200" spc="-1" strike="noStrike">
+              <a:rPr lang="pt-BR" sz="1200" b="0" strike="noStrike" spc="-1">
                 <a:solidFill>
                   <a:srgbClr val="000000"/>
                 </a:solidFill>
@@ -5168,7 +5661,7 @@
               </a:rPr>
               <a:t>Provedor do cartão</a:t>
             </a:r>
-            <a:endParaRPr b="0" lang="pt-BR" sz="1200" spc="-1" strike="noStrike">
+            <a:endParaRPr lang="pt-BR" sz="1200" b="0" strike="noStrike" spc="-1">
               <a:latin typeface="Arial"/>
             </a:endParaRPr>
           </a:p>
@@ -5205,9 +5698,10 @@
           <a:fontRef idx="minor"/>
         </p:style>
         <p:txBody>
-          <a:bodyPr lIns="90000" rIns="90000" tIns="45000" bIns="45000" anchor="ctr">
+          <a:bodyPr lIns="90000" tIns="45000" rIns="90000" bIns="45000" anchor="ctr">
             <a:noAutofit/>
           </a:bodyPr>
+          <a:lstStyle/>
           <a:p>
             <a:pPr algn="ctr">
               <a:lnSpc>
@@ -5215,7 +5709,7 @@
               </a:lnSpc>
             </a:pPr>
             <a:r>
-              <a:rPr b="0" lang="pt-BR" sz="1200" spc="-1" strike="noStrike">
+              <a:rPr lang="pt-BR" sz="1200" b="0" strike="noStrike" spc="-1">
                 <a:solidFill>
                   <a:srgbClr val="000000"/>
                 </a:solidFill>
@@ -5224,7 +5718,7 @@
               </a:rPr>
               <a:t>Tratar resposta da operação realizada</a:t>
             </a:r>
-            <a:endParaRPr b="0" lang="pt-BR" sz="1200" spc="-1" strike="noStrike">
+            <a:endParaRPr lang="pt-BR" sz="1200" b="0" strike="noStrike" spc="-1">
               <a:latin typeface="Arial"/>
             </a:endParaRPr>
           </a:p>
@@ -5263,9 +5757,10 @@
           <a:fontRef idx="minor"/>
         </p:style>
         <p:txBody>
-          <a:bodyPr lIns="90000" rIns="90000" tIns="45000" bIns="45000" anchor="ctr">
+          <a:bodyPr lIns="90000" tIns="45000" rIns="90000" bIns="45000" anchor="ctr">
             <a:noAutofit/>
           </a:bodyPr>
+          <a:lstStyle/>
           <a:p>
             <a:pPr algn="ctr">
               <a:lnSpc>
@@ -5273,7 +5768,7 @@
               </a:lnSpc>
             </a:pPr>
             <a:r>
-              <a:rPr b="0" lang="pt-BR" sz="1050" spc="-1" strike="noStrike">
+              <a:rPr lang="pt-BR" sz="1050" b="0" strike="noStrike" spc="-1">
                 <a:solidFill>
                   <a:srgbClr val="000000"/>
                 </a:solidFill>
@@ -5282,7 +5777,7 @@
               </a:rPr>
               <a:t>Comprovante da Venda</a:t>
             </a:r>
-            <a:endParaRPr b="0" lang="pt-BR" sz="1050" spc="-1" strike="noStrike">
+            <a:endParaRPr lang="pt-BR" sz="1050" b="0" strike="noStrike" spc="-1">
               <a:latin typeface="Arial"/>
             </a:endParaRPr>
           </a:p>
@@ -5304,15 +5799,21 @@
           </a:prstGeom>
           <a:ln w="0">
             <a:solidFill>
-              <a:srgbClr val="3465a4"/>
+              <a:srgbClr val="3465A4"/>
             </a:solidFill>
-            <a:tailEnd len="med" type="triangle" w="med"/>
+            <a:tailEnd type="triangle" w="med" len="med"/>
           </a:ln>
         </p:spPr>
         <p:style>
-          <a:lnRef idx="0"/>
-          <a:fillRef idx="0"/>
-          <a:effectRef idx="0"/>
+          <a:lnRef idx="0">
+            <a:scrgbClr r="0" g="0" b="0"/>
+          </a:lnRef>
+          <a:fillRef idx="0">
+            <a:scrgbClr r="0" g="0" b="0"/>
+          </a:fillRef>
+          <a:effectRef idx="0">
+            <a:scrgbClr r="0" g="0" b="0"/>
+          </a:effectRef>
           <a:fontRef idx="minor"/>
         </p:style>
       </p:sp>
@@ -5336,15 +5837,22 @@
           </a:ln>
         </p:spPr>
         <p:style>
-          <a:lnRef idx="0"/>
-          <a:fillRef idx="0"/>
-          <a:effectRef idx="0"/>
+          <a:lnRef idx="0">
+            <a:scrgbClr r="0" g="0" b="0"/>
+          </a:lnRef>
+          <a:fillRef idx="0">
+            <a:scrgbClr r="0" g="0" b="0"/>
+          </a:fillRef>
+          <a:effectRef idx="0">
+            <a:scrgbClr r="0" g="0" b="0"/>
+          </a:effectRef>
           <a:fontRef idx="minor"/>
         </p:style>
         <p:txBody>
-          <a:bodyPr lIns="90000" rIns="90000" tIns="45000" bIns="45000">
+          <a:bodyPr lIns="90000" tIns="45000" rIns="90000" bIns="45000">
             <a:spAutoFit/>
           </a:bodyPr>
+          <a:lstStyle/>
           <a:p>
             <a:pPr>
               <a:lnSpc>
@@ -5352,7 +5860,7 @@
               </a:lnSpc>
             </a:pPr>
             <a:r>
-              <a:rPr b="0" lang="pt-BR" sz="900" spc="-1" strike="noStrike">
+              <a:rPr lang="pt-BR" sz="900" b="0" strike="noStrike" spc="-1">
                 <a:solidFill>
                   <a:srgbClr val="000000"/>
                 </a:solidFill>
@@ -5361,7 +5869,7 @@
               </a:rPr>
               <a:t>resposta do pagamento</a:t>
             </a:r>
-            <a:endParaRPr b="0" lang="pt-BR" sz="900" spc="-1" strike="noStrike">
+            <a:endParaRPr lang="pt-BR" sz="900" b="0" strike="noStrike" spc="-1">
               <a:latin typeface="Arial"/>
             </a:endParaRPr>
           </a:p>
@@ -5383,15 +5891,21 @@
           </a:prstGeom>
           <a:ln w="0">
             <a:solidFill>
-              <a:srgbClr val="3465a4"/>
+              <a:srgbClr val="3465A4"/>
             </a:solidFill>
-            <a:tailEnd len="med" type="triangle" w="med"/>
+            <a:tailEnd type="triangle" w="med" len="med"/>
           </a:ln>
         </p:spPr>
         <p:style>
-          <a:lnRef idx="0"/>
-          <a:fillRef idx="0"/>
-          <a:effectRef idx="0"/>
+          <a:lnRef idx="0">
+            <a:scrgbClr r="0" g="0" b="0"/>
+          </a:lnRef>
+          <a:fillRef idx="0">
+            <a:scrgbClr r="0" g="0" b="0"/>
+          </a:fillRef>
+          <a:effectRef idx="0">
+            <a:scrgbClr r="0" g="0" b="0"/>
+          </a:effectRef>
           <a:fontRef idx="minor"/>
         </p:style>
       </p:sp>
@@ -5411,15 +5925,21 @@
           </a:prstGeom>
           <a:ln w="0">
             <a:solidFill>
-              <a:srgbClr val="3465a4"/>
+              <a:srgbClr val="3465A4"/>
             </a:solidFill>
-            <a:tailEnd len="med" type="triangle" w="med"/>
+            <a:tailEnd type="triangle" w="med" len="med"/>
           </a:ln>
         </p:spPr>
         <p:style>
-          <a:lnRef idx="0"/>
-          <a:fillRef idx="0"/>
-          <a:effectRef idx="0"/>
+          <a:lnRef idx="0">
+            <a:scrgbClr r="0" g="0" b="0"/>
+          </a:lnRef>
+          <a:fillRef idx="0">
+            <a:scrgbClr r="0" g="0" b="0"/>
+          </a:fillRef>
+          <a:effectRef idx="0">
+            <a:scrgbClr r="0" g="0" b="0"/>
+          </a:effectRef>
           <a:fontRef idx="minor"/>
         </p:style>
       </p:sp>
@@ -5441,10 +5961,10 @@
           </a:prstGeom>
           <a:ln w="0">
             <a:solidFill>
-              <a:srgbClr val="3465a4"/>
+              <a:srgbClr val="3465A4"/>
             </a:solidFill>
-            <a:headEnd len="med" type="triangle" w="med"/>
-            <a:tailEnd len="med" type="triangle" w="med"/>
+            <a:headEnd type="triangle" w="med" len="med"/>
+            <a:tailEnd type="triangle" w="med" len="med"/>
           </a:ln>
         </p:spPr>
       </p:cxnSp>
@@ -5467,9 +5987,9 @@
           </a:prstGeom>
           <a:ln w="0">
             <a:solidFill>
-              <a:srgbClr val="3465a4"/>
+              <a:srgbClr val="3465A4"/>
             </a:solidFill>
-            <a:tailEnd len="med" type="triangle" w="med"/>
+            <a:tailEnd type="triangle" w="med" len="med"/>
           </a:ln>
         </p:spPr>
       </p:cxnSp>
@@ -5493,15 +6013,22 @@
           </a:ln>
         </p:spPr>
         <p:style>
-          <a:lnRef idx="0"/>
-          <a:fillRef idx="0"/>
-          <a:effectRef idx="0"/>
+          <a:lnRef idx="0">
+            <a:scrgbClr r="0" g="0" b="0"/>
+          </a:lnRef>
+          <a:fillRef idx="0">
+            <a:scrgbClr r="0" g="0" b="0"/>
+          </a:fillRef>
+          <a:effectRef idx="0">
+            <a:scrgbClr r="0" g="0" b="0"/>
+          </a:effectRef>
           <a:fontRef idx="minor"/>
         </p:style>
         <p:txBody>
-          <a:bodyPr lIns="90000" rIns="90000" tIns="45000" bIns="45000">
+          <a:bodyPr lIns="90000" tIns="45000" rIns="90000" bIns="45000">
             <a:spAutoFit/>
           </a:bodyPr>
+          <a:lstStyle/>
           <a:p>
             <a:pPr>
               <a:lnSpc>
@@ -5509,7 +6036,7 @@
               </a:lnSpc>
             </a:pPr>
             <a:r>
-              <a:rPr b="0" lang="pt-BR" sz="900" spc="-1" strike="noStrike">
+              <a:rPr lang="pt-BR" sz="900" b="0" strike="noStrike" spc="-1">
                 <a:solidFill>
                   <a:srgbClr val="000000"/>
                 </a:solidFill>
@@ -5518,7 +6045,7 @@
               </a:rPr>
               <a:t>transação aceita + produtos + NF + (recibo) | transação recusada</a:t>
             </a:r>
-            <a:endParaRPr b="0" lang="pt-BR" sz="900" spc="-1" strike="noStrike">
+            <a:endParaRPr lang="pt-BR" sz="900" b="0" strike="noStrike" spc="-1">
               <a:latin typeface="Arial"/>
             </a:endParaRPr>
           </a:p>
@@ -5526,14 +6053,9 @@
       </p:sp>
     </p:spTree>
   </p:cSld>
-  <mc:AlternateContent>
-    <mc:Choice Requires="p14">
-      <p:transition spd="slow" p14:dur="2000"/>
-    </mc:Choice>
-    <mc:Fallback>
-      <p:transition spd="slow"/>
-    </mc:Fallback>
-  </mc:AlternateContent>
+  <p:clrMapOvr>
+    <a:masterClrMapping/>
+  </p:clrMapOvr>
 </p:sld>
 </file>
 
@@ -5548,34 +6070,34 @@
         <a:sysClr val="window" lastClr="FFFFFF"/>
       </a:lt1>
       <a:dk2>
-        <a:srgbClr val="44546a"/>
+        <a:srgbClr val="44546A"/>
       </a:dk2>
       <a:lt2>
-        <a:srgbClr val="e7e6e6"/>
+        <a:srgbClr val="E7E6E6"/>
       </a:lt2>
       <a:accent1>
-        <a:srgbClr val="4472c4"/>
+        <a:srgbClr val="4472C4"/>
       </a:accent1>
       <a:accent2>
-        <a:srgbClr val="ed7d31"/>
+        <a:srgbClr val="ED7D31"/>
       </a:accent2>
       <a:accent3>
-        <a:srgbClr val="a5a5a5"/>
+        <a:srgbClr val="A5A5A5"/>
       </a:accent3>
       <a:accent4>
-        <a:srgbClr val="ffc000"/>
+        <a:srgbClr val="FFC000"/>
       </a:accent4>
       <a:accent5>
-        <a:srgbClr val="5b9bd5"/>
+        <a:srgbClr val="5B9BD5"/>
       </a:accent5>
       <a:accent6>
-        <a:srgbClr val="70ad47"/>
+        <a:srgbClr val="70AD47"/>
       </a:accent6>
       <a:hlink>
-        <a:srgbClr val="0563c1"/>
+        <a:srgbClr val="0563C1"/>
       </a:hlink>
       <a:folHlink>
-        <a:srgbClr val="954f72"/>
+        <a:srgbClr val="954F72"/>
       </a:folHlink>
     </a:clrScheme>
     <a:fontScheme name="Office">
@@ -5760,5 +6282,7 @@
       </a:bgFillStyleLst>
     </a:fmtScheme>
   </a:themeElements>
+  <a:objectDefaults/>
+  <a:extraClrSchemeLst/>
 </a:theme>
 </file>
--- a/18. Descrição dos Processos de Negócio.pptx
+++ b/18. Descrição dos Processos de Negócio.pptx
@@ -107,6 +107,11 @@
       </a:defRPr>
     </a:lvl9pPr>
   </p:defaultTextStyle>
+  <p:extLst>
+    <p:ext uri="{EFAFB233-063F-42B5-8137-9DF3F51BA10A}">
+      <p15:sldGuideLst xmlns:p15="http://schemas.microsoft.com/office/powerpoint/2012/main"/>
+    </p:ext>
+  </p:extLst>
 </p:presentation>
 </file>
 
@@ -3511,7 +3516,7 @@
                 <a:latin typeface="Calibri"/>
                 <a:ea typeface="DejaVu Sans"/>
               </a:rPr>
-              <a:t>Se o cliente não possui cadastro, o vendedor ira cadastra o cliente em cliente.</a:t>
+              <a:t>Se o cliente não possui cadastro, o vendedor ira cadastrar o cliente no deposito de dados “cliente”.</a:t>
             </a:r>
             <a:endParaRPr lang="pt-BR" sz="900" b="0" strike="noStrike" spc="-1" dirty="0">
               <a:latin typeface="Arial"/>
@@ -4504,7 +4509,7 @@
                 <a:latin typeface="Calibri"/>
                 <a:ea typeface="DejaVu Sans"/>
               </a:rPr>
-              <a:t>Se o cliente não possui cadastro, o vendedor ira cadastra o cliente em cliente.</a:t>
+              <a:t>Se o cliente não possui cadastro, o vendedor irá cadastrar o cliente no deposito de dados “cliente”.</a:t>
             </a:r>
             <a:endParaRPr lang="pt-BR" sz="900" b="0" strike="noStrike" spc="-1" dirty="0">
               <a:latin typeface="Arial"/>

--- a/18. Descrição dos Processos de Negócio.pptx
+++ b/18. Descrição dos Processos de Negócio.pptx
@@ -2542,7 +2542,7 @@
               </a:lnSpc>
             </a:pPr>
             <a:r>
-              <a:rPr lang="pt-BR" sz="2000" b="0" strike="noStrike" spc="-1">
+              <a:rPr lang="pt-BR" sz="2000" b="0" strike="noStrike" spc="-1" dirty="0">
                 <a:solidFill>
                   <a:srgbClr val="000000"/>
                 </a:solidFill>
@@ -2551,7 +2551,7 @@
               </a:rPr>
               <a:t>Descrição dos Processos de Negócio</a:t>
             </a:r>
-            <a:endParaRPr lang="pt-BR" sz="2000" b="0" strike="noStrike" spc="-1">
+            <a:endParaRPr lang="pt-BR" sz="2000" b="0" strike="noStrike" spc="-1" dirty="0">
               <a:latin typeface="Arial"/>
             </a:endParaRPr>
           </a:p>
@@ -3264,7 +3264,7 @@
         <p:spPr>
           <a:xfrm>
             <a:off x="6000120" y="3976200"/>
-            <a:ext cx="3719880" cy="1891372"/>
+            <a:ext cx="3719880" cy="1752872"/>
           </a:xfrm>
           <a:prstGeom prst="rect">
             <a:avLst/>
@@ -3413,32 +3413,6 @@
                 <a:ea typeface="DejaVu Sans"/>
               </a:rPr>
               <a:t>Vendedor.</a:t>
-            </a:r>
-            <a:endParaRPr lang="pt-BR" sz="900" b="0" strike="noStrike" spc="-1" dirty="0">
-              <a:latin typeface="Arial"/>
-            </a:endParaRPr>
-          </a:p>
-          <a:p>
-            <a:pPr marL="432000" lvl="1" indent="-215640">
-              <a:lnSpc>
-                <a:spcPct val="100000"/>
-              </a:lnSpc>
-              <a:buClr>
-                <a:srgbClr val="000000"/>
-              </a:buClr>
-              <a:buSzPct val="45000"/>
-              <a:buFont typeface="Wingdings" charset="2"/>
-              <a:buChar char=""/>
-            </a:pPr>
-            <a:r>
-              <a:rPr lang="pt-BR" sz="900" b="0" strike="noStrike" spc="-1" dirty="0">
-                <a:solidFill>
-                  <a:srgbClr val="000000"/>
-                </a:solidFill>
-                <a:latin typeface="Calibri"/>
-                <a:ea typeface="DejaVu Sans"/>
-              </a:rPr>
-              <a:t>Verifica a disponibilidade do produtos.</a:t>
             </a:r>
             <a:endParaRPr lang="pt-BR" sz="900" b="0" strike="noStrike" spc="-1" dirty="0">
               <a:latin typeface="Arial"/>

--- a/18. Descrição dos Processos de Negócio.pptx
+++ b/18. Descrição dos Processos de Negócio.pptx
@@ -2501,64 +2501,6 @@
       </p:sp>
       <p:sp>
         <p:nvSpPr>
-          <p:cNvPr id="46" name="CustomShape 9"/>
-          <p:cNvSpPr/>
-          <p:nvPr/>
-        </p:nvSpPr>
-        <p:spPr>
-          <a:xfrm>
-            <a:off x="4867200" y="1422000"/>
-            <a:ext cx="3074400" cy="700200"/>
-          </a:xfrm>
-          <a:prstGeom prst="rect">
-            <a:avLst/>
-          </a:prstGeom>
-          <a:noFill/>
-          <a:ln w="0">
-            <a:noFill/>
-          </a:ln>
-        </p:spPr>
-        <p:style>
-          <a:lnRef idx="0">
-            <a:scrgbClr r="0" g="0" b="0"/>
-          </a:lnRef>
-          <a:fillRef idx="0">
-            <a:scrgbClr r="0" g="0" b="0"/>
-          </a:fillRef>
-          <a:effectRef idx="0">
-            <a:scrgbClr r="0" g="0" b="0"/>
-          </a:effectRef>
-          <a:fontRef idx="minor"/>
-        </p:style>
-        <p:txBody>
-          <a:bodyPr lIns="90000" tIns="45000" rIns="90000" bIns="45000">
-            <a:spAutoFit/>
-          </a:bodyPr>
-          <a:lstStyle/>
-          <a:p>
-            <a:pPr>
-              <a:lnSpc>
-                <a:spcPct val="100000"/>
-              </a:lnSpc>
-            </a:pPr>
-            <a:r>
-              <a:rPr lang="pt-BR" sz="2000" b="0" strike="noStrike" spc="-1" dirty="0">
-                <a:solidFill>
-                  <a:srgbClr val="000000"/>
-                </a:solidFill>
-                <a:latin typeface="Calibri"/>
-                <a:ea typeface="DejaVu Sans"/>
-              </a:rPr>
-              <a:t>Descrição dos Processos de Negócio</a:t>
-            </a:r>
-            <a:endParaRPr lang="pt-BR" sz="2000" b="0" strike="noStrike" spc="-1" dirty="0">
-              <a:latin typeface="Arial"/>
-            </a:endParaRPr>
-          </a:p>
-        </p:txBody>
-      </p:sp>
-      <p:sp>
-        <p:nvSpPr>
           <p:cNvPr id="47" name="CustomShape 10"/>
           <p:cNvSpPr/>
           <p:nvPr/>
@@ -2870,6 +2812,100 @@
           </a:effectRef>
           <a:fontRef idx="minor"/>
         </p:style>
+      </p:sp>
+      <p:sp>
+        <p:nvSpPr>
+          <p:cNvPr id="3" name="CustomShape 6">
+            <a:extLst>
+              <a:ext uri="{FF2B5EF4-FFF2-40B4-BE49-F238E27FC236}">
+                <a16:creationId xmlns:a16="http://schemas.microsoft.com/office/drawing/2014/main" id="{A3F492B9-C7A2-46D5-8D88-0A6033E3D15D}"/>
+              </a:ext>
+            </a:extLst>
+          </p:cNvPr>
+          <p:cNvSpPr/>
+          <p:nvPr/>
+        </p:nvSpPr>
+        <p:spPr>
+          <a:xfrm>
+            <a:off x="4463100" y="861963"/>
+            <a:ext cx="5093650" cy="1014209"/>
+          </a:xfrm>
+          <a:prstGeom prst="rect">
+            <a:avLst/>
+          </a:prstGeom>
+          <a:noFill/>
+          <a:ln w="0">
+            <a:noFill/>
+          </a:ln>
+        </p:spPr>
+        <p:style>
+          <a:lnRef idx="0">
+            <a:scrgbClr r="0" g="0" b="0"/>
+          </a:lnRef>
+          <a:fillRef idx="0">
+            <a:scrgbClr r="0" g="0" b="0"/>
+          </a:fillRef>
+          <a:effectRef idx="0">
+            <a:scrgbClr r="0" g="0" b="0"/>
+          </a:effectRef>
+          <a:fontRef idx="minor"/>
+        </p:style>
+        <p:txBody>
+          <a:bodyPr wrap="square" lIns="90000" tIns="45000" rIns="90000" bIns="45000">
+            <a:spAutoFit/>
+          </a:bodyPr>
+          <a:lstStyle/>
+          <a:p>
+            <a:pPr>
+              <a:lnSpc>
+                <a:spcPct val="100000"/>
+              </a:lnSpc>
+            </a:pPr>
+            <a:r>
+              <a:rPr lang="pt-BR" sz="2000" b="0" strike="noStrike" spc="-1" dirty="0">
+                <a:solidFill>
+                  <a:srgbClr val="000000"/>
+                </a:solidFill>
+                <a:latin typeface="Calibri"/>
+                <a:ea typeface="DejaVu Sans"/>
+              </a:rPr>
+              <a:t>Descrição dos Processos de Negócio </a:t>
+            </a:r>
+          </a:p>
+          <a:p>
+            <a:pPr>
+              <a:lnSpc>
+                <a:spcPct val="100000"/>
+              </a:lnSpc>
+            </a:pPr>
+            <a:endParaRPr lang="pt-BR" sz="2000" b="0" strike="noStrike" spc="-1" dirty="0">
+              <a:solidFill>
+                <a:srgbClr val="000000"/>
+              </a:solidFill>
+              <a:latin typeface="Calibri"/>
+              <a:ea typeface="DejaVu Sans"/>
+            </a:endParaRPr>
+          </a:p>
+          <a:p>
+            <a:pPr>
+              <a:lnSpc>
+                <a:spcPct val="100000"/>
+              </a:lnSpc>
+            </a:pPr>
+            <a:r>
+              <a:rPr lang="pt-BR" sz="2000" spc="-1" dirty="0">
+                <a:solidFill>
+                  <a:srgbClr val="000000"/>
+                </a:solidFill>
+                <a:latin typeface="Calibri"/>
+              </a:rPr>
+              <a:t>Cenário: Efetuar venda de um produto</a:t>
+            </a:r>
+            <a:endParaRPr lang="pt-BR" sz="2000" b="0" strike="noStrike" spc="-1" dirty="0">
+              <a:latin typeface="Arial"/>
+            </a:endParaRPr>
+          </a:p>
+        </p:txBody>
       </p:sp>
     </p:spTree>
   </p:cSld>
@@ -3199,64 +3235,6 @@
       </p:sp>
       <p:sp>
         <p:nvSpPr>
-          <p:cNvPr id="55" name="CustomShape 6"/>
-          <p:cNvSpPr/>
-          <p:nvPr/>
-        </p:nvSpPr>
-        <p:spPr>
-          <a:xfrm>
-            <a:off x="4867200" y="1422000"/>
-            <a:ext cx="3074400" cy="699840"/>
-          </a:xfrm>
-          <a:prstGeom prst="rect">
-            <a:avLst/>
-          </a:prstGeom>
-          <a:noFill/>
-          <a:ln w="0">
-            <a:noFill/>
-          </a:ln>
-        </p:spPr>
-        <p:style>
-          <a:lnRef idx="0">
-            <a:scrgbClr r="0" g="0" b="0"/>
-          </a:lnRef>
-          <a:fillRef idx="0">
-            <a:scrgbClr r="0" g="0" b="0"/>
-          </a:fillRef>
-          <a:effectRef idx="0">
-            <a:scrgbClr r="0" g="0" b="0"/>
-          </a:effectRef>
-          <a:fontRef idx="minor"/>
-        </p:style>
-        <p:txBody>
-          <a:bodyPr lIns="90000" tIns="45000" rIns="90000" bIns="45000">
-            <a:spAutoFit/>
-          </a:bodyPr>
-          <a:lstStyle/>
-          <a:p>
-            <a:pPr>
-              <a:lnSpc>
-                <a:spcPct val="100000"/>
-              </a:lnSpc>
-            </a:pPr>
-            <a:r>
-              <a:rPr lang="pt-BR" sz="2000" b="0" strike="noStrike" spc="-1">
-                <a:solidFill>
-                  <a:srgbClr val="000000"/>
-                </a:solidFill>
-                <a:latin typeface="Calibri"/>
-                <a:ea typeface="DejaVu Sans"/>
-              </a:rPr>
-              <a:t>Descrição dos Processos de Negócio</a:t>
-            </a:r>
-            <a:endParaRPr lang="pt-BR" sz="2000" b="0" strike="noStrike" spc="-1">
-              <a:latin typeface="Arial"/>
-            </a:endParaRPr>
-          </a:p>
-        </p:txBody>
-      </p:sp>
-      <p:sp>
-        <p:nvSpPr>
           <p:cNvPr id="56" name="CustomShape 7"/>
           <p:cNvSpPr/>
           <p:nvPr/>
@@ -3948,6 +3926,100 @@
           </a:ln>
         </p:spPr>
       </p:cxnSp>
+      <p:sp>
+        <p:nvSpPr>
+          <p:cNvPr id="2" name="CustomShape 6">
+            <a:extLst>
+              <a:ext uri="{FF2B5EF4-FFF2-40B4-BE49-F238E27FC236}">
+                <a16:creationId xmlns:a16="http://schemas.microsoft.com/office/drawing/2014/main" id="{1EE0A93F-EA72-4BDA-AEB0-E8EAA3C7155F}"/>
+              </a:ext>
+            </a:extLst>
+          </p:cNvPr>
+          <p:cNvSpPr/>
+          <p:nvPr/>
+        </p:nvSpPr>
+        <p:spPr>
+          <a:xfrm>
+            <a:off x="4463100" y="861963"/>
+            <a:ext cx="5093650" cy="1014209"/>
+          </a:xfrm>
+          <a:prstGeom prst="rect">
+            <a:avLst/>
+          </a:prstGeom>
+          <a:noFill/>
+          <a:ln w="0">
+            <a:noFill/>
+          </a:ln>
+        </p:spPr>
+        <p:style>
+          <a:lnRef idx="0">
+            <a:scrgbClr r="0" g="0" b="0"/>
+          </a:lnRef>
+          <a:fillRef idx="0">
+            <a:scrgbClr r="0" g="0" b="0"/>
+          </a:fillRef>
+          <a:effectRef idx="0">
+            <a:scrgbClr r="0" g="0" b="0"/>
+          </a:effectRef>
+          <a:fontRef idx="minor"/>
+        </p:style>
+        <p:txBody>
+          <a:bodyPr wrap="square" lIns="90000" tIns="45000" rIns="90000" bIns="45000">
+            <a:spAutoFit/>
+          </a:bodyPr>
+          <a:lstStyle/>
+          <a:p>
+            <a:pPr>
+              <a:lnSpc>
+                <a:spcPct val="100000"/>
+              </a:lnSpc>
+            </a:pPr>
+            <a:r>
+              <a:rPr lang="pt-BR" sz="2000" b="0" strike="noStrike" spc="-1" dirty="0">
+                <a:solidFill>
+                  <a:srgbClr val="000000"/>
+                </a:solidFill>
+                <a:latin typeface="Calibri"/>
+                <a:ea typeface="DejaVu Sans"/>
+              </a:rPr>
+              <a:t>Descrição dos Processos de Negócio </a:t>
+            </a:r>
+          </a:p>
+          <a:p>
+            <a:pPr>
+              <a:lnSpc>
+                <a:spcPct val="100000"/>
+              </a:lnSpc>
+            </a:pPr>
+            <a:endParaRPr lang="pt-BR" sz="2000" b="0" strike="noStrike" spc="-1" dirty="0">
+              <a:solidFill>
+                <a:srgbClr val="000000"/>
+              </a:solidFill>
+              <a:latin typeface="Calibri"/>
+              <a:ea typeface="DejaVu Sans"/>
+            </a:endParaRPr>
+          </a:p>
+          <a:p>
+            <a:pPr>
+              <a:lnSpc>
+                <a:spcPct val="100000"/>
+              </a:lnSpc>
+            </a:pPr>
+            <a:r>
+              <a:rPr lang="pt-BR" sz="2000" spc="-1" dirty="0">
+                <a:solidFill>
+                  <a:srgbClr val="000000"/>
+                </a:solidFill>
+                <a:latin typeface="Calibri"/>
+              </a:rPr>
+              <a:t>Cenário: Efetuar venda de um produto</a:t>
+            </a:r>
+            <a:endParaRPr lang="pt-BR" sz="2000" b="0" strike="noStrike" spc="-1" dirty="0">
+              <a:latin typeface="Arial"/>
+            </a:endParaRPr>
+          </a:p>
+        </p:txBody>
+      </p:sp>
     </p:spTree>
   </p:cSld>
   <p:clrMapOvr>
@@ -4218,64 +4290,6 @@
       </p:sp>
       <p:sp>
         <p:nvSpPr>
-          <p:cNvPr id="72" name="CustomShape 5"/>
-          <p:cNvSpPr/>
-          <p:nvPr/>
-        </p:nvSpPr>
-        <p:spPr>
-          <a:xfrm>
-            <a:off x="6660000" y="1764720"/>
-            <a:ext cx="4140000" cy="395280"/>
-          </a:xfrm>
-          <a:prstGeom prst="rect">
-            <a:avLst/>
-          </a:prstGeom>
-          <a:noFill/>
-          <a:ln w="0">
-            <a:noFill/>
-          </a:ln>
-        </p:spPr>
-        <p:style>
-          <a:lnRef idx="0">
-            <a:scrgbClr r="0" g="0" b="0"/>
-          </a:lnRef>
-          <a:fillRef idx="0">
-            <a:scrgbClr r="0" g="0" b="0"/>
-          </a:fillRef>
-          <a:effectRef idx="0">
-            <a:scrgbClr r="0" g="0" b="0"/>
-          </a:effectRef>
-          <a:fontRef idx="minor"/>
-        </p:style>
-        <p:txBody>
-          <a:bodyPr lIns="90000" tIns="45000" rIns="90000" bIns="45000">
-            <a:spAutoFit/>
-          </a:bodyPr>
-          <a:lstStyle/>
-          <a:p>
-            <a:pPr>
-              <a:lnSpc>
-                <a:spcPct val="100000"/>
-              </a:lnSpc>
-            </a:pPr>
-            <a:r>
-              <a:rPr lang="pt-BR" sz="2000" b="0" strike="noStrike" spc="-1">
-                <a:solidFill>
-                  <a:srgbClr val="000000"/>
-                </a:solidFill>
-                <a:latin typeface="Calibri"/>
-                <a:ea typeface="DejaVu Sans"/>
-              </a:rPr>
-              <a:t>Descrição dos Processos de Negócio</a:t>
-            </a:r>
-            <a:endParaRPr lang="pt-BR" sz="2000" b="0" strike="noStrike" spc="-1">
-              <a:latin typeface="Arial"/>
-            </a:endParaRPr>
-          </a:p>
-        </p:txBody>
-      </p:sp>
-      <p:sp>
-        <p:nvSpPr>
           <p:cNvPr id="73" name="CustomShape 6"/>
           <p:cNvSpPr/>
           <p:nvPr/>
@@ -4882,6 +4896,100 @@
           </a:effectRef>
           <a:fontRef idx="minor"/>
         </p:style>
+      </p:sp>
+      <p:sp>
+        <p:nvSpPr>
+          <p:cNvPr id="2" name="CustomShape 6">
+            <a:extLst>
+              <a:ext uri="{FF2B5EF4-FFF2-40B4-BE49-F238E27FC236}">
+                <a16:creationId xmlns:a16="http://schemas.microsoft.com/office/drawing/2014/main" id="{4685F1FA-CA61-449E-98BB-6BC2BB46CC30}"/>
+              </a:ext>
+            </a:extLst>
+          </p:cNvPr>
+          <p:cNvSpPr/>
+          <p:nvPr/>
+        </p:nvSpPr>
+        <p:spPr>
+          <a:xfrm>
+            <a:off x="6192000" y="924975"/>
+            <a:ext cx="5093650" cy="1014209"/>
+          </a:xfrm>
+          <a:prstGeom prst="rect">
+            <a:avLst/>
+          </a:prstGeom>
+          <a:noFill/>
+          <a:ln w="0">
+            <a:noFill/>
+          </a:ln>
+        </p:spPr>
+        <p:style>
+          <a:lnRef idx="0">
+            <a:scrgbClr r="0" g="0" b="0"/>
+          </a:lnRef>
+          <a:fillRef idx="0">
+            <a:scrgbClr r="0" g="0" b="0"/>
+          </a:fillRef>
+          <a:effectRef idx="0">
+            <a:scrgbClr r="0" g="0" b="0"/>
+          </a:effectRef>
+          <a:fontRef idx="minor"/>
+        </p:style>
+        <p:txBody>
+          <a:bodyPr wrap="square" lIns="90000" tIns="45000" rIns="90000" bIns="45000">
+            <a:spAutoFit/>
+          </a:bodyPr>
+          <a:lstStyle/>
+          <a:p>
+            <a:pPr>
+              <a:lnSpc>
+                <a:spcPct val="100000"/>
+              </a:lnSpc>
+            </a:pPr>
+            <a:r>
+              <a:rPr lang="pt-BR" sz="2000" b="0" strike="noStrike" spc="-1" dirty="0">
+                <a:solidFill>
+                  <a:srgbClr val="000000"/>
+                </a:solidFill>
+                <a:latin typeface="Calibri"/>
+                <a:ea typeface="DejaVu Sans"/>
+              </a:rPr>
+              <a:t>Descrição dos Processos de Negócio </a:t>
+            </a:r>
+          </a:p>
+          <a:p>
+            <a:pPr>
+              <a:lnSpc>
+                <a:spcPct val="100000"/>
+              </a:lnSpc>
+            </a:pPr>
+            <a:endParaRPr lang="pt-BR" sz="2000" b="0" strike="noStrike" spc="-1" dirty="0">
+              <a:solidFill>
+                <a:srgbClr val="000000"/>
+              </a:solidFill>
+              <a:latin typeface="Calibri"/>
+              <a:ea typeface="DejaVu Sans"/>
+            </a:endParaRPr>
+          </a:p>
+          <a:p>
+            <a:pPr>
+              <a:lnSpc>
+                <a:spcPct val="100000"/>
+              </a:lnSpc>
+            </a:pPr>
+            <a:r>
+              <a:rPr lang="pt-BR" sz="2000" spc="-1" dirty="0">
+                <a:solidFill>
+                  <a:srgbClr val="000000"/>
+                </a:solidFill>
+                <a:latin typeface="Calibri"/>
+              </a:rPr>
+              <a:t>Cenário: Efetuar venda de um produto</a:t>
+            </a:r>
+            <a:endParaRPr lang="pt-BR" sz="2000" b="0" strike="noStrike" spc="-1" dirty="0">
+              <a:latin typeface="Arial"/>
+            </a:endParaRPr>
+          </a:p>
+        </p:txBody>
       </p:sp>
     </p:spTree>
   </p:cSld>
@@ -5038,64 +5146,6 @@
       </p:sp>
       <p:sp>
         <p:nvSpPr>
-          <p:cNvPr id="85" name="CustomShape 3"/>
-          <p:cNvSpPr/>
-          <p:nvPr/>
-        </p:nvSpPr>
-        <p:spPr>
-          <a:xfrm>
-            <a:off x="6660000" y="1764720"/>
-            <a:ext cx="4140000" cy="395280"/>
-          </a:xfrm>
-          <a:prstGeom prst="rect">
-            <a:avLst/>
-          </a:prstGeom>
-          <a:noFill/>
-          <a:ln w="0">
-            <a:noFill/>
-          </a:ln>
-        </p:spPr>
-        <p:style>
-          <a:lnRef idx="0">
-            <a:scrgbClr r="0" g="0" b="0"/>
-          </a:lnRef>
-          <a:fillRef idx="0">
-            <a:scrgbClr r="0" g="0" b="0"/>
-          </a:fillRef>
-          <a:effectRef idx="0">
-            <a:scrgbClr r="0" g="0" b="0"/>
-          </a:effectRef>
-          <a:fontRef idx="minor"/>
-        </p:style>
-        <p:txBody>
-          <a:bodyPr lIns="90000" tIns="45000" rIns="90000" bIns="45000">
-            <a:spAutoFit/>
-          </a:bodyPr>
-          <a:lstStyle/>
-          <a:p>
-            <a:pPr>
-              <a:lnSpc>
-                <a:spcPct val="100000"/>
-              </a:lnSpc>
-            </a:pPr>
-            <a:r>
-              <a:rPr lang="pt-BR" sz="2000" b="0" strike="noStrike" spc="-1">
-                <a:solidFill>
-                  <a:srgbClr val="000000"/>
-                </a:solidFill>
-                <a:latin typeface="Calibri"/>
-                <a:ea typeface="DejaVu Sans"/>
-              </a:rPr>
-              <a:t>Descrição dos Processos de Negócio</a:t>
-            </a:r>
-            <a:endParaRPr lang="pt-BR" sz="2000" b="0" strike="noStrike" spc="-1">
-              <a:latin typeface="Arial"/>
-            </a:endParaRPr>
-          </a:p>
-        </p:txBody>
-      </p:sp>
-      <p:sp>
-        <p:nvSpPr>
           <p:cNvPr id="86" name="CustomShape 4"/>
           <p:cNvSpPr/>
           <p:nvPr/>
@@ -5556,14 +5606,15 @@
         <p:nvCxnSpPr>
           <p:cNvPr id="91" name="Line 9"/>
           <p:cNvCxnSpPr>
+            <a:cxnSpLocks/>
             <a:endCxn id="90" idx="0"/>
           </p:cNvCxnSpPr>
           <p:nvPr/>
         </p:nvCxnSpPr>
         <p:spPr>
           <a:xfrm flipH="1">
-            <a:off x="3189240" y="4000680"/>
-            <a:ext cx="1147680" cy="1039680"/>
+            <a:off x="3189240" y="3975480"/>
+            <a:ext cx="1270980" cy="1064520"/>
           </a:xfrm>
           <a:prstGeom prst="straightConnector1">
             <a:avLst/>
@@ -5862,8 +5913,8 @@
         </p:nvSpPr>
         <p:spPr>
           <a:xfrm flipV="1">
-            <a:off x="2360160" y="3780000"/>
-            <a:ext cx="1779840" cy="1260000"/>
+            <a:off x="2360160" y="3737499"/>
+            <a:ext cx="1823400" cy="1302501"/>
           </a:xfrm>
           <a:prstGeom prst="line">
             <a:avLst/>
@@ -5926,14 +5977,15 @@
         <p:nvCxnSpPr>
           <p:cNvPr id="99" name="Line 17"/>
           <p:cNvCxnSpPr>
+            <a:cxnSpLocks/>
             <a:stCxn id="89" idx="0"/>
           </p:cNvCxnSpPr>
           <p:nvPr/>
         </p:nvCxnSpPr>
         <p:spPr>
           <a:xfrm flipV="1">
-            <a:off x="1209240" y="3545280"/>
-            <a:ext cx="2855160" cy="1495080"/>
+            <a:off x="1209240" y="3502441"/>
+            <a:ext cx="2846340" cy="1537559"/>
           </a:xfrm>
           <a:prstGeom prst="straightConnector1">
             <a:avLst/>
@@ -6025,6 +6077,100 @@
               <a:t>transação aceita + produtos + NF + (recibo) | transação recusada</a:t>
             </a:r>
             <a:endParaRPr lang="pt-BR" sz="900" b="0" strike="noStrike" spc="-1">
+              <a:latin typeface="Arial"/>
+            </a:endParaRPr>
+          </a:p>
+        </p:txBody>
+      </p:sp>
+      <p:sp>
+        <p:nvSpPr>
+          <p:cNvPr id="2" name="CustomShape 6">
+            <a:extLst>
+              <a:ext uri="{FF2B5EF4-FFF2-40B4-BE49-F238E27FC236}">
+                <a16:creationId xmlns:a16="http://schemas.microsoft.com/office/drawing/2014/main" id="{DEE4F9C4-0030-4BA6-A2C1-DBAE084746B7}"/>
+              </a:ext>
+            </a:extLst>
+          </p:cNvPr>
+          <p:cNvSpPr/>
+          <p:nvPr/>
+        </p:nvSpPr>
+        <p:spPr>
+          <a:xfrm>
+            <a:off x="6220878" y="837883"/>
+            <a:ext cx="5093650" cy="1014209"/>
+          </a:xfrm>
+          <a:prstGeom prst="rect">
+            <a:avLst/>
+          </a:prstGeom>
+          <a:noFill/>
+          <a:ln w="0">
+            <a:noFill/>
+          </a:ln>
+        </p:spPr>
+        <p:style>
+          <a:lnRef idx="0">
+            <a:scrgbClr r="0" g="0" b="0"/>
+          </a:lnRef>
+          <a:fillRef idx="0">
+            <a:scrgbClr r="0" g="0" b="0"/>
+          </a:fillRef>
+          <a:effectRef idx="0">
+            <a:scrgbClr r="0" g="0" b="0"/>
+          </a:effectRef>
+          <a:fontRef idx="minor"/>
+        </p:style>
+        <p:txBody>
+          <a:bodyPr wrap="square" lIns="90000" tIns="45000" rIns="90000" bIns="45000">
+            <a:spAutoFit/>
+          </a:bodyPr>
+          <a:lstStyle/>
+          <a:p>
+            <a:pPr>
+              <a:lnSpc>
+                <a:spcPct val="100000"/>
+              </a:lnSpc>
+            </a:pPr>
+            <a:r>
+              <a:rPr lang="pt-BR" sz="2000" b="0" strike="noStrike" spc="-1" dirty="0">
+                <a:solidFill>
+                  <a:srgbClr val="000000"/>
+                </a:solidFill>
+                <a:latin typeface="Calibri"/>
+                <a:ea typeface="DejaVu Sans"/>
+              </a:rPr>
+              <a:t>Descrição dos Processos de Negócio </a:t>
+            </a:r>
+          </a:p>
+          <a:p>
+            <a:pPr>
+              <a:lnSpc>
+                <a:spcPct val="100000"/>
+              </a:lnSpc>
+            </a:pPr>
+            <a:endParaRPr lang="pt-BR" sz="2000" b="0" strike="noStrike" spc="-1" dirty="0">
+              <a:solidFill>
+                <a:srgbClr val="000000"/>
+              </a:solidFill>
+              <a:latin typeface="Calibri"/>
+              <a:ea typeface="DejaVu Sans"/>
+            </a:endParaRPr>
+          </a:p>
+          <a:p>
+            <a:pPr>
+              <a:lnSpc>
+                <a:spcPct val="100000"/>
+              </a:lnSpc>
+            </a:pPr>
+            <a:r>
+              <a:rPr lang="pt-BR" sz="2000" spc="-1" dirty="0">
+                <a:solidFill>
+                  <a:srgbClr val="000000"/>
+                </a:solidFill>
+                <a:latin typeface="Calibri"/>
+              </a:rPr>
+              <a:t>Cenário: Efetuar venda de um produto</a:t>
+            </a:r>
+            <a:endParaRPr lang="pt-BR" sz="2000" b="0" strike="noStrike" spc="-1" dirty="0">
               <a:latin typeface="Arial"/>
             </a:endParaRPr>
           </a:p>

--- a/18. Descrição dos Processos de Negócio.pptx
+++ b/18. Descrição dos Processos de Negócio.pptx
@@ -9,6 +9,12 @@
     <p:sldId id="257" r:id="rId3"/>
     <p:sldId id="258" r:id="rId4"/>
     <p:sldId id="259" r:id="rId5"/>
+    <p:sldId id="260" r:id="rId6"/>
+    <p:sldId id="261" r:id="rId7"/>
+    <p:sldId id="262" r:id="rId8"/>
+    <p:sldId id="263" r:id="rId9"/>
+    <p:sldId id="264" r:id="rId10"/>
+    <p:sldId id="265" r:id="rId11"/>
   </p:sldIdLst>
   <p:sldSz cx="12192000" cy="6858000"/>
   <p:notesSz cx="7559675" cy="10691813"/>
@@ -2899,7 +2905,7 @@
                 </a:solidFill>
                 <a:latin typeface="Calibri"/>
               </a:rPr>
-              <a:t>Cenário: Efetuar venda de um produto</a:t>
+              <a:t>Cenário 1: Efetuar venda de um produto</a:t>
             </a:r>
             <a:endParaRPr lang="pt-BR" sz="2000" b="0" strike="noStrike" spc="-1" dirty="0">
               <a:latin typeface="Arial"/>
@@ -2908,6 +2914,1383 @@
         </p:txBody>
       </p:sp>
     </p:spTree>
+  </p:cSld>
+  <p:clrMapOvr>
+    <a:masterClrMapping/>
+  </p:clrMapOvr>
+</p:sld>
+</file>
+
+<file path=ppt/slides/slide10.xml><?xml version="1.0" encoding="utf-8"?>
+<p:sld xmlns:a="http://schemas.openxmlformats.org/drawingml/2006/main" xmlns:r="http://schemas.openxmlformats.org/officeDocument/2006/relationships" xmlns:p="http://schemas.openxmlformats.org/presentationml/2006/main">
+  <p:cSld>
+    <p:spTree>
+      <p:nvGrpSpPr>
+        <p:cNvPr id="1" name=""/>
+        <p:cNvGrpSpPr/>
+        <p:nvPr/>
+      </p:nvGrpSpPr>
+      <p:grpSpPr>
+        <a:xfrm>
+          <a:off x="0" y="0"/>
+          <a:ext cx="0" cy="0"/>
+          <a:chOff x="0" y="0"/>
+          <a:chExt cx="0" cy="0"/>
+        </a:xfrm>
+      </p:grpSpPr>
+      <p:sp>
+        <p:nvSpPr>
+          <p:cNvPr id="38" name="CustomShape 1"/>
+          <p:cNvSpPr/>
+          <p:nvPr/>
+        </p:nvSpPr>
+        <p:spPr>
+          <a:xfrm>
+            <a:off x="360255" y="2211125"/>
+            <a:ext cx="1532045" cy="1384560"/>
+          </a:xfrm>
+          <a:prstGeom prst="ellipse">
+            <a:avLst/>
+          </a:prstGeom>
+          <a:ln/>
+        </p:spPr>
+        <p:style>
+          <a:lnRef idx="2">
+            <a:schemeClr val="accent2">
+              <a:shade val="50000"/>
+            </a:schemeClr>
+          </a:lnRef>
+          <a:fillRef idx="1">
+            <a:schemeClr val="accent2"/>
+          </a:fillRef>
+          <a:effectRef idx="0">
+            <a:schemeClr val="accent2"/>
+          </a:effectRef>
+          <a:fontRef idx="minor"/>
+        </p:style>
+        <p:txBody>
+          <a:bodyPr lIns="90000" tIns="45000" rIns="90000" bIns="45000" anchor="ctr">
+            <a:noAutofit/>
+          </a:bodyPr>
+          <a:lstStyle/>
+          <a:p>
+            <a:pPr algn="ctr">
+              <a:lnSpc>
+                <a:spcPct val="100000"/>
+              </a:lnSpc>
+            </a:pPr>
+            <a:r>
+              <a:rPr lang="pt-BR" sz="1200" b="0" strike="noStrike" spc="-1" dirty="0">
+                <a:solidFill>
+                  <a:srgbClr val="000000"/>
+                </a:solidFill>
+                <a:latin typeface="Calibri"/>
+                <a:ea typeface="DejaVu Sans"/>
+              </a:rPr>
+              <a:t>Tratar a resposta da operação realizada</a:t>
+            </a:r>
+            <a:endParaRPr lang="pt-BR" sz="1200" b="0" strike="noStrike" spc="-1" dirty="0">
+              <a:latin typeface="Arial"/>
+            </a:endParaRPr>
+          </a:p>
+        </p:txBody>
+      </p:sp>
+      <p:sp>
+        <p:nvSpPr>
+          <p:cNvPr id="47" name="CustomShape 10"/>
+          <p:cNvSpPr/>
+          <p:nvPr/>
+        </p:nvSpPr>
+        <p:spPr>
+          <a:xfrm>
+            <a:off x="6327565" y="4102047"/>
+            <a:ext cx="3719880" cy="1475873"/>
+          </a:xfrm>
+          <a:prstGeom prst="rect">
+            <a:avLst/>
+          </a:prstGeom>
+          <a:solidFill>
+            <a:schemeClr val="bg2"/>
+          </a:solidFill>
+          <a:ln w="0">
+            <a:noFill/>
+          </a:ln>
+        </p:spPr>
+        <p:style>
+          <a:lnRef idx="0">
+            <a:scrgbClr r="0" g="0" b="0"/>
+          </a:lnRef>
+          <a:fillRef idx="0">
+            <a:scrgbClr r="0" g="0" b="0"/>
+          </a:fillRef>
+          <a:effectRef idx="0">
+            <a:scrgbClr r="0" g="0" b="0"/>
+          </a:effectRef>
+          <a:fontRef idx="minor"/>
+        </p:style>
+        <p:txBody>
+          <a:bodyPr lIns="90000" tIns="45000" rIns="90000" bIns="45000">
+            <a:spAutoFit/>
+          </a:bodyPr>
+          <a:lstStyle/>
+          <a:p>
+            <a:pPr>
+              <a:lnSpc>
+                <a:spcPct val="100000"/>
+              </a:lnSpc>
+            </a:pPr>
+            <a:r>
+              <a:rPr lang="pt-BR" sz="900" b="1" strike="noStrike" spc="-1" dirty="0">
+                <a:solidFill>
+                  <a:srgbClr val="000000"/>
+                </a:solidFill>
+                <a:latin typeface="Calibri"/>
+                <a:ea typeface="DejaVu Sans"/>
+              </a:rPr>
+              <a:t>Efetuar </a:t>
+            </a:r>
+            <a:r>
+              <a:rPr lang="pt-BR" sz="900" b="1" spc="-1" dirty="0">
+                <a:solidFill>
+                  <a:srgbClr val="000000"/>
+                </a:solidFill>
+                <a:latin typeface="Calibri"/>
+                <a:ea typeface="DejaVu Sans"/>
+              </a:rPr>
+              <a:t>troca </a:t>
+            </a:r>
+            <a:r>
+              <a:rPr lang="pt-BR" sz="900" b="1" strike="noStrike" spc="-1" dirty="0">
+                <a:solidFill>
+                  <a:srgbClr val="000000"/>
+                </a:solidFill>
+                <a:latin typeface="Calibri"/>
+                <a:ea typeface="DejaVu Sans"/>
+              </a:rPr>
+              <a:t>do produto.</a:t>
+            </a:r>
+            <a:endParaRPr lang="pt-BR" sz="900" b="0" strike="noStrike" spc="-1" dirty="0">
+              <a:latin typeface="Arial"/>
+            </a:endParaRPr>
+          </a:p>
+          <a:p>
+            <a:pPr>
+              <a:lnSpc>
+                <a:spcPct val="100000"/>
+              </a:lnSpc>
+            </a:pPr>
+            <a:r>
+              <a:rPr lang="pt-BR" sz="900" b="1" strike="noStrike" spc="-1" dirty="0">
+                <a:solidFill>
+                  <a:srgbClr val="000000"/>
+                </a:solidFill>
+                <a:latin typeface="Calibri"/>
+                <a:ea typeface="DejaVu Sans"/>
+              </a:rPr>
+              <a:t>Evento:</a:t>
+            </a:r>
+            <a:r>
+              <a:rPr lang="pt-BR" sz="900" b="0" strike="noStrike" spc="-1" dirty="0">
+                <a:solidFill>
+                  <a:srgbClr val="000000"/>
+                </a:solidFill>
+                <a:latin typeface="Calibri"/>
+                <a:ea typeface="DejaVu Sans"/>
+              </a:rPr>
+              <a:t> Provedor do cartão responde a solicitação de crédito/ débito.</a:t>
+            </a:r>
+            <a:endParaRPr lang="pt-BR" sz="900" b="0" strike="noStrike" spc="-1" dirty="0">
+              <a:latin typeface="Arial"/>
+            </a:endParaRPr>
+          </a:p>
+          <a:p>
+            <a:pPr>
+              <a:lnSpc>
+                <a:spcPct val="100000"/>
+              </a:lnSpc>
+            </a:pPr>
+            <a:r>
+              <a:rPr lang="pt-BR" sz="900" b="1" strike="noStrike" spc="-1" dirty="0">
+                <a:solidFill>
+                  <a:srgbClr val="000000"/>
+                </a:solidFill>
+                <a:latin typeface="Calibri"/>
+                <a:ea typeface="DejaVu Sans"/>
+              </a:rPr>
+              <a:t>Objetivo: </a:t>
+            </a:r>
+            <a:r>
+              <a:rPr lang="pt-BR" sz="900" b="0" strike="noStrike" spc="-1" dirty="0">
+                <a:solidFill>
+                  <a:srgbClr val="000000"/>
+                </a:solidFill>
+                <a:latin typeface="Calibri"/>
+                <a:ea typeface="DejaVu Sans"/>
+              </a:rPr>
+              <a:t>Receber o pagamento dos produtos a serem trocados.</a:t>
+            </a:r>
+            <a:endParaRPr lang="pt-BR" sz="900" b="0" strike="noStrike" spc="-1" dirty="0">
+              <a:latin typeface="Arial"/>
+            </a:endParaRPr>
+          </a:p>
+          <a:p>
+            <a:pPr>
+              <a:lnSpc>
+                <a:spcPct val="100000"/>
+              </a:lnSpc>
+            </a:pPr>
+            <a:r>
+              <a:rPr lang="pt-BR" sz="900" b="1" strike="noStrike" spc="-1" dirty="0">
+                <a:solidFill>
+                  <a:srgbClr val="000000"/>
+                </a:solidFill>
+                <a:latin typeface="Calibri"/>
+                <a:ea typeface="DejaVu Sans"/>
+              </a:rPr>
+              <a:t>Trabalhadores envolvidos:</a:t>
+            </a:r>
+            <a:endParaRPr lang="pt-BR" sz="900" b="0" strike="noStrike" spc="-1" dirty="0">
+              <a:latin typeface="Arial"/>
+            </a:endParaRPr>
+          </a:p>
+          <a:p>
+            <a:pPr marL="171360" indent="-170640">
+              <a:lnSpc>
+                <a:spcPct val="100000"/>
+              </a:lnSpc>
+              <a:buClr>
+                <a:srgbClr val="000000"/>
+              </a:buClr>
+              <a:buFont typeface="Wingdings" charset="2"/>
+              <a:buChar char=""/>
+            </a:pPr>
+            <a:r>
+              <a:rPr lang="pt-BR" sz="900" b="0" strike="noStrike" spc="-1" dirty="0">
+                <a:solidFill>
+                  <a:srgbClr val="000000"/>
+                </a:solidFill>
+                <a:latin typeface="Calibri"/>
+                <a:ea typeface="DejaVu Sans"/>
+              </a:rPr>
+              <a:t>Vendedor.</a:t>
+            </a:r>
+            <a:endParaRPr lang="pt-BR" sz="900" b="0" strike="noStrike" spc="-1" dirty="0">
+              <a:latin typeface="Arial"/>
+            </a:endParaRPr>
+          </a:p>
+          <a:p>
+            <a:pPr marL="432000" lvl="1" indent="-215640">
+              <a:lnSpc>
+                <a:spcPct val="100000"/>
+              </a:lnSpc>
+              <a:buClr>
+                <a:srgbClr val="000000"/>
+              </a:buClr>
+              <a:buSzPct val="45000"/>
+              <a:buFont typeface="Wingdings" charset="2"/>
+              <a:buChar char=""/>
+            </a:pPr>
+            <a:r>
+              <a:rPr lang="pt-BR" sz="900" b="0" strike="noStrike" spc="-1" dirty="0">
+                <a:solidFill>
+                  <a:srgbClr val="000000"/>
+                </a:solidFill>
+                <a:latin typeface="Calibri"/>
+                <a:ea typeface="DejaVu Sans"/>
+              </a:rPr>
+              <a:t>Verifica os detalhes do cliente.</a:t>
+            </a:r>
+            <a:endParaRPr lang="pt-BR" sz="900" b="0" strike="noStrike" spc="-1" dirty="0">
+              <a:latin typeface="Arial"/>
+            </a:endParaRPr>
+          </a:p>
+          <a:p>
+            <a:pPr marL="648000" lvl="2" indent="-216000">
+              <a:lnSpc>
+                <a:spcPct val="100000"/>
+              </a:lnSpc>
+              <a:buClr>
+                <a:srgbClr val="000000"/>
+              </a:buClr>
+              <a:buSzPct val="45000"/>
+              <a:buFont typeface="Wingdings" charset="2"/>
+              <a:buChar char=""/>
+            </a:pPr>
+            <a:r>
+              <a:rPr lang="pt-BR" sz="900" b="0" strike="noStrike" spc="-1" dirty="0">
+                <a:solidFill>
+                  <a:srgbClr val="000000"/>
+                </a:solidFill>
+                <a:latin typeface="Calibri"/>
+                <a:ea typeface="DejaVu Sans"/>
+              </a:rPr>
+              <a:t>Se não aprovado o vendedor informa ao cliente que o pedido foi recusado.</a:t>
+            </a:r>
+            <a:endParaRPr lang="pt-BR" sz="900" b="0" strike="noStrike" spc="-1" dirty="0">
+              <a:latin typeface="Arial"/>
+            </a:endParaRPr>
+          </a:p>
+          <a:p>
+            <a:pPr marL="432000" lvl="1" indent="-215640">
+              <a:lnSpc>
+                <a:spcPct val="100000"/>
+              </a:lnSpc>
+              <a:buClr>
+                <a:srgbClr val="000000"/>
+              </a:buClr>
+              <a:buSzPct val="45000"/>
+              <a:buFont typeface="Wingdings" charset="2"/>
+              <a:buChar char=""/>
+            </a:pPr>
+            <a:r>
+              <a:rPr lang="pt-BR" sz="900" b="0" strike="noStrike" spc="-1" dirty="0">
+                <a:solidFill>
+                  <a:srgbClr val="000000"/>
+                </a:solidFill>
+                <a:latin typeface="Calibri"/>
+                <a:ea typeface="DejaVu Sans"/>
+              </a:rPr>
+              <a:t>Guarda os produtos escolhidos com o valor recebido.</a:t>
+            </a:r>
+            <a:endParaRPr lang="pt-BR" sz="900" b="0" strike="noStrike" spc="-1" dirty="0">
+              <a:latin typeface="Arial"/>
+            </a:endParaRPr>
+          </a:p>
+          <a:p>
+            <a:pPr marL="432000" lvl="1" indent="-215640">
+              <a:lnSpc>
+                <a:spcPct val="100000"/>
+              </a:lnSpc>
+              <a:buClr>
+                <a:srgbClr val="000000"/>
+              </a:buClr>
+              <a:buSzPct val="45000"/>
+              <a:buFont typeface="Wingdings" charset="2"/>
+              <a:buChar char=""/>
+            </a:pPr>
+            <a:r>
+              <a:rPr lang="pt-BR" sz="900" b="0" strike="noStrike" spc="-1" dirty="0">
+                <a:solidFill>
+                  <a:srgbClr val="000000"/>
+                </a:solidFill>
+                <a:latin typeface="Calibri"/>
+                <a:ea typeface="DejaVu Sans"/>
+              </a:rPr>
+              <a:t>Entrega os produtos, nota fiscal e recibo (se houver) ao cliente.</a:t>
+            </a:r>
+            <a:endParaRPr lang="pt-BR" sz="900" b="0" strike="noStrike" spc="-1" dirty="0">
+              <a:latin typeface="Arial"/>
+            </a:endParaRPr>
+          </a:p>
+        </p:txBody>
+      </p:sp>
+      <p:sp>
+        <p:nvSpPr>
+          <p:cNvPr id="48" name="CustomShape 11"/>
+          <p:cNvSpPr/>
+          <p:nvPr/>
+        </p:nvSpPr>
+        <p:spPr>
+          <a:xfrm>
+            <a:off x="1828800" y="2627194"/>
+            <a:ext cx="6659126" cy="1482831"/>
+          </a:xfrm>
+          <a:prstGeom prst="curvedConnector2">
+            <a:avLst/>
+          </a:prstGeom>
+          <a:noFill/>
+          <a:ln>
+            <a:tailEnd type="triangle" w="med" len="med"/>
+          </a:ln>
+          <a:effectLst>
+            <a:outerShdw blurRad="40000" dist="23040" dir="5400000" rotWithShape="0">
+              <a:srgbClr val="000000">
+                <a:alpha val="35000"/>
+              </a:srgbClr>
+            </a:outerShdw>
+          </a:effectLst>
+        </p:spPr>
+        <p:style>
+          <a:lnRef idx="3">
+            <a:schemeClr val="accent1"/>
+          </a:lnRef>
+          <a:fillRef idx="0">
+            <a:schemeClr val="accent1"/>
+          </a:fillRef>
+          <a:effectRef idx="2">
+            <a:schemeClr val="accent1"/>
+          </a:effectRef>
+          <a:fontRef idx="minor"/>
+        </p:style>
+      </p:sp>
+      <p:sp>
+        <p:nvSpPr>
+          <p:cNvPr id="49" name="CustomShape 12"/>
+          <p:cNvSpPr/>
+          <p:nvPr/>
+        </p:nvSpPr>
+        <p:spPr>
+          <a:xfrm>
+            <a:off x="4737600" y="4761000"/>
+            <a:ext cx="3719880" cy="230040"/>
+          </a:xfrm>
+          <a:prstGeom prst="rect">
+            <a:avLst/>
+          </a:prstGeom>
+          <a:noFill/>
+          <a:ln w="0">
+            <a:noFill/>
+          </a:ln>
+        </p:spPr>
+        <p:style>
+          <a:lnRef idx="0">
+            <a:scrgbClr r="0" g="0" b="0"/>
+          </a:lnRef>
+          <a:fillRef idx="0">
+            <a:scrgbClr r="0" g="0" b="0"/>
+          </a:fillRef>
+          <a:effectRef idx="0">
+            <a:scrgbClr r="0" g="0" b="0"/>
+          </a:effectRef>
+          <a:fontRef idx="minor"/>
+        </p:style>
+      </p:sp>
+      <p:sp>
+        <p:nvSpPr>
+          <p:cNvPr id="4" name="CustomShape 6">
+            <a:extLst>
+              <a:ext uri="{FF2B5EF4-FFF2-40B4-BE49-F238E27FC236}">
+                <a16:creationId xmlns:a16="http://schemas.microsoft.com/office/drawing/2014/main" id="{8BE70652-FE0A-4297-B063-D009E965709E}"/>
+              </a:ext>
+            </a:extLst>
+          </p:cNvPr>
+          <p:cNvSpPr/>
+          <p:nvPr/>
+        </p:nvSpPr>
+        <p:spPr>
+          <a:xfrm rot="11146790">
+            <a:off x="1031552" y="3598320"/>
+            <a:ext cx="104001" cy="1023409"/>
+          </a:xfrm>
+          <a:custGeom>
+            <a:avLst/>
+            <a:gdLst/>
+            <a:ahLst/>
+            <a:cxnLst/>
+            <a:rect l="l" t="t" r="r" b="b"/>
+            <a:pathLst>
+              <a:path w="21600" h="21600">
+                <a:moveTo>
+                  <a:pt x="0" y="0"/>
+                </a:moveTo>
+                <a:lnTo>
+                  <a:pt x="21600" y="21600"/>
+                </a:lnTo>
+              </a:path>
+            </a:pathLst>
+          </a:custGeom>
+          <a:noFill/>
+          <a:ln>
+            <a:solidFill>
+              <a:srgbClr val="3F6EC2"/>
+            </a:solidFill>
+            <a:tailEnd type="triangle" w="med" len="med"/>
+          </a:ln>
+        </p:spPr>
+        <p:style>
+          <a:lnRef idx="1">
+            <a:schemeClr val="accent1"/>
+          </a:lnRef>
+          <a:fillRef idx="0">
+            <a:schemeClr val="accent1"/>
+          </a:fillRef>
+          <a:effectRef idx="0">
+            <a:schemeClr val="accent1"/>
+          </a:effectRef>
+          <a:fontRef idx="minor"/>
+        </p:style>
+      </p:sp>
+      <p:sp>
+        <p:nvSpPr>
+          <p:cNvPr id="5" name="CustomShape 2">
+            <a:extLst>
+              <a:ext uri="{FF2B5EF4-FFF2-40B4-BE49-F238E27FC236}">
+                <a16:creationId xmlns:a16="http://schemas.microsoft.com/office/drawing/2014/main" id="{FEE0AE9D-EA8A-4EF0-8615-1825C9DDCE16}"/>
+              </a:ext>
+            </a:extLst>
+          </p:cNvPr>
+          <p:cNvSpPr/>
+          <p:nvPr/>
+        </p:nvSpPr>
+        <p:spPr>
+          <a:xfrm>
+            <a:off x="680830" y="4634836"/>
+            <a:ext cx="834480" cy="435600"/>
+          </a:xfrm>
+          <a:prstGeom prst="rect">
+            <a:avLst/>
+          </a:prstGeom>
+          <a:solidFill>
+            <a:srgbClr val="66FFFF"/>
+          </a:solidFill>
+          <a:ln>
+            <a:solidFill>
+              <a:srgbClr val="5597D3"/>
+            </a:solidFill>
+          </a:ln>
+          <a:effectLst>
+            <a:outerShdw blurRad="40000" dist="20160" dir="5400000" rotWithShape="0">
+              <a:srgbClr val="000000">
+                <a:alpha val="38000"/>
+              </a:srgbClr>
+            </a:outerShdw>
+          </a:effectLst>
+        </p:spPr>
+        <p:style>
+          <a:lnRef idx="1">
+            <a:schemeClr val="accent5"/>
+          </a:lnRef>
+          <a:fillRef idx="2">
+            <a:schemeClr val="accent5"/>
+          </a:fillRef>
+          <a:effectRef idx="1">
+            <a:schemeClr val="accent5"/>
+          </a:effectRef>
+          <a:fontRef idx="minor"/>
+        </p:style>
+        <p:txBody>
+          <a:bodyPr lIns="90000" tIns="45000" rIns="90000" bIns="45000" anchor="ctr">
+            <a:noAutofit/>
+          </a:bodyPr>
+          <a:lstStyle/>
+          <a:p>
+            <a:pPr algn="ctr">
+              <a:lnSpc>
+                <a:spcPct val="100000"/>
+              </a:lnSpc>
+            </a:pPr>
+            <a:r>
+              <a:rPr lang="pt-BR" sz="1200" b="0" strike="noStrike" spc="-1" dirty="0">
+                <a:solidFill>
+                  <a:srgbClr val="000000"/>
+                </a:solidFill>
+                <a:latin typeface="Calibri"/>
+                <a:ea typeface="DejaVu Sans"/>
+              </a:rPr>
+              <a:t>Provedor do cartão</a:t>
+            </a:r>
+            <a:endParaRPr lang="pt-BR" sz="1200" b="0" strike="noStrike" spc="-1" dirty="0">
+              <a:latin typeface="Arial"/>
+            </a:endParaRPr>
+          </a:p>
+        </p:txBody>
+      </p:sp>
+      <p:cxnSp>
+        <p:nvCxnSpPr>
+          <p:cNvPr id="11" name="Conector: Angulado 10">
+            <a:extLst>
+              <a:ext uri="{FF2B5EF4-FFF2-40B4-BE49-F238E27FC236}">
+                <a16:creationId xmlns:a16="http://schemas.microsoft.com/office/drawing/2014/main" id="{E9161654-76DA-458F-949B-ED0A7B7C01EF}"/>
+              </a:ext>
+            </a:extLst>
+          </p:cNvPr>
+          <p:cNvCxnSpPr>
+            <a:cxnSpLocks/>
+            <a:stCxn id="38" idx="2"/>
+            <a:endCxn id="5" idx="1"/>
+          </p:cNvCxnSpPr>
+          <p:nvPr/>
+        </p:nvCxnSpPr>
+        <p:spPr>
+          <a:xfrm rot="10800000" flipH="1" flipV="1">
+            <a:off x="360254" y="2903404"/>
+            <a:ext cx="320575" cy="1949231"/>
+          </a:xfrm>
+          <a:prstGeom prst="bentConnector3">
+            <a:avLst>
+              <a:gd name="adj1" fmla="val -71309"/>
+            </a:avLst>
+          </a:prstGeom>
+          <a:ln>
+            <a:tailEnd type="triangle"/>
+          </a:ln>
+        </p:spPr>
+        <p:style>
+          <a:lnRef idx="1">
+            <a:schemeClr val="accent1"/>
+          </a:lnRef>
+          <a:fillRef idx="0">
+            <a:schemeClr val="accent1"/>
+          </a:fillRef>
+          <a:effectRef idx="0">
+            <a:schemeClr val="accent1"/>
+          </a:effectRef>
+          <a:fontRef idx="minor">
+            <a:schemeClr val="tx1"/>
+          </a:fontRef>
+        </p:style>
+      </p:cxnSp>
+      <p:sp>
+        <p:nvSpPr>
+          <p:cNvPr id="24" name="CustomShape 8">
+            <a:extLst>
+              <a:ext uri="{FF2B5EF4-FFF2-40B4-BE49-F238E27FC236}">
+                <a16:creationId xmlns:a16="http://schemas.microsoft.com/office/drawing/2014/main" id="{030485D8-81A6-4DC8-B7FD-C8FF2F406D57}"/>
+              </a:ext>
+            </a:extLst>
+          </p:cNvPr>
+          <p:cNvSpPr/>
+          <p:nvPr/>
+        </p:nvSpPr>
+        <p:spPr>
+          <a:xfrm>
+            <a:off x="346057" y="3975480"/>
+            <a:ext cx="1788931" cy="229378"/>
+          </a:xfrm>
+          <a:prstGeom prst="rect">
+            <a:avLst/>
+          </a:prstGeom>
+          <a:noFill/>
+          <a:ln w="0">
+            <a:noFill/>
+          </a:ln>
+        </p:spPr>
+        <p:style>
+          <a:lnRef idx="0">
+            <a:scrgbClr r="0" g="0" b="0"/>
+          </a:lnRef>
+          <a:fillRef idx="0">
+            <a:scrgbClr r="0" g="0" b="0"/>
+          </a:fillRef>
+          <a:effectRef idx="0">
+            <a:scrgbClr r="0" g="0" b="0"/>
+          </a:effectRef>
+          <a:fontRef idx="minor"/>
+        </p:style>
+        <p:txBody>
+          <a:bodyPr wrap="square" lIns="90000" tIns="45000" rIns="90000" bIns="45000">
+            <a:spAutoFit/>
+          </a:bodyPr>
+          <a:lstStyle/>
+          <a:p>
+            <a:pPr>
+              <a:lnSpc>
+                <a:spcPct val="100000"/>
+              </a:lnSpc>
+            </a:pPr>
+            <a:r>
+              <a:rPr lang="pt-BR" sz="900" b="0" strike="noStrike" spc="-1" dirty="0">
+                <a:latin typeface="Arial"/>
+              </a:rPr>
+              <a:t>resposta do pagamento</a:t>
+            </a:r>
+          </a:p>
+        </p:txBody>
+      </p:sp>
+      <p:sp>
+        <p:nvSpPr>
+          <p:cNvPr id="33" name="CustomShape 6">
+            <a:extLst>
+              <a:ext uri="{FF2B5EF4-FFF2-40B4-BE49-F238E27FC236}">
+                <a16:creationId xmlns:a16="http://schemas.microsoft.com/office/drawing/2014/main" id="{C917C26C-7E8F-4EB8-8C76-B6F6B79063E1}"/>
+              </a:ext>
+            </a:extLst>
+          </p:cNvPr>
+          <p:cNvSpPr/>
+          <p:nvPr/>
+        </p:nvSpPr>
+        <p:spPr>
+          <a:xfrm>
+            <a:off x="6096000" y="814196"/>
+            <a:ext cx="5093650" cy="1014209"/>
+          </a:xfrm>
+          <a:prstGeom prst="rect">
+            <a:avLst/>
+          </a:prstGeom>
+          <a:noFill/>
+          <a:ln w="0">
+            <a:noFill/>
+          </a:ln>
+        </p:spPr>
+        <p:style>
+          <a:lnRef idx="0">
+            <a:scrgbClr r="0" g="0" b="0"/>
+          </a:lnRef>
+          <a:fillRef idx="0">
+            <a:scrgbClr r="0" g="0" b="0"/>
+          </a:fillRef>
+          <a:effectRef idx="0">
+            <a:scrgbClr r="0" g="0" b="0"/>
+          </a:effectRef>
+          <a:fontRef idx="minor"/>
+        </p:style>
+        <p:txBody>
+          <a:bodyPr wrap="square" lIns="90000" tIns="45000" rIns="90000" bIns="45000">
+            <a:spAutoFit/>
+          </a:bodyPr>
+          <a:lstStyle/>
+          <a:p>
+            <a:pPr>
+              <a:lnSpc>
+                <a:spcPct val="100000"/>
+              </a:lnSpc>
+            </a:pPr>
+            <a:r>
+              <a:rPr lang="pt-BR" sz="2000" b="0" strike="noStrike" spc="-1" dirty="0">
+                <a:solidFill>
+                  <a:srgbClr val="000000"/>
+                </a:solidFill>
+                <a:latin typeface="Calibri"/>
+                <a:ea typeface="DejaVu Sans"/>
+              </a:rPr>
+              <a:t>Descrição dos Processos de Negócio </a:t>
+            </a:r>
+          </a:p>
+          <a:p>
+            <a:pPr>
+              <a:lnSpc>
+                <a:spcPct val="100000"/>
+              </a:lnSpc>
+            </a:pPr>
+            <a:endParaRPr lang="pt-BR" sz="2000" b="0" strike="noStrike" spc="-1" dirty="0">
+              <a:solidFill>
+                <a:srgbClr val="000000"/>
+              </a:solidFill>
+              <a:latin typeface="Calibri"/>
+              <a:ea typeface="DejaVu Sans"/>
+            </a:endParaRPr>
+          </a:p>
+          <a:p>
+            <a:pPr>
+              <a:lnSpc>
+                <a:spcPct val="100000"/>
+              </a:lnSpc>
+            </a:pPr>
+            <a:r>
+              <a:rPr lang="pt-BR" sz="2000" spc="-1" dirty="0">
+                <a:solidFill>
+                  <a:srgbClr val="000000"/>
+                </a:solidFill>
+                <a:latin typeface="Calibri"/>
+              </a:rPr>
+              <a:t>Cenário 2: Efetuar troca do produto</a:t>
+            </a:r>
+            <a:endParaRPr lang="pt-BR" sz="2000" b="0" strike="noStrike" spc="-1" dirty="0">
+              <a:latin typeface="Arial"/>
+            </a:endParaRPr>
+          </a:p>
+        </p:txBody>
+      </p:sp>
+      <p:sp>
+        <p:nvSpPr>
+          <p:cNvPr id="20" name="CustomShape 2">
+            <a:extLst>
+              <a:ext uri="{FF2B5EF4-FFF2-40B4-BE49-F238E27FC236}">
+                <a16:creationId xmlns:a16="http://schemas.microsoft.com/office/drawing/2014/main" id="{81FFBF39-885C-4432-A63D-5A1BFA943DF4}"/>
+              </a:ext>
+            </a:extLst>
+          </p:cNvPr>
+          <p:cNvSpPr/>
+          <p:nvPr/>
+        </p:nvSpPr>
+        <p:spPr>
+          <a:xfrm>
+            <a:off x="2859910" y="4634836"/>
+            <a:ext cx="834480" cy="435600"/>
+          </a:xfrm>
+          <a:prstGeom prst="rect">
+            <a:avLst/>
+          </a:prstGeom>
+          <a:solidFill>
+            <a:srgbClr val="66FFFF"/>
+          </a:solidFill>
+          <a:ln>
+            <a:solidFill>
+              <a:srgbClr val="5597D3"/>
+            </a:solidFill>
+          </a:ln>
+          <a:effectLst>
+            <a:outerShdw blurRad="40000" dist="20160" dir="5400000" rotWithShape="0">
+              <a:srgbClr val="000000">
+                <a:alpha val="38000"/>
+              </a:srgbClr>
+            </a:outerShdw>
+          </a:effectLst>
+        </p:spPr>
+        <p:style>
+          <a:lnRef idx="1">
+            <a:schemeClr val="accent5"/>
+          </a:lnRef>
+          <a:fillRef idx="2">
+            <a:schemeClr val="accent5"/>
+          </a:fillRef>
+          <a:effectRef idx="1">
+            <a:schemeClr val="accent5"/>
+          </a:effectRef>
+          <a:fontRef idx="minor"/>
+        </p:style>
+        <p:txBody>
+          <a:bodyPr lIns="90000" tIns="45000" rIns="90000" bIns="45000" anchor="ctr">
+            <a:noAutofit/>
+          </a:bodyPr>
+          <a:lstStyle/>
+          <a:p>
+            <a:pPr algn="ctr">
+              <a:lnSpc>
+                <a:spcPct val="100000"/>
+              </a:lnSpc>
+            </a:pPr>
+            <a:r>
+              <a:rPr lang="pt-BR" sz="1200" b="0" strike="noStrike" spc="-1" dirty="0">
+                <a:solidFill>
+                  <a:srgbClr val="000000"/>
+                </a:solidFill>
+                <a:latin typeface="Calibri"/>
+                <a:ea typeface="DejaVu Sans"/>
+              </a:rPr>
+              <a:t>Cliente</a:t>
+            </a:r>
+            <a:endParaRPr lang="pt-BR" sz="1200" b="0" strike="noStrike" spc="-1" dirty="0">
+              <a:latin typeface="Arial"/>
+            </a:endParaRPr>
+          </a:p>
+        </p:txBody>
+      </p:sp>
+      <p:cxnSp>
+        <p:nvCxnSpPr>
+          <p:cNvPr id="32" name="Conector: Angulado 31">
+            <a:extLst>
+              <a:ext uri="{FF2B5EF4-FFF2-40B4-BE49-F238E27FC236}">
+                <a16:creationId xmlns:a16="http://schemas.microsoft.com/office/drawing/2014/main" id="{E6427E73-EC9A-4F06-A894-F81FB6076D83}"/>
+              </a:ext>
+            </a:extLst>
+          </p:cNvPr>
+          <p:cNvCxnSpPr>
+            <a:stCxn id="38" idx="6"/>
+            <a:endCxn id="20" idx="0"/>
+          </p:cNvCxnSpPr>
+          <p:nvPr/>
+        </p:nvCxnSpPr>
+        <p:spPr>
+          <a:xfrm>
+            <a:off x="1892300" y="2903405"/>
+            <a:ext cx="1384850" cy="1731431"/>
+          </a:xfrm>
+          <a:prstGeom prst="bentConnector2">
+            <a:avLst/>
+          </a:prstGeom>
+          <a:ln>
+            <a:tailEnd type="triangle"/>
+          </a:ln>
+        </p:spPr>
+        <p:style>
+          <a:lnRef idx="1">
+            <a:schemeClr val="accent1"/>
+          </a:lnRef>
+          <a:fillRef idx="0">
+            <a:schemeClr val="accent1"/>
+          </a:fillRef>
+          <a:effectRef idx="0">
+            <a:schemeClr val="accent1"/>
+          </a:effectRef>
+          <a:fontRef idx="minor">
+            <a:schemeClr val="tx1"/>
+          </a:fontRef>
+        </p:style>
+      </p:cxnSp>
+      <p:sp>
+        <p:nvSpPr>
+          <p:cNvPr id="34" name="CustomShape 8">
+            <a:extLst>
+              <a:ext uri="{FF2B5EF4-FFF2-40B4-BE49-F238E27FC236}">
+                <a16:creationId xmlns:a16="http://schemas.microsoft.com/office/drawing/2014/main" id="{7327BB74-0C7D-46FF-A094-85332AD2A3E6}"/>
+              </a:ext>
+            </a:extLst>
+          </p:cNvPr>
+          <p:cNvSpPr/>
+          <p:nvPr/>
+        </p:nvSpPr>
+        <p:spPr>
+          <a:xfrm>
+            <a:off x="2281682" y="3559941"/>
+            <a:ext cx="2033154" cy="367878"/>
+          </a:xfrm>
+          <a:prstGeom prst="rect">
+            <a:avLst/>
+          </a:prstGeom>
+          <a:noFill/>
+          <a:ln w="0">
+            <a:noFill/>
+          </a:ln>
+        </p:spPr>
+        <p:style>
+          <a:lnRef idx="0">
+            <a:scrgbClr r="0" g="0" b="0"/>
+          </a:lnRef>
+          <a:fillRef idx="0">
+            <a:scrgbClr r="0" g="0" b="0"/>
+          </a:fillRef>
+          <a:effectRef idx="0">
+            <a:scrgbClr r="0" g="0" b="0"/>
+          </a:effectRef>
+          <a:fontRef idx="minor"/>
+        </p:style>
+        <p:txBody>
+          <a:bodyPr wrap="square" lIns="90000" tIns="45000" rIns="90000" bIns="45000">
+            <a:spAutoFit/>
+          </a:bodyPr>
+          <a:lstStyle/>
+          <a:p>
+            <a:pPr>
+              <a:lnSpc>
+                <a:spcPct val="100000"/>
+              </a:lnSpc>
+            </a:pPr>
+            <a:r>
+              <a:rPr lang="pt-BR" sz="900" spc="-1" dirty="0">
+                <a:solidFill>
+                  <a:srgbClr val="000000"/>
+                </a:solidFill>
+                <a:latin typeface="Calibri"/>
+                <a:ea typeface="DejaVu Sans"/>
+              </a:rPr>
+              <a:t>[Transação aceita + novo produto + NF (recibo) | transação recusado]</a:t>
+            </a:r>
+            <a:endParaRPr lang="pt-BR" sz="900" b="0" strike="noStrike" spc="-1" dirty="0">
+              <a:latin typeface="Arial"/>
+            </a:endParaRPr>
+          </a:p>
+        </p:txBody>
+      </p:sp>
+      <p:sp>
+        <p:nvSpPr>
+          <p:cNvPr id="7" name="CustomShape 3">
+            <a:extLst>
+              <a:ext uri="{FF2B5EF4-FFF2-40B4-BE49-F238E27FC236}">
+                <a16:creationId xmlns:a16="http://schemas.microsoft.com/office/drawing/2014/main" id="{5A8B9BC8-6196-41EB-80EE-FE9C3090BA95}"/>
+              </a:ext>
+            </a:extLst>
+          </p:cNvPr>
+          <p:cNvSpPr/>
+          <p:nvPr/>
+        </p:nvSpPr>
+        <p:spPr>
+          <a:xfrm>
+            <a:off x="3218563" y="1225429"/>
+            <a:ext cx="951653" cy="419607"/>
+          </a:xfrm>
+          <a:prstGeom prst="rect">
+            <a:avLst/>
+          </a:prstGeom>
+          <a:ln>
+            <a:noFill/>
+          </a:ln>
+        </p:spPr>
+        <p:style>
+          <a:lnRef idx="2">
+            <a:schemeClr val="accent6">
+              <a:shade val="50000"/>
+            </a:schemeClr>
+          </a:lnRef>
+          <a:fillRef idx="1">
+            <a:schemeClr val="accent6"/>
+          </a:fillRef>
+          <a:effectRef idx="0">
+            <a:schemeClr val="accent6"/>
+          </a:effectRef>
+          <a:fontRef idx="minor"/>
+        </p:style>
+        <p:txBody>
+          <a:bodyPr lIns="90000" tIns="45000" rIns="90000" bIns="45000" anchor="ctr">
+            <a:noAutofit/>
+          </a:bodyPr>
+          <a:lstStyle/>
+          <a:p>
+            <a:pPr algn="ctr">
+              <a:lnSpc>
+                <a:spcPct val="100000"/>
+              </a:lnSpc>
+            </a:pPr>
+            <a:r>
+              <a:rPr lang="pt-BR" sz="1050" b="0" strike="noStrike" spc="-1" dirty="0">
+                <a:solidFill>
+                  <a:srgbClr val="000000"/>
+                </a:solidFill>
+                <a:latin typeface="Calibri"/>
+                <a:ea typeface="DejaVu Sans"/>
+              </a:rPr>
+              <a:t>Cliente</a:t>
+            </a:r>
+            <a:endParaRPr lang="pt-BR" sz="1050" b="0" strike="noStrike" spc="-1" dirty="0">
+              <a:latin typeface="Arial"/>
+            </a:endParaRPr>
+          </a:p>
+        </p:txBody>
+      </p:sp>
+      <p:sp>
+        <p:nvSpPr>
+          <p:cNvPr id="8" name="CustomShape 3">
+            <a:extLst>
+              <a:ext uri="{FF2B5EF4-FFF2-40B4-BE49-F238E27FC236}">
+                <a16:creationId xmlns:a16="http://schemas.microsoft.com/office/drawing/2014/main" id="{1E4CA5D8-3430-49D1-8AF6-1AB865DFBC75}"/>
+              </a:ext>
+            </a:extLst>
+          </p:cNvPr>
+          <p:cNvSpPr/>
+          <p:nvPr/>
+        </p:nvSpPr>
+        <p:spPr>
+          <a:xfrm>
+            <a:off x="1083552" y="1228365"/>
+            <a:ext cx="1045219" cy="419607"/>
+          </a:xfrm>
+          <a:prstGeom prst="rect">
+            <a:avLst/>
+          </a:prstGeom>
+          <a:ln>
+            <a:noFill/>
+          </a:ln>
+        </p:spPr>
+        <p:style>
+          <a:lnRef idx="2">
+            <a:schemeClr val="accent6">
+              <a:shade val="50000"/>
+            </a:schemeClr>
+          </a:lnRef>
+          <a:fillRef idx="1">
+            <a:schemeClr val="accent6"/>
+          </a:fillRef>
+          <a:effectRef idx="0">
+            <a:schemeClr val="accent6"/>
+          </a:effectRef>
+          <a:fontRef idx="minor"/>
+        </p:style>
+        <p:txBody>
+          <a:bodyPr lIns="90000" tIns="45000" rIns="90000" bIns="45000" anchor="ctr">
+            <a:noAutofit/>
+          </a:bodyPr>
+          <a:lstStyle/>
+          <a:p>
+            <a:pPr algn="ctr">
+              <a:lnSpc>
+                <a:spcPct val="100000"/>
+              </a:lnSpc>
+            </a:pPr>
+            <a:r>
+              <a:rPr lang="pt-BR" sz="1050" b="0" strike="noStrike" spc="-1" dirty="0">
+                <a:solidFill>
+                  <a:srgbClr val="000000"/>
+                </a:solidFill>
+                <a:latin typeface="Calibri"/>
+                <a:ea typeface="DejaVu Sans"/>
+              </a:rPr>
+              <a:t>Comprovante da venda</a:t>
+            </a:r>
+            <a:endParaRPr lang="pt-BR" sz="1050" b="0" strike="noStrike" spc="-1" dirty="0">
+              <a:latin typeface="Arial"/>
+            </a:endParaRPr>
+          </a:p>
+        </p:txBody>
+      </p:sp>
+      <p:sp>
+        <p:nvSpPr>
+          <p:cNvPr id="10" name="CustomShape 3">
+            <a:extLst>
+              <a:ext uri="{FF2B5EF4-FFF2-40B4-BE49-F238E27FC236}">
+                <a16:creationId xmlns:a16="http://schemas.microsoft.com/office/drawing/2014/main" id="{AC4B1FD6-4B32-4835-A112-B27D68026EEC}"/>
+              </a:ext>
+            </a:extLst>
+          </p:cNvPr>
+          <p:cNvSpPr/>
+          <p:nvPr/>
+        </p:nvSpPr>
+        <p:spPr>
+          <a:xfrm>
+            <a:off x="109087" y="1228365"/>
+            <a:ext cx="851081" cy="419607"/>
+          </a:xfrm>
+          <a:prstGeom prst="rect">
+            <a:avLst/>
+          </a:prstGeom>
+          <a:ln>
+            <a:noFill/>
+          </a:ln>
+        </p:spPr>
+        <p:style>
+          <a:lnRef idx="2">
+            <a:schemeClr val="accent6">
+              <a:shade val="50000"/>
+            </a:schemeClr>
+          </a:lnRef>
+          <a:fillRef idx="1">
+            <a:schemeClr val="accent6"/>
+          </a:fillRef>
+          <a:effectRef idx="0">
+            <a:schemeClr val="accent6"/>
+          </a:effectRef>
+          <a:fontRef idx="minor"/>
+        </p:style>
+        <p:txBody>
+          <a:bodyPr lIns="90000" tIns="45000" rIns="90000" bIns="45000" anchor="ctr">
+            <a:noAutofit/>
+          </a:bodyPr>
+          <a:lstStyle/>
+          <a:p>
+            <a:pPr algn="ctr">
+              <a:lnSpc>
+                <a:spcPct val="100000"/>
+              </a:lnSpc>
+            </a:pPr>
+            <a:r>
+              <a:rPr lang="pt-BR" sz="1050" b="0" strike="noStrike" spc="-1" dirty="0">
+                <a:solidFill>
+                  <a:srgbClr val="000000"/>
+                </a:solidFill>
+                <a:latin typeface="Calibri"/>
+                <a:ea typeface="DejaVu Sans"/>
+              </a:rPr>
+              <a:t>Pedido</a:t>
+            </a:r>
+            <a:endParaRPr lang="pt-BR" sz="1050" b="0" strike="noStrike" spc="-1" dirty="0">
+              <a:latin typeface="Arial"/>
+            </a:endParaRPr>
+          </a:p>
+        </p:txBody>
+      </p:sp>
+      <p:sp>
+        <p:nvSpPr>
+          <p:cNvPr id="13" name="CustomShape 3">
+            <a:extLst>
+              <a:ext uri="{FF2B5EF4-FFF2-40B4-BE49-F238E27FC236}">
+                <a16:creationId xmlns:a16="http://schemas.microsoft.com/office/drawing/2014/main" id="{7383FEB5-CE20-4A78-B8C6-D4AF1CC7BA2C}"/>
+              </a:ext>
+            </a:extLst>
+          </p:cNvPr>
+          <p:cNvSpPr/>
+          <p:nvPr/>
+        </p:nvSpPr>
+        <p:spPr>
+          <a:xfrm>
+            <a:off x="2222862" y="1228364"/>
+            <a:ext cx="851081" cy="419607"/>
+          </a:xfrm>
+          <a:prstGeom prst="rect">
+            <a:avLst/>
+          </a:prstGeom>
+          <a:ln>
+            <a:noFill/>
+          </a:ln>
+        </p:spPr>
+        <p:style>
+          <a:lnRef idx="2">
+            <a:schemeClr val="accent6">
+              <a:shade val="50000"/>
+            </a:schemeClr>
+          </a:lnRef>
+          <a:fillRef idx="1">
+            <a:schemeClr val="accent6"/>
+          </a:fillRef>
+          <a:effectRef idx="0">
+            <a:schemeClr val="accent6"/>
+          </a:effectRef>
+          <a:fontRef idx="minor"/>
+        </p:style>
+        <p:txBody>
+          <a:bodyPr lIns="90000" tIns="45000" rIns="90000" bIns="45000" anchor="ctr">
+            <a:noAutofit/>
+          </a:bodyPr>
+          <a:lstStyle/>
+          <a:p>
+            <a:pPr algn="ctr">
+              <a:lnSpc>
+                <a:spcPct val="100000"/>
+              </a:lnSpc>
+            </a:pPr>
+            <a:r>
+              <a:rPr lang="pt-BR" sz="1050" b="0" strike="noStrike" spc="-1" dirty="0">
+                <a:solidFill>
+                  <a:srgbClr val="000000"/>
+                </a:solidFill>
+                <a:latin typeface="Calibri"/>
+                <a:ea typeface="DejaVu Sans"/>
+              </a:rPr>
+              <a:t>Produto</a:t>
+            </a:r>
+            <a:endParaRPr lang="pt-BR" sz="1050" b="0" strike="noStrike" spc="-1" dirty="0">
+              <a:latin typeface="Arial"/>
+            </a:endParaRPr>
+          </a:p>
+        </p:txBody>
+      </p:sp>
+      <p:cxnSp>
+        <p:nvCxnSpPr>
+          <p:cNvPr id="16" name="Conector de Seta Reta 15">
+            <a:extLst>
+              <a:ext uri="{FF2B5EF4-FFF2-40B4-BE49-F238E27FC236}">
+                <a16:creationId xmlns:a16="http://schemas.microsoft.com/office/drawing/2014/main" id="{FC4B5B6B-EEC2-4526-BEBB-FD48CEEBCC31}"/>
+              </a:ext>
+            </a:extLst>
+          </p:cNvPr>
+          <p:cNvCxnSpPr/>
+          <p:nvPr/>
+        </p:nvCxnSpPr>
+        <p:spPr>
+          <a:xfrm>
+            <a:off x="525439" y="1645035"/>
+            <a:ext cx="225188" cy="647789"/>
+          </a:xfrm>
+          <a:prstGeom prst="straightConnector1">
+            <a:avLst/>
+          </a:prstGeom>
+          <a:ln>
+            <a:headEnd type="triangle"/>
+            <a:tailEnd type="triangle"/>
+          </a:ln>
+        </p:spPr>
+        <p:style>
+          <a:lnRef idx="1">
+            <a:schemeClr val="accent1"/>
+          </a:lnRef>
+          <a:fillRef idx="0">
+            <a:schemeClr val="accent1"/>
+          </a:fillRef>
+          <a:effectRef idx="0">
+            <a:schemeClr val="accent1"/>
+          </a:effectRef>
+          <a:fontRef idx="minor">
+            <a:schemeClr val="tx1"/>
+          </a:fontRef>
+        </p:style>
+      </p:cxnSp>
+      <p:cxnSp>
+        <p:nvCxnSpPr>
+          <p:cNvPr id="18" name="Conector de Seta Reta 17">
+            <a:extLst>
+              <a:ext uri="{FF2B5EF4-FFF2-40B4-BE49-F238E27FC236}">
+                <a16:creationId xmlns:a16="http://schemas.microsoft.com/office/drawing/2014/main" id="{4F89478B-6BC2-436D-91E3-CE6904985C1B}"/>
+              </a:ext>
+            </a:extLst>
+          </p:cNvPr>
+          <p:cNvCxnSpPr>
+            <a:cxnSpLocks/>
+          </p:cNvCxnSpPr>
+          <p:nvPr/>
+        </p:nvCxnSpPr>
+        <p:spPr>
+          <a:xfrm flipV="1">
+            <a:off x="1428561" y="1640934"/>
+            <a:ext cx="129070" cy="607655"/>
+          </a:xfrm>
+          <a:prstGeom prst="straightConnector1">
+            <a:avLst/>
+          </a:prstGeom>
+          <a:ln>
+            <a:tailEnd type="triangle"/>
+          </a:ln>
+        </p:spPr>
+        <p:style>
+          <a:lnRef idx="1">
+            <a:schemeClr val="accent1"/>
+          </a:lnRef>
+          <a:fillRef idx="0">
+            <a:schemeClr val="accent1"/>
+          </a:fillRef>
+          <a:effectRef idx="0">
+            <a:schemeClr val="accent1"/>
+          </a:effectRef>
+          <a:fontRef idx="minor">
+            <a:schemeClr val="tx1"/>
+          </a:fontRef>
+        </p:style>
+      </p:cxnSp>
+      <p:cxnSp>
+        <p:nvCxnSpPr>
+          <p:cNvPr id="37" name="Conector de Seta Reta 36">
+            <a:extLst>
+              <a:ext uri="{FF2B5EF4-FFF2-40B4-BE49-F238E27FC236}">
+                <a16:creationId xmlns:a16="http://schemas.microsoft.com/office/drawing/2014/main" id="{C779FBF2-9CFB-4547-8CA6-CCD1F1402DF2}"/>
+              </a:ext>
+            </a:extLst>
+          </p:cNvPr>
+          <p:cNvCxnSpPr>
+            <a:cxnSpLocks/>
+            <a:endCxn id="38" idx="7"/>
+          </p:cNvCxnSpPr>
+          <p:nvPr/>
+        </p:nvCxnSpPr>
+        <p:spPr>
+          <a:xfrm flipH="1">
+            <a:off x="1667937" y="1646561"/>
+            <a:ext cx="962068" cy="767328"/>
+          </a:xfrm>
+          <a:prstGeom prst="straightConnector1">
+            <a:avLst/>
+          </a:prstGeom>
+          <a:ln>
+            <a:headEnd type="triangle"/>
+            <a:tailEnd type="triangle"/>
+          </a:ln>
+        </p:spPr>
+        <p:style>
+          <a:lnRef idx="1">
+            <a:schemeClr val="accent1"/>
+          </a:lnRef>
+          <a:fillRef idx="0">
+            <a:schemeClr val="accent1"/>
+          </a:fillRef>
+          <a:effectRef idx="0">
+            <a:schemeClr val="accent1"/>
+          </a:effectRef>
+          <a:fontRef idx="minor">
+            <a:schemeClr val="tx1"/>
+          </a:fontRef>
+        </p:style>
+      </p:cxnSp>
+      <p:cxnSp>
+        <p:nvCxnSpPr>
+          <p:cNvPr id="35" name="Conector de Seta Reta 34">
+            <a:extLst>
+              <a:ext uri="{FF2B5EF4-FFF2-40B4-BE49-F238E27FC236}">
+                <a16:creationId xmlns:a16="http://schemas.microsoft.com/office/drawing/2014/main" id="{E0CB3120-CC4C-47CC-8DB4-C0CB00AD1E65}"/>
+              </a:ext>
+            </a:extLst>
+          </p:cNvPr>
+          <p:cNvCxnSpPr/>
+          <p:nvPr/>
+        </p:nvCxnSpPr>
+        <p:spPr>
+          <a:xfrm flipH="1">
+            <a:off x="1828800" y="1647971"/>
+            <a:ext cx="1865589" cy="890513"/>
+          </a:xfrm>
+          <a:prstGeom prst="straightConnector1">
+            <a:avLst/>
+          </a:prstGeom>
+          <a:ln>
+            <a:tailEnd type="triangle"/>
+          </a:ln>
+        </p:spPr>
+        <p:style>
+          <a:lnRef idx="1">
+            <a:schemeClr val="accent1"/>
+          </a:lnRef>
+          <a:fillRef idx="0">
+            <a:schemeClr val="accent1"/>
+          </a:fillRef>
+          <a:effectRef idx="0">
+            <a:schemeClr val="accent1"/>
+          </a:effectRef>
+          <a:fontRef idx="minor">
+            <a:schemeClr val="tx1"/>
+          </a:fontRef>
+        </p:style>
+      </p:cxnSp>
+    </p:spTree>
+    <p:extLst>
+      <p:ext uri="{BB962C8B-B14F-4D97-AF65-F5344CB8AC3E}">
+        <p14:creationId xmlns:p14="http://schemas.microsoft.com/office/powerpoint/2010/main" val="1332234003"/>
+      </p:ext>
+    </p:extLst>
   </p:cSld>
   <p:clrMapOvr>
     <a:masterClrMapping/>
@@ -4012,7 +5395,7 @@
                 </a:solidFill>
                 <a:latin typeface="Calibri"/>
               </a:rPr>
-              <a:t>Cenário: Efetuar venda de um produto</a:t>
+              <a:t>Cenário 1: Efetuar venda de um produto</a:t>
             </a:r>
             <a:endParaRPr lang="pt-BR" sz="2000" b="0" strike="noStrike" spc="-1" dirty="0">
               <a:latin typeface="Arial"/>
@@ -4690,14 +6073,16 @@
         <p:nvCxnSpPr>
           <p:cNvPr id="78" name="Line 11"/>
           <p:cNvCxnSpPr>
+            <a:cxnSpLocks/>
+            <a:stCxn id="68" idx="3"/>
             <a:endCxn id="76" idx="0"/>
           </p:cNvCxnSpPr>
           <p:nvPr/>
         </p:nvCxnSpPr>
         <p:spPr>
           <a:xfrm flipH="1">
-            <a:off x="1209240" y="3915720"/>
-            <a:ext cx="812520" cy="1124640"/>
+            <a:off x="1209240" y="3829956"/>
+            <a:ext cx="806493" cy="1210044"/>
           </a:xfrm>
           <a:prstGeom prst="straightConnector1">
             <a:avLst/>
@@ -4983,7 +6368,7 @@
                 </a:solidFill>
                 <a:latin typeface="Calibri"/>
               </a:rPr>
-              <a:t>Cenário: Efetuar venda de um produto</a:t>
+              <a:t>Cenário 1: Efetuar venda de um produto</a:t>
             </a:r>
             <a:endParaRPr lang="pt-BR" sz="2000" b="0" strike="noStrike" spc="-1" dirty="0">
               <a:latin typeface="Arial"/>
@@ -6168,7 +7553,7 @@
                 </a:solidFill>
                 <a:latin typeface="Calibri"/>
               </a:rPr>
-              <a:t>Cenário: Efetuar venda de um produto</a:t>
+              <a:t>Cenário 1: Efetuar venda de um produto</a:t>
             </a:r>
             <a:endParaRPr lang="pt-BR" sz="2000" b="0" strike="noStrike" spc="-1" dirty="0">
               <a:latin typeface="Arial"/>
@@ -6177,6 +7562,5556 @@
         </p:txBody>
       </p:sp>
     </p:spTree>
+  </p:cSld>
+  <p:clrMapOvr>
+    <a:masterClrMapping/>
+  </p:clrMapOvr>
+</p:sld>
+</file>
+
+<file path=ppt/slides/slide5.xml><?xml version="1.0" encoding="utf-8"?>
+<p:sld xmlns:a="http://schemas.openxmlformats.org/drawingml/2006/main" xmlns:r="http://schemas.openxmlformats.org/officeDocument/2006/relationships" xmlns:p="http://schemas.openxmlformats.org/presentationml/2006/main">
+  <p:cSld>
+    <p:spTree>
+      <p:nvGrpSpPr>
+        <p:cNvPr id="1" name=""/>
+        <p:cNvGrpSpPr/>
+        <p:nvPr/>
+      </p:nvGrpSpPr>
+      <p:grpSpPr>
+        <a:xfrm>
+          <a:off x="0" y="0"/>
+          <a:ext cx="0" cy="0"/>
+          <a:chOff x="0" y="0"/>
+          <a:chExt cx="0" cy="0"/>
+        </a:xfrm>
+      </p:grpSpPr>
+      <p:sp>
+        <p:nvSpPr>
+          <p:cNvPr id="38" name="CustomShape 1"/>
+          <p:cNvSpPr/>
+          <p:nvPr/>
+        </p:nvSpPr>
+        <p:spPr>
+          <a:xfrm>
+            <a:off x="2322000" y="2396160"/>
+            <a:ext cx="1473120" cy="1384560"/>
+          </a:xfrm>
+          <a:prstGeom prst="ellipse">
+            <a:avLst/>
+          </a:prstGeom>
+          <a:ln/>
+        </p:spPr>
+        <p:style>
+          <a:lnRef idx="2">
+            <a:schemeClr val="accent2">
+              <a:shade val="50000"/>
+            </a:schemeClr>
+          </a:lnRef>
+          <a:fillRef idx="1">
+            <a:schemeClr val="accent2"/>
+          </a:fillRef>
+          <a:effectRef idx="0">
+            <a:schemeClr val="accent2"/>
+          </a:effectRef>
+          <a:fontRef idx="minor"/>
+        </p:style>
+        <p:txBody>
+          <a:bodyPr lIns="90000" tIns="45000" rIns="90000" bIns="45000" anchor="ctr">
+            <a:noAutofit/>
+          </a:bodyPr>
+          <a:lstStyle/>
+          <a:p>
+            <a:pPr algn="ctr">
+              <a:lnSpc>
+                <a:spcPct val="100000"/>
+              </a:lnSpc>
+            </a:pPr>
+            <a:r>
+              <a:rPr lang="pt-BR" sz="1200" b="0" strike="noStrike" spc="-1" dirty="0">
+                <a:solidFill>
+                  <a:srgbClr val="000000"/>
+                </a:solidFill>
+                <a:latin typeface="Calibri"/>
+                <a:ea typeface="DejaVu Sans"/>
+              </a:rPr>
+              <a:t>Verificar histórico do pedido</a:t>
+            </a:r>
+            <a:endParaRPr lang="pt-BR" sz="1200" b="0" strike="noStrike" spc="-1" dirty="0">
+              <a:latin typeface="Arial"/>
+            </a:endParaRPr>
+          </a:p>
+        </p:txBody>
+      </p:sp>
+      <p:sp>
+        <p:nvSpPr>
+          <p:cNvPr id="39" name="CustomShape 2"/>
+          <p:cNvSpPr/>
+          <p:nvPr/>
+        </p:nvSpPr>
+        <p:spPr>
+          <a:xfrm>
+            <a:off x="705960" y="1422000"/>
+            <a:ext cx="834480" cy="435600"/>
+          </a:xfrm>
+          <a:prstGeom prst="rect">
+            <a:avLst/>
+          </a:prstGeom>
+          <a:solidFill>
+            <a:srgbClr val="66FFFF"/>
+          </a:solidFill>
+          <a:ln>
+            <a:solidFill>
+              <a:srgbClr val="5597D3"/>
+            </a:solidFill>
+          </a:ln>
+          <a:effectLst>
+            <a:outerShdw blurRad="40000" dist="20160" dir="5400000" rotWithShape="0">
+              <a:srgbClr val="000000">
+                <a:alpha val="38000"/>
+              </a:srgbClr>
+            </a:outerShdw>
+          </a:effectLst>
+        </p:spPr>
+        <p:style>
+          <a:lnRef idx="1">
+            <a:schemeClr val="accent5"/>
+          </a:lnRef>
+          <a:fillRef idx="2">
+            <a:schemeClr val="accent5"/>
+          </a:fillRef>
+          <a:effectRef idx="1">
+            <a:schemeClr val="accent5"/>
+          </a:effectRef>
+          <a:fontRef idx="minor"/>
+        </p:style>
+        <p:txBody>
+          <a:bodyPr lIns="90000" tIns="45000" rIns="90000" bIns="45000" anchor="ctr">
+            <a:noAutofit/>
+          </a:bodyPr>
+          <a:lstStyle/>
+          <a:p>
+            <a:pPr algn="ctr">
+              <a:lnSpc>
+                <a:spcPct val="100000"/>
+              </a:lnSpc>
+            </a:pPr>
+            <a:r>
+              <a:rPr lang="pt-BR" sz="1200" b="0" strike="noStrike" spc="-1" dirty="0">
+                <a:solidFill>
+                  <a:srgbClr val="000000"/>
+                </a:solidFill>
+                <a:latin typeface="Calibri"/>
+                <a:ea typeface="DejaVu Sans"/>
+              </a:rPr>
+              <a:t>Cliente</a:t>
+            </a:r>
+            <a:endParaRPr lang="pt-BR" sz="1200" b="0" strike="noStrike" spc="-1" dirty="0">
+              <a:latin typeface="Arial"/>
+            </a:endParaRPr>
+          </a:p>
+        </p:txBody>
+      </p:sp>
+      <p:sp>
+        <p:nvSpPr>
+          <p:cNvPr id="41" name="CustomShape 4"/>
+          <p:cNvSpPr/>
+          <p:nvPr/>
+        </p:nvSpPr>
+        <p:spPr>
+          <a:xfrm>
+            <a:off x="1541520" y="1640160"/>
+            <a:ext cx="1516680" cy="755280"/>
+          </a:xfrm>
+          <a:prstGeom prst="curvedConnector2">
+            <a:avLst/>
+          </a:prstGeom>
+          <a:noFill/>
+          <a:ln>
+            <a:solidFill>
+              <a:srgbClr val="3F6EC2"/>
+            </a:solidFill>
+            <a:tailEnd type="triangle" w="med" len="med"/>
+          </a:ln>
+        </p:spPr>
+        <p:style>
+          <a:lnRef idx="1">
+            <a:schemeClr val="accent1"/>
+          </a:lnRef>
+          <a:fillRef idx="0">
+            <a:schemeClr val="accent1"/>
+          </a:fillRef>
+          <a:effectRef idx="0">
+            <a:schemeClr val="accent1"/>
+          </a:effectRef>
+          <a:fontRef idx="minor"/>
+        </p:style>
+      </p:sp>
+      <p:sp>
+        <p:nvSpPr>
+          <p:cNvPr id="42" name="CustomShape 5"/>
+          <p:cNvSpPr/>
+          <p:nvPr/>
+        </p:nvSpPr>
+        <p:spPr>
+          <a:xfrm>
+            <a:off x="1957681" y="1742911"/>
+            <a:ext cx="1473120" cy="229378"/>
+          </a:xfrm>
+          <a:prstGeom prst="rect">
+            <a:avLst/>
+          </a:prstGeom>
+          <a:noFill/>
+          <a:ln w="0">
+            <a:noFill/>
+          </a:ln>
+        </p:spPr>
+        <p:style>
+          <a:lnRef idx="0">
+            <a:scrgbClr r="0" g="0" b="0"/>
+          </a:lnRef>
+          <a:fillRef idx="0">
+            <a:scrgbClr r="0" g="0" b="0"/>
+          </a:fillRef>
+          <a:effectRef idx="0">
+            <a:scrgbClr r="0" g="0" b="0"/>
+          </a:effectRef>
+          <a:fontRef idx="minor"/>
+        </p:style>
+        <p:txBody>
+          <a:bodyPr wrap="square" lIns="90000" tIns="45000" rIns="90000" bIns="45000">
+            <a:spAutoFit/>
+          </a:bodyPr>
+          <a:lstStyle/>
+          <a:p>
+            <a:pPr>
+              <a:lnSpc>
+                <a:spcPct val="100000"/>
+              </a:lnSpc>
+            </a:pPr>
+            <a:r>
+              <a:rPr lang="pt-BR" sz="900" spc="-1" dirty="0">
+                <a:solidFill>
+                  <a:srgbClr val="000000"/>
+                </a:solidFill>
+                <a:latin typeface="Calibri"/>
+                <a:ea typeface="DejaVu Sans"/>
+              </a:rPr>
+              <a:t>s</a:t>
+            </a:r>
+            <a:r>
+              <a:rPr lang="pt-BR" sz="900" b="0" strike="noStrike" spc="-1" dirty="0">
+                <a:solidFill>
+                  <a:srgbClr val="000000"/>
+                </a:solidFill>
+                <a:latin typeface="Calibri"/>
+                <a:ea typeface="DejaVu Sans"/>
+              </a:rPr>
+              <a:t>olicita troca do produto</a:t>
+            </a:r>
+            <a:endParaRPr lang="pt-BR" sz="900" b="0" strike="noStrike" spc="-1" dirty="0">
+              <a:latin typeface="Arial"/>
+            </a:endParaRPr>
+          </a:p>
+        </p:txBody>
+      </p:sp>
+      <p:sp>
+        <p:nvSpPr>
+          <p:cNvPr id="44" name="CustomShape 7"/>
+          <p:cNvSpPr/>
+          <p:nvPr/>
+        </p:nvSpPr>
+        <p:spPr>
+          <a:xfrm rot="10800000">
+            <a:off x="1124280" y="1857960"/>
+            <a:ext cx="1205640" cy="1236240"/>
+          </a:xfrm>
+          <a:prstGeom prst="curvedConnector2">
+            <a:avLst/>
+          </a:prstGeom>
+          <a:noFill/>
+          <a:ln>
+            <a:solidFill>
+              <a:srgbClr val="3F6EC2"/>
+            </a:solidFill>
+            <a:tailEnd type="triangle" w="med" len="med"/>
+          </a:ln>
+        </p:spPr>
+        <p:style>
+          <a:lnRef idx="1">
+            <a:schemeClr val="accent1"/>
+          </a:lnRef>
+          <a:fillRef idx="0">
+            <a:schemeClr val="accent1"/>
+          </a:fillRef>
+          <a:effectRef idx="0">
+            <a:schemeClr val="accent1"/>
+          </a:effectRef>
+          <a:fontRef idx="minor"/>
+        </p:style>
+      </p:sp>
+      <p:sp>
+        <p:nvSpPr>
+          <p:cNvPr id="45" name="CustomShape 8"/>
+          <p:cNvSpPr/>
+          <p:nvPr/>
+        </p:nvSpPr>
+        <p:spPr>
+          <a:xfrm>
+            <a:off x="726480" y="2529720"/>
+            <a:ext cx="1473120" cy="367878"/>
+          </a:xfrm>
+          <a:prstGeom prst="rect">
+            <a:avLst/>
+          </a:prstGeom>
+          <a:noFill/>
+          <a:ln w="0">
+            <a:noFill/>
+          </a:ln>
+        </p:spPr>
+        <p:style>
+          <a:lnRef idx="0">
+            <a:scrgbClr r="0" g="0" b="0"/>
+          </a:lnRef>
+          <a:fillRef idx="0">
+            <a:scrgbClr r="0" g="0" b="0"/>
+          </a:fillRef>
+          <a:effectRef idx="0">
+            <a:scrgbClr r="0" g="0" b="0"/>
+          </a:effectRef>
+          <a:fontRef idx="minor"/>
+        </p:style>
+        <p:txBody>
+          <a:bodyPr lIns="90000" tIns="45000" rIns="90000" bIns="45000">
+            <a:spAutoFit/>
+          </a:bodyPr>
+          <a:lstStyle/>
+          <a:p>
+            <a:pPr>
+              <a:lnSpc>
+                <a:spcPct val="100000"/>
+              </a:lnSpc>
+            </a:pPr>
+            <a:r>
+              <a:rPr lang="pt-BR" sz="900" spc="-1" dirty="0">
+                <a:solidFill>
+                  <a:srgbClr val="000000"/>
+                </a:solidFill>
+                <a:latin typeface="Calibri"/>
+                <a:ea typeface="DejaVu Sans"/>
+              </a:rPr>
+              <a:t>s</a:t>
+            </a:r>
+            <a:r>
+              <a:rPr lang="pt-BR" sz="900" b="0" strike="noStrike" spc="-1" dirty="0">
+                <a:solidFill>
+                  <a:srgbClr val="000000"/>
+                </a:solidFill>
+                <a:latin typeface="Calibri"/>
+                <a:ea typeface="DejaVu Sans"/>
+              </a:rPr>
+              <a:t>olicita produto a ser trocado</a:t>
+            </a:r>
+            <a:endParaRPr lang="pt-BR" sz="900" b="0" strike="noStrike" spc="-1" dirty="0">
+              <a:latin typeface="Arial"/>
+            </a:endParaRPr>
+          </a:p>
+        </p:txBody>
+      </p:sp>
+      <p:sp>
+        <p:nvSpPr>
+          <p:cNvPr id="47" name="CustomShape 10"/>
+          <p:cNvSpPr/>
+          <p:nvPr/>
+        </p:nvSpPr>
+        <p:spPr>
+          <a:xfrm>
+            <a:off x="4737600" y="3976200"/>
+            <a:ext cx="3719880" cy="1752872"/>
+          </a:xfrm>
+          <a:prstGeom prst="rect">
+            <a:avLst/>
+          </a:prstGeom>
+          <a:solidFill>
+            <a:schemeClr val="bg2"/>
+          </a:solidFill>
+          <a:ln w="0">
+            <a:noFill/>
+          </a:ln>
+        </p:spPr>
+        <p:style>
+          <a:lnRef idx="0">
+            <a:scrgbClr r="0" g="0" b="0"/>
+          </a:lnRef>
+          <a:fillRef idx="0">
+            <a:scrgbClr r="0" g="0" b="0"/>
+          </a:fillRef>
+          <a:effectRef idx="0">
+            <a:scrgbClr r="0" g="0" b="0"/>
+          </a:effectRef>
+          <a:fontRef idx="minor"/>
+        </p:style>
+        <p:txBody>
+          <a:bodyPr lIns="90000" tIns="45000" rIns="90000" bIns="45000">
+            <a:spAutoFit/>
+          </a:bodyPr>
+          <a:lstStyle/>
+          <a:p>
+            <a:pPr>
+              <a:lnSpc>
+                <a:spcPct val="100000"/>
+              </a:lnSpc>
+            </a:pPr>
+            <a:r>
+              <a:rPr lang="pt-BR" sz="900" b="1" strike="noStrike" spc="-1" dirty="0">
+                <a:solidFill>
+                  <a:srgbClr val="000000"/>
+                </a:solidFill>
+                <a:latin typeface="Calibri"/>
+                <a:ea typeface="DejaVu Sans"/>
+              </a:rPr>
+              <a:t>Efetuar </a:t>
+            </a:r>
+            <a:r>
+              <a:rPr lang="pt-BR" sz="900" b="1" spc="-1" dirty="0">
+                <a:solidFill>
+                  <a:srgbClr val="000000"/>
+                </a:solidFill>
+                <a:latin typeface="Calibri"/>
+                <a:ea typeface="DejaVu Sans"/>
+              </a:rPr>
+              <a:t>troca </a:t>
+            </a:r>
+            <a:r>
+              <a:rPr lang="pt-BR" sz="900" b="1" strike="noStrike" spc="-1" dirty="0">
+                <a:solidFill>
+                  <a:srgbClr val="000000"/>
+                </a:solidFill>
+                <a:latin typeface="Calibri"/>
+                <a:ea typeface="DejaVu Sans"/>
+              </a:rPr>
+              <a:t>do produto.</a:t>
+            </a:r>
+            <a:endParaRPr lang="pt-BR" sz="900" b="0" strike="noStrike" spc="-1" dirty="0">
+              <a:latin typeface="Arial"/>
+            </a:endParaRPr>
+          </a:p>
+          <a:p>
+            <a:pPr>
+              <a:lnSpc>
+                <a:spcPct val="100000"/>
+              </a:lnSpc>
+            </a:pPr>
+            <a:r>
+              <a:rPr lang="pt-BR" sz="900" b="1" strike="noStrike" spc="-1" dirty="0">
+                <a:solidFill>
+                  <a:srgbClr val="000000"/>
+                </a:solidFill>
+                <a:latin typeface="Calibri"/>
+                <a:ea typeface="DejaVu Sans"/>
+              </a:rPr>
+              <a:t>Evento:</a:t>
+            </a:r>
+            <a:r>
+              <a:rPr lang="pt-BR" sz="900" b="0" strike="noStrike" spc="-1" dirty="0">
+                <a:solidFill>
+                  <a:srgbClr val="000000"/>
+                </a:solidFill>
+                <a:latin typeface="Calibri"/>
+                <a:ea typeface="DejaVu Sans"/>
+              </a:rPr>
+              <a:t> Cliente deseja realizar a troca do produto.</a:t>
+            </a:r>
+            <a:endParaRPr lang="pt-BR" sz="900" b="0" strike="noStrike" spc="-1" dirty="0">
+              <a:latin typeface="Arial"/>
+            </a:endParaRPr>
+          </a:p>
+          <a:p>
+            <a:pPr>
+              <a:lnSpc>
+                <a:spcPct val="100000"/>
+              </a:lnSpc>
+            </a:pPr>
+            <a:r>
+              <a:rPr lang="pt-BR" sz="900" b="1" strike="noStrike" spc="-1" dirty="0">
+                <a:solidFill>
+                  <a:srgbClr val="000000"/>
+                </a:solidFill>
+                <a:latin typeface="Calibri"/>
+                <a:ea typeface="DejaVu Sans"/>
+              </a:rPr>
+              <a:t>Objetivo: </a:t>
+            </a:r>
+            <a:r>
+              <a:rPr lang="pt-BR" sz="900" b="0" strike="noStrike" spc="-1" dirty="0">
+                <a:solidFill>
+                  <a:srgbClr val="000000"/>
+                </a:solidFill>
+                <a:latin typeface="Calibri"/>
+                <a:ea typeface="DejaVu Sans"/>
+              </a:rPr>
+              <a:t>Efetuar a troca de um produto comprado pelo cliente.</a:t>
+            </a:r>
+            <a:endParaRPr lang="pt-BR" sz="900" b="0" strike="noStrike" spc="-1" dirty="0">
+              <a:latin typeface="Arial"/>
+            </a:endParaRPr>
+          </a:p>
+          <a:p>
+            <a:pPr>
+              <a:lnSpc>
+                <a:spcPct val="100000"/>
+              </a:lnSpc>
+            </a:pPr>
+            <a:r>
+              <a:rPr lang="pt-BR" sz="900" b="1" strike="noStrike" spc="-1" dirty="0">
+                <a:solidFill>
+                  <a:srgbClr val="000000"/>
+                </a:solidFill>
+                <a:latin typeface="Calibri"/>
+                <a:ea typeface="DejaVu Sans"/>
+              </a:rPr>
+              <a:t>Trabalhadores envolvidos:</a:t>
+            </a:r>
+            <a:endParaRPr lang="pt-BR" sz="900" b="0" strike="noStrike" spc="-1" dirty="0">
+              <a:latin typeface="Arial"/>
+            </a:endParaRPr>
+          </a:p>
+          <a:p>
+            <a:pPr marL="171360" indent="-170640">
+              <a:lnSpc>
+                <a:spcPct val="100000"/>
+              </a:lnSpc>
+              <a:buClr>
+                <a:srgbClr val="000000"/>
+              </a:buClr>
+              <a:buFont typeface="Wingdings" charset="2"/>
+              <a:buChar char=""/>
+            </a:pPr>
+            <a:r>
+              <a:rPr lang="pt-BR" sz="900" b="0" strike="noStrike" spc="-1" dirty="0">
+                <a:solidFill>
+                  <a:srgbClr val="000000"/>
+                </a:solidFill>
+                <a:latin typeface="Calibri"/>
+                <a:ea typeface="DejaVu Sans"/>
+              </a:rPr>
+              <a:t>Vendedor.</a:t>
+            </a:r>
+            <a:endParaRPr lang="pt-BR" sz="900" b="0" strike="noStrike" spc="-1" dirty="0">
+              <a:latin typeface="Arial"/>
+            </a:endParaRPr>
+          </a:p>
+          <a:p>
+            <a:pPr marL="432000" lvl="1" indent="-215640">
+              <a:lnSpc>
+                <a:spcPct val="100000"/>
+              </a:lnSpc>
+              <a:buClr>
+                <a:srgbClr val="000000"/>
+              </a:buClr>
+              <a:buSzPct val="45000"/>
+              <a:buFont typeface="Wingdings" charset="2"/>
+              <a:buChar char=""/>
+            </a:pPr>
+            <a:r>
+              <a:rPr lang="pt-BR" sz="900" b="0" strike="noStrike" spc="-1" dirty="0">
+                <a:solidFill>
+                  <a:srgbClr val="000000"/>
+                </a:solidFill>
+                <a:latin typeface="Calibri"/>
+                <a:ea typeface="DejaVu Sans"/>
+              </a:rPr>
+              <a:t>Verifica o comprovante da venda afim de validar se o pedido é passível de troca.</a:t>
+            </a:r>
+            <a:endParaRPr lang="pt-BR" sz="900" b="0" strike="noStrike" spc="-1" dirty="0">
+              <a:latin typeface="Arial"/>
+            </a:endParaRPr>
+          </a:p>
+          <a:p>
+            <a:pPr marL="648000" lvl="2" indent="-215640">
+              <a:lnSpc>
+                <a:spcPct val="100000"/>
+              </a:lnSpc>
+              <a:buClr>
+                <a:srgbClr val="000000"/>
+              </a:buClr>
+              <a:buSzPct val="45000"/>
+              <a:buFont typeface="Wingdings" charset="2"/>
+              <a:buChar char=""/>
+            </a:pPr>
+            <a:r>
+              <a:rPr lang="pt-BR" sz="900" b="0" strike="noStrike" spc="-1" dirty="0">
+                <a:solidFill>
+                  <a:srgbClr val="000000"/>
+                </a:solidFill>
+                <a:latin typeface="Calibri"/>
+                <a:ea typeface="DejaVu Sans"/>
+              </a:rPr>
+              <a:t>Se </a:t>
+            </a:r>
+            <a:r>
+              <a:rPr lang="pt-BR" sz="900" spc="-1" dirty="0">
+                <a:solidFill>
+                  <a:srgbClr val="000000"/>
+                </a:solidFill>
+                <a:latin typeface="Calibri"/>
+                <a:ea typeface="DejaVu Sans"/>
+              </a:rPr>
+              <a:t>for constatado que o produto foi comprado a mais de 30 dias,</a:t>
+            </a:r>
+            <a:r>
+              <a:rPr lang="pt-BR" sz="900" b="0" strike="noStrike" spc="-1" dirty="0">
+                <a:solidFill>
+                  <a:srgbClr val="000000"/>
+                </a:solidFill>
+                <a:latin typeface="Calibri"/>
+                <a:ea typeface="DejaVu Sans"/>
+              </a:rPr>
+              <a:t> será informado ao cliente que não será possível efetuar a troca do pedido pelo prazo de troca já ter sido encerrado.</a:t>
+            </a:r>
+            <a:endParaRPr lang="pt-BR" sz="900" b="0" strike="noStrike" spc="-1" dirty="0">
+              <a:latin typeface="Arial"/>
+            </a:endParaRPr>
+          </a:p>
+          <a:p>
+            <a:pPr marL="432000" lvl="1" indent="-215640">
+              <a:lnSpc>
+                <a:spcPct val="100000"/>
+              </a:lnSpc>
+              <a:buClr>
+                <a:srgbClr val="000000"/>
+              </a:buClr>
+              <a:buSzPct val="45000"/>
+              <a:buFont typeface="Wingdings" charset="2"/>
+              <a:buChar char=""/>
+            </a:pPr>
+            <a:r>
+              <a:rPr lang="pt-BR" sz="900" b="0" strike="noStrike" spc="-1" dirty="0">
+                <a:solidFill>
+                  <a:srgbClr val="000000"/>
+                </a:solidFill>
+                <a:latin typeface="Calibri"/>
+                <a:ea typeface="DejaVu Sans"/>
+              </a:rPr>
+              <a:t>Após o comprovante de venda validado, solicita a entrega do produto a ser trocado.</a:t>
+            </a:r>
+            <a:endParaRPr lang="pt-BR" sz="900" b="0" strike="noStrike" spc="-1" dirty="0">
+              <a:latin typeface="Arial"/>
+            </a:endParaRPr>
+          </a:p>
+        </p:txBody>
+      </p:sp>
+      <p:sp>
+        <p:nvSpPr>
+          <p:cNvPr id="48" name="CustomShape 11"/>
+          <p:cNvSpPr/>
+          <p:nvPr/>
+        </p:nvSpPr>
+        <p:spPr>
+          <a:xfrm>
+            <a:off x="3795840" y="3088800"/>
+            <a:ext cx="2801520" cy="886680"/>
+          </a:xfrm>
+          <a:prstGeom prst="curvedConnector2">
+            <a:avLst/>
+          </a:prstGeom>
+          <a:noFill/>
+          <a:ln>
+            <a:tailEnd type="triangle" w="med" len="med"/>
+          </a:ln>
+          <a:effectLst>
+            <a:outerShdw blurRad="40000" dist="23040" dir="5400000" rotWithShape="0">
+              <a:srgbClr val="000000">
+                <a:alpha val="35000"/>
+              </a:srgbClr>
+            </a:outerShdw>
+          </a:effectLst>
+        </p:spPr>
+        <p:style>
+          <a:lnRef idx="3">
+            <a:schemeClr val="accent1"/>
+          </a:lnRef>
+          <a:fillRef idx="0">
+            <a:schemeClr val="accent1"/>
+          </a:fillRef>
+          <a:effectRef idx="2">
+            <a:schemeClr val="accent1"/>
+          </a:effectRef>
+          <a:fontRef idx="minor"/>
+        </p:style>
+      </p:sp>
+      <p:sp>
+        <p:nvSpPr>
+          <p:cNvPr id="49" name="CustomShape 12"/>
+          <p:cNvSpPr/>
+          <p:nvPr/>
+        </p:nvSpPr>
+        <p:spPr>
+          <a:xfrm>
+            <a:off x="4737600" y="4761000"/>
+            <a:ext cx="3719880" cy="230040"/>
+          </a:xfrm>
+          <a:prstGeom prst="rect">
+            <a:avLst/>
+          </a:prstGeom>
+          <a:noFill/>
+          <a:ln w="0">
+            <a:noFill/>
+          </a:ln>
+        </p:spPr>
+        <p:style>
+          <a:lnRef idx="0">
+            <a:scrgbClr r="0" g="0" b="0"/>
+          </a:lnRef>
+          <a:fillRef idx="0">
+            <a:scrgbClr r="0" g="0" b="0"/>
+          </a:fillRef>
+          <a:effectRef idx="0">
+            <a:scrgbClr r="0" g="0" b="0"/>
+          </a:effectRef>
+          <a:fontRef idx="minor"/>
+        </p:style>
+      </p:sp>
+      <p:sp>
+        <p:nvSpPr>
+          <p:cNvPr id="3" name="CustomShape 3">
+            <a:extLst>
+              <a:ext uri="{FF2B5EF4-FFF2-40B4-BE49-F238E27FC236}">
+                <a16:creationId xmlns:a16="http://schemas.microsoft.com/office/drawing/2014/main" id="{BF67ABDD-2B82-432C-98B1-B2BDCF8CD1E2}"/>
+              </a:ext>
+            </a:extLst>
+          </p:cNvPr>
+          <p:cNvSpPr/>
+          <p:nvPr/>
+        </p:nvSpPr>
+        <p:spPr>
+          <a:xfrm>
+            <a:off x="2442296" y="4293360"/>
+            <a:ext cx="1525082" cy="360000"/>
+          </a:xfrm>
+          <a:prstGeom prst="rect">
+            <a:avLst/>
+          </a:prstGeom>
+          <a:ln>
+            <a:noFill/>
+          </a:ln>
+        </p:spPr>
+        <p:style>
+          <a:lnRef idx="2">
+            <a:schemeClr val="accent6">
+              <a:shade val="50000"/>
+            </a:schemeClr>
+          </a:lnRef>
+          <a:fillRef idx="1">
+            <a:schemeClr val="accent6"/>
+          </a:fillRef>
+          <a:effectRef idx="0">
+            <a:schemeClr val="accent6"/>
+          </a:effectRef>
+          <a:fontRef idx="minor"/>
+        </p:style>
+        <p:txBody>
+          <a:bodyPr lIns="90000" tIns="45000" rIns="90000" bIns="45000" anchor="ctr">
+            <a:noAutofit/>
+          </a:bodyPr>
+          <a:lstStyle/>
+          <a:p>
+            <a:pPr algn="r">
+              <a:lnSpc>
+                <a:spcPct val="100000"/>
+              </a:lnSpc>
+            </a:pPr>
+            <a:r>
+              <a:rPr lang="pt-BR" sz="1050" b="0" strike="noStrike" spc="-1" dirty="0">
+                <a:solidFill>
+                  <a:srgbClr val="000000"/>
+                </a:solidFill>
+                <a:latin typeface="Calibri"/>
+                <a:ea typeface="DejaVu Sans"/>
+              </a:rPr>
+              <a:t>Comprovante da venda</a:t>
+            </a:r>
+            <a:endParaRPr lang="pt-BR" sz="1050" b="0" strike="noStrike" spc="-1" dirty="0">
+              <a:latin typeface="Arial"/>
+            </a:endParaRPr>
+          </a:p>
+        </p:txBody>
+      </p:sp>
+      <p:sp>
+        <p:nvSpPr>
+          <p:cNvPr id="4" name="CustomShape 6">
+            <a:extLst>
+              <a:ext uri="{FF2B5EF4-FFF2-40B4-BE49-F238E27FC236}">
+                <a16:creationId xmlns:a16="http://schemas.microsoft.com/office/drawing/2014/main" id="{8BE70652-FE0A-4297-B063-D009E965709E}"/>
+              </a:ext>
+            </a:extLst>
+          </p:cNvPr>
+          <p:cNvSpPr/>
+          <p:nvPr/>
+        </p:nvSpPr>
+        <p:spPr>
+          <a:xfrm>
+            <a:off x="3058200" y="3780720"/>
+            <a:ext cx="45719" cy="512639"/>
+          </a:xfrm>
+          <a:custGeom>
+            <a:avLst/>
+            <a:gdLst/>
+            <a:ahLst/>
+            <a:cxnLst/>
+            <a:rect l="l" t="t" r="r" b="b"/>
+            <a:pathLst>
+              <a:path w="21600" h="21600">
+                <a:moveTo>
+                  <a:pt x="0" y="0"/>
+                </a:moveTo>
+                <a:lnTo>
+                  <a:pt x="21600" y="21600"/>
+                </a:lnTo>
+              </a:path>
+            </a:pathLst>
+          </a:custGeom>
+          <a:noFill/>
+          <a:ln>
+            <a:solidFill>
+              <a:srgbClr val="3F6EC2"/>
+            </a:solidFill>
+            <a:tailEnd type="triangle" w="med" len="med"/>
+          </a:ln>
+        </p:spPr>
+        <p:style>
+          <a:lnRef idx="1">
+            <a:schemeClr val="accent1"/>
+          </a:lnRef>
+          <a:fillRef idx="0">
+            <a:schemeClr val="accent1"/>
+          </a:fillRef>
+          <a:effectRef idx="0">
+            <a:schemeClr val="accent1"/>
+          </a:effectRef>
+          <a:fontRef idx="minor"/>
+        </p:style>
+      </p:sp>
+      <p:sp>
+        <p:nvSpPr>
+          <p:cNvPr id="2" name="CustomShape 6">
+            <a:extLst>
+              <a:ext uri="{FF2B5EF4-FFF2-40B4-BE49-F238E27FC236}">
+                <a16:creationId xmlns:a16="http://schemas.microsoft.com/office/drawing/2014/main" id="{CEA555CE-C704-4F85-A44C-5615A54535B8}"/>
+              </a:ext>
+            </a:extLst>
+          </p:cNvPr>
+          <p:cNvSpPr/>
+          <p:nvPr/>
+        </p:nvSpPr>
+        <p:spPr>
+          <a:xfrm>
+            <a:off x="4463100" y="861963"/>
+            <a:ext cx="5093650" cy="1014209"/>
+          </a:xfrm>
+          <a:prstGeom prst="rect">
+            <a:avLst/>
+          </a:prstGeom>
+          <a:noFill/>
+          <a:ln w="0">
+            <a:noFill/>
+          </a:ln>
+        </p:spPr>
+        <p:style>
+          <a:lnRef idx="0">
+            <a:scrgbClr r="0" g="0" b="0"/>
+          </a:lnRef>
+          <a:fillRef idx="0">
+            <a:scrgbClr r="0" g="0" b="0"/>
+          </a:fillRef>
+          <a:effectRef idx="0">
+            <a:scrgbClr r="0" g="0" b="0"/>
+          </a:effectRef>
+          <a:fontRef idx="minor"/>
+        </p:style>
+        <p:txBody>
+          <a:bodyPr wrap="square" lIns="90000" tIns="45000" rIns="90000" bIns="45000">
+            <a:spAutoFit/>
+          </a:bodyPr>
+          <a:lstStyle/>
+          <a:p>
+            <a:pPr>
+              <a:lnSpc>
+                <a:spcPct val="100000"/>
+              </a:lnSpc>
+            </a:pPr>
+            <a:r>
+              <a:rPr lang="pt-BR" sz="2000" b="0" strike="noStrike" spc="-1" dirty="0">
+                <a:solidFill>
+                  <a:srgbClr val="000000"/>
+                </a:solidFill>
+                <a:latin typeface="Calibri"/>
+                <a:ea typeface="DejaVu Sans"/>
+              </a:rPr>
+              <a:t>Descrição dos Processos de Negócio </a:t>
+            </a:r>
+          </a:p>
+          <a:p>
+            <a:pPr>
+              <a:lnSpc>
+                <a:spcPct val="100000"/>
+              </a:lnSpc>
+            </a:pPr>
+            <a:endParaRPr lang="pt-BR" sz="2000" b="0" strike="noStrike" spc="-1" dirty="0">
+              <a:solidFill>
+                <a:srgbClr val="000000"/>
+              </a:solidFill>
+              <a:latin typeface="Calibri"/>
+              <a:ea typeface="DejaVu Sans"/>
+            </a:endParaRPr>
+          </a:p>
+          <a:p>
+            <a:pPr>
+              <a:lnSpc>
+                <a:spcPct val="100000"/>
+              </a:lnSpc>
+            </a:pPr>
+            <a:r>
+              <a:rPr lang="pt-BR" sz="2000" spc="-1" dirty="0">
+                <a:solidFill>
+                  <a:srgbClr val="000000"/>
+                </a:solidFill>
+                <a:latin typeface="Calibri"/>
+              </a:rPr>
+              <a:t>Cenário 2: Efetuar troca do produto</a:t>
+            </a:r>
+            <a:endParaRPr lang="pt-BR" sz="2000" b="0" strike="noStrike" spc="-1" dirty="0">
+              <a:latin typeface="Arial"/>
+            </a:endParaRPr>
+          </a:p>
+        </p:txBody>
+      </p:sp>
+    </p:spTree>
+  </p:cSld>
+  <p:clrMapOvr>
+    <a:masterClrMapping/>
+  </p:clrMapOvr>
+</p:sld>
+</file>
+
+<file path=ppt/slides/slide6.xml><?xml version="1.0" encoding="utf-8"?>
+<p:sld xmlns:a="http://schemas.openxmlformats.org/drawingml/2006/main" xmlns:r="http://schemas.openxmlformats.org/officeDocument/2006/relationships" xmlns:p="http://schemas.openxmlformats.org/presentationml/2006/main">
+  <p:cSld>
+    <p:spTree>
+      <p:nvGrpSpPr>
+        <p:cNvPr id="1" name=""/>
+        <p:cNvGrpSpPr/>
+        <p:nvPr/>
+      </p:nvGrpSpPr>
+      <p:grpSpPr>
+        <a:xfrm>
+          <a:off x="0" y="0"/>
+          <a:ext cx="0" cy="0"/>
+          <a:chOff x="0" y="0"/>
+          <a:chExt cx="0" cy="0"/>
+        </a:xfrm>
+      </p:grpSpPr>
+      <p:sp>
+        <p:nvSpPr>
+          <p:cNvPr id="38" name="CustomShape 1"/>
+          <p:cNvSpPr/>
+          <p:nvPr/>
+        </p:nvSpPr>
+        <p:spPr>
+          <a:xfrm>
+            <a:off x="2322000" y="2396160"/>
+            <a:ext cx="1472760" cy="1384200"/>
+          </a:xfrm>
+          <a:prstGeom prst="ellipse">
+            <a:avLst/>
+          </a:prstGeom>
+          <a:ln/>
+        </p:spPr>
+        <p:style>
+          <a:lnRef idx="2">
+            <a:schemeClr val="accent2">
+              <a:shade val="50000"/>
+            </a:schemeClr>
+          </a:lnRef>
+          <a:fillRef idx="1">
+            <a:schemeClr val="accent2"/>
+          </a:fillRef>
+          <a:effectRef idx="0">
+            <a:schemeClr val="accent2"/>
+          </a:effectRef>
+          <a:fontRef idx="minor"/>
+        </p:style>
+        <p:txBody>
+          <a:bodyPr lIns="90000" tIns="45000" rIns="90000" bIns="45000" anchor="ctr">
+            <a:noAutofit/>
+          </a:bodyPr>
+          <a:lstStyle/>
+          <a:p>
+            <a:pPr algn="ctr">
+              <a:lnSpc>
+                <a:spcPct val="100000"/>
+              </a:lnSpc>
+            </a:pPr>
+            <a:r>
+              <a:rPr lang="pt-BR" sz="1200" b="0" strike="noStrike" spc="-1">
+                <a:solidFill>
+                  <a:srgbClr val="000000"/>
+                </a:solidFill>
+                <a:latin typeface="Calibri"/>
+                <a:ea typeface="DejaVu Sans"/>
+              </a:rPr>
+              <a:t>Receber produto</a:t>
+            </a:r>
+            <a:endParaRPr lang="pt-BR" sz="1200" b="0" strike="noStrike" spc="-1">
+              <a:latin typeface="Arial"/>
+            </a:endParaRPr>
+          </a:p>
+        </p:txBody>
+      </p:sp>
+      <p:sp>
+        <p:nvSpPr>
+          <p:cNvPr id="39" name="CustomShape 2"/>
+          <p:cNvSpPr/>
+          <p:nvPr/>
+        </p:nvSpPr>
+        <p:spPr>
+          <a:xfrm>
+            <a:off x="705960" y="1422000"/>
+            <a:ext cx="834120" cy="435240"/>
+          </a:xfrm>
+          <a:prstGeom prst="rect">
+            <a:avLst/>
+          </a:prstGeom>
+          <a:solidFill>
+            <a:srgbClr val="66FFFF"/>
+          </a:solidFill>
+          <a:ln>
+            <a:solidFill>
+              <a:srgbClr val="5597D3"/>
+            </a:solidFill>
+          </a:ln>
+          <a:effectLst>
+            <a:outerShdw blurRad="40000" dist="20160" dir="5400000" rotWithShape="0">
+              <a:srgbClr val="000000">
+                <a:alpha val="38000"/>
+              </a:srgbClr>
+            </a:outerShdw>
+          </a:effectLst>
+        </p:spPr>
+        <p:style>
+          <a:lnRef idx="1">
+            <a:schemeClr val="accent5"/>
+          </a:lnRef>
+          <a:fillRef idx="2">
+            <a:schemeClr val="accent5"/>
+          </a:fillRef>
+          <a:effectRef idx="1">
+            <a:schemeClr val="accent5"/>
+          </a:effectRef>
+          <a:fontRef idx="minor"/>
+        </p:style>
+        <p:txBody>
+          <a:bodyPr lIns="90000" tIns="45000" rIns="90000" bIns="45000" anchor="ctr">
+            <a:noAutofit/>
+          </a:bodyPr>
+          <a:lstStyle/>
+          <a:p>
+            <a:pPr algn="ctr">
+              <a:lnSpc>
+                <a:spcPct val="100000"/>
+              </a:lnSpc>
+            </a:pPr>
+            <a:r>
+              <a:rPr lang="pt-BR" sz="1200" b="0" strike="noStrike" spc="-1">
+                <a:solidFill>
+                  <a:srgbClr val="000000"/>
+                </a:solidFill>
+                <a:latin typeface="Calibri"/>
+                <a:ea typeface="DejaVu Sans"/>
+              </a:rPr>
+              <a:t>Cliente</a:t>
+            </a:r>
+            <a:endParaRPr lang="pt-BR" sz="1200" b="0" strike="noStrike" spc="-1">
+              <a:latin typeface="Arial"/>
+            </a:endParaRPr>
+          </a:p>
+        </p:txBody>
+      </p:sp>
+      <p:sp>
+        <p:nvSpPr>
+          <p:cNvPr id="40" name="CustomShape 3"/>
+          <p:cNvSpPr/>
+          <p:nvPr/>
+        </p:nvSpPr>
+        <p:spPr>
+          <a:xfrm>
+            <a:off x="2647800" y="4362480"/>
+            <a:ext cx="821160" cy="359640"/>
+          </a:xfrm>
+          <a:prstGeom prst="rect">
+            <a:avLst/>
+          </a:prstGeom>
+          <a:ln>
+            <a:noFill/>
+          </a:ln>
+        </p:spPr>
+        <p:style>
+          <a:lnRef idx="2">
+            <a:schemeClr val="accent6">
+              <a:shade val="50000"/>
+            </a:schemeClr>
+          </a:lnRef>
+          <a:fillRef idx="1">
+            <a:schemeClr val="accent6"/>
+          </a:fillRef>
+          <a:effectRef idx="0">
+            <a:schemeClr val="accent6"/>
+          </a:effectRef>
+          <a:fontRef idx="minor"/>
+        </p:style>
+        <p:txBody>
+          <a:bodyPr lIns="90000" tIns="45000" rIns="90000" bIns="45000" anchor="ctr">
+            <a:noAutofit/>
+          </a:bodyPr>
+          <a:lstStyle/>
+          <a:p>
+            <a:pPr algn="ctr">
+              <a:lnSpc>
+                <a:spcPct val="100000"/>
+              </a:lnSpc>
+            </a:pPr>
+            <a:r>
+              <a:rPr lang="pt-BR" sz="1050" b="0" strike="noStrike" spc="-1">
+                <a:solidFill>
+                  <a:srgbClr val="000000"/>
+                </a:solidFill>
+                <a:latin typeface="Calibri"/>
+                <a:ea typeface="DejaVu Sans"/>
+              </a:rPr>
+              <a:t>Produto</a:t>
+            </a:r>
+            <a:endParaRPr lang="pt-BR" sz="1050" b="0" strike="noStrike" spc="-1">
+              <a:latin typeface="Arial"/>
+            </a:endParaRPr>
+          </a:p>
+        </p:txBody>
+      </p:sp>
+      <p:sp>
+        <p:nvSpPr>
+          <p:cNvPr id="41" name="CustomShape 4"/>
+          <p:cNvSpPr/>
+          <p:nvPr/>
+        </p:nvSpPr>
+        <p:spPr>
+          <a:xfrm>
+            <a:off x="1541520" y="1640160"/>
+            <a:ext cx="1516320" cy="754920"/>
+          </a:xfrm>
+          <a:prstGeom prst="curvedConnector2">
+            <a:avLst/>
+          </a:prstGeom>
+          <a:noFill/>
+          <a:ln>
+            <a:solidFill>
+              <a:srgbClr val="3F6EC2"/>
+            </a:solidFill>
+            <a:tailEnd type="triangle" w="med" len="med"/>
+          </a:ln>
+        </p:spPr>
+        <p:style>
+          <a:lnRef idx="1">
+            <a:schemeClr val="accent1"/>
+          </a:lnRef>
+          <a:fillRef idx="0">
+            <a:schemeClr val="accent1"/>
+          </a:fillRef>
+          <a:effectRef idx="0">
+            <a:schemeClr val="accent1"/>
+          </a:effectRef>
+          <a:fontRef idx="minor"/>
+        </p:style>
+      </p:sp>
+      <p:sp>
+        <p:nvSpPr>
+          <p:cNvPr id="42" name="CustomShape 5"/>
+          <p:cNvSpPr/>
+          <p:nvPr/>
+        </p:nvSpPr>
+        <p:spPr>
+          <a:xfrm>
+            <a:off x="2238120" y="1742760"/>
+            <a:ext cx="1164240" cy="226800"/>
+          </a:xfrm>
+          <a:prstGeom prst="rect">
+            <a:avLst/>
+          </a:prstGeom>
+          <a:noFill/>
+          <a:ln w="0">
+            <a:noFill/>
+          </a:ln>
+        </p:spPr>
+        <p:style>
+          <a:lnRef idx="0">
+            <a:scrgbClr r="0" g="0" b="0"/>
+          </a:lnRef>
+          <a:fillRef idx="0">
+            <a:scrgbClr r="0" g="0" b="0"/>
+          </a:fillRef>
+          <a:effectRef idx="0">
+            <a:scrgbClr r="0" g="0" b="0"/>
+          </a:effectRef>
+          <a:fontRef idx="minor"/>
+        </p:style>
+        <p:txBody>
+          <a:bodyPr lIns="90000" tIns="45000" rIns="90000" bIns="45000">
+            <a:spAutoFit/>
+          </a:bodyPr>
+          <a:lstStyle/>
+          <a:p>
+            <a:pPr>
+              <a:lnSpc>
+                <a:spcPct val="100000"/>
+              </a:lnSpc>
+            </a:pPr>
+            <a:r>
+              <a:rPr lang="pt-BR" sz="900" b="0" strike="noStrike" spc="-1">
+                <a:solidFill>
+                  <a:srgbClr val="000000"/>
+                </a:solidFill>
+                <a:latin typeface="Calibri"/>
+                <a:ea typeface="DejaVu Sans"/>
+              </a:rPr>
+              <a:t>produto</a:t>
+            </a:r>
+            <a:endParaRPr lang="pt-BR" sz="900" b="0" strike="noStrike" spc="-1">
+              <a:latin typeface="Arial"/>
+            </a:endParaRPr>
+          </a:p>
+        </p:txBody>
+      </p:sp>
+      <p:sp>
+        <p:nvSpPr>
+          <p:cNvPr id="43" name="CustomShape 6"/>
+          <p:cNvSpPr/>
+          <p:nvPr/>
+        </p:nvSpPr>
+        <p:spPr>
+          <a:xfrm>
+            <a:off x="3058920" y="3781440"/>
+            <a:ext cx="360" cy="579960"/>
+          </a:xfrm>
+          <a:custGeom>
+            <a:avLst/>
+            <a:gdLst/>
+            <a:ahLst/>
+            <a:cxnLst/>
+            <a:rect l="l" t="t" r="r" b="b"/>
+            <a:pathLst>
+              <a:path w="21600" h="21600">
+                <a:moveTo>
+                  <a:pt x="0" y="0"/>
+                </a:moveTo>
+                <a:lnTo>
+                  <a:pt x="21600" y="21600"/>
+                </a:lnTo>
+              </a:path>
+            </a:pathLst>
+          </a:custGeom>
+          <a:noFill/>
+          <a:ln>
+            <a:solidFill>
+              <a:srgbClr val="3F6EC2"/>
+            </a:solidFill>
+            <a:tailEnd type="triangle" w="med" len="med"/>
+          </a:ln>
+        </p:spPr>
+        <p:style>
+          <a:lnRef idx="1">
+            <a:schemeClr val="accent1"/>
+          </a:lnRef>
+          <a:fillRef idx="0">
+            <a:schemeClr val="accent1"/>
+          </a:fillRef>
+          <a:effectRef idx="0">
+            <a:schemeClr val="accent1"/>
+          </a:effectRef>
+          <a:fontRef idx="minor"/>
+        </p:style>
+      </p:sp>
+      <p:sp>
+        <p:nvSpPr>
+          <p:cNvPr id="44" name="CustomShape 7"/>
+          <p:cNvSpPr/>
+          <p:nvPr/>
+        </p:nvSpPr>
+        <p:spPr>
+          <a:xfrm rot="10800000">
+            <a:off x="1124640" y="1857960"/>
+            <a:ext cx="1205280" cy="1235880"/>
+          </a:xfrm>
+          <a:prstGeom prst="curvedConnector2">
+            <a:avLst/>
+          </a:prstGeom>
+          <a:noFill/>
+          <a:ln>
+            <a:solidFill>
+              <a:srgbClr val="3F6EC2"/>
+            </a:solidFill>
+            <a:tailEnd type="triangle" w="med" len="med"/>
+          </a:ln>
+        </p:spPr>
+        <p:style>
+          <a:lnRef idx="1">
+            <a:schemeClr val="accent1"/>
+          </a:lnRef>
+          <a:fillRef idx="0">
+            <a:schemeClr val="accent1"/>
+          </a:fillRef>
+          <a:effectRef idx="0">
+            <a:schemeClr val="accent1"/>
+          </a:effectRef>
+          <a:fontRef idx="minor"/>
+        </p:style>
+      </p:sp>
+      <p:sp>
+        <p:nvSpPr>
+          <p:cNvPr id="45" name="CustomShape 8"/>
+          <p:cNvSpPr/>
+          <p:nvPr/>
+        </p:nvSpPr>
+        <p:spPr>
+          <a:xfrm>
+            <a:off x="726480" y="2529720"/>
+            <a:ext cx="1472760" cy="227520"/>
+          </a:xfrm>
+          <a:prstGeom prst="rect">
+            <a:avLst/>
+          </a:prstGeom>
+          <a:noFill/>
+          <a:ln w="0">
+            <a:noFill/>
+          </a:ln>
+        </p:spPr>
+        <p:style>
+          <a:lnRef idx="0">
+            <a:scrgbClr r="0" g="0" b="0"/>
+          </a:lnRef>
+          <a:fillRef idx="0">
+            <a:scrgbClr r="0" g="0" b="0"/>
+          </a:fillRef>
+          <a:effectRef idx="0">
+            <a:scrgbClr r="0" g="0" b="0"/>
+          </a:effectRef>
+          <a:fontRef idx="minor"/>
+        </p:style>
+        <p:txBody>
+          <a:bodyPr lIns="90000" tIns="45000" rIns="90000" bIns="45000">
+            <a:spAutoFit/>
+          </a:bodyPr>
+          <a:lstStyle/>
+          <a:p>
+            <a:pPr>
+              <a:lnSpc>
+                <a:spcPct val="100000"/>
+              </a:lnSpc>
+            </a:pPr>
+            <a:r>
+              <a:rPr lang="pt-BR" sz="900" b="0" strike="noStrike" spc="-1">
+                <a:solidFill>
+                  <a:srgbClr val="000000"/>
+                </a:solidFill>
+                <a:latin typeface="Calibri"/>
+                <a:ea typeface="DejaVu Sans"/>
+              </a:rPr>
+              <a:t>Solicitação de novo produto</a:t>
+            </a:r>
+            <a:endParaRPr lang="pt-BR" sz="900" b="0" strike="noStrike" spc="-1">
+              <a:latin typeface="Arial"/>
+            </a:endParaRPr>
+          </a:p>
+        </p:txBody>
+      </p:sp>
+      <p:sp>
+        <p:nvSpPr>
+          <p:cNvPr id="47" name="CustomShape 10"/>
+          <p:cNvSpPr/>
+          <p:nvPr/>
+        </p:nvSpPr>
+        <p:spPr>
+          <a:xfrm>
+            <a:off x="4737600" y="3976200"/>
+            <a:ext cx="3719520" cy="1187640"/>
+          </a:xfrm>
+          <a:prstGeom prst="rect">
+            <a:avLst/>
+          </a:prstGeom>
+          <a:solidFill>
+            <a:schemeClr val="bg2"/>
+          </a:solidFill>
+          <a:ln w="0">
+            <a:noFill/>
+          </a:ln>
+        </p:spPr>
+        <p:style>
+          <a:lnRef idx="0">
+            <a:scrgbClr r="0" g="0" b="0"/>
+          </a:lnRef>
+          <a:fillRef idx="0">
+            <a:scrgbClr r="0" g="0" b="0"/>
+          </a:fillRef>
+          <a:effectRef idx="0">
+            <a:scrgbClr r="0" g="0" b="0"/>
+          </a:effectRef>
+          <a:fontRef idx="minor"/>
+        </p:style>
+        <p:txBody>
+          <a:bodyPr lIns="90000" tIns="45000" rIns="90000" bIns="45000">
+            <a:spAutoFit/>
+          </a:bodyPr>
+          <a:lstStyle/>
+          <a:p>
+            <a:pPr>
+              <a:lnSpc>
+                <a:spcPct val="100000"/>
+              </a:lnSpc>
+            </a:pPr>
+            <a:r>
+              <a:rPr lang="pt-BR" sz="900" b="1" strike="noStrike" spc="-1" dirty="0">
+                <a:solidFill>
+                  <a:srgbClr val="000000"/>
+                </a:solidFill>
+                <a:latin typeface="Calibri"/>
+                <a:ea typeface="DejaVu Sans"/>
+              </a:rPr>
+              <a:t>Efetuar troca do produto.</a:t>
+            </a:r>
+            <a:endParaRPr lang="pt-BR" sz="900" b="0" strike="noStrike" spc="-1" dirty="0">
+              <a:latin typeface="Arial"/>
+            </a:endParaRPr>
+          </a:p>
+          <a:p>
+            <a:pPr>
+              <a:lnSpc>
+                <a:spcPct val="100000"/>
+              </a:lnSpc>
+            </a:pPr>
+            <a:r>
+              <a:rPr lang="pt-BR" sz="900" b="1" strike="noStrike" spc="-1" dirty="0">
+                <a:solidFill>
+                  <a:srgbClr val="000000"/>
+                </a:solidFill>
+                <a:latin typeface="Calibri"/>
+                <a:ea typeface="DejaVu Sans"/>
+              </a:rPr>
+              <a:t>Evento:</a:t>
+            </a:r>
+            <a:r>
+              <a:rPr lang="pt-BR" sz="900" b="0" strike="noStrike" spc="-1" dirty="0">
+                <a:solidFill>
+                  <a:srgbClr val="000000"/>
+                </a:solidFill>
+                <a:latin typeface="Calibri"/>
+                <a:ea typeface="DejaVu Sans"/>
+              </a:rPr>
+              <a:t> Cliente faz pedido de troca do produto.</a:t>
+            </a:r>
+            <a:endParaRPr lang="pt-BR" sz="900" b="0" strike="noStrike" spc="-1" dirty="0">
+              <a:latin typeface="Arial"/>
+            </a:endParaRPr>
+          </a:p>
+          <a:p>
+            <a:pPr>
+              <a:lnSpc>
+                <a:spcPct val="100000"/>
+              </a:lnSpc>
+            </a:pPr>
+            <a:r>
+              <a:rPr lang="pt-BR" sz="900" b="1" strike="noStrike" spc="-1" dirty="0">
+                <a:solidFill>
+                  <a:srgbClr val="000000"/>
+                </a:solidFill>
+                <a:latin typeface="Calibri"/>
+                <a:ea typeface="DejaVu Sans"/>
+              </a:rPr>
+              <a:t>Objetivo: </a:t>
+            </a:r>
+            <a:r>
+              <a:rPr lang="pt-BR" sz="900" b="0" strike="noStrike" spc="-1" dirty="0">
+                <a:solidFill>
+                  <a:srgbClr val="000000"/>
+                </a:solidFill>
+                <a:latin typeface="Calibri"/>
+                <a:ea typeface="DejaVu Sans"/>
+              </a:rPr>
+              <a:t>Efetuar a troca dos produtos desejados pelo cliente.</a:t>
+            </a:r>
+            <a:endParaRPr lang="pt-BR" sz="900" b="0" strike="noStrike" spc="-1" dirty="0">
+              <a:latin typeface="Arial"/>
+            </a:endParaRPr>
+          </a:p>
+          <a:p>
+            <a:pPr>
+              <a:lnSpc>
+                <a:spcPct val="100000"/>
+              </a:lnSpc>
+            </a:pPr>
+            <a:r>
+              <a:rPr lang="pt-BR" sz="900" b="1" strike="noStrike" spc="-1" dirty="0">
+                <a:solidFill>
+                  <a:srgbClr val="000000"/>
+                </a:solidFill>
+                <a:latin typeface="Calibri"/>
+                <a:ea typeface="DejaVu Sans"/>
+              </a:rPr>
+              <a:t>Trabalhadores envolvidos:</a:t>
+            </a:r>
+            <a:endParaRPr lang="pt-BR" sz="900" b="0" strike="noStrike" spc="-1" dirty="0">
+              <a:latin typeface="Arial"/>
+            </a:endParaRPr>
+          </a:p>
+          <a:p>
+            <a:pPr marL="171360" indent="-170280">
+              <a:lnSpc>
+                <a:spcPct val="100000"/>
+              </a:lnSpc>
+              <a:buClr>
+                <a:srgbClr val="000000"/>
+              </a:buClr>
+              <a:buFont typeface="Wingdings" charset="2"/>
+              <a:buChar char=""/>
+            </a:pPr>
+            <a:r>
+              <a:rPr lang="pt-BR" sz="900" b="0" strike="noStrike" spc="-1" dirty="0">
+                <a:solidFill>
+                  <a:srgbClr val="000000"/>
+                </a:solidFill>
+                <a:latin typeface="Calibri"/>
+                <a:ea typeface="DejaVu Sans"/>
+              </a:rPr>
+              <a:t>Vendedor.</a:t>
+            </a:r>
+            <a:endParaRPr lang="pt-BR" sz="900" b="0" strike="noStrike" spc="-1" dirty="0">
+              <a:latin typeface="Arial"/>
+            </a:endParaRPr>
+          </a:p>
+          <a:p>
+            <a:pPr marL="432000" lvl="1" indent="-215280">
+              <a:lnSpc>
+                <a:spcPct val="100000"/>
+              </a:lnSpc>
+              <a:buClr>
+                <a:srgbClr val="000000"/>
+              </a:buClr>
+              <a:buSzPct val="45000"/>
+              <a:buFont typeface="Wingdings" charset="2"/>
+              <a:buChar char=""/>
+            </a:pPr>
+            <a:r>
+              <a:rPr lang="pt-BR" sz="900" b="0" strike="noStrike" spc="-1" dirty="0">
+                <a:solidFill>
+                  <a:srgbClr val="000000"/>
+                </a:solidFill>
+                <a:latin typeface="Calibri"/>
+                <a:ea typeface="DejaVu Sans"/>
+              </a:rPr>
+              <a:t>Recebe o produto devolvido.</a:t>
+            </a:r>
+            <a:endParaRPr lang="pt-BR" sz="900" b="0" strike="noStrike" spc="-1" dirty="0">
+              <a:latin typeface="Arial"/>
+            </a:endParaRPr>
+          </a:p>
+          <a:p>
+            <a:pPr marL="432000" lvl="1" indent="-215280">
+              <a:lnSpc>
+                <a:spcPct val="100000"/>
+              </a:lnSpc>
+              <a:buClr>
+                <a:srgbClr val="000000"/>
+              </a:buClr>
+              <a:buSzPct val="45000"/>
+              <a:buFont typeface="Wingdings" charset="2"/>
+              <a:buChar char=""/>
+            </a:pPr>
+            <a:r>
+              <a:rPr lang="pt-BR" sz="900" b="0" strike="noStrike" spc="-1" dirty="0">
+                <a:solidFill>
+                  <a:srgbClr val="000000"/>
+                </a:solidFill>
+                <a:latin typeface="Calibri"/>
+                <a:ea typeface="DejaVu Sans"/>
+              </a:rPr>
+              <a:t>Solicita a escolha de um novo produto.</a:t>
+            </a:r>
+            <a:endParaRPr lang="pt-BR" sz="900" b="0" strike="noStrike" spc="-1" dirty="0">
+              <a:latin typeface="Arial"/>
+            </a:endParaRPr>
+          </a:p>
+          <a:p>
+            <a:pPr marL="432000" lvl="1" indent="-215280">
+              <a:lnSpc>
+                <a:spcPct val="100000"/>
+              </a:lnSpc>
+              <a:buClr>
+                <a:srgbClr val="000000"/>
+              </a:buClr>
+              <a:buSzPct val="45000"/>
+              <a:buFont typeface="Wingdings" charset="2"/>
+              <a:buChar char=""/>
+            </a:pPr>
+            <a:r>
+              <a:rPr lang="pt-BR" sz="900" b="0" strike="noStrike" spc="-1" dirty="0">
+                <a:solidFill>
+                  <a:srgbClr val="000000"/>
+                </a:solidFill>
+                <a:latin typeface="Calibri"/>
+                <a:ea typeface="DejaVu Sans"/>
+              </a:rPr>
+              <a:t>Guarda o produto devolvido em produto.</a:t>
+            </a:r>
+            <a:endParaRPr lang="pt-BR" sz="900" b="0" strike="noStrike" spc="-1" dirty="0">
+              <a:latin typeface="Arial"/>
+            </a:endParaRPr>
+          </a:p>
+        </p:txBody>
+      </p:sp>
+      <p:sp>
+        <p:nvSpPr>
+          <p:cNvPr id="48" name="CustomShape 11"/>
+          <p:cNvSpPr/>
+          <p:nvPr/>
+        </p:nvSpPr>
+        <p:spPr>
+          <a:xfrm>
+            <a:off x="3795840" y="3088800"/>
+            <a:ext cx="2801160" cy="886320"/>
+          </a:xfrm>
+          <a:prstGeom prst="curvedConnector2">
+            <a:avLst/>
+          </a:prstGeom>
+          <a:noFill/>
+          <a:ln>
+            <a:tailEnd type="triangle" w="med" len="med"/>
+          </a:ln>
+          <a:effectLst>
+            <a:outerShdw blurRad="40000" dist="23040" dir="5400000" rotWithShape="0">
+              <a:srgbClr val="000000">
+                <a:alpha val="35000"/>
+              </a:srgbClr>
+            </a:outerShdw>
+          </a:effectLst>
+        </p:spPr>
+        <p:style>
+          <a:lnRef idx="3">
+            <a:schemeClr val="accent1"/>
+          </a:lnRef>
+          <a:fillRef idx="0">
+            <a:schemeClr val="accent1"/>
+          </a:fillRef>
+          <a:effectRef idx="2">
+            <a:schemeClr val="accent1"/>
+          </a:effectRef>
+          <a:fontRef idx="minor"/>
+        </p:style>
+      </p:sp>
+      <p:sp>
+        <p:nvSpPr>
+          <p:cNvPr id="49" name="CustomShape 12"/>
+          <p:cNvSpPr/>
+          <p:nvPr/>
+        </p:nvSpPr>
+        <p:spPr>
+          <a:xfrm>
+            <a:off x="4737600" y="4761000"/>
+            <a:ext cx="3719520" cy="229680"/>
+          </a:xfrm>
+          <a:prstGeom prst="rect">
+            <a:avLst/>
+          </a:prstGeom>
+          <a:noFill/>
+          <a:ln w="0">
+            <a:noFill/>
+          </a:ln>
+        </p:spPr>
+        <p:style>
+          <a:lnRef idx="0">
+            <a:scrgbClr r="0" g="0" b="0"/>
+          </a:lnRef>
+          <a:fillRef idx="0">
+            <a:scrgbClr r="0" g="0" b="0"/>
+          </a:fillRef>
+          <a:effectRef idx="0">
+            <a:scrgbClr r="0" g="0" b="0"/>
+          </a:effectRef>
+          <a:fontRef idx="minor"/>
+        </p:style>
+      </p:sp>
+      <p:sp>
+        <p:nvSpPr>
+          <p:cNvPr id="2" name="CustomShape 6">
+            <a:extLst>
+              <a:ext uri="{FF2B5EF4-FFF2-40B4-BE49-F238E27FC236}">
+                <a16:creationId xmlns:a16="http://schemas.microsoft.com/office/drawing/2014/main" id="{EA2FD779-57DE-4DB1-B07E-3597AD956D70}"/>
+              </a:ext>
+            </a:extLst>
+          </p:cNvPr>
+          <p:cNvSpPr/>
+          <p:nvPr/>
+        </p:nvSpPr>
+        <p:spPr>
+          <a:xfrm>
+            <a:off x="4463100" y="861963"/>
+            <a:ext cx="5093650" cy="1014209"/>
+          </a:xfrm>
+          <a:prstGeom prst="rect">
+            <a:avLst/>
+          </a:prstGeom>
+          <a:noFill/>
+          <a:ln w="0">
+            <a:noFill/>
+          </a:ln>
+        </p:spPr>
+        <p:style>
+          <a:lnRef idx="0">
+            <a:scrgbClr r="0" g="0" b="0"/>
+          </a:lnRef>
+          <a:fillRef idx="0">
+            <a:scrgbClr r="0" g="0" b="0"/>
+          </a:fillRef>
+          <a:effectRef idx="0">
+            <a:scrgbClr r="0" g="0" b="0"/>
+          </a:effectRef>
+          <a:fontRef idx="minor"/>
+        </p:style>
+        <p:txBody>
+          <a:bodyPr wrap="square" lIns="90000" tIns="45000" rIns="90000" bIns="45000">
+            <a:spAutoFit/>
+          </a:bodyPr>
+          <a:lstStyle/>
+          <a:p>
+            <a:pPr>
+              <a:lnSpc>
+                <a:spcPct val="100000"/>
+              </a:lnSpc>
+            </a:pPr>
+            <a:r>
+              <a:rPr lang="pt-BR" sz="2000" b="0" strike="noStrike" spc="-1" dirty="0">
+                <a:solidFill>
+                  <a:srgbClr val="000000"/>
+                </a:solidFill>
+                <a:latin typeface="Calibri"/>
+                <a:ea typeface="DejaVu Sans"/>
+              </a:rPr>
+              <a:t>Descrição dos Processos de Negócio </a:t>
+            </a:r>
+          </a:p>
+          <a:p>
+            <a:pPr>
+              <a:lnSpc>
+                <a:spcPct val="100000"/>
+              </a:lnSpc>
+            </a:pPr>
+            <a:endParaRPr lang="pt-BR" sz="2000" b="0" strike="noStrike" spc="-1" dirty="0">
+              <a:solidFill>
+                <a:srgbClr val="000000"/>
+              </a:solidFill>
+              <a:latin typeface="Calibri"/>
+              <a:ea typeface="DejaVu Sans"/>
+            </a:endParaRPr>
+          </a:p>
+          <a:p>
+            <a:pPr>
+              <a:lnSpc>
+                <a:spcPct val="100000"/>
+              </a:lnSpc>
+            </a:pPr>
+            <a:r>
+              <a:rPr lang="pt-BR" sz="2000" spc="-1" dirty="0">
+                <a:solidFill>
+                  <a:srgbClr val="000000"/>
+                </a:solidFill>
+                <a:latin typeface="Calibri"/>
+              </a:rPr>
+              <a:t>Cenário 2: Efetuar troca do produto</a:t>
+            </a:r>
+            <a:endParaRPr lang="pt-BR" sz="2000" b="0" strike="noStrike" spc="-1" dirty="0">
+              <a:latin typeface="Arial"/>
+            </a:endParaRPr>
+          </a:p>
+        </p:txBody>
+      </p:sp>
+    </p:spTree>
+  </p:cSld>
+  <p:clrMapOvr>
+    <a:masterClrMapping/>
+  </p:clrMapOvr>
+</p:sld>
+</file>
+
+<file path=ppt/slides/slide7.xml><?xml version="1.0" encoding="utf-8"?>
+<p:sld xmlns:a="http://schemas.openxmlformats.org/drawingml/2006/main" xmlns:r="http://schemas.openxmlformats.org/officeDocument/2006/relationships" xmlns:p="http://schemas.openxmlformats.org/presentationml/2006/main">
+  <p:cSld>
+    <p:spTree>
+      <p:nvGrpSpPr>
+        <p:cNvPr id="1" name=""/>
+        <p:cNvGrpSpPr/>
+        <p:nvPr/>
+      </p:nvGrpSpPr>
+      <p:grpSpPr>
+        <a:xfrm>
+          <a:off x="0" y="0"/>
+          <a:ext cx="0" cy="0"/>
+          <a:chOff x="0" y="0"/>
+          <a:chExt cx="0" cy="0"/>
+        </a:xfrm>
+      </p:grpSpPr>
+      <p:sp>
+        <p:nvSpPr>
+          <p:cNvPr id="50" name="CustomShape 1"/>
+          <p:cNvSpPr/>
+          <p:nvPr/>
+        </p:nvSpPr>
+        <p:spPr>
+          <a:xfrm>
+            <a:off x="2322000" y="2396160"/>
+            <a:ext cx="1472760" cy="1384200"/>
+          </a:xfrm>
+          <a:prstGeom prst="ellipse">
+            <a:avLst/>
+          </a:prstGeom>
+          <a:ln/>
+        </p:spPr>
+        <p:style>
+          <a:lnRef idx="2">
+            <a:schemeClr val="accent2">
+              <a:shade val="50000"/>
+            </a:schemeClr>
+          </a:lnRef>
+          <a:fillRef idx="1">
+            <a:schemeClr val="accent2"/>
+          </a:fillRef>
+          <a:effectRef idx="0">
+            <a:schemeClr val="accent2"/>
+          </a:effectRef>
+          <a:fontRef idx="minor"/>
+        </p:style>
+        <p:txBody>
+          <a:bodyPr lIns="90000" tIns="45000" rIns="90000" bIns="45000" anchor="ctr">
+            <a:noAutofit/>
+          </a:bodyPr>
+          <a:lstStyle/>
+          <a:p>
+            <a:pPr algn="ctr">
+              <a:lnSpc>
+                <a:spcPct val="100000"/>
+              </a:lnSpc>
+            </a:pPr>
+            <a:r>
+              <a:rPr lang="pt-BR" sz="1200" b="0" strike="noStrike" spc="-1" dirty="0">
+                <a:solidFill>
+                  <a:srgbClr val="000000"/>
+                </a:solidFill>
+                <a:latin typeface="Calibri"/>
+                <a:ea typeface="DejaVu Sans"/>
+              </a:rPr>
+              <a:t>Efetuar a troca do produto</a:t>
+            </a:r>
+            <a:endParaRPr lang="pt-BR" sz="1200" b="0" strike="noStrike" spc="-1" dirty="0">
+              <a:latin typeface="Arial"/>
+            </a:endParaRPr>
+          </a:p>
+        </p:txBody>
+      </p:sp>
+      <p:sp>
+        <p:nvSpPr>
+          <p:cNvPr id="51" name="CustomShape 2"/>
+          <p:cNvSpPr/>
+          <p:nvPr/>
+        </p:nvSpPr>
+        <p:spPr>
+          <a:xfrm>
+            <a:off x="705960" y="1422000"/>
+            <a:ext cx="834120" cy="435240"/>
+          </a:xfrm>
+          <a:prstGeom prst="rect">
+            <a:avLst/>
+          </a:prstGeom>
+          <a:solidFill>
+            <a:srgbClr val="66FFFF"/>
+          </a:solidFill>
+          <a:ln>
+            <a:solidFill>
+              <a:srgbClr val="5597D3"/>
+            </a:solidFill>
+          </a:ln>
+          <a:effectLst>
+            <a:outerShdw blurRad="40000" dist="20160" dir="5400000" rotWithShape="0">
+              <a:srgbClr val="000000">
+                <a:alpha val="38000"/>
+              </a:srgbClr>
+            </a:outerShdw>
+          </a:effectLst>
+        </p:spPr>
+        <p:style>
+          <a:lnRef idx="1">
+            <a:schemeClr val="accent5"/>
+          </a:lnRef>
+          <a:fillRef idx="2">
+            <a:schemeClr val="accent5"/>
+          </a:fillRef>
+          <a:effectRef idx="1">
+            <a:schemeClr val="accent5"/>
+          </a:effectRef>
+          <a:fontRef idx="minor"/>
+        </p:style>
+        <p:txBody>
+          <a:bodyPr lIns="90000" tIns="45000" rIns="90000" bIns="45000" anchor="ctr">
+            <a:noAutofit/>
+          </a:bodyPr>
+          <a:lstStyle/>
+          <a:p>
+            <a:pPr algn="ctr">
+              <a:lnSpc>
+                <a:spcPct val="100000"/>
+              </a:lnSpc>
+            </a:pPr>
+            <a:r>
+              <a:rPr lang="pt-BR" sz="1200" b="0" strike="noStrike" spc="-1">
+                <a:solidFill>
+                  <a:srgbClr val="000000"/>
+                </a:solidFill>
+                <a:latin typeface="Calibri"/>
+                <a:ea typeface="DejaVu Sans"/>
+              </a:rPr>
+              <a:t>Cliente</a:t>
+            </a:r>
+            <a:endParaRPr lang="pt-BR" sz="1200" b="0" strike="noStrike" spc="-1">
+              <a:latin typeface="Arial"/>
+            </a:endParaRPr>
+          </a:p>
+        </p:txBody>
+      </p:sp>
+      <p:sp>
+        <p:nvSpPr>
+          <p:cNvPr id="52" name="CustomShape 3"/>
+          <p:cNvSpPr/>
+          <p:nvPr/>
+        </p:nvSpPr>
+        <p:spPr>
+          <a:xfrm>
+            <a:off x="3240000" y="4356000"/>
+            <a:ext cx="821160" cy="359640"/>
+          </a:xfrm>
+          <a:prstGeom prst="rect">
+            <a:avLst/>
+          </a:prstGeom>
+          <a:ln>
+            <a:noFill/>
+          </a:ln>
+        </p:spPr>
+        <p:style>
+          <a:lnRef idx="2">
+            <a:schemeClr val="accent6">
+              <a:shade val="50000"/>
+            </a:schemeClr>
+          </a:lnRef>
+          <a:fillRef idx="1">
+            <a:schemeClr val="accent6"/>
+          </a:fillRef>
+          <a:effectRef idx="0">
+            <a:schemeClr val="accent6"/>
+          </a:effectRef>
+          <a:fontRef idx="minor"/>
+        </p:style>
+        <p:txBody>
+          <a:bodyPr lIns="90000" tIns="45000" rIns="90000" bIns="45000" anchor="ctr">
+            <a:noAutofit/>
+          </a:bodyPr>
+          <a:lstStyle/>
+          <a:p>
+            <a:pPr algn="ctr">
+              <a:lnSpc>
+                <a:spcPct val="100000"/>
+              </a:lnSpc>
+            </a:pPr>
+            <a:r>
+              <a:rPr lang="pt-BR" sz="1050" b="0" strike="noStrike" spc="-1">
+                <a:solidFill>
+                  <a:srgbClr val="000000"/>
+                </a:solidFill>
+                <a:latin typeface="Calibri"/>
+                <a:ea typeface="DejaVu Sans"/>
+              </a:rPr>
+              <a:t>Cliente</a:t>
+            </a:r>
+            <a:endParaRPr lang="pt-BR" sz="1050" b="0" strike="noStrike" spc="-1">
+              <a:latin typeface="Arial"/>
+            </a:endParaRPr>
+          </a:p>
+        </p:txBody>
+      </p:sp>
+      <p:sp>
+        <p:nvSpPr>
+          <p:cNvPr id="53" name="CustomShape 4"/>
+          <p:cNvSpPr/>
+          <p:nvPr/>
+        </p:nvSpPr>
+        <p:spPr>
+          <a:xfrm>
+            <a:off x="1878120" y="1857600"/>
+            <a:ext cx="2261880" cy="364680"/>
+          </a:xfrm>
+          <a:prstGeom prst="rect">
+            <a:avLst/>
+          </a:prstGeom>
+          <a:noFill/>
+          <a:ln w="0">
+            <a:noFill/>
+          </a:ln>
+        </p:spPr>
+        <p:style>
+          <a:lnRef idx="0">
+            <a:scrgbClr r="0" g="0" b="0"/>
+          </a:lnRef>
+          <a:fillRef idx="0">
+            <a:scrgbClr r="0" g="0" b="0"/>
+          </a:fillRef>
+          <a:effectRef idx="0">
+            <a:scrgbClr r="0" g="0" b="0"/>
+          </a:effectRef>
+          <a:fontRef idx="minor"/>
+        </p:style>
+        <p:txBody>
+          <a:bodyPr lIns="90000" tIns="45000" rIns="90000" bIns="45000">
+            <a:spAutoFit/>
+          </a:bodyPr>
+          <a:lstStyle/>
+          <a:p>
+            <a:pPr>
+              <a:lnSpc>
+                <a:spcPct val="100000"/>
+              </a:lnSpc>
+            </a:pPr>
+            <a:r>
+              <a:rPr lang="pt-BR" sz="900" b="0" strike="noStrike" spc="-1">
+                <a:solidFill>
+                  <a:srgbClr val="000000"/>
+                </a:solidFill>
+                <a:latin typeface="Calibri"/>
+                <a:ea typeface="DejaVu Sans"/>
+              </a:rPr>
+              <a:t>[novo produto + NF | solicitação da diferença do valor + forma de pagamento]</a:t>
+            </a:r>
+            <a:endParaRPr lang="pt-BR" sz="900" b="0" strike="noStrike" spc="-1">
+              <a:latin typeface="Arial"/>
+            </a:endParaRPr>
+          </a:p>
+        </p:txBody>
+      </p:sp>
+      <p:sp>
+        <p:nvSpPr>
+          <p:cNvPr id="54" name="CustomShape 5"/>
+          <p:cNvSpPr/>
+          <p:nvPr/>
+        </p:nvSpPr>
+        <p:spPr>
+          <a:xfrm>
+            <a:off x="900000" y="2395800"/>
+            <a:ext cx="1472760" cy="227520"/>
+          </a:xfrm>
+          <a:prstGeom prst="rect">
+            <a:avLst/>
+          </a:prstGeom>
+          <a:noFill/>
+          <a:ln w="0">
+            <a:noFill/>
+          </a:ln>
+        </p:spPr>
+        <p:style>
+          <a:lnRef idx="0">
+            <a:scrgbClr r="0" g="0" b="0"/>
+          </a:lnRef>
+          <a:fillRef idx="0">
+            <a:scrgbClr r="0" g="0" b="0"/>
+          </a:fillRef>
+          <a:effectRef idx="0">
+            <a:scrgbClr r="0" g="0" b="0"/>
+          </a:effectRef>
+          <a:fontRef idx="minor"/>
+        </p:style>
+        <p:txBody>
+          <a:bodyPr lIns="90000" tIns="45000" rIns="90000" bIns="45000">
+            <a:spAutoFit/>
+          </a:bodyPr>
+          <a:lstStyle/>
+          <a:p>
+            <a:pPr>
+              <a:lnSpc>
+                <a:spcPct val="100000"/>
+              </a:lnSpc>
+            </a:pPr>
+            <a:r>
+              <a:rPr lang="pt-BR" sz="900" b="0" strike="noStrike" spc="-1">
+                <a:solidFill>
+                  <a:srgbClr val="000000"/>
+                </a:solidFill>
+                <a:latin typeface="Calibri"/>
+                <a:ea typeface="DejaVu Sans"/>
+              </a:rPr>
+              <a:t>Produto escolhido</a:t>
+            </a:r>
+            <a:endParaRPr lang="pt-BR" sz="900" b="0" strike="noStrike" spc="-1">
+              <a:latin typeface="Arial"/>
+            </a:endParaRPr>
+          </a:p>
+        </p:txBody>
+      </p:sp>
+      <p:sp>
+        <p:nvSpPr>
+          <p:cNvPr id="55" name="CustomShape 6"/>
+          <p:cNvSpPr/>
+          <p:nvPr/>
+        </p:nvSpPr>
+        <p:spPr>
+          <a:xfrm>
+            <a:off x="4463100" y="861963"/>
+            <a:ext cx="5093650" cy="1014209"/>
+          </a:xfrm>
+          <a:prstGeom prst="rect">
+            <a:avLst/>
+          </a:prstGeom>
+          <a:noFill/>
+          <a:ln w="0">
+            <a:noFill/>
+          </a:ln>
+        </p:spPr>
+        <p:style>
+          <a:lnRef idx="0">
+            <a:scrgbClr r="0" g="0" b="0"/>
+          </a:lnRef>
+          <a:fillRef idx="0">
+            <a:scrgbClr r="0" g="0" b="0"/>
+          </a:fillRef>
+          <a:effectRef idx="0">
+            <a:scrgbClr r="0" g="0" b="0"/>
+          </a:effectRef>
+          <a:fontRef idx="minor"/>
+        </p:style>
+        <p:txBody>
+          <a:bodyPr wrap="square" lIns="90000" tIns="45000" rIns="90000" bIns="45000">
+            <a:spAutoFit/>
+          </a:bodyPr>
+          <a:lstStyle/>
+          <a:p>
+            <a:pPr>
+              <a:lnSpc>
+                <a:spcPct val="100000"/>
+              </a:lnSpc>
+            </a:pPr>
+            <a:r>
+              <a:rPr lang="pt-BR" sz="2000" b="0" strike="noStrike" spc="-1" dirty="0">
+                <a:solidFill>
+                  <a:srgbClr val="000000"/>
+                </a:solidFill>
+                <a:latin typeface="Calibri"/>
+                <a:ea typeface="DejaVu Sans"/>
+              </a:rPr>
+              <a:t>Descrição dos Processos de Negócio </a:t>
+            </a:r>
+          </a:p>
+          <a:p>
+            <a:pPr>
+              <a:lnSpc>
+                <a:spcPct val="100000"/>
+              </a:lnSpc>
+            </a:pPr>
+            <a:endParaRPr lang="pt-BR" sz="2000" b="0" strike="noStrike" spc="-1" dirty="0">
+              <a:solidFill>
+                <a:srgbClr val="000000"/>
+              </a:solidFill>
+              <a:latin typeface="Calibri"/>
+              <a:ea typeface="DejaVu Sans"/>
+            </a:endParaRPr>
+          </a:p>
+          <a:p>
+            <a:pPr>
+              <a:lnSpc>
+                <a:spcPct val="100000"/>
+              </a:lnSpc>
+            </a:pPr>
+            <a:r>
+              <a:rPr lang="pt-BR" sz="2000" spc="-1" dirty="0">
+                <a:solidFill>
+                  <a:srgbClr val="000000"/>
+                </a:solidFill>
+                <a:latin typeface="Calibri"/>
+              </a:rPr>
+              <a:t>Cenário 2: Efetuar troca do produto</a:t>
+            </a:r>
+            <a:endParaRPr lang="pt-BR" sz="2000" b="0" strike="noStrike" spc="-1" dirty="0">
+              <a:latin typeface="Arial"/>
+            </a:endParaRPr>
+          </a:p>
+        </p:txBody>
+      </p:sp>
+      <p:sp>
+        <p:nvSpPr>
+          <p:cNvPr id="56" name="CustomShape 7"/>
+          <p:cNvSpPr/>
+          <p:nvPr/>
+        </p:nvSpPr>
+        <p:spPr>
+          <a:xfrm>
+            <a:off x="6000120" y="3976200"/>
+            <a:ext cx="3719520" cy="2422080"/>
+          </a:xfrm>
+          <a:prstGeom prst="rect">
+            <a:avLst/>
+          </a:prstGeom>
+          <a:solidFill>
+            <a:schemeClr val="bg2"/>
+          </a:solidFill>
+          <a:ln w="0">
+            <a:noFill/>
+          </a:ln>
+        </p:spPr>
+        <p:style>
+          <a:lnRef idx="0">
+            <a:scrgbClr r="0" g="0" b="0"/>
+          </a:lnRef>
+          <a:fillRef idx="0">
+            <a:scrgbClr r="0" g="0" b="0"/>
+          </a:fillRef>
+          <a:effectRef idx="0">
+            <a:scrgbClr r="0" g="0" b="0"/>
+          </a:effectRef>
+          <a:fontRef idx="minor"/>
+        </p:style>
+        <p:txBody>
+          <a:bodyPr lIns="90000" tIns="45000" rIns="90000" bIns="45000">
+            <a:spAutoFit/>
+          </a:bodyPr>
+          <a:lstStyle/>
+          <a:p>
+            <a:pPr>
+              <a:lnSpc>
+                <a:spcPct val="100000"/>
+              </a:lnSpc>
+            </a:pPr>
+            <a:r>
+              <a:rPr lang="pt-BR" sz="900" b="1" strike="noStrike" spc="-1" dirty="0">
+                <a:solidFill>
+                  <a:srgbClr val="000000"/>
+                </a:solidFill>
+                <a:latin typeface="Calibri"/>
+                <a:ea typeface="DejaVu Sans"/>
+              </a:rPr>
+              <a:t>Efetuar a troca do produto.</a:t>
+            </a:r>
+            <a:endParaRPr lang="pt-BR" sz="900" b="0" strike="noStrike" spc="-1" dirty="0">
+              <a:latin typeface="Arial"/>
+            </a:endParaRPr>
+          </a:p>
+          <a:p>
+            <a:pPr>
+              <a:lnSpc>
+                <a:spcPct val="100000"/>
+              </a:lnSpc>
+            </a:pPr>
+            <a:r>
+              <a:rPr lang="pt-BR" sz="900" b="1" strike="noStrike" spc="-1" dirty="0">
+                <a:solidFill>
+                  <a:srgbClr val="000000"/>
+                </a:solidFill>
+                <a:latin typeface="Calibri"/>
+                <a:ea typeface="DejaVu Sans"/>
+              </a:rPr>
+              <a:t>Evento:</a:t>
+            </a:r>
+            <a:r>
+              <a:rPr lang="pt-BR" sz="900" b="0" strike="noStrike" spc="-1" dirty="0">
+                <a:solidFill>
+                  <a:srgbClr val="000000"/>
+                </a:solidFill>
+                <a:latin typeface="Calibri"/>
+                <a:ea typeface="DejaVu Sans"/>
+              </a:rPr>
+              <a:t> Cliente escolhe novo produto.</a:t>
+            </a:r>
+            <a:endParaRPr lang="pt-BR" sz="900" b="0" strike="noStrike" spc="-1" dirty="0">
+              <a:latin typeface="Arial"/>
+            </a:endParaRPr>
+          </a:p>
+          <a:p>
+            <a:pPr>
+              <a:lnSpc>
+                <a:spcPct val="100000"/>
+              </a:lnSpc>
+            </a:pPr>
+            <a:r>
+              <a:rPr lang="pt-BR" sz="900" b="1" strike="noStrike" spc="-1" dirty="0">
+                <a:solidFill>
+                  <a:srgbClr val="000000"/>
+                </a:solidFill>
+                <a:latin typeface="Calibri"/>
+                <a:ea typeface="DejaVu Sans"/>
+              </a:rPr>
+              <a:t>Objetivo: </a:t>
+            </a:r>
+            <a:r>
+              <a:rPr lang="pt-BR" sz="900" b="0" strike="noStrike" spc="-1" dirty="0">
+                <a:solidFill>
+                  <a:srgbClr val="000000"/>
+                </a:solidFill>
+                <a:latin typeface="Calibri"/>
+                <a:ea typeface="DejaVu Sans"/>
+              </a:rPr>
+              <a:t>Efetuar a troca dos produtos desejados pelo cliente.</a:t>
+            </a:r>
+            <a:endParaRPr lang="pt-BR" sz="900" b="0" strike="noStrike" spc="-1" dirty="0">
+              <a:latin typeface="Arial"/>
+            </a:endParaRPr>
+          </a:p>
+          <a:p>
+            <a:pPr>
+              <a:lnSpc>
+                <a:spcPct val="100000"/>
+              </a:lnSpc>
+            </a:pPr>
+            <a:r>
+              <a:rPr lang="pt-BR" sz="900" b="1" strike="noStrike" spc="-1" dirty="0">
+                <a:solidFill>
+                  <a:srgbClr val="000000"/>
+                </a:solidFill>
+                <a:latin typeface="Calibri"/>
+                <a:ea typeface="DejaVu Sans"/>
+              </a:rPr>
+              <a:t>Trabalhadores envolvidos:</a:t>
+            </a:r>
+            <a:endParaRPr lang="pt-BR" sz="900" b="0" strike="noStrike" spc="-1" dirty="0">
+              <a:latin typeface="Arial"/>
+            </a:endParaRPr>
+          </a:p>
+          <a:p>
+            <a:pPr marL="171360" indent="-170280">
+              <a:lnSpc>
+                <a:spcPct val="100000"/>
+              </a:lnSpc>
+              <a:buClr>
+                <a:srgbClr val="000000"/>
+              </a:buClr>
+              <a:buFont typeface="Wingdings" charset="2"/>
+              <a:buChar char=""/>
+            </a:pPr>
+            <a:r>
+              <a:rPr lang="pt-BR" sz="900" b="0" strike="noStrike" spc="-1" dirty="0">
+                <a:solidFill>
+                  <a:srgbClr val="000000"/>
+                </a:solidFill>
+                <a:latin typeface="Calibri"/>
+                <a:ea typeface="DejaVu Sans"/>
+              </a:rPr>
+              <a:t>Vendedor.</a:t>
+            </a:r>
+            <a:endParaRPr lang="pt-BR" sz="900" b="0" strike="noStrike" spc="-1" dirty="0">
+              <a:latin typeface="Arial"/>
+            </a:endParaRPr>
+          </a:p>
+          <a:p>
+            <a:pPr marL="432000" lvl="1" indent="-215280">
+              <a:lnSpc>
+                <a:spcPct val="100000"/>
+              </a:lnSpc>
+              <a:buClr>
+                <a:srgbClr val="000000"/>
+              </a:buClr>
+              <a:buSzPct val="45000"/>
+              <a:buFont typeface="Wingdings" charset="2"/>
+              <a:buChar char=""/>
+            </a:pPr>
+            <a:r>
+              <a:rPr lang="pt-BR" sz="900" b="0" strike="noStrike" spc="-1" dirty="0">
+                <a:solidFill>
+                  <a:srgbClr val="000000"/>
+                </a:solidFill>
+                <a:latin typeface="Calibri"/>
+                <a:ea typeface="DejaVu Sans"/>
+              </a:rPr>
+              <a:t>Verifica a disponibilidade do produtos.</a:t>
+            </a:r>
+            <a:endParaRPr lang="pt-BR" sz="900" b="0" strike="noStrike" spc="-1" dirty="0">
+              <a:latin typeface="Arial"/>
+            </a:endParaRPr>
+          </a:p>
+          <a:p>
+            <a:pPr marL="648000" lvl="2" indent="-216000">
+              <a:lnSpc>
+                <a:spcPct val="100000"/>
+              </a:lnSpc>
+              <a:buClr>
+                <a:srgbClr val="000000"/>
+              </a:buClr>
+              <a:buSzPct val="45000"/>
+              <a:buFont typeface="Wingdings" charset="2"/>
+              <a:buChar char=""/>
+            </a:pPr>
+            <a:r>
+              <a:rPr lang="pt-BR" sz="900" b="0" strike="noStrike" spc="-1" dirty="0">
+                <a:solidFill>
+                  <a:srgbClr val="000000"/>
+                </a:solidFill>
+                <a:latin typeface="Calibri"/>
+                <a:ea typeface="DejaVu Sans"/>
+              </a:rPr>
+              <a:t>Se não houve disponibilidade informa ao cliente que o produto escolhido não está disponível.</a:t>
+            </a:r>
+            <a:endParaRPr lang="pt-BR" sz="900" b="0" strike="noStrike" spc="-1" dirty="0">
+              <a:latin typeface="Arial"/>
+            </a:endParaRPr>
+          </a:p>
+          <a:p>
+            <a:pPr marL="432000" lvl="1" indent="-215280">
+              <a:lnSpc>
+                <a:spcPct val="100000"/>
+              </a:lnSpc>
+              <a:buClr>
+                <a:srgbClr val="000000"/>
+              </a:buClr>
+              <a:buSzPct val="45000"/>
+              <a:buFont typeface="Wingdings" charset="2"/>
+              <a:buChar char=""/>
+            </a:pPr>
+            <a:r>
+              <a:rPr lang="pt-BR" sz="900" b="0" strike="noStrike" spc="-1" dirty="0">
+                <a:solidFill>
+                  <a:srgbClr val="000000"/>
+                </a:solidFill>
+                <a:latin typeface="Calibri"/>
+                <a:ea typeface="DejaVu Sans"/>
+              </a:rPr>
+              <a:t>Consulta as informações do cliente.</a:t>
+            </a:r>
+            <a:endParaRPr lang="pt-BR" sz="900" b="0" strike="noStrike" spc="-1" dirty="0">
+              <a:latin typeface="Arial"/>
+            </a:endParaRPr>
+          </a:p>
+          <a:p>
+            <a:pPr marL="432000" lvl="1" indent="-215280">
+              <a:lnSpc>
+                <a:spcPct val="100000"/>
+              </a:lnSpc>
+              <a:buClr>
+                <a:srgbClr val="000000"/>
+              </a:buClr>
+              <a:buSzPct val="45000"/>
+              <a:buFont typeface="Wingdings" charset="2"/>
+              <a:buChar char=""/>
+            </a:pPr>
+            <a:r>
+              <a:rPr lang="pt-BR" sz="900" b="0" strike="noStrike" spc="-1" dirty="0">
+                <a:solidFill>
+                  <a:srgbClr val="000000"/>
+                </a:solidFill>
+                <a:latin typeface="Calibri"/>
+                <a:ea typeface="DejaVu Sans"/>
+              </a:rPr>
+              <a:t>Cria um novo pedido com o(s) produto(s) escolhido(s).</a:t>
+            </a:r>
+            <a:endParaRPr lang="pt-BR" sz="900" b="0" strike="noStrike" spc="-1" dirty="0">
+              <a:latin typeface="Arial"/>
+            </a:endParaRPr>
+          </a:p>
+          <a:p>
+            <a:pPr marL="648000" lvl="2" indent="-216000">
+              <a:lnSpc>
+                <a:spcPct val="100000"/>
+              </a:lnSpc>
+              <a:buClr>
+                <a:srgbClr val="000000"/>
+              </a:buClr>
+              <a:buSzPct val="45000"/>
+              <a:buFont typeface="Wingdings" charset="2"/>
+              <a:buChar char=""/>
+            </a:pPr>
+            <a:r>
+              <a:rPr lang="pt-BR" sz="900" b="0" strike="noStrike" spc="-1" dirty="0">
+                <a:solidFill>
+                  <a:srgbClr val="000000"/>
+                </a:solidFill>
+                <a:latin typeface="Calibri"/>
+                <a:ea typeface="DejaVu Sans"/>
+              </a:rPr>
+              <a:t>Se o valor do pedido for inferior ao do produto trocado, informar o cliente que o pedido deve ter valor igual ou superior ao produto devolvido.</a:t>
+            </a:r>
+            <a:endParaRPr lang="pt-BR" sz="900" b="0" strike="noStrike" spc="-1" dirty="0">
+              <a:latin typeface="Arial"/>
+            </a:endParaRPr>
+          </a:p>
+          <a:p>
+            <a:pPr marL="648000" lvl="2" indent="-216000">
+              <a:lnSpc>
+                <a:spcPct val="100000"/>
+              </a:lnSpc>
+              <a:buClr>
+                <a:srgbClr val="000000"/>
+              </a:buClr>
+              <a:buSzPct val="45000"/>
+              <a:buFont typeface="Wingdings" charset="2"/>
+              <a:buChar char=""/>
+            </a:pPr>
+            <a:r>
+              <a:rPr lang="pt-BR" sz="900" b="0" strike="noStrike" spc="-1" dirty="0">
+                <a:solidFill>
+                  <a:srgbClr val="000000"/>
+                </a:solidFill>
+                <a:latin typeface="Calibri"/>
+                <a:ea typeface="DejaVu Sans"/>
+              </a:rPr>
+              <a:t>Se o valor do novo pedido for superior, solicitar ao cliente o valor da diferença e a forma de pagamento.</a:t>
+            </a:r>
+            <a:endParaRPr lang="pt-BR" sz="900" b="0" strike="noStrike" spc="-1" dirty="0">
+              <a:latin typeface="Arial"/>
+            </a:endParaRPr>
+          </a:p>
+          <a:p>
+            <a:pPr marL="432000" lvl="1" indent="-215280">
+              <a:lnSpc>
+                <a:spcPct val="100000"/>
+              </a:lnSpc>
+              <a:buClr>
+                <a:srgbClr val="000000"/>
+              </a:buClr>
+              <a:buSzPct val="45000"/>
+              <a:buFont typeface="Wingdings" charset="2"/>
+              <a:buChar char=""/>
+            </a:pPr>
+            <a:r>
+              <a:rPr lang="pt-BR" sz="900" b="0" strike="noStrike" spc="-1" dirty="0">
+                <a:solidFill>
+                  <a:srgbClr val="000000"/>
+                </a:solidFill>
+                <a:latin typeface="Calibri"/>
+                <a:ea typeface="DejaVu Sans"/>
+              </a:rPr>
+              <a:t>Guarda o(s) produto(s) escolhido(s) com o recebido.</a:t>
+            </a:r>
+            <a:endParaRPr lang="pt-BR" sz="900" b="0" strike="noStrike" spc="-1" dirty="0">
+              <a:latin typeface="Arial"/>
+            </a:endParaRPr>
+          </a:p>
+          <a:p>
+            <a:pPr marL="432000" lvl="1" indent="-215280">
+              <a:lnSpc>
+                <a:spcPct val="100000"/>
+              </a:lnSpc>
+              <a:buClr>
+                <a:srgbClr val="000000"/>
+              </a:buClr>
+              <a:buSzPct val="45000"/>
+              <a:buFont typeface="Wingdings" charset="2"/>
+              <a:buChar char=""/>
+            </a:pPr>
+            <a:r>
+              <a:rPr lang="pt-BR" sz="900" b="0" strike="noStrike" spc="-1" dirty="0">
+                <a:solidFill>
+                  <a:srgbClr val="000000"/>
+                </a:solidFill>
+                <a:latin typeface="Calibri"/>
+                <a:ea typeface="DejaVu Sans"/>
+              </a:rPr>
+              <a:t>Entrega o(s) produto(s) e nota fiscal ao cliente</a:t>
+            </a:r>
+            <a:endParaRPr lang="pt-BR" sz="900" b="0" strike="noStrike" spc="-1" dirty="0">
+              <a:latin typeface="Arial"/>
+            </a:endParaRPr>
+          </a:p>
+        </p:txBody>
+      </p:sp>
+      <p:sp>
+        <p:nvSpPr>
+          <p:cNvPr id="57" name="CustomShape 8"/>
+          <p:cNvSpPr/>
+          <p:nvPr/>
+        </p:nvSpPr>
+        <p:spPr>
+          <a:xfrm>
+            <a:off x="3795840" y="3088800"/>
+            <a:ext cx="2801160" cy="886320"/>
+          </a:xfrm>
+          <a:prstGeom prst="curvedConnector2">
+            <a:avLst/>
+          </a:prstGeom>
+          <a:noFill/>
+          <a:ln>
+            <a:tailEnd type="triangle" w="med" len="med"/>
+          </a:ln>
+          <a:effectLst>
+            <a:outerShdw blurRad="40000" dist="23040" dir="5400000" rotWithShape="0">
+              <a:srgbClr val="000000">
+                <a:alpha val="35000"/>
+              </a:srgbClr>
+            </a:outerShdw>
+          </a:effectLst>
+        </p:spPr>
+        <p:style>
+          <a:lnRef idx="3">
+            <a:schemeClr val="accent1"/>
+          </a:lnRef>
+          <a:fillRef idx="0">
+            <a:schemeClr val="accent1"/>
+          </a:fillRef>
+          <a:effectRef idx="2">
+            <a:schemeClr val="accent1"/>
+          </a:effectRef>
+          <a:fontRef idx="minor"/>
+        </p:style>
+      </p:sp>
+      <p:sp>
+        <p:nvSpPr>
+          <p:cNvPr id="58" name="CustomShape 9"/>
+          <p:cNvSpPr/>
+          <p:nvPr/>
+        </p:nvSpPr>
+        <p:spPr>
+          <a:xfrm>
+            <a:off x="4737600" y="4761000"/>
+            <a:ext cx="3719520" cy="229680"/>
+          </a:xfrm>
+          <a:prstGeom prst="rect">
+            <a:avLst/>
+          </a:prstGeom>
+          <a:noFill/>
+          <a:ln w="0">
+            <a:noFill/>
+          </a:ln>
+        </p:spPr>
+        <p:style>
+          <a:lnRef idx="0">
+            <a:scrgbClr r="0" g="0" b="0"/>
+          </a:lnRef>
+          <a:fillRef idx="0">
+            <a:scrgbClr r="0" g="0" b="0"/>
+          </a:fillRef>
+          <a:effectRef idx="0">
+            <a:scrgbClr r="0" g="0" b="0"/>
+          </a:effectRef>
+          <a:fontRef idx="minor"/>
+        </p:style>
+      </p:sp>
+      <p:sp>
+        <p:nvSpPr>
+          <p:cNvPr id="59" name="CustomShape 10"/>
+          <p:cNvSpPr/>
+          <p:nvPr/>
+        </p:nvSpPr>
+        <p:spPr>
+          <a:xfrm>
+            <a:off x="762480" y="4356000"/>
+            <a:ext cx="821160" cy="359640"/>
+          </a:xfrm>
+          <a:prstGeom prst="rect">
+            <a:avLst/>
+          </a:prstGeom>
+          <a:ln>
+            <a:noFill/>
+          </a:ln>
+        </p:spPr>
+        <p:style>
+          <a:lnRef idx="2">
+            <a:schemeClr val="accent6">
+              <a:shade val="50000"/>
+            </a:schemeClr>
+          </a:lnRef>
+          <a:fillRef idx="1">
+            <a:schemeClr val="accent6"/>
+          </a:fillRef>
+          <a:effectRef idx="0">
+            <a:schemeClr val="accent6"/>
+          </a:effectRef>
+          <a:fontRef idx="minor"/>
+        </p:style>
+        <p:txBody>
+          <a:bodyPr lIns="90000" tIns="45000" rIns="90000" bIns="45000" anchor="ctr">
+            <a:noAutofit/>
+          </a:bodyPr>
+          <a:lstStyle/>
+          <a:p>
+            <a:pPr algn="ctr">
+              <a:lnSpc>
+                <a:spcPct val="100000"/>
+              </a:lnSpc>
+            </a:pPr>
+            <a:r>
+              <a:rPr lang="pt-BR" sz="1050" b="0" strike="noStrike" spc="-1">
+                <a:solidFill>
+                  <a:srgbClr val="000000"/>
+                </a:solidFill>
+                <a:latin typeface="Calibri"/>
+                <a:ea typeface="DejaVu Sans"/>
+              </a:rPr>
+              <a:t>Pedido</a:t>
+            </a:r>
+            <a:endParaRPr lang="pt-BR" sz="1050" b="0" strike="noStrike" spc="-1">
+              <a:latin typeface="Arial"/>
+            </a:endParaRPr>
+          </a:p>
+        </p:txBody>
+      </p:sp>
+      <p:sp>
+        <p:nvSpPr>
+          <p:cNvPr id="60" name="CustomShape 11"/>
+          <p:cNvSpPr/>
+          <p:nvPr/>
+        </p:nvSpPr>
+        <p:spPr>
+          <a:xfrm>
+            <a:off x="1123200" y="1857600"/>
+            <a:ext cx="1198800" cy="1230840"/>
+          </a:xfrm>
+          <a:prstGeom prst="curvedConnector3">
+            <a:avLst>
+              <a:gd name="adj1" fmla="val 50000"/>
+            </a:avLst>
+          </a:prstGeom>
+          <a:noFill/>
+          <a:ln w="0">
+            <a:solidFill>
+              <a:srgbClr val="3465A4"/>
+            </a:solidFill>
+            <a:tailEnd type="triangle" w="med" len="med"/>
+          </a:ln>
+        </p:spPr>
+        <p:style>
+          <a:lnRef idx="0">
+            <a:scrgbClr r="0" g="0" b="0"/>
+          </a:lnRef>
+          <a:fillRef idx="0">
+            <a:scrgbClr r="0" g="0" b="0"/>
+          </a:fillRef>
+          <a:effectRef idx="0">
+            <a:scrgbClr r="0" g="0" b="0"/>
+          </a:effectRef>
+          <a:fontRef idx="minor"/>
+        </p:style>
+      </p:sp>
+      <p:sp>
+        <p:nvSpPr>
+          <p:cNvPr id="61" name="CustomShape 12"/>
+          <p:cNvSpPr/>
+          <p:nvPr/>
+        </p:nvSpPr>
+        <p:spPr>
+          <a:xfrm flipH="1" flipV="1">
+            <a:off x="1539360" y="1639080"/>
+            <a:ext cx="1518120" cy="756360"/>
+          </a:xfrm>
+          <a:prstGeom prst="curvedConnector3">
+            <a:avLst>
+              <a:gd name="adj1" fmla="val 50000"/>
+            </a:avLst>
+          </a:prstGeom>
+          <a:noFill/>
+          <a:ln w="0">
+            <a:solidFill>
+              <a:srgbClr val="3465A4"/>
+            </a:solidFill>
+            <a:tailEnd type="triangle" w="med" len="med"/>
+          </a:ln>
+        </p:spPr>
+        <p:style>
+          <a:lnRef idx="0">
+            <a:scrgbClr r="0" g="0" b="0"/>
+          </a:lnRef>
+          <a:fillRef idx="0">
+            <a:scrgbClr r="0" g="0" b="0"/>
+          </a:fillRef>
+          <a:effectRef idx="0">
+            <a:scrgbClr r="0" g="0" b="0"/>
+          </a:effectRef>
+          <a:fontRef idx="minor"/>
+        </p:style>
+      </p:sp>
+      <p:sp>
+        <p:nvSpPr>
+          <p:cNvPr id="62" name="CustomShape 13"/>
+          <p:cNvSpPr/>
+          <p:nvPr/>
+        </p:nvSpPr>
+        <p:spPr>
+          <a:xfrm>
+            <a:off x="4398840" y="4356000"/>
+            <a:ext cx="1001160" cy="359640"/>
+          </a:xfrm>
+          <a:prstGeom prst="rect">
+            <a:avLst/>
+          </a:prstGeom>
+          <a:ln>
+            <a:noFill/>
+          </a:ln>
+        </p:spPr>
+        <p:style>
+          <a:lnRef idx="2">
+            <a:schemeClr val="accent6">
+              <a:shade val="50000"/>
+            </a:schemeClr>
+          </a:lnRef>
+          <a:fillRef idx="1">
+            <a:schemeClr val="accent6"/>
+          </a:fillRef>
+          <a:effectRef idx="0">
+            <a:schemeClr val="accent6"/>
+          </a:effectRef>
+          <a:fontRef idx="minor"/>
+        </p:style>
+        <p:txBody>
+          <a:bodyPr lIns="90000" tIns="45000" rIns="90000" bIns="45000" anchor="ctr">
+            <a:noAutofit/>
+          </a:bodyPr>
+          <a:lstStyle/>
+          <a:p>
+            <a:pPr algn="ctr">
+              <a:lnSpc>
+                <a:spcPct val="100000"/>
+              </a:lnSpc>
+            </a:pPr>
+            <a:r>
+              <a:rPr lang="pt-BR" sz="1050" b="0" strike="noStrike" spc="-1">
+                <a:solidFill>
+                  <a:srgbClr val="000000"/>
+                </a:solidFill>
+                <a:latin typeface="Calibri"/>
+                <a:ea typeface="DejaVu Sans"/>
+              </a:rPr>
+              <a:t>Lançamento</a:t>
+            </a:r>
+            <a:endParaRPr lang="pt-BR" sz="1050" b="0" strike="noStrike" spc="-1">
+              <a:latin typeface="Arial"/>
+            </a:endParaRPr>
+          </a:p>
+        </p:txBody>
+      </p:sp>
+      <p:sp>
+        <p:nvSpPr>
+          <p:cNvPr id="63" name="CustomShape 14"/>
+          <p:cNvSpPr/>
+          <p:nvPr/>
+        </p:nvSpPr>
+        <p:spPr>
+          <a:xfrm>
+            <a:off x="1980000" y="4356000"/>
+            <a:ext cx="821160" cy="359640"/>
+          </a:xfrm>
+          <a:prstGeom prst="rect">
+            <a:avLst/>
+          </a:prstGeom>
+          <a:ln>
+            <a:noFill/>
+          </a:ln>
+        </p:spPr>
+        <p:style>
+          <a:lnRef idx="2">
+            <a:schemeClr val="accent6">
+              <a:shade val="50000"/>
+            </a:schemeClr>
+          </a:lnRef>
+          <a:fillRef idx="1">
+            <a:schemeClr val="accent6"/>
+          </a:fillRef>
+          <a:effectRef idx="0">
+            <a:schemeClr val="accent6"/>
+          </a:effectRef>
+          <a:fontRef idx="minor"/>
+        </p:style>
+        <p:txBody>
+          <a:bodyPr lIns="90000" tIns="45000" rIns="90000" bIns="45000" anchor="ctr">
+            <a:noAutofit/>
+          </a:bodyPr>
+          <a:lstStyle/>
+          <a:p>
+            <a:pPr algn="ctr">
+              <a:lnSpc>
+                <a:spcPct val="100000"/>
+              </a:lnSpc>
+            </a:pPr>
+            <a:r>
+              <a:rPr lang="pt-BR" sz="1050" b="0" strike="noStrike" spc="-1">
+                <a:solidFill>
+                  <a:srgbClr val="000000"/>
+                </a:solidFill>
+                <a:latin typeface="Calibri"/>
+                <a:ea typeface="DejaVu Sans"/>
+              </a:rPr>
+              <a:t>Produto</a:t>
+            </a:r>
+            <a:endParaRPr lang="pt-BR" sz="1050" b="0" strike="noStrike" spc="-1">
+              <a:latin typeface="Arial"/>
+            </a:endParaRPr>
+          </a:p>
+        </p:txBody>
+      </p:sp>
+      <p:sp>
+        <p:nvSpPr>
+          <p:cNvPr id="64" name="CustomShape 15"/>
+          <p:cNvSpPr/>
+          <p:nvPr/>
+        </p:nvSpPr>
+        <p:spPr>
+          <a:xfrm flipH="1">
+            <a:off x="1173240" y="3429000"/>
+            <a:ext cx="1250640" cy="927000"/>
+          </a:xfrm>
+          <a:custGeom>
+            <a:avLst/>
+            <a:gdLst/>
+            <a:ahLst/>
+            <a:cxnLst/>
+            <a:rect l="l" t="t" r="r" b="b"/>
+            <a:pathLst>
+              <a:path w="21600" h="21600">
+                <a:moveTo>
+                  <a:pt x="0" y="0"/>
+                </a:moveTo>
+                <a:lnTo>
+                  <a:pt x="21600" y="21600"/>
+                </a:lnTo>
+              </a:path>
+            </a:pathLst>
+          </a:custGeom>
+          <a:noFill/>
+          <a:ln w="0">
+            <a:solidFill>
+              <a:srgbClr val="3465A4"/>
+            </a:solidFill>
+            <a:headEnd type="triangle" w="med" len="med"/>
+            <a:tailEnd type="triangle" w="med" len="med"/>
+          </a:ln>
+        </p:spPr>
+        <p:style>
+          <a:lnRef idx="0">
+            <a:scrgbClr r="0" g="0" b="0"/>
+          </a:lnRef>
+          <a:fillRef idx="0">
+            <a:scrgbClr r="0" g="0" b="0"/>
+          </a:fillRef>
+          <a:effectRef idx="0">
+            <a:scrgbClr r="0" g="0" b="0"/>
+          </a:effectRef>
+          <a:fontRef idx="minor"/>
+        </p:style>
+      </p:sp>
+      <p:sp>
+        <p:nvSpPr>
+          <p:cNvPr id="65" name="CustomShape 16"/>
+          <p:cNvSpPr/>
+          <p:nvPr/>
+        </p:nvSpPr>
+        <p:spPr>
+          <a:xfrm flipH="1">
+            <a:off x="2412360" y="3701988"/>
+            <a:ext cx="308880" cy="618012"/>
+          </a:xfrm>
+          <a:custGeom>
+            <a:avLst/>
+            <a:gdLst/>
+            <a:ahLst/>
+            <a:cxnLst/>
+            <a:rect l="l" t="t" r="r" b="b"/>
+            <a:pathLst>
+              <a:path w="21600" h="21600">
+                <a:moveTo>
+                  <a:pt x="0" y="0"/>
+                </a:moveTo>
+                <a:lnTo>
+                  <a:pt x="21600" y="21600"/>
+                </a:lnTo>
+              </a:path>
+            </a:pathLst>
+          </a:custGeom>
+          <a:noFill/>
+          <a:ln w="0">
+            <a:solidFill>
+              <a:srgbClr val="3465A4"/>
+            </a:solidFill>
+            <a:headEnd type="triangle" w="med" len="med"/>
+            <a:tailEnd type="triangle" w="med" len="med"/>
+          </a:ln>
+        </p:spPr>
+        <p:style>
+          <a:lnRef idx="0">
+            <a:scrgbClr r="0" g="0" b="0"/>
+          </a:lnRef>
+          <a:fillRef idx="0">
+            <a:scrgbClr r="0" g="0" b="0"/>
+          </a:fillRef>
+          <a:effectRef idx="0">
+            <a:scrgbClr r="0" g="0" b="0"/>
+          </a:effectRef>
+          <a:fontRef idx="minor"/>
+        </p:style>
+      </p:sp>
+      <p:sp>
+        <p:nvSpPr>
+          <p:cNvPr id="66" name="CustomShape 17"/>
+          <p:cNvSpPr/>
+          <p:nvPr/>
+        </p:nvSpPr>
+        <p:spPr>
+          <a:xfrm>
+            <a:off x="3641400" y="3550320"/>
+            <a:ext cx="1239840" cy="805680"/>
+          </a:xfrm>
+          <a:custGeom>
+            <a:avLst/>
+            <a:gdLst/>
+            <a:ahLst/>
+            <a:cxnLst/>
+            <a:rect l="l" t="t" r="r" b="b"/>
+            <a:pathLst>
+              <a:path w="21600" h="21600">
+                <a:moveTo>
+                  <a:pt x="0" y="0"/>
+                </a:moveTo>
+                <a:lnTo>
+                  <a:pt x="21600" y="21600"/>
+                </a:lnTo>
+              </a:path>
+            </a:pathLst>
+          </a:custGeom>
+          <a:noFill/>
+          <a:ln w="0">
+            <a:solidFill>
+              <a:srgbClr val="3465A4"/>
+            </a:solidFill>
+            <a:headEnd type="triangle" w="med" len="med"/>
+            <a:tailEnd type="triangle" w="med" len="med"/>
+          </a:ln>
+        </p:spPr>
+        <p:style>
+          <a:lnRef idx="0">
+            <a:scrgbClr r="0" g="0" b="0"/>
+          </a:lnRef>
+          <a:fillRef idx="0">
+            <a:scrgbClr r="0" g="0" b="0"/>
+          </a:fillRef>
+          <a:effectRef idx="0">
+            <a:scrgbClr r="0" g="0" b="0"/>
+          </a:effectRef>
+          <a:fontRef idx="minor"/>
+        </p:style>
+      </p:sp>
+      <p:sp>
+        <p:nvSpPr>
+          <p:cNvPr id="67" name="Line 18"/>
+          <p:cNvSpPr/>
+          <p:nvPr/>
+        </p:nvSpPr>
+        <p:spPr>
+          <a:xfrm>
+            <a:off x="3240000" y="3780360"/>
+            <a:ext cx="411120" cy="539640"/>
+          </a:xfrm>
+          <a:prstGeom prst="line">
+            <a:avLst/>
+          </a:prstGeom>
+          <a:ln w="0">
+            <a:solidFill>
+              <a:srgbClr val="3465A4"/>
+            </a:solidFill>
+            <a:tailEnd type="triangle" w="med" len="med"/>
+          </a:ln>
+        </p:spPr>
+        <p:style>
+          <a:lnRef idx="0">
+            <a:scrgbClr r="0" g="0" b="0"/>
+          </a:lnRef>
+          <a:fillRef idx="0">
+            <a:scrgbClr r="0" g="0" b="0"/>
+          </a:fillRef>
+          <a:effectRef idx="0">
+            <a:scrgbClr r="0" g="0" b="0"/>
+          </a:effectRef>
+          <a:fontRef idx="minor"/>
+        </p:style>
+      </p:sp>
+    </p:spTree>
+  </p:cSld>
+  <p:clrMapOvr>
+    <a:masterClrMapping/>
+  </p:clrMapOvr>
+</p:sld>
+</file>
+
+<file path=ppt/slides/slide8.xml><?xml version="1.0" encoding="utf-8"?>
+<p:sld xmlns:a="http://schemas.openxmlformats.org/drawingml/2006/main" xmlns:r="http://schemas.openxmlformats.org/officeDocument/2006/relationships" xmlns:p="http://schemas.openxmlformats.org/presentationml/2006/main">
+  <p:cSld>
+    <p:spTree>
+      <p:nvGrpSpPr>
+        <p:cNvPr id="1" name=""/>
+        <p:cNvGrpSpPr/>
+        <p:nvPr/>
+      </p:nvGrpSpPr>
+      <p:grpSpPr>
+        <a:xfrm>
+          <a:off x="0" y="0"/>
+          <a:ext cx="0" cy="0"/>
+          <a:chOff x="0" y="0"/>
+          <a:chExt cx="0" cy="0"/>
+        </a:xfrm>
+      </p:grpSpPr>
+      <p:sp>
+        <p:nvSpPr>
+          <p:cNvPr id="38" name="CustomShape 1"/>
+          <p:cNvSpPr/>
+          <p:nvPr/>
+        </p:nvSpPr>
+        <p:spPr>
+          <a:xfrm>
+            <a:off x="1404360" y="2346899"/>
+            <a:ext cx="1473120" cy="1384560"/>
+          </a:xfrm>
+          <a:prstGeom prst="ellipse">
+            <a:avLst/>
+          </a:prstGeom>
+          <a:ln/>
+        </p:spPr>
+        <p:style>
+          <a:lnRef idx="2">
+            <a:schemeClr val="accent2">
+              <a:shade val="50000"/>
+            </a:schemeClr>
+          </a:lnRef>
+          <a:fillRef idx="1">
+            <a:schemeClr val="accent2"/>
+          </a:fillRef>
+          <a:effectRef idx="0">
+            <a:schemeClr val="accent2"/>
+          </a:effectRef>
+          <a:fontRef idx="minor"/>
+        </p:style>
+        <p:txBody>
+          <a:bodyPr lIns="90000" tIns="45000" rIns="90000" bIns="45000" anchor="ctr">
+            <a:noAutofit/>
+          </a:bodyPr>
+          <a:lstStyle/>
+          <a:p>
+            <a:pPr algn="ctr">
+              <a:lnSpc>
+                <a:spcPct val="100000"/>
+              </a:lnSpc>
+            </a:pPr>
+            <a:r>
+              <a:rPr lang="pt-BR" sz="1200" b="0" strike="noStrike" spc="-1" dirty="0">
+                <a:solidFill>
+                  <a:srgbClr val="000000"/>
+                </a:solidFill>
+                <a:latin typeface="Calibri"/>
+                <a:ea typeface="DejaVu Sans"/>
+              </a:rPr>
+              <a:t>Receber diferença de valor em dinheiro</a:t>
+            </a:r>
+            <a:endParaRPr lang="pt-BR" sz="1200" b="0" strike="noStrike" spc="-1" dirty="0">
+              <a:latin typeface="Arial"/>
+            </a:endParaRPr>
+          </a:p>
+        </p:txBody>
+      </p:sp>
+      <p:sp>
+        <p:nvSpPr>
+          <p:cNvPr id="47" name="CustomShape 10"/>
+          <p:cNvSpPr/>
+          <p:nvPr/>
+        </p:nvSpPr>
+        <p:spPr>
+          <a:xfrm>
+            <a:off x="4737600" y="3976200"/>
+            <a:ext cx="3719880" cy="1752872"/>
+          </a:xfrm>
+          <a:prstGeom prst="rect">
+            <a:avLst/>
+          </a:prstGeom>
+          <a:solidFill>
+            <a:schemeClr val="bg2"/>
+          </a:solidFill>
+          <a:ln w="0">
+            <a:noFill/>
+          </a:ln>
+        </p:spPr>
+        <p:style>
+          <a:lnRef idx="0">
+            <a:scrgbClr r="0" g="0" b="0"/>
+          </a:lnRef>
+          <a:fillRef idx="0">
+            <a:scrgbClr r="0" g="0" b="0"/>
+          </a:fillRef>
+          <a:effectRef idx="0">
+            <a:scrgbClr r="0" g="0" b="0"/>
+          </a:effectRef>
+          <a:fontRef idx="minor"/>
+        </p:style>
+        <p:txBody>
+          <a:bodyPr lIns="90000" tIns="45000" rIns="90000" bIns="45000">
+            <a:spAutoFit/>
+          </a:bodyPr>
+          <a:lstStyle/>
+          <a:p>
+            <a:pPr>
+              <a:lnSpc>
+                <a:spcPct val="100000"/>
+              </a:lnSpc>
+            </a:pPr>
+            <a:r>
+              <a:rPr lang="pt-BR" sz="900" b="1" strike="noStrike" spc="-1" dirty="0">
+                <a:solidFill>
+                  <a:srgbClr val="000000"/>
+                </a:solidFill>
+                <a:latin typeface="Calibri"/>
+                <a:ea typeface="DejaVu Sans"/>
+              </a:rPr>
+              <a:t>Efetuar </a:t>
+            </a:r>
+            <a:r>
+              <a:rPr lang="pt-BR" sz="900" b="1" spc="-1" dirty="0">
+                <a:solidFill>
+                  <a:srgbClr val="000000"/>
+                </a:solidFill>
+                <a:latin typeface="Calibri"/>
+                <a:ea typeface="DejaVu Sans"/>
+              </a:rPr>
+              <a:t>troca </a:t>
+            </a:r>
+            <a:r>
+              <a:rPr lang="pt-BR" sz="900" b="1" strike="noStrike" spc="-1" dirty="0">
+                <a:solidFill>
+                  <a:srgbClr val="000000"/>
+                </a:solidFill>
+                <a:latin typeface="Calibri"/>
+                <a:ea typeface="DejaVu Sans"/>
+              </a:rPr>
+              <a:t>do produto.</a:t>
+            </a:r>
+            <a:endParaRPr lang="pt-BR" sz="900" b="0" strike="noStrike" spc="-1" dirty="0">
+              <a:latin typeface="Arial"/>
+            </a:endParaRPr>
+          </a:p>
+          <a:p>
+            <a:pPr>
+              <a:lnSpc>
+                <a:spcPct val="100000"/>
+              </a:lnSpc>
+            </a:pPr>
+            <a:r>
+              <a:rPr lang="pt-BR" sz="900" b="1" strike="noStrike" spc="-1" dirty="0">
+                <a:solidFill>
+                  <a:srgbClr val="000000"/>
+                </a:solidFill>
+                <a:latin typeface="Calibri"/>
+                <a:ea typeface="DejaVu Sans"/>
+              </a:rPr>
+              <a:t>Evento:</a:t>
+            </a:r>
+            <a:r>
+              <a:rPr lang="pt-BR" sz="900" b="0" strike="noStrike" spc="-1" dirty="0">
+                <a:solidFill>
+                  <a:srgbClr val="000000"/>
+                </a:solidFill>
+                <a:latin typeface="Calibri"/>
+                <a:ea typeface="DejaVu Sans"/>
+              </a:rPr>
+              <a:t> Cliente deseja realizar a troca do produto mais caro do que o inicialmente comprado.</a:t>
+            </a:r>
+            <a:endParaRPr lang="pt-BR" sz="900" b="0" strike="noStrike" spc="-1" dirty="0">
+              <a:latin typeface="Arial"/>
+            </a:endParaRPr>
+          </a:p>
+          <a:p>
+            <a:pPr>
+              <a:lnSpc>
+                <a:spcPct val="100000"/>
+              </a:lnSpc>
+            </a:pPr>
+            <a:r>
+              <a:rPr lang="pt-BR" sz="900" b="1" strike="noStrike" spc="-1" dirty="0">
+                <a:solidFill>
+                  <a:srgbClr val="000000"/>
+                </a:solidFill>
+                <a:latin typeface="Calibri"/>
+                <a:ea typeface="DejaVu Sans"/>
+              </a:rPr>
+              <a:t>Objetivo: </a:t>
+            </a:r>
+            <a:r>
+              <a:rPr lang="pt-BR" sz="900" b="0" strike="noStrike" spc="-1" dirty="0">
+                <a:solidFill>
+                  <a:srgbClr val="000000"/>
+                </a:solidFill>
+                <a:latin typeface="Calibri"/>
+                <a:ea typeface="DejaVu Sans"/>
+              </a:rPr>
+              <a:t>Receber a diferença em dinheiro do novo produto escolhido pelo cliente.</a:t>
+            </a:r>
+            <a:endParaRPr lang="pt-BR" sz="900" b="0" strike="noStrike" spc="-1" dirty="0">
+              <a:latin typeface="Arial"/>
+            </a:endParaRPr>
+          </a:p>
+          <a:p>
+            <a:pPr>
+              <a:lnSpc>
+                <a:spcPct val="100000"/>
+              </a:lnSpc>
+            </a:pPr>
+            <a:r>
+              <a:rPr lang="pt-BR" sz="900" b="1" strike="noStrike" spc="-1" dirty="0">
+                <a:solidFill>
+                  <a:srgbClr val="000000"/>
+                </a:solidFill>
+                <a:latin typeface="Calibri"/>
+                <a:ea typeface="DejaVu Sans"/>
+              </a:rPr>
+              <a:t>Trabalhadores envolvidos:</a:t>
+            </a:r>
+            <a:endParaRPr lang="pt-BR" sz="900" b="0" strike="noStrike" spc="-1" dirty="0">
+              <a:latin typeface="Arial"/>
+            </a:endParaRPr>
+          </a:p>
+          <a:p>
+            <a:pPr marL="171360" indent="-170640">
+              <a:lnSpc>
+                <a:spcPct val="100000"/>
+              </a:lnSpc>
+              <a:buClr>
+                <a:srgbClr val="000000"/>
+              </a:buClr>
+              <a:buFont typeface="Wingdings" charset="2"/>
+              <a:buChar char=""/>
+            </a:pPr>
+            <a:r>
+              <a:rPr lang="pt-BR" sz="900" b="0" strike="noStrike" spc="-1" dirty="0">
+                <a:solidFill>
+                  <a:srgbClr val="000000"/>
+                </a:solidFill>
+                <a:latin typeface="Calibri"/>
+                <a:ea typeface="DejaVu Sans"/>
+              </a:rPr>
+              <a:t>Vendedor.</a:t>
+            </a:r>
+            <a:endParaRPr lang="pt-BR" sz="900" b="0" strike="noStrike" spc="-1" dirty="0">
+              <a:latin typeface="Arial"/>
+            </a:endParaRPr>
+          </a:p>
+          <a:p>
+            <a:pPr marL="432000" lvl="1" indent="-215640">
+              <a:lnSpc>
+                <a:spcPct val="100000"/>
+              </a:lnSpc>
+              <a:buClr>
+                <a:srgbClr val="000000"/>
+              </a:buClr>
+              <a:buSzPct val="45000"/>
+              <a:buFont typeface="Wingdings" charset="2"/>
+              <a:buChar char=""/>
+            </a:pPr>
+            <a:r>
+              <a:rPr lang="pt-BR" sz="900" spc="-1" dirty="0">
+                <a:solidFill>
+                  <a:srgbClr val="000000"/>
+                </a:solidFill>
+                <a:latin typeface="Calibri"/>
+                <a:ea typeface="DejaVu Sans"/>
+              </a:rPr>
+              <a:t>Verifica a diferença de valor entre o produto a ser trocado e o produto escolhido.</a:t>
+            </a:r>
+            <a:endParaRPr lang="pt-BR" sz="900" spc="-1" dirty="0">
+              <a:solidFill>
+                <a:srgbClr val="000000"/>
+              </a:solidFill>
+              <a:latin typeface="Arial"/>
+              <a:ea typeface="DejaVu Sans"/>
+            </a:endParaRPr>
+          </a:p>
+          <a:p>
+            <a:pPr marL="432000" lvl="1" indent="-215640">
+              <a:lnSpc>
+                <a:spcPct val="100000"/>
+              </a:lnSpc>
+              <a:buClr>
+                <a:srgbClr val="000000"/>
+              </a:buClr>
+              <a:buSzPct val="45000"/>
+              <a:buFont typeface="Wingdings" charset="2"/>
+              <a:buChar char=""/>
+            </a:pPr>
+            <a:r>
+              <a:rPr lang="pt-BR" sz="900" spc="-1" dirty="0">
+                <a:solidFill>
+                  <a:srgbClr val="000000"/>
+                </a:solidFill>
+                <a:latin typeface="Calibri"/>
+                <a:ea typeface="DejaVu Sans"/>
+              </a:rPr>
+              <a:t>Recebe do cliente o novo valor em dinheiro.</a:t>
+            </a:r>
+          </a:p>
+          <a:p>
+            <a:pPr marL="432000" lvl="1" indent="-215640">
+              <a:lnSpc>
+                <a:spcPct val="100000"/>
+              </a:lnSpc>
+              <a:buClr>
+                <a:srgbClr val="000000"/>
+              </a:buClr>
+              <a:buSzPct val="45000"/>
+              <a:buFont typeface="Wingdings" charset="2"/>
+              <a:buChar char=""/>
+            </a:pPr>
+            <a:r>
+              <a:rPr lang="pt-BR" sz="900" spc="-1" dirty="0">
+                <a:solidFill>
+                  <a:srgbClr val="000000"/>
+                </a:solidFill>
+                <a:latin typeface="Calibri"/>
+                <a:ea typeface="DejaVu Sans"/>
+              </a:rPr>
+              <a:t>Entrega o novo produto escolhido, troco (se houver) e a nota Fiscal.</a:t>
+            </a:r>
+          </a:p>
+        </p:txBody>
+      </p:sp>
+      <p:sp>
+        <p:nvSpPr>
+          <p:cNvPr id="48" name="CustomShape 11"/>
+          <p:cNvSpPr/>
+          <p:nvPr/>
+        </p:nvSpPr>
+        <p:spPr>
+          <a:xfrm>
+            <a:off x="2877480" y="3052672"/>
+            <a:ext cx="3719880" cy="922808"/>
+          </a:xfrm>
+          <a:prstGeom prst="curvedConnector2">
+            <a:avLst/>
+          </a:prstGeom>
+          <a:noFill/>
+          <a:ln>
+            <a:tailEnd type="triangle" w="med" len="med"/>
+          </a:ln>
+          <a:effectLst>
+            <a:outerShdw blurRad="40000" dist="23040" dir="5400000" rotWithShape="0">
+              <a:srgbClr val="000000">
+                <a:alpha val="35000"/>
+              </a:srgbClr>
+            </a:outerShdw>
+          </a:effectLst>
+        </p:spPr>
+        <p:style>
+          <a:lnRef idx="3">
+            <a:schemeClr val="accent1"/>
+          </a:lnRef>
+          <a:fillRef idx="0">
+            <a:schemeClr val="accent1"/>
+          </a:fillRef>
+          <a:effectRef idx="2">
+            <a:schemeClr val="accent1"/>
+          </a:effectRef>
+          <a:fontRef idx="minor"/>
+        </p:style>
+      </p:sp>
+      <p:sp>
+        <p:nvSpPr>
+          <p:cNvPr id="49" name="CustomShape 12"/>
+          <p:cNvSpPr/>
+          <p:nvPr/>
+        </p:nvSpPr>
+        <p:spPr>
+          <a:xfrm>
+            <a:off x="4737600" y="4761000"/>
+            <a:ext cx="3719880" cy="230040"/>
+          </a:xfrm>
+          <a:prstGeom prst="rect">
+            <a:avLst/>
+          </a:prstGeom>
+          <a:noFill/>
+          <a:ln w="0">
+            <a:noFill/>
+          </a:ln>
+        </p:spPr>
+        <p:style>
+          <a:lnRef idx="0">
+            <a:scrgbClr r="0" g="0" b="0"/>
+          </a:lnRef>
+          <a:fillRef idx="0">
+            <a:scrgbClr r="0" g="0" b="0"/>
+          </a:fillRef>
+          <a:effectRef idx="0">
+            <a:scrgbClr r="0" g="0" b="0"/>
+          </a:effectRef>
+          <a:fontRef idx="minor"/>
+        </p:style>
+      </p:sp>
+      <p:sp>
+        <p:nvSpPr>
+          <p:cNvPr id="3" name="CustomShape 3">
+            <a:extLst>
+              <a:ext uri="{FF2B5EF4-FFF2-40B4-BE49-F238E27FC236}">
+                <a16:creationId xmlns:a16="http://schemas.microsoft.com/office/drawing/2014/main" id="{BF67ABDD-2B82-432C-98B1-B2BDCF8CD1E2}"/>
+              </a:ext>
+            </a:extLst>
+          </p:cNvPr>
+          <p:cNvSpPr/>
+          <p:nvPr/>
+        </p:nvSpPr>
+        <p:spPr>
+          <a:xfrm>
+            <a:off x="2129406" y="1399358"/>
+            <a:ext cx="951653" cy="419607"/>
+          </a:xfrm>
+          <a:prstGeom prst="rect">
+            <a:avLst/>
+          </a:prstGeom>
+          <a:ln>
+            <a:noFill/>
+          </a:ln>
+        </p:spPr>
+        <p:style>
+          <a:lnRef idx="2">
+            <a:schemeClr val="accent6">
+              <a:shade val="50000"/>
+            </a:schemeClr>
+          </a:lnRef>
+          <a:fillRef idx="1">
+            <a:schemeClr val="accent6"/>
+          </a:fillRef>
+          <a:effectRef idx="0">
+            <a:schemeClr val="accent6"/>
+          </a:effectRef>
+          <a:fontRef idx="minor"/>
+        </p:style>
+        <p:txBody>
+          <a:bodyPr lIns="90000" tIns="45000" rIns="90000" bIns="45000" anchor="ctr">
+            <a:noAutofit/>
+          </a:bodyPr>
+          <a:lstStyle/>
+          <a:p>
+            <a:pPr algn="ctr">
+              <a:lnSpc>
+                <a:spcPct val="100000"/>
+              </a:lnSpc>
+            </a:pPr>
+            <a:r>
+              <a:rPr lang="pt-BR" sz="1050" b="0" strike="noStrike" spc="-1" dirty="0">
+                <a:solidFill>
+                  <a:srgbClr val="000000"/>
+                </a:solidFill>
+                <a:latin typeface="Calibri"/>
+                <a:ea typeface="DejaVu Sans"/>
+              </a:rPr>
+              <a:t>Cliente</a:t>
+            </a:r>
+            <a:endParaRPr lang="pt-BR" sz="1050" b="0" strike="noStrike" spc="-1" dirty="0">
+              <a:latin typeface="Arial"/>
+            </a:endParaRPr>
+          </a:p>
+        </p:txBody>
+      </p:sp>
+      <p:sp>
+        <p:nvSpPr>
+          <p:cNvPr id="4" name="CustomShape 6">
+            <a:extLst>
+              <a:ext uri="{FF2B5EF4-FFF2-40B4-BE49-F238E27FC236}">
+                <a16:creationId xmlns:a16="http://schemas.microsoft.com/office/drawing/2014/main" id="{8BE70652-FE0A-4297-B063-D009E965709E}"/>
+              </a:ext>
+            </a:extLst>
+          </p:cNvPr>
+          <p:cNvSpPr/>
+          <p:nvPr/>
+        </p:nvSpPr>
+        <p:spPr>
+          <a:xfrm rot="11146790">
+            <a:off x="2082932" y="3733651"/>
+            <a:ext cx="89878" cy="918424"/>
+          </a:xfrm>
+          <a:custGeom>
+            <a:avLst/>
+            <a:gdLst/>
+            <a:ahLst/>
+            <a:cxnLst/>
+            <a:rect l="l" t="t" r="r" b="b"/>
+            <a:pathLst>
+              <a:path w="21600" h="21600">
+                <a:moveTo>
+                  <a:pt x="0" y="0"/>
+                </a:moveTo>
+                <a:lnTo>
+                  <a:pt x="21600" y="21600"/>
+                </a:lnTo>
+              </a:path>
+            </a:pathLst>
+          </a:custGeom>
+          <a:noFill/>
+          <a:ln>
+            <a:solidFill>
+              <a:srgbClr val="3F6EC2"/>
+            </a:solidFill>
+            <a:tailEnd type="triangle" w="med" len="med"/>
+          </a:ln>
+        </p:spPr>
+        <p:style>
+          <a:lnRef idx="1">
+            <a:schemeClr val="accent1"/>
+          </a:lnRef>
+          <a:fillRef idx="0">
+            <a:schemeClr val="accent1"/>
+          </a:fillRef>
+          <a:effectRef idx="0">
+            <a:schemeClr val="accent1"/>
+          </a:effectRef>
+          <a:fontRef idx="minor"/>
+        </p:style>
+      </p:sp>
+      <p:sp>
+        <p:nvSpPr>
+          <p:cNvPr id="5" name="CustomShape 2">
+            <a:extLst>
+              <a:ext uri="{FF2B5EF4-FFF2-40B4-BE49-F238E27FC236}">
+                <a16:creationId xmlns:a16="http://schemas.microsoft.com/office/drawing/2014/main" id="{FEE0AE9D-EA8A-4EF0-8615-1825C9DDCE16}"/>
+              </a:ext>
+            </a:extLst>
+          </p:cNvPr>
+          <p:cNvSpPr/>
+          <p:nvPr/>
+        </p:nvSpPr>
+        <p:spPr>
+          <a:xfrm>
+            <a:off x="1712166" y="4634836"/>
+            <a:ext cx="834480" cy="435600"/>
+          </a:xfrm>
+          <a:prstGeom prst="rect">
+            <a:avLst/>
+          </a:prstGeom>
+          <a:solidFill>
+            <a:srgbClr val="66FFFF"/>
+          </a:solidFill>
+          <a:ln>
+            <a:solidFill>
+              <a:srgbClr val="5597D3"/>
+            </a:solidFill>
+          </a:ln>
+          <a:effectLst>
+            <a:outerShdw blurRad="40000" dist="20160" dir="5400000" rotWithShape="0">
+              <a:srgbClr val="000000">
+                <a:alpha val="38000"/>
+              </a:srgbClr>
+            </a:outerShdw>
+          </a:effectLst>
+        </p:spPr>
+        <p:style>
+          <a:lnRef idx="1">
+            <a:schemeClr val="accent5"/>
+          </a:lnRef>
+          <a:fillRef idx="2">
+            <a:schemeClr val="accent5"/>
+          </a:fillRef>
+          <a:effectRef idx="1">
+            <a:schemeClr val="accent5"/>
+          </a:effectRef>
+          <a:fontRef idx="minor"/>
+        </p:style>
+        <p:txBody>
+          <a:bodyPr lIns="90000" tIns="45000" rIns="90000" bIns="45000" anchor="ctr">
+            <a:noAutofit/>
+          </a:bodyPr>
+          <a:lstStyle/>
+          <a:p>
+            <a:pPr algn="ctr">
+              <a:lnSpc>
+                <a:spcPct val="100000"/>
+              </a:lnSpc>
+            </a:pPr>
+            <a:r>
+              <a:rPr lang="pt-BR" sz="1200" b="0" strike="noStrike" spc="-1" dirty="0">
+                <a:solidFill>
+                  <a:srgbClr val="000000"/>
+                </a:solidFill>
+                <a:latin typeface="Calibri"/>
+                <a:ea typeface="DejaVu Sans"/>
+              </a:rPr>
+              <a:t>Cliente</a:t>
+            </a:r>
+            <a:endParaRPr lang="pt-BR" sz="1200" b="0" strike="noStrike" spc="-1" dirty="0">
+              <a:latin typeface="Arial"/>
+            </a:endParaRPr>
+          </a:p>
+        </p:txBody>
+      </p:sp>
+      <p:sp>
+        <p:nvSpPr>
+          <p:cNvPr id="7" name="CustomShape 3">
+            <a:extLst>
+              <a:ext uri="{FF2B5EF4-FFF2-40B4-BE49-F238E27FC236}">
+                <a16:creationId xmlns:a16="http://schemas.microsoft.com/office/drawing/2014/main" id="{4EBFE4F5-5C9B-4653-B902-3D64B1EF38BF}"/>
+              </a:ext>
+            </a:extLst>
+          </p:cNvPr>
+          <p:cNvSpPr/>
+          <p:nvPr/>
+        </p:nvSpPr>
+        <p:spPr>
+          <a:xfrm>
+            <a:off x="1092626" y="1401958"/>
+            <a:ext cx="851081" cy="419607"/>
+          </a:xfrm>
+          <a:prstGeom prst="rect">
+            <a:avLst/>
+          </a:prstGeom>
+          <a:ln>
+            <a:noFill/>
+          </a:ln>
+        </p:spPr>
+        <p:style>
+          <a:lnRef idx="2">
+            <a:schemeClr val="accent6">
+              <a:shade val="50000"/>
+            </a:schemeClr>
+          </a:lnRef>
+          <a:fillRef idx="1">
+            <a:schemeClr val="accent6"/>
+          </a:fillRef>
+          <a:effectRef idx="0">
+            <a:schemeClr val="accent6"/>
+          </a:effectRef>
+          <a:fontRef idx="minor"/>
+        </p:style>
+        <p:txBody>
+          <a:bodyPr lIns="90000" tIns="45000" rIns="90000" bIns="45000" anchor="ctr">
+            <a:noAutofit/>
+          </a:bodyPr>
+          <a:lstStyle/>
+          <a:p>
+            <a:pPr algn="ctr">
+              <a:lnSpc>
+                <a:spcPct val="100000"/>
+              </a:lnSpc>
+            </a:pPr>
+            <a:r>
+              <a:rPr lang="pt-BR" sz="1050" b="0" strike="noStrike" spc="-1" dirty="0">
+                <a:solidFill>
+                  <a:srgbClr val="000000"/>
+                </a:solidFill>
+                <a:latin typeface="Calibri"/>
+                <a:ea typeface="DejaVu Sans"/>
+              </a:rPr>
+              <a:t>Produto</a:t>
+            </a:r>
+            <a:endParaRPr lang="pt-BR" sz="1050" b="0" strike="noStrike" spc="-1" dirty="0">
+              <a:latin typeface="Arial"/>
+            </a:endParaRPr>
+          </a:p>
+        </p:txBody>
+      </p:sp>
+      <p:sp>
+        <p:nvSpPr>
+          <p:cNvPr id="8" name="CustomShape 3">
+            <a:extLst>
+              <a:ext uri="{FF2B5EF4-FFF2-40B4-BE49-F238E27FC236}">
+                <a16:creationId xmlns:a16="http://schemas.microsoft.com/office/drawing/2014/main" id="{C36EF246-F849-42B7-B4CA-01D8BB0E9B02}"/>
+              </a:ext>
+            </a:extLst>
+          </p:cNvPr>
+          <p:cNvSpPr/>
+          <p:nvPr/>
+        </p:nvSpPr>
+        <p:spPr>
+          <a:xfrm>
+            <a:off x="111944" y="1399358"/>
+            <a:ext cx="851081" cy="419607"/>
+          </a:xfrm>
+          <a:prstGeom prst="rect">
+            <a:avLst/>
+          </a:prstGeom>
+          <a:ln>
+            <a:noFill/>
+          </a:ln>
+        </p:spPr>
+        <p:style>
+          <a:lnRef idx="2">
+            <a:schemeClr val="accent6">
+              <a:shade val="50000"/>
+            </a:schemeClr>
+          </a:lnRef>
+          <a:fillRef idx="1">
+            <a:schemeClr val="accent6"/>
+          </a:fillRef>
+          <a:effectRef idx="0">
+            <a:schemeClr val="accent6"/>
+          </a:effectRef>
+          <a:fontRef idx="minor"/>
+        </p:style>
+        <p:txBody>
+          <a:bodyPr lIns="90000" tIns="45000" rIns="90000" bIns="45000" anchor="ctr">
+            <a:noAutofit/>
+          </a:bodyPr>
+          <a:lstStyle/>
+          <a:p>
+            <a:pPr algn="ctr">
+              <a:lnSpc>
+                <a:spcPct val="100000"/>
+              </a:lnSpc>
+            </a:pPr>
+            <a:r>
+              <a:rPr lang="pt-BR" sz="1050" b="0" strike="noStrike" spc="-1" dirty="0">
+                <a:solidFill>
+                  <a:srgbClr val="000000"/>
+                </a:solidFill>
+                <a:latin typeface="Calibri"/>
+                <a:ea typeface="DejaVu Sans"/>
+              </a:rPr>
+              <a:t>Pedido</a:t>
+            </a:r>
+            <a:endParaRPr lang="pt-BR" sz="1050" b="0" strike="noStrike" spc="-1" dirty="0">
+              <a:latin typeface="Arial"/>
+            </a:endParaRPr>
+          </a:p>
+        </p:txBody>
+      </p:sp>
+      <p:sp>
+        <p:nvSpPr>
+          <p:cNvPr id="9" name="CustomShape 3">
+            <a:extLst>
+              <a:ext uri="{FF2B5EF4-FFF2-40B4-BE49-F238E27FC236}">
+                <a16:creationId xmlns:a16="http://schemas.microsoft.com/office/drawing/2014/main" id="{9F96001A-2071-4FDF-B53F-7C35687D6FDE}"/>
+              </a:ext>
+            </a:extLst>
+          </p:cNvPr>
+          <p:cNvSpPr/>
+          <p:nvPr/>
+        </p:nvSpPr>
+        <p:spPr>
+          <a:xfrm>
+            <a:off x="3370299" y="1399358"/>
+            <a:ext cx="851081" cy="419607"/>
+          </a:xfrm>
+          <a:prstGeom prst="rect">
+            <a:avLst/>
+          </a:prstGeom>
+          <a:ln>
+            <a:noFill/>
+          </a:ln>
+        </p:spPr>
+        <p:style>
+          <a:lnRef idx="2">
+            <a:schemeClr val="accent6">
+              <a:shade val="50000"/>
+            </a:schemeClr>
+          </a:lnRef>
+          <a:fillRef idx="1">
+            <a:schemeClr val="accent6"/>
+          </a:fillRef>
+          <a:effectRef idx="0">
+            <a:schemeClr val="accent6"/>
+          </a:effectRef>
+          <a:fontRef idx="minor"/>
+        </p:style>
+        <p:txBody>
+          <a:bodyPr lIns="90000" tIns="45000" rIns="90000" bIns="45000" anchor="ctr">
+            <a:noAutofit/>
+          </a:bodyPr>
+          <a:lstStyle/>
+          <a:p>
+            <a:pPr algn="ctr">
+              <a:lnSpc>
+                <a:spcPct val="100000"/>
+              </a:lnSpc>
+            </a:pPr>
+            <a:r>
+              <a:rPr lang="pt-BR" sz="1050" b="0" strike="noStrike" spc="-1" dirty="0">
+                <a:solidFill>
+                  <a:srgbClr val="000000"/>
+                </a:solidFill>
+                <a:latin typeface="Calibri"/>
+                <a:ea typeface="DejaVu Sans"/>
+              </a:rPr>
+              <a:t>Lançamento</a:t>
+            </a:r>
+            <a:endParaRPr lang="pt-BR" sz="1050" b="0" strike="noStrike" spc="-1" dirty="0">
+              <a:latin typeface="Arial"/>
+            </a:endParaRPr>
+          </a:p>
+        </p:txBody>
+      </p:sp>
+      <p:cxnSp>
+        <p:nvCxnSpPr>
+          <p:cNvPr id="11" name="Conector: Angulado 10">
+            <a:extLst>
+              <a:ext uri="{FF2B5EF4-FFF2-40B4-BE49-F238E27FC236}">
+                <a16:creationId xmlns:a16="http://schemas.microsoft.com/office/drawing/2014/main" id="{E9161654-76DA-458F-949B-ED0A7B7C01EF}"/>
+              </a:ext>
+            </a:extLst>
+          </p:cNvPr>
+          <p:cNvCxnSpPr>
+            <a:cxnSpLocks/>
+            <a:stCxn id="38" idx="2"/>
+            <a:endCxn id="5" idx="1"/>
+          </p:cNvCxnSpPr>
+          <p:nvPr/>
+        </p:nvCxnSpPr>
+        <p:spPr>
+          <a:xfrm rot="10800000" flipH="1" flipV="1">
+            <a:off x="1404360" y="3039178"/>
+            <a:ext cx="307806" cy="1813457"/>
+          </a:xfrm>
+          <a:prstGeom prst="bentConnector3">
+            <a:avLst>
+              <a:gd name="adj1" fmla="val -74268"/>
+            </a:avLst>
+          </a:prstGeom>
+          <a:ln>
+            <a:tailEnd type="triangle"/>
+          </a:ln>
+        </p:spPr>
+        <p:style>
+          <a:lnRef idx="1">
+            <a:schemeClr val="accent1"/>
+          </a:lnRef>
+          <a:fillRef idx="0">
+            <a:schemeClr val="accent1"/>
+          </a:fillRef>
+          <a:effectRef idx="0">
+            <a:schemeClr val="accent1"/>
+          </a:effectRef>
+          <a:fontRef idx="minor">
+            <a:schemeClr val="tx1"/>
+          </a:fontRef>
+        </p:style>
+      </p:cxnSp>
+      <p:sp>
+        <p:nvSpPr>
+          <p:cNvPr id="15" name="CustomShape 8">
+            <a:extLst>
+              <a:ext uri="{FF2B5EF4-FFF2-40B4-BE49-F238E27FC236}">
+                <a16:creationId xmlns:a16="http://schemas.microsoft.com/office/drawing/2014/main" id="{C526D635-D3BA-419B-A251-3D7048373B8E}"/>
+              </a:ext>
+            </a:extLst>
+          </p:cNvPr>
+          <p:cNvSpPr/>
+          <p:nvPr/>
+        </p:nvSpPr>
+        <p:spPr>
+          <a:xfrm>
+            <a:off x="173057" y="3716530"/>
+            <a:ext cx="1473120" cy="229378"/>
+          </a:xfrm>
+          <a:prstGeom prst="rect">
+            <a:avLst/>
+          </a:prstGeom>
+          <a:noFill/>
+          <a:ln w="0">
+            <a:noFill/>
+          </a:ln>
+        </p:spPr>
+        <p:style>
+          <a:lnRef idx="0">
+            <a:scrgbClr r="0" g="0" b="0"/>
+          </a:lnRef>
+          <a:fillRef idx="0">
+            <a:scrgbClr r="0" g="0" b="0"/>
+          </a:fillRef>
+          <a:effectRef idx="0">
+            <a:scrgbClr r="0" g="0" b="0"/>
+          </a:effectRef>
+          <a:fontRef idx="minor"/>
+        </p:style>
+        <p:txBody>
+          <a:bodyPr lIns="90000" tIns="45000" rIns="90000" bIns="45000">
+            <a:spAutoFit/>
+          </a:bodyPr>
+          <a:lstStyle/>
+          <a:p>
+            <a:pPr>
+              <a:lnSpc>
+                <a:spcPct val="100000"/>
+              </a:lnSpc>
+            </a:pPr>
+            <a:r>
+              <a:rPr lang="pt-BR" sz="900" spc="-1" dirty="0">
+                <a:solidFill>
+                  <a:srgbClr val="000000"/>
+                </a:solidFill>
+                <a:latin typeface="Calibri"/>
+                <a:ea typeface="DejaVu Sans"/>
+              </a:rPr>
+              <a:t>produto + (troco) + NF</a:t>
+            </a:r>
+            <a:endParaRPr lang="pt-BR" sz="900" b="0" strike="noStrike" spc="-1" dirty="0">
+              <a:latin typeface="Arial"/>
+            </a:endParaRPr>
+          </a:p>
+        </p:txBody>
+      </p:sp>
+      <p:cxnSp>
+        <p:nvCxnSpPr>
+          <p:cNvPr id="14" name="Conector de Seta Reta 13">
+            <a:extLst>
+              <a:ext uri="{FF2B5EF4-FFF2-40B4-BE49-F238E27FC236}">
+                <a16:creationId xmlns:a16="http://schemas.microsoft.com/office/drawing/2014/main" id="{7ECCA109-6787-4774-99D0-0BA05C2047F6}"/>
+              </a:ext>
+            </a:extLst>
+          </p:cNvPr>
+          <p:cNvCxnSpPr>
+            <a:cxnSpLocks/>
+          </p:cNvCxnSpPr>
+          <p:nvPr/>
+        </p:nvCxnSpPr>
+        <p:spPr>
+          <a:xfrm>
+            <a:off x="470517" y="1826707"/>
+            <a:ext cx="1057389" cy="837952"/>
+          </a:xfrm>
+          <a:prstGeom prst="straightConnector1">
+            <a:avLst/>
+          </a:prstGeom>
+          <a:ln>
+            <a:headEnd type="triangle"/>
+            <a:tailEnd type="triangle"/>
+          </a:ln>
+        </p:spPr>
+        <p:style>
+          <a:lnRef idx="1">
+            <a:schemeClr val="accent1"/>
+          </a:lnRef>
+          <a:fillRef idx="0">
+            <a:schemeClr val="accent1"/>
+          </a:fillRef>
+          <a:effectRef idx="0">
+            <a:schemeClr val="accent1"/>
+          </a:effectRef>
+          <a:fontRef idx="minor">
+            <a:schemeClr val="tx1"/>
+          </a:fontRef>
+        </p:style>
+      </p:cxnSp>
+      <p:cxnSp>
+        <p:nvCxnSpPr>
+          <p:cNvPr id="25" name="Conector de Seta Reta 24">
+            <a:extLst>
+              <a:ext uri="{FF2B5EF4-FFF2-40B4-BE49-F238E27FC236}">
+                <a16:creationId xmlns:a16="http://schemas.microsoft.com/office/drawing/2014/main" id="{0A376578-EFAC-4767-BFBD-23BC9DE406F9}"/>
+              </a:ext>
+            </a:extLst>
+          </p:cNvPr>
+          <p:cNvCxnSpPr>
+            <a:cxnSpLocks/>
+          </p:cNvCxnSpPr>
+          <p:nvPr/>
+        </p:nvCxnSpPr>
+        <p:spPr>
+          <a:xfrm flipH="1">
+            <a:off x="2338914" y="1810524"/>
+            <a:ext cx="216049" cy="536375"/>
+          </a:xfrm>
+          <a:prstGeom prst="straightConnector1">
+            <a:avLst/>
+          </a:prstGeom>
+          <a:ln>
+            <a:headEnd type="triangle"/>
+            <a:tailEnd type="triangle"/>
+          </a:ln>
+        </p:spPr>
+        <p:style>
+          <a:lnRef idx="1">
+            <a:schemeClr val="accent1"/>
+          </a:lnRef>
+          <a:fillRef idx="0">
+            <a:schemeClr val="accent1"/>
+          </a:fillRef>
+          <a:effectRef idx="0">
+            <a:schemeClr val="accent1"/>
+          </a:effectRef>
+          <a:fontRef idx="minor">
+            <a:schemeClr val="tx1"/>
+          </a:fontRef>
+        </p:style>
+      </p:cxnSp>
+      <p:cxnSp>
+        <p:nvCxnSpPr>
+          <p:cNvPr id="27" name="Conector de Seta Reta 26">
+            <a:extLst>
+              <a:ext uri="{FF2B5EF4-FFF2-40B4-BE49-F238E27FC236}">
+                <a16:creationId xmlns:a16="http://schemas.microsoft.com/office/drawing/2014/main" id="{06B13028-4C46-467E-B491-9519ACBA77E5}"/>
+              </a:ext>
+            </a:extLst>
+          </p:cNvPr>
+          <p:cNvCxnSpPr>
+            <a:cxnSpLocks/>
+            <a:stCxn id="9" idx="2"/>
+            <a:endCxn id="38" idx="7"/>
+          </p:cNvCxnSpPr>
+          <p:nvPr/>
+        </p:nvCxnSpPr>
+        <p:spPr>
+          <a:xfrm flipH="1">
+            <a:off x="2661747" y="1818965"/>
+            <a:ext cx="1134093" cy="730698"/>
+          </a:xfrm>
+          <a:prstGeom prst="straightConnector1">
+            <a:avLst/>
+          </a:prstGeom>
+          <a:ln>
+            <a:headEnd type="triangle"/>
+            <a:tailEnd type="triangle"/>
+          </a:ln>
+        </p:spPr>
+        <p:style>
+          <a:lnRef idx="1">
+            <a:schemeClr val="accent1"/>
+          </a:lnRef>
+          <a:fillRef idx="0">
+            <a:schemeClr val="accent1"/>
+          </a:fillRef>
+          <a:effectRef idx="0">
+            <a:schemeClr val="accent1"/>
+          </a:effectRef>
+          <a:fontRef idx="minor">
+            <a:schemeClr val="tx1"/>
+          </a:fontRef>
+        </p:style>
+      </p:cxnSp>
+      <p:cxnSp>
+        <p:nvCxnSpPr>
+          <p:cNvPr id="30" name="Conector de Seta Reta 29">
+            <a:extLst>
+              <a:ext uri="{FF2B5EF4-FFF2-40B4-BE49-F238E27FC236}">
+                <a16:creationId xmlns:a16="http://schemas.microsoft.com/office/drawing/2014/main" id="{C22CA2ED-3E50-475B-8169-125C738F900E}"/>
+              </a:ext>
+            </a:extLst>
+          </p:cNvPr>
+          <p:cNvCxnSpPr>
+            <a:cxnSpLocks/>
+          </p:cNvCxnSpPr>
+          <p:nvPr/>
+        </p:nvCxnSpPr>
+        <p:spPr>
+          <a:xfrm>
+            <a:off x="1494661" y="1810524"/>
+            <a:ext cx="342261" cy="576410"/>
+          </a:xfrm>
+          <a:prstGeom prst="straightConnector1">
+            <a:avLst/>
+          </a:prstGeom>
+          <a:ln>
+            <a:headEnd type="triangle"/>
+            <a:tailEnd type="triangle"/>
+          </a:ln>
+        </p:spPr>
+        <p:style>
+          <a:lnRef idx="1">
+            <a:schemeClr val="accent1"/>
+          </a:lnRef>
+          <a:fillRef idx="0">
+            <a:schemeClr val="accent1"/>
+          </a:fillRef>
+          <a:effectRef idx="0">
+            <a:schemeClr val="accent1"/>
+          </a:effectRef>
+          <a:fontRef idx="minor">
+            <a:schemeClr val="tx1"/>
+          </a:fontRef>
+        </p:style>
+      </p:cxnSp>
+      <p:sp>
+        <p:nvSpPr>
+          <p:cNvPr id="24" name="CustomShape 8">
+            <a:extLst>
+              <a:ext uri="{FF2B5EF4-FFF2-40B4-BE49-F238E27FC236}">
+                <a16:creationId xmlns:a16="http://schemas.microsoft.com/office/drawing/2014/main" id="{030485D8-81A6-4DC8-B7FD-C8FF2F406D57}"/>
+              </a:ext>
+            </a:extLst>
+          </p:cNvPr>
+          <p:cNvSpPr/>
+          <p:nvPr/>
+        </p:nvSpPr>
+        <p:spPr>
+          <a:xfrm>
+            <a:off x="1502574" y="4030939"/>
+            <a:ext cx="1363391" cy="229378"/>
+          </a:xfrm>
+          <a:prstGeom prst="rect">
+            <a:avLst/>
+          </a:prstGeom>
+          <a:noFill/>
+          <a:ln w="0">
+            <a:noFill/>
+          </a:ln>
+        </p:spPr>
+        <p:style>
+          <a:lnRef idx="0">
+            <a:scrgbClr r="0" g="0" b="0"/>
+          </a:lnRef>
+          <a:fillRef idx="0">
+            <a:scrgbClr r="0" g="0" b="0"/>
+          </a:fillRef>
+          <a:effectRef idx="0">
+            <a:scrgbClr r="0" g="0" b="0"/>
+          </a:effectRef>
+          <a:fontRef idx="minor"/>
+        </p:style>
+        <p:txBody>
+          <a:bodyPr wrap="square" lIns="90000" tIns="45000" rIns="90000" bIns="45000">
+            <a:spAutoFit/>
+          </a:bodyPr>
+          <a:lstStyle/>
+          <a:p>
+            <a:pPr>
+              <a:lnSpc>
+                <a:spcPct val="100000"/>
+              </a:lnSpc>
+            </a:pPr>
+            <a:r>
+              <a:rPr lang="pt-BR" sz="900" spc="-1" dirty="0">
+                <a:solidFill>
+                  <a:srgbClr val="000000"/>
+                </a:solidFill>
+                <a:latin typeface="Calibri"/>
+                <a:ea typeface="DejaVu Sans"/>
+              </a:rPr>
+              <a:t>pagamento em dinheiro</a:t>
+            </a:r>
+            <a:endParaRPr lang="pt-BR" sz="900" b="0" strike="noStrike" spc="-1" dirty="0">
+              <a:latin typeface="Arial"/>
+            </a:endParaRPr>
+          </a:p>
+        </p:txBody>
+      </p:sp>
+      <p:sp>
+        <p:nvSpPr>
+          <p:cNvPr id="33" name="CustomShape 6">
+            <a:extLst>
+              <a:ext uri="{FF2B5EF4-FFF2-40B4-BE49-F238E27FC236}">
+                <a16:creationId xmlns:a16="http://schemas.microsoft.com/office/drawing/2014/main" id="{C917C26C-7E8F-4EB8-8C76-B6F6B79063E1}"/>
+              </a:ext>
+            </a:extLst>
+          </p:cNvPr>
+          <p:cNvSpPr/>
+          <p:nvPr/>
+        </p:nvSpPr>
+        <p:spPr>
+          <a:xfrm>
+            <a:off x="4463100" y="861963"/>
+            <a:ext cx="5093650" cy="1014209"/>
+          </a:xfrm>
+          <a:prstGeom prst="rect">
+            <a:avLst/>
+          </a:prstGeom>
+          <a:noFill/>
+          <a:ln w="0">
+            <a:noFill/>
+          </a:ln>
+        </p:spPr>
+        <p:style>
+          <a:lnRef idx="0">
+            <a:scrgbClr r="0" g="0" b="0"/>
+          </a:lnRef>
+          <a:fillRef idx="0">
+            <a:scrgbClr r="0" g="0" b="0"/>
+          </a:fillRef>
+          <a:effectRef idx="0">
+            <a:scrgbClr r="0" g="0" b="0"/>
+          </a:effectRef>
+          <a:fontRef idx="minor"/>
+        </p:style>
+        <p:txBody>
+          <a:bodyPr wrap="square" lIns="90000" tIns="45000" rIns="90000" bIns="45000">
+            <a:spAutoFit/>
+          </a:bodyPr>
+          <a:lstStyle/>
+          <a:p>
+            <a:pPr>
+              <a:lnSpc>
+                <a:spcPct val="100000"/>
+              </a:lnSpc>
+            </a:pPr>
+            <a:r>
+              <a:rPr lang="pt-BR" sz="2000" b="0" strike="noStrike" spc="-1" dirty="0">
+                <a:solidFill>
+                  <a:srgbClr val="000000"/>
+                </a:solidFill>
+                <a:latin typeface="Calibri"/>
+                <a:ea typeface="DejaVu Sans"/>
+              </a:rPr>
+              <a:t>Descrição dos Processos de Negócio </a:t>
+            </a:r>
+          </a:p>
+          <a:p>
+            <a:pPr>
+              <a:lnSpc>
+                <a:spcPct val="100000"/>
+              </a:lnSpc>
+            </a:pPr>
+            <a:endParaRPr lang="pt-BR" sz="2000" b="0" strike="noStrike" spc="-1" dirty="0">
+              <a:solidFill>
+                <a:srgbClr val="000000"/>
+              </a:solidFill>
+              <a:latin typeface="Calibri"/>
+              <a:ea typeface="DejaVu Sans"/>
+            </a:endParaRPr>
+          </a:p>
+          <a:p>
+            <a:pPr>
+              <a:lnSpc>
+                <a:spcPct val="100000"/>
+              </a:lnSpc>
+            </a:pPr>
+            <a:r>
+              <a:rPr lang="pt-BR" sz="2000" spc="-1" dirty="0">
+                <a:solidFill>
+                  <a:srgbClr val="000000"/>
+                </a:solidFill>
+                <a:latin typeface="Calibri"/>
+              </a:rPr>
+              <a:t>Cenário 2: Efetuar troca do produto</a:t>
+            </a:r>
+            <a:endParaRPr lang="pt-BR" sz="2000" b="0" strike="noStrike" spc="-1" dirty="0">
+              <a:latin typeface="Arial"/>
+            </a:endParaRPr>
+          </a:p>
+        </p:txBody>
+      </p:sp>
+    </p:spTree>
+    <p:extLst>
+      <p:ext uri="{BB962C8B-B14F-4D97-AF65-F5344CB8AC3E}">
+        <p14:creationId xmlns:p14="http://schemas.microsoft.com/office/powerpoint/2010/main" val="2534542687"/>
+      </p:ext>
+    </p:extLst>
+  </p:cSld>
+  <p:clrMapOvr>
+    <a:masterClrMapping/>
+  </p:clrMapOvr>
+</p:sld>
+</file>
+
+<file path=ppt/slides/slide9.xml><?xml version="1.0" encoding="utf-8"?>
+<p:sld xmlns:a="http://schemas.openxmlformats.org/drawingml/2006/main" xmlns:r="http://schemas.openxmlformats.org/officeDocument/2006/relationships" xmlns:p="http://schemas.openxmlformats.org/presentationml/2006/main">
+  <p:cSld>
+    <p:spTree>
+      <p:nvGrpSpPr>
+        <p:cNvPr id="1" name=""/>
+        <p:cNvGrpSpPr/>
+        <p:nvPr/>
+      </p:nvGrpSpPr>
+      <p:grpSpPr>
+        <a:xfrm>
+          <a:off x="0" y="0"/>
+          <a:ext cx="0" cy="0"/>
+          <a:chOff x="0" y="0"/>
+          <a:chExt cx="0" cy="0"/>
+        </a:xfrm>
+      </p:grpSpPr>
+      <p:sp>
+        <p:nvSpPr>
+          <p:cNvPr id="38" name="CustomShape 1"/>
+          <p:cNvSpPr/>
+          <p:nvPr/>
+        </p:nvSpPr>
+        <p:spPr>
+          <a:xfrm>
+            <a:off x="360255" y="2211125"/>
+            <a:ext cx="1532045" cy="1384560"/>
+          </a:xfrm>
+          <a:prstGeom prst="ellipse">
+            <a:avLst/>
+          </a:prstGeom>
+          <a:ln/>
+        </p:spPr>
+        <p:style>
+          <a:lnRef idx="2">
+            <a:schemeClr val="accent2">
+              <a:shade val="50000"/>
+            </a:schemeClr>
+          </a:lnRef>
+          <a:fillRef idx="1">
+            <a:schemeClr val="accent2"/>
+          </a:fillRef>
+          <a:effectRef idx="0">
+            <a:schemeClr val="accent2"/>
+          </a:effectRef>
+          <a:fontRef idx="minor"/>
+        </p:style>
+        <p:txBody>
+          <a:bodyPr lIns="90000" tIns="45000" rIns="90000" bIns="45000" anchor="ctr">
+            <a:noAutofit/>
+          </a:bodyPr>
+          <a:lstStyle/>
+          <a:p>
+            <a:pPr algn="ctr">
+              <a:lnSpc>
+                <a:spcPct val="100000"/>
+              </a:lnSpc>
+            </a:pPr>
+            <a:r>
+              <a:rPr lang="pt-BR" sz="1200" b="0" strike="noStrike" spc="-1" dirty="0">
+                <a:solidFill>
+                  <a:srgbClr val="000000"/>
+                </a:solidFill>
+                <a:latin typeface="Calibri"/>
+                <a:ea typeface="DejaVu Sans"/>
+              </a:rPr>
+              <a:t>Receber diferença de valor em cartão de crédito/débito</a:t>
+            </a:r>
+            <a:endParaRPr lang="pt-BR" sz="1200" b="0" strike="noStrike" spc="-1" dirty="0">
+              <a:latin typeface="Arial"/>
+            </a:endParaRPr>
+          </a:p>
+        </p:txBody>
+      </p:sp>
+      <p:sp>
+        <p:nvSpPr>
+          <p:cNvPr id="47" name="CustomShape 10"/>
+          <p:cNvSpPr/>
+          <p:nvPr/>
+        </p:nvSpPr>
+        <p:spPr>
+          <a:xfrm>
+            <a:off x="4737600" y="3976200"/>
+            <a:ext cx="3719880" cy="1752872"/>
+          </a:xfrm>
+          <a:prstGeom prst="rect">
+            <a:avLst/>
+          </a:prstGeom>
+          <a:solidFill>
+            <a:schemeClr val="bg2"/>
+          </a:solidFill>
+          <a:ln w="0">
+            <a:noFill/>
+          </a:ln>
+        </p:spPr>
+        <p:style>
+          <a:lnRef idx="0">
+            <a:scrgbClr r="0" g="0" b="0"/>
+          </a:lnRef>
+          <a:fillRef idx="0">
+            <a:scrgbClr r="0" g="0" b="0"/>
+          </a:fillRef>
+          <a:effectRef idx="0">
+            <a:scrgbClr r="0" g="0" b="0"/>
+          </a:effectRef>
+          <a:fontRef idx="minor"/>
+        </p:style>
+        <p:txBody>
+          <a:bodyPr lIns="90000" tIns="45000" rIns="90000" bIns="45000">
+            <a:spAutoFit/>
+          </a:bodyPr>
+          <a:lstStyle/>
+          <a:p>
+            <a:pPr>
+              <a:lnSpc>
+                <a:spcPct val="100000"/>
+              </a:lnSpc>
+            </a:pPr>
+            <a:r>
+              <a:rPr lang="pt-BR" sz="900" b="1" strike="noStrike" spc="-1" dirty="0">
+                <a:solidFill>
+                  <a:srgbClr val="000000"/>
+                </a:solidFill>
+                <a:latin typeface="Calibri"/>
+                <a:ea typeface="DejaVu Sans"/>
+              </a:rPr>
+              <a:t>Efetuar </a:t>
+            </a:r>
+            <a:r>
+              <a:rPr lang="pt-BR" sz="900" b="1" spc="-1" dirty="0">
+                <a:solidFill>
+                  <a:srgbClr val="000000"/>
+                </a:solidFill>
+                <a:latin typeface="Calibri"/>
+                <a:ea typeface="DejaVu Sans"/>
+              </a:rPr>
+              <a:t>troca </a:t>
+            </a:r>
+            <a:r>
+              <a:rPr lang="pt-BR" sz="900" b="1" strike="noStrike" spc="-1" dirty="0">
+                <a:solidFill>
+                  <a:srgbClr val="000000"/>
+                </a:solidFill>
+                <a:latin typeface="Calibri"/>
+                <a:ea typeface="DejaVu Sans"/>
+              </a:rPr>
+              <a:t>do produto.</a:t>
+            </a:r>
+            <a:endParaRPr lang="pt-BR" sz="900" b="0" strike="noStrike" spc="-1" dirty="0">
+              <a:latin typeface="Arial"/>
+            </a:endParaRPr>
+          </a:p>
+          <a:p>
+            <a:pPr>
+              <a:lnSpc>
+                <a:spcPct val="100000"/>
+              </a:lnSpc>
+            </a:pPr>
+            <a:r>
+              <a:rPr lang="pt-BR" sz="900" b="1" strike="noStrike" spc="-1" dirty="0">
+                <a:solidFill>
+                  <a:srgbClr val="000000"/>
+                </a:solidFill>
+                <a:latin typeface="Calibri"/>
+                <a:ea typeface="DejaVu Sans"/>
+              </a:rPr>
+              <a:t>Evento:</a:t>
+            </a:r>
+            <a:r>
+              <a:rPr lang="pt-BR" sz="900" b="0" strike="noStrike" spc="-1" dirty="0">
+                <a:solidFill>
+                  <a:srgbClr val="000000"/>
+                </a:solidFill>
+                <a:latin typeface="Calibri"/>
+                <a:ea typeface="DejaVu Sans"/>
+              </a:rPr>
+              <a:t> Cliente deseja realizar a troca do produto mais caro do que o inicialmente comprado.</a:t>
+            </a:r>
+            <a:endParaRPr lang="pt-BR" sz="900" b="0" strike="noStrike" spc="-1" dirty="0">
+              <a:latin typeface="Arial"/>
+            </a:endParaRPr>
+          </a:p>
+          <a:p>
+            <a:pPr>
+              <a:lnSpc>
+                <a:spcPct val="100000"/>
+              </a:lnSpc>
+            </a:pPr>
+            <a:r>
+              <a:rPr lang="pt-BR" sz="900" b="1" strike="noStrike" spc="-1" dirty="0">
+                <a:solidFill>
+                  <a:srgbClr val="000000"/>
+                </a:solidFill>
+                <a:latin typeface="Calibri"/>
+                <a:ea typeface="DejaVu Sans"/>
+              </a:rPr>
+              <a:t>Objetivo: </a:t>
+            </a:r>
+            <a:r>
+              <a:rPr lang="pt-BR" sz="900" b="0" strike="noStrike" spc="-1" dirty="0">
+                <a:solidFill>
+                  <a:srgbClr val="000000"/>
+                </a:solidFill>
+                <a:latin typeface="Calibri"/>
+                <a:ea typeface="DejaVu Sans"/>
+              </a:rPr>
+              <a:t>Receber a diferença do novo produto escolhido pelo cliente através de cartão de crédito/</a:t>
+            </a:r>
+            <a:r>
+              <a:rPr lang="pt-BR" sz="900" spc="-1" dirty="0">
+                <a:solidFill>
+                  <a:srgbClr val="000000"/>
+                </a:solidFill>
+                <a:latin typeface="Calibri"/>
+                <a:ea typeface="DejaVu Sans"/>
+              </a:rPr>
+              <a:t>débito </a:t>
+            </a:r>
+            <a:r>
+              <a:rPr lang="pt-BR" sz="900" b="0" strike="noStrike" spc="-1" dirty="0">
+                <a:solidFill>
+                  <a:srgbClr val="000000"/>
+                </a:solidFill>
+                <a:latin typeface="Calibri"/>
+                <a:ea typeface="DejaVu Sans"/>
+              </a:rPr>
+              <a:t>.</a:t>
+            </a:r>
+            <a:endParaRPr lang="pt-BR" sz="900" b="0" strike="noStrike" spc="-1" dirty="0">
+              <a:latin typeface="Arial"/>
+            </a:endParaRPr>
+          </a:p>
+          <a:p>
+            <a:pPr>
+              <a:lnSpc>
+                <a:spcPct val="100000"/>
+              </a:lnSpc>
+            </a:pPr>
+            <a:r>
+              <a:rPr lang="pt-BR" sz="900" b="1" strike="noStrike" spc="-1" dirty="0">
+                <a:solidFill>
+                  <a:srgbClr val="000000"/>
+                </a:solidFill>
+                <a:latin typeface="Calibri"/>
+                <a:ea typeface="DejaVu Sans"/>
+              </a:rPr>
+              <a:t>Trabalhadores envolvidos:</a:t>
+            </a:r>
+            <a:endParaRPr lang="pt-BR" sz="900" b="0" strike="noStrike" spc="-1" dirty="0">
+              <a:latin typeface="Arial"/>
+            </a:endParaRPr>
+          </a:p>
+          <a:p>
+            <a:pPr marL="171360" indent="-170640">
+              <a:lnSpc>
+                <a:spcPct val="100000"/>
+              </a:lnSpc>
+              <a:buClr>
+                <a:srgbClr val="000000"/>
+              </a:buClr>
+              <a:buFont typeface="Wingdings" charset="2"/>
+              <a:buChar char=""/>
+            </a:pPr>
+            <a:r>
+              <a:rPr lang="pt-BR" sz="900" b="0" strike="noStrike" spc="-1" dirty="0">
+                <a:solidFill>
+                  <a:srgbClr val="000000"/>
+                </a:solidFill>
+                <a:latin typeface="Calibri"/>
+                <a:ea typeface="DejaVu Sans"/>
+              </a:rPr>
+              <a:t>Vendedor.</a:t>
+            </a:r>
+            <a:endParaRPr lang="pt-BR" sz="900" b="0" strike="noStrike" spc="-1" dirty="0">
+              <a:latin typeface="Arial"/>
+            </a:endParaRPr>
+          </a:p>
+          <a:p>
+            <a:pPr marL="432000" lvl="1" indent="-215640">
+              <a:lnSpc>
+                <a:spcPct val="100000"/>
+              </a:lnSpc>
+              <a:buClr>
+                <a:srgbClr val="000000"/>
+              </a:buClr>
+              <a:buSzPct val="45000"/>
+              <a:buFont typeface="Wingdings" charset="2"/>
+              <a:buChar char=""/>
+            </a:pPr>
+            <a:r>
+              <a:rPr lang="pt-BR" sz="900" spc="-1" dirty="0">
+                <a:solidFill>
+                  <a:srgbClr val="000000"/>
+                </a:solidFill>
+                <a:latin typeface="Calibri"/>
+                <a:ea typeface="DejaVu Sans"/>
+              </a:rPr>
+              <a:t>Verifica os detalhes do cliente.</a:t>
+            </a:r>
+          </a:p>
+          <a:p>
+            <a:pPr marL="889200" lvl="2" indent="-215640">
+              <a:buClr>
+                <a:srgbClr val="000000"/>
+              </a:buClr>
+              <a:buSzPct val="45000"/>
+              <a:buFont typeface="Wingdings" charset="2"/>
+              <a:buChar char=""/>
+            </a:pPr>
+            <a:r>
+              <a:rPr lang="pt-BR" sz="900" b="0" strike="noStrike" spc="-1" dirty="0">
+                <a:solidFill>
+                  <a:srgbClr val="000000"/>
+                </a:solidFill>
+                <a:latin typeface="Calibri"/>
+                <a:ea typeface="DejaVu Sans"/>
+              </a:rPr>
+              <a:t>Se o cliente não possui cadastro, o vendedor irá cadastrar o cliente no deposito de dados “cliente”.</a:t>
+            </a:r>
+            <a:endParaRPr lang="pt-BR" sz="900" spc="-1" dirty="0">
+              <a:solidFill>
+                <a:srgbClr val="000000"/>
+              </a:solidFill>
+              <a:latin typeface="Arial"/>
+              <a:ea typeface="DejaVu Sans"/>
+            </a:endParaRPr>
+          </a:p>
+          <a:p>
+            <a:pPr marL="432000" lvl="1" indent="-215640">
+              <a:lnSpc>
+                <a:spcPct val="100000"/>
+              </a:lnSpc>
+              <a:buClr>
+                <a:srgbClr val="000000"/>
+              </a:buClr>
+              <a:buSzPct val="45000"/>
+              <a:buFont typeface="Wingdings" charset="2"/>
+              <a:buChar char=""/>
+            </a:pPr>
+            <a:r>
+              <a:rPr lang="pt-BR" sz="900" b="0" strike="noStrike" spc="-1" dirty="0">
+                <a:solidFill>
+                  <a:srgbClr val="000000"/>
+                </a:solidFill>
+                <a:latin typeface="Calibri"/>
+                <a:ea typeface="DejaVu Sans"/>
+              </a:rPr>
+              <a:t>Solicita aprovação de debito/crédito a entidade externa provedor do cartão.</a:t>
+            </a:r>
+            <a:endParaRPr lang="pt-BR" sz="900" b="0" strike="noStrike" spc="-1" dirty="0">
+              <a:latin typeface="Arial"/>
+            </a:endParaRPr>
+          </a:p>
+        </p:txBody>
+      </p:sp>
+      <p:sp>
+        <p:nvSpPr>
+          <p:cNvPr id="48" name="CustomShape 11"/>
+          <p:cNvSpPr/>
+          <p:nvPr/>
+        </p:nvSpPr>
+        <p:spPr>
+          <a:xfrm>
+            <a:off x="1819518" y="2598426"/>
+            <a:ext cx="5495682" cy="1377053"/>
+          </a:xfrm>
+          <a:prstGeom prst="curvedConnector2">
+            <a:avLst/>
+          </a:prstGeom>
+          <a:noFill/>
+          <a:ln>
+            <a:tailEnd type="triangle" w="med" len="med"/>
+          </a:ln>
+          <a:effectLst>
+            <a:outerShdw blurRad="40000" dist="23040" dir="5400000" rotWithShape="0">
+              <a:srgbClr val="000000">
+                <a:alpha val="35000"/>
+              </a:srgbClr>
+            </a:outerShdw>
+          </a:effectLst>
+        </p:spPr>
+        <p:style>
+          <a:lnRef idx="3">
+            <a:schemeClr val="accent1"/>
+          </a:lnRef>
+          <a:fillRef idx="0">
+            <a:schemeClr val="accent1"/>
+          </a:fillRef>
+          <a:effectRef idx="2">
+            <a:schemeClr val="accent1"/>
+          </a:effectRef>
+          <a:fontRef idx="minor"/>
+        </p:style>
+      </p:sp>
+      <p:sp>
+        <p:nvSpPr>
+          <p:cNvPr id="49" name="CustomShape 12"/>
+          <p:cNvSpPr/>
+          <p:nvPr/>
+        </p:nvSpPr>
+        <p:spPr>
+          <a:xfrm>
+            <a:off x="4737600" y="4761000"/>
+            <a:ext cx="3719880" cy="230040"/>
+          </a:xfrm>
+          <a:prstGeom prst="rect">
+            <a:avLst/>
+          </a:prstGeom>
+          <a:noFill/>
+          <a:ln w="0">
+            <a:noFill/>
+          </a:ln>
+        </p:spPr>
+        <p:style>
+          <a:lnRef idx="0">
+            <a:scrgbClr r="0" g="0" b="0"/>
+          </a:lnRef>
+          <a:fillRef idx="0">
+            <a:scrgbClr r="0" g="0" b="0"/>
+          </a:fillRef>
+          <a:effectRef idx="0">
+            <a:scrgbClr r="0" g="0" b="0"/>
+          </a:effectRef>
+          <a:fontRef idx="minor"/>
+        </p:style>
+      </p:sp>
+      <p:sp>
+        <p:nvSpPr>
+          <p:cNvPr id="3" name="CustomShape 3">
+            <a:extLst>
+              <a:ext uri="{FF2B5EF4-FFF2-40B4-BE49-F238E27FC236}">
+                <a16:creationId xmlns:a16="http://schemas.microsoft.com/office/drawing/2014/main" id="{BF67ABDD-2B82-432C-98B1-B2BDCF8CD1E2}"/>
+              </a:ext>
+            </a:extLst>
+          </p:cNvPr>
+          <p:cNvSpPr/>
+          <p:nvPr/>
+        </p:nvSpPr>
+        <p:spPr>
+          <a:xfrm>
+            <a:off x="109455" y="1261378"/>
+            <a:ext cx="951653" cy="419607"/>
+          </a:xfrm>
+          <a:prstGeom prst="rect">
+            <a:avLst/>
+          </a:prstGeom>
+          <a:ln>
+            <a:noFill/>
+          </a:ln>
+        </p:spPr>
+        <p:style>
+          <a:lnRef idx="2">
+            <a:schemeClr val="accent6">
+              <a:shade val="50000"/>
+            </a:schemeClr>
+          </a:lnRef>
+          <a:fillRef idx="1">
+            <a:schemeClr val="accent6"/>
+          </a:fillRef>
+          <a:effectRef idx="0">
+            <a:schemeClr val="accent6"/>
+          </a:effectRef>
+          <a:fontRef idx="minor"/>
+        </p:style>
+        <p:txBody>
+          <a:bodyPr lIns="90000" tIns="45000" rIns="90000" bIns="45000" anchor="ctr">
+            <a:noAutofit/>
+          </a:bodyPr>
+          <a:lstStyle/>
+          <a:p>
+            <a:pPr algn="ctr">
+              <a:lnSpc>
+                <a:spcPct val="100000"/>
+              </a:lnSpc>
+            </a:pPr>
+            <a:r>
+              <a:rPr lang="pt-BR" sz="1050" b="0" strike="noStrike" spc="-1" dirty="0">
+                <a:solidFill>
+                  <a:srgbClr val="000000"/>
+                </a:solidFill>
+                <a:latin typeface="Calibri"/>
+                <a:ea typeface="DejaVu Sans"/>
+              </a:rPr>
+              <a:t>Cliente</a:t>
+            </a:r>
+            <a:endParaRPr lang="pt-BR" sz="1050" b="0" strike="noStrike" spc="-1" dirty="0">
+              <a:latin typeface="Arial"/>
+            </a:endParaRPr>
+          </a:p>
+        </p:txBody>
+      </p:sp>
+      <p:sp>
+        <p:nvSpPr>
+          <p:cNvPr id="4" name="CustomShape 6">
+            <a:extLst>
+              <a:ext uri="{FF2B5EF4-FFF2-40B4-BE49-F238E27FC236}">
+                <a16:creationId xmlns:a16="http://schemas.microsoft.com/office/drawing/2014/main" id="{8BE70652-FE0A-4297-B063-D009E965709E}"/>
+              </a:ext>
+            </a:extLst>
+          </p:cNvPr>
+          <p:cNvSpPr/>
+          <p:nvPr/>
+        </p:nvSpPr>
+        <p:spPr>
+          <a:xfrm rot="11146790">
+            <a:off x="1031552" y="3598320"/>
+            <a:ext cx="104001" cy="1023409"/>
+          </a:xfrm>
+          <a:custGeom>
+            <a:avLst/>
+            <a:gdLst/>
+            <a:ahLst/>
+            <a:cxnLst/>
+            <a:rect l="l" t="t" r="r" b="b"/>
+            <a:pathLst>
+              <a:path w="21600" h="21600">
+                <a:moveTo>
+                  <a:pt x="0" y="0"/>
+                </a:moveTo>
+                <a:lnTo>
+                  <a:pt x="21600" y="21600"/>
+                </a:lnTo>
+              </a:path>
+            </a:pathLst>
+          </a:custGeom>
+          <a:noFill/>
+          <a:ln>
+            <a:solidFill>
+              <a:srgbClr val="3F6EC2"/>
+            </a:solidFill>
+            <a:tailEnd type="triangle" w="med" len="med"/>
+          </a:ln>
+        </p:spPr>
+        <p:style>
+          <a:lnRef idx="1">
+            <a:schemeClr val="accent1"/>
+          </a:lnRef>
+          <a:fillRef idx="0">
+            <a:schemeClr val="accent1"/>
+          </a:fillRef>
+          <a:effectRef idx="0">
+            <a:schemeClr val="accent1"/>
+          </a:effectRef>
+          <a:fontRef idx="minor"/>
+        </p:style>
+      </p:sp>
+      <p:sp>
+        <p:nvSpPr>
+          <p:cNvPr id="5" name="CustomShape 2">
+            <a:extLst>
+              <a:ext uri="{FF2B5EF4-FFF2-40B4-BE49-F238E27FC236}">
+                <a16:creationId xmlns:a16="http://schemas.microsoft.com/office/drawing/2014/main" id="{FEE0AE9D-EA8A-4EF0-8615-1825C9DDCE16}"/>
+              </a:ext>
+            </a:extLst>
+          </p:cNvPr>
+          <p:cNvSpPr/>
+          <p:nvPr/>
+        </p:nvSpPr>
+        <p:spPr>
+          <a:xfrm>
+            <a:off x="680830" y="4634836"/>
+            <a:ext cx="834480" cy="435600"/>
+          </a:xfrm>
+          <a:prstGeom prst="rect">
+            <a:avLst/>
+          </a:prstGeom>
+          <a:solidFill>
+            <a:srgbClr val="66FFFF"/>
+          </a:solidFill>
+          <a:ln>
+            <a:solidFill>
+              <a:srgbClr val="5597D3"/>
+            </a:solidFill>
+          </a:ln>
+          <a:effectLst>
+            <a:outerShdw blurRad="40000" dist="20160" dir="5400000" rotWithShape="0">
+              <a:srgbClr val="000000">
+                <a:alpha val="38000"/>
+              </a:srgbClr>
+            </a:outerShdw>
+          </a:effectLst>
+        </p:spPr>
+        <p:style>
+          <a:lnRef idx="1">
+            <a:schemeClr val="accent5"/>
+          </a:lnRef>
+          <a:fillRef idx="2">
+            <a:schemeClr val="accent5"/>
+          </a:fillRef>
+          <a:effectRef idx="1">
+            <a:schemeClr val="accent5"/>
+          </a:effectRef>
+          <a:fontRef idx="minor"/>
+        </p:style>
+        <p:txBody>
+          <a:bodyPr lIns="90000" tIns="45000" rIns="90000" bIns="45000" anchor="ctr">
+            <a:noAutofit/>
+          </a:bodyPr>
+          <a:lstStyle/>
+          <a:p>
+            <a:pPr algn="ctr">
+              <a:lnSpc>
+                <a:spcPct val="100000"/>
+              </a:lnSpc>
+            </a:pPr>
+            <a:r>
+              <a:rPr lang="pt-BR" sz="1200" b="0" strike="noStrike" spc="-1" dirty="0">
+                <a:solidFill>
+                  <a:srgbClr val="000000"/>
+                </a:solidFill>
+                <a:latin typeface="Calibri"/>
+                <a:ea typeface="DejaVu Sans"/>
+              </a:rPr>
+              <a:t>Cliente</a:t>
+            </a:r>
+            <a:endParaRPr lang="pt-BR" sz="1200" b="0" strike="noStrike" spc="-1" dirty="0">
+              <a:latin typeface="Arial"/>
+            </a:endParaRPr>
+          </a:p>
+        </p:txBody>
+      </p:sp>
+      <p:sp>
+        <p:nvSpPr>
+          <p:cNvPr id="9" name="CustomShape 3">
+            <a:extLst>
+              <a:ext uri="{FF2B5EF4-FFF2-40B4-BE49-F238E27FC236}">
+                <a16:creationId xmlns:a16="http://schemas.microsoft.com/office/drawing/2014/main" id="{9F96001A-2071-4FDF-B53F-7C35687D6FDE}"/>
+              </a:ext>
+            </a:extLst>
+          </p:cNvPr>
+          <p:cNvSpPr/>
+          <p:nvPr/>
+        </p:nvSpPr>
+        <p:spPr>
+          <a:xfrm>
+            <a:off x="1569392" y="1293392"/>
+            <a:ext cx="851081" cy="419607"/>
+          </a:xfrm>
+          <a:prstGeom prst="rect">
+            <a:avLst/>
+          </a:prstGeom>
+          <a:ln>
+            <a:noFill/>
+          </a:ln>
+        </p:spPr>
+        <p:style>
+          <a:lnRef idx="2">
+            <a:schemeClr val="accent6">
+              <a:shade val="50000"/>
+            </a:schemeClr>
+          </a:lnRef>
+          <a:fillRef idx="1">
+            <a:schemeClr val="accent6"/>
+          </a:fillRef>
+          <a:effectRef idx="0">
+            <a:schemeClr val="accent6"/>
+          </a:effectRef>
+          <a:fontRef idx="minor"/>
+        </p:style>
+        <p:txBody>
+          <a:bodyPr lIns="90000" tIns="45000" rIns="90000" bIns="45000" anchor="ctr">
+            <a:noAutofit/>
+          </a:bodyPr>
+          <a:lstStyle/>
+          <a:p>
+            <a:pPr algn="ctr">
+              <a:lnSpc>
+                <a:spcPct val="100000"/>
+              </a:lnSpc>
+            </a:pPr>
+            <a:r>
+              <a:rPr lang="pt-BR" sz="1050" b="0" strike="noStrike" spc="-1" dirty="0">
+                <a:solidFill>
+                  <a:srgbClr val="000000"/>
+                </a:solidFill>
+                <a:latin typeface="Calibri"/>
+                <a:ea typeface="DejaVu Sans"/>
+              </a:rPr>
+              <a:t>Lançamento</a:t>
+            </a:r>
+            <a:endParaRPr lang="pt-BR" sz="1050" b="0" strike="noStrike" spc="-1" dirty="0">
+              <a:latin typeface="Arial"/>
+            </a:endParaRPr>
+          </a:p>
+        </p:txBody>
+      </p:sp>
+      <p:cxnSp>
+        <p:nvCxnSpPr>
+          <p:cNvPr id="11" name="Conector: Angulado 10">
+            <a:extLst>
+              <a:ext uri="{FF2B5EF4-FFF2-40B4-BE49-F238E27FC236}">
+                <a16:creationId xmlns:a16="http://schemas.microsoft.com/office/drawing/2014/main" id="{E9161654-76DA-458F-949B-ED0A7B7C01EF}"/>
+              </a:ext>
+            </a:extLst>
+          </p:cNvPr>
+          <p:cNvCxnSpPr>
+            <a:cxnSpLocks/>
+            <a:stCxn id="38" idx="2"/>
+            <a:endCxn id="5" idx="1"/>
+          </p:cNvCxnSpPr>
+          <p:nvPr/>
+        </p:nvCxnSpPr>
+        <p:spPr>
+          <a:xfrm rot="10800000" flipH="1" flipV="1">
+            <a:off x="360254" y="2903404"/>
+            <a:ext cx="320575" cy="1949231"/>
+          </a:xfrm>
+          <a:prstGeom prst="bentConnector3">
+            <a:avLst>
+              <a:gd name="adj1" fmla="val -71309"/>
+            </a:avLst>
+          </a:prstGeom>
+          <a:ln>
+            <a:tailEnd type="triangle"/>
+          </a:ln>
+        </p:spPr>
+        <p:style>
+          <a:lnRef idx="1">
+            <a:schemeClr val="accent1"/>
+          </a:lnRef>
+          <a:fillRef idx="0">
+            <a:schemeClr val="accent1"/>
+          </a:fillRef>
+          <a:effectRef idx="0">
+            <a:schemeClr val="accent1"/>
+          </a:effectRef>
+          <a:fontRef idx="minor">
+            <a:schemeClr val="tx1"/>
+          </a:fontRef>
+        </p:style>
+      </p:cxnSp>
+      <p:sp>
+        <p:nvSpPr>
+          <p:cNvPr id="15" name="CustomShape 8">
+            <a:extLst>
+              <a:ext uri="{FF2B5EF4-FFF2-40B4-BE49-F238E27FC236}">
+                <a16:creationId xmlns:a16="http://schemas.microsoft.com/office/drawing/2014/main" id="{C526D635-D3BA-419B-A251-3D7048373B8E}"/>
+              </a:ext>
+            </a:extLst>
+          </p:cNvPr>
+          <p:cNvSpPr/>
+          <p:nvPr/>
+        </p:nvSpPr>
+        <p:spPr>
+          <a:xfrm>
+            <a:off x="-61033" y="3254140"/>
+            <a:ext cx="646315" cy="506377"/>
+          </a:xfrm>
+          <a:prstGeom prst="rect">
+            <a:avLst/>
+          </a:prstGeom>
+          <a:noFill/>
+          <a:ln w="0">
+            <a:noFill/>
+          </a:ln>
+        </p:spPr>
+        <p:style>
+          <a:lnRef idx="0">
+            <a:scrgbClr r="0" g="0" b="0"/>
+          </a:lnRef>
+          <a:fillRef idx="0">
+            <a:scrgbClr r="0" g="0" b="0"/>
+          </a:fillRef>
+          <a:effectRef idx="0">
+            <a:scrgbClr r="0" g="0" b="0"/>
+          </a:effectRef>
+          <a:fontRef idx="minor"/>
+        </p:style>
+        <p:txBody>
+          <a:bodyPr wrap="square" lIns="90000" tIns="45000" rIns="90000" bIns="45000">
+            <a:spAutoFit/>
+          </a:bodyPr>
+          <a:lstStyle/>
+          <a:p>
+            <a:pPr>
+              <a:lnSpc>
+                <a:spcPct val="100000"/>
+              </a:lnSpc>
+            </a:pPr>
+            <a:r>
+              <a:rPr lang="pt-BR" sz="900" spc="-1" dirty="0">
+                <a:solidFill>
+                  <a:srgbClr val="000000"/>
+                </a:solidFill>
+                <a:latin typeface="Calibri"/>
+                <a:ea typeface="DejaVu Sans"/>
+              </a:rPr>
+              <a:t>produto + (troco) + NF</a:t>
+            </a:r>
+            <a:endParaRPr lang="pt-BR" sz="900" b="0" strike="noStrike" spc="-1" dirty="0">
+              <a:latin typeface="Arial"/>
+            </a:endParaRPr>
+          </a:p>
+        </p:txBody>
+      </p:sp>
+      <p:cxnSp>
+        <p:nvCxnSpPr>
+          <p:cNvPr id="25" name="Conector de Seta Reta 24">
+            <a:extLst>
+              <a:ext uri="{FF2B5EF4-FFF2-40B4-BE49-F238E27FC236}">
+                <a16:creationId xmlns:a16="http://schemas.microsoft.com/office/drawing/2014/main" id="{0A376578-EFAC-4767-BFBD-23BC9DE406F9}"/>
+              </a:ext>
+            </a:extLst>
+          </p:cNvPr>
+          <p:cNvCxnSpPr>
+            <a:cxnSpLocks/>
+            <a:stCxn id="3" idx="2"/>
+          </p:cNvCxnSpPr>
+          <p:nvPr/>
+        </p:nvCxnSpPr>
+        <p:spPr>
+          <a:xfrm>
+            <a:off x="585282" y="1680985"/>
+            <a:ext cx="321826" cy="548479"/>
+          </a:xfrm>
+          <a:prstGeom prst="straightConnector1">
+            <a:avLst/>
+          </a:prstGeom>
+          <a:ln>
+            <a:headEnd type="triangle"/>
+            <a:tailEnd type="triangle"/>
+          </a:ln>
+        </p:spPr>
+        <p:style>
+          <a:lnRef idx="1">
+            <a:schemeClr val="accent1"/>
+          </a:lnRef>
+          <a:fillRef idx="0">
+            <a:schemeClr val="accent1"/>
+          </a:fillRef>
+          <a:effectRef idx="0">
+            <a:schemeClr val="accent1"/>
+          </a:effectRef>
+          <a:fontRef idx="minor">
+            <a:schemeClr val="tx1"/>
+          </a:fontRef>
+        </p:style>
+      </p:cxnSp>
+      <p:cxnSp>
+        <p:nvCxnSpPr>
+          <p:cNvPr id="27" name="Conector de Seta Reta 26">
+            <a:extLst>
+              <a:ext uri="{FF2B5EF4-FFF2-40B4-BE49-F238E27FC236}">
+                <a16:creationId xmlns:a16="http://schemas.microsoft.com/office/drawing/2014/main" id="{06B13028-4C46-467E-B491-9519ACBA77E5}"/>
+              </a:ext>
+            </a:extLst>
+          </p:cNvPr>
+          <p:cNvCxnSpPr>
+            <a:cxnSpLocks/>
+            <a:stCxn id="9" idx="2"/>
+          </p:cNvCxnSpPr>
+          <p:nvPr/>
+        </p:nvCxnSpPr>
+        <p:spPr>
+          <a:xfrm flipH="1">
+            <a:off x="1532995" y="1712999"/>
+            <a:ext cx="461938" cy="620378"/>
+          </a:xfrm>
+          <a:prstGeom prst="straightConnector1">
+            <a:avLst/>
+          </a:prstGeom>
+          <a:ln>
+            <a:headEnd type="triangle"/>
+            <a:tailEnd type="triangle"/>
+          </a:ln>
+        </p:spPr>
+        <p:style>
+          <a:lnRef idx="1">
+            <a:schemeClr val="accent1"/>
+          </a:lnRef>
+          <a:fillRef idx="0">
+            <a:schemeClr val="accent1"/>
+          </a:fillRef>
+          <a:effectRef idx="0">
+            <a:schemeClr val="accent1"/>
+          </a:effectRef>
+          <a:fontRef idx="minor">
+            <a:schemeClr val="tx1"/>
+          </a:fontRef>
+        </p:style>
+      </p:cxnSp>
+      <p:sp>
+        <p:nvSpPr>
+          <p:cNvPr id="24" name="CustomShape 8">
+            <a:extLst>
+              <a:ext uri="{FF2B5EF4-FFF2-40B4-BE49-F238E27FC236}">
+                <a16:creationId xmlns:a16="http://schemas.microsoft.com/office/drawing/2014/main" id="{030485D8-81A6-4DC8-B7FD-C8FF2F406D57}"/>
+              </a:ext>
+            </a:extLst>
+          </p:cNvPr>
+          <p:cNvSpPr/>
+          <p:nvPr/>
+        </p:nvSpPr>
+        <p:spPr>
+          <a:xfrm>
+            <a:off x="346057" y="3975480"/>
+            <a:ext cx="1788931" cy="229378"/>
+          </a:xfrm>
+          <a:prstGeom prst="rect">
+            <a:avLst/>
+          </a:prstGeom>
+          <a:noFill/>
+          <a:ln w="0">
+            <a:noFill/>
+          </a:ln>
+        </p:spPr>
+        <p:style>
+          <a:lnRef idx="0">
+            <a:scrgbClr r="0" g="0" b="0"/>
+          </a:lnRef>
+          <a:fillRef idx="0">
+            <a:scrgbClr r="0" g="0" b="0"/>
+          </a:fillRef>
+          <a:effectRef idx="0">
+            <a:scrgbClr r="0" g="0" b="0"/>
+          </a:effectRef>
+          <a:fontRef idx="minor"/>
+        </p:style>
+        <p:txBody>
+          <a:bodyPr wrap="square" lIns="90000" tIns="45000" rIns="90000" bIns="45000">
+            <a:spAutoFit/>
+          </a:bodyPr>
+          <a:lstStyle/>
+          <a:p>
+            <a:pPr>
+              <a:lnSpc>
+                <a:spcPct val="100000"/>
+              </a:lnSpc>
+            </a:pPr>
+            <a:r>
+              <a:rPr lang="pt-BR" sz="900" spc="-1" dirty="0">
+                <a:solidFill>
+                  <a:srgbClr val="000000"/>
+                </a:solidFill>
+                <a:latin typeface="Calibri"/>
+                <a:ea typeface="DejaVu Sans"/>
+              </a:rPr>
+              <a:t>cartão de crédito/débito + senha</a:t>
+            </a:r>
+            <a:endParaRPr lang="pt-BR" sz="900" b="0" strike="noStrike" spc="-1" dirty="0">
+              <a:latin typeface="Arial"/>
+            </a:endParaRPr>
+          </a:p>
+        </p:txBody>
+      </p:sp>
+      <p:sp>
+        <p:nvSpPr>
+          <p:cNvPr id="33" name="CustomShape 6">
+            <a:extLst>
+              <a:ext uri="{FF2B5EF4-FFF2-40B4-BE49-F238E27FC236}">
+                <a16:creationId xmlns:a16="http://schemas.microsoft.com/office/drawing/2014/main" id="{C917C26C-7E8F-4EB8-8C76-B6F6B79063E1}"/>
+              </a:ext>
+            </a:extLst>
+          </p:cNvPr>
+          <p:cNvSpPr/>
+          <p:nvPr/>
+        </p:nvSpPr>
+        <p:spPr>
+          <a:xfrm>
+            <a:off x="4463100" y="861963"/>
+            <a:ext cx="5093650" cy="1014209"/>
+          </a:xfrm>
+          <a:prstGeom prst="rect">
+            <a:avLst/>
+          </a:prstGeom>
+          <a:noFill/>
+          <a:ln w="0">
+            <a:noFill/>
+          </a:ln>
+        </p:spPr>
+        <p:style>
+          <a:lnRef idx="0">
+            <a:scrgbClr r="0" g="0" b="0"/>
+          </a:lnRef>
+          <a:fillRef idx="0">
+            <a:scrgbClr r="0" g="0" b="0"/>
+          </a:fillRef>
+          <a:effectRef idx="0">
+            <a:scrgbClr r="0" g="0" b="0"/>
+          </a:effectRef>
+          <a:fontRef idx="minor"/>
+        </p:style>
+        <p:txBody>
+          <a:bodyPr wrap="square" lIns="90000" tIns="45000" rIns="90000" bIns="45000">
+            <a:spAutoFit/>
+          </a:bodyPr>
+          <a:lstStyle/>
+          <a:p>
+            <a:pPr>
+              <a:lnSpc>
+                <a:spcPct val="100000"/>
+              </a:lnSpc>
+            </a:pPr>
+            <a:r>
+              <a:rPr lang="pt-BR" sz="2000" b="0" strike="noStrike" spc="-1" dirty="0">
+                <a:solidFill>
+                  <a:srgbClr val="000000"/>
+                </a:solidFill>
+                <a:latin typeface="Calibri"/>
+                <a:ea typeface="DejaVu Sans"/>
+              </a:rPr>
+              <a:t>Descrição dos Processos de Negócio </a:t>
+            </a:r>
+          </a:p>
+          <a:p>
+            <a:pPr>
+              <a:lnSpc>
+                <a:spcPct val="100000"/>
+              </a:lnSpc>
+            </a:pPr>
+            <a:endParaRPr lang="pt-BR" sz="2000" b="0" strike="noStrike" spc="-1" dirty="0">
+              <a:solidFill>
+                <a:srgbClr val="000000"/>
+              </a:solidFill>
+              <a:latin typeface="Calibri"/>
+              <a:ea typeface="DejaVu Sans"/>
+            </a:endParaRPr>
+          </a:p>
+          <a:p>
+            <a:pPr>
+              <a:lnSpc>
+                <a:spcPct val="100000"/>
+              </a:lnSpc>
+            </a:pPr>
+            <a:r>
+              <a:rPr lang="pt-BR" sz="2000" spc="-1" dirty="0">
+                <a:solidFill>
+                  <a:srgbClr val="000000"/>
+                </a:solidFill>
+                <a:latin typeface="Calibri"/>
+              </a:rPr>
+              <a:t>Cenário 2: Efetuar troca do produto</a:t>
+            </a:r>
+            <a:endParaRPr lang="pt-BR" sz="2000" b="0" strike="noStrike" spc="-1" dirty="0">
+              <a:latin typeface="Arial"/>
+            </a:endParaRPr>
+          </a:p>
+        </p:txBody>
+      </p:sp>
+      <p:sp>
+        <p:nvSpPr>
+          <p:cNvPr id="20" name="CustomShape 2">
+            <a:extLst>
+              <a:ext uri="{FF2B5EF4-FFF2-40B4-BE49-F238E27FC236}">
+                <a16:creationId xmlns:a16="http://schemas.microsoft.com/office/drawing/2014/main" id="{81FFBF39-885C-4432-A63D-5A1BFA943DF4}"/>
+              </a:ext>
+            </a:extLst>
+          </p:cNvPr>
+          <p:cNvSpPr/>
+          <p:nvPr/>
+        </p:nvSpPr>
+        <p:spPr>
+          <a:xfrm>
+            <a:off x="2859910" y="4634836"/>
+            <a:ext cx="834480" cy="435600"/>
+          </a:xfrm>
+          <a:prstGeom prst="rect">
+            <a:avLst/>
+          </a:prstGeom>
+          <a:solidFill>
+            <a:srgbClr val="66FFFF"/>
+          </a:solidFill>
+          <a:ln>
+            <a:solidFill>
+              <a:srgbClr val="5597D3"/>
+            </a:solidFill>
+          </a:ln>
+          <a:effectLst>
+            <a:outerShdw blurRad="40000" dist="20160" dir="5400000" rotWithShape="0">
+              <a:srgbClr val="000000">
+                <a:alpha val="38000"/>
+              </a:srgbClr>
+            </a:outerShdw>
+          </a:effectLst>
+        </p:spPr>
+        <p:style>
+          <a:lnRef idx="1">
+            <a:schemeClr val="accent5"/>
+          </a:lnRef>
+          <a:fillRef idx="2">
+            <a:schemeClr val="accent5"/>
+          </a:fillRef>
+          <a:effectRef idx="1">
+            <a:schemeClr val="accent5"/>
+          </a:effectRef>
+          <a:fontRef idx="minor"/>
+        </p:style>
+        <p:txBody>
+          <a:bodyPr lIns="90000" tIns="45000" rIns="90000" bIns="45000" anchor="ctr">
+            <a:noAutofit/>
+          </a:bodyPr>
+          <a:lstStyle/>
+          <a:p>
+            <a:pPr algn="ctr">
+              <a:lnSpc>
+                <a:spcPct val="100000"/>
+              </a:lnSpc>
+            </a:pPr>
+            <a:r>
+              <a:rPr lang="pt-BR" sz="1200" b="0" strike="noStrike" spc="-1" dirty="0">
+                <a:solidFill>
+                  <a:srgbClr val="000000"/>
+                </a:solidFill>
+                <a:latin typeface="Calibri"/>
+                <a:ea typeface="DejaVu Sans"/>
+              </a:rPr>
+              <a:t>Cliente</a:t>
+            </a:r>
+            <a:endParaRPr lang="pt-BR" sz="1200" b="0" strike="noStrike" spc="-1" dirty="0">
+              <a:latin typeface="Arial"/>
+            </a:endParaRPr>
+          </a:p>
+        </p:txBody>
+      </p:sp>
+      <p:cxnSp>
+        <p:nvCxnSpPr>
+          <p:cNvPr id="32" name="Conector: Angulado 31">
+            <a:extLst>
+              <a:ext uri="{FF2B5EF4-FFF2-40B4-BE49-F238E27FC236}">
+                <a16:creationId xmlns:a16="http://schemas.microsoft.com/office/drawing/2014/main" id="{E6427E73-EC9A-4F06-A894-F81FB6076D83}"/>
+              </a:ext>
+            </a:extLst>
+          </p:cNvPr>
+          <p:cNvCxnSpPr>
+            <a:stCxn id="38" idx="6"/>
+            <a:endCxn id="20" idx="0"/>
+          </p:cNvCxnSpPr>
+          <p:nvPr/>
+        </p:nvCxnSpPr>
+        <p:spPr>
+          <a:xfrm>
+            <a:off x="1892300" y="2903405"/>
+            <a:ext cx="1384850" cy="1731431"/>
+          </a:xfrm>
+          <a:prstGeom prst="bentConnector2">
+            <a:avLst/>
+          </a:prstGeom>
+          <a:ln>
+            <a:tailEnd type="triangle"/>
+          </a:ln>
+        </p:spPr>
+        <p:style>
+          <a:lnRef idx="1">
+            <a:schemeClr val="accent1"/>
+          </a:lnRef>
+          <a:fillRef idx="0">
+            <a:schemeClr val="accent1"/>
+          </a:fillRef>
+          <a:effectRef idx="0">
+            <a:schemeClr val="accent1"/>
+          </a:effectRef>
+          <a:fontRef idx="minor">
+            <a:schemeClr val="tx1"/>
+          </a:fontRef>
+        </p:style>
+      </p:cxnSp>
+      <p:sp>
+        <p:nvSpPr>
+          <p:cNvPr id="34" name="CustomShape 8">
+            <a:extLst>
+              <a:ext uri="{FF2B5EF4-FFF2-40B4-BE49-F238E27FC236}">
+                <a16:creationId xmlns:a16="http://schemas.microsoft.com/office/drawing/2014/main" id="{7327BB74-0C7D-46FF-A094-85332AD2A3E6}"/>
+              </a:ext>
+            </a:extLst>
+          </p:cNvPr>
+          <p:cNvSpPr/>
+          <p:nvPr/>
+        </p:nvSpPr>
+        <p:spPr>
+          <a:xfrm>
+            <a:off x="2213077" y="3286952"/>
+            <a:ext cx="2033154" cy="229378"/>
+          </a:xfrm>
+          <a:prstGeom prst="rect">
+            <a:avLst/>
+          </a:prstGeom>
+          <a:noFill/>
+          <a:ln w="0">
+            <a:noFill/>
+          </a:ln>
+        </p:spPr>
+        <p:style>
+          <a:lnRef idx="0">
+            <a:scrgbClr r="0" g="0" b="0"/>
+          </a:lnRef>
+          <a:fillRef idx="0">
+            <a:scrgbClr r="0" g="0" b="0"/>
+          </a:fillRef>
+          <a:effectRef idx="0">
+            <a:scrgbClr r="0" g="0" b="0"/>
+          </a:effectRef>
+          <a:fontRef idx="minor"/>
+        </p:style>
+        <p:txBody>
+          <a:bodyPr wrap="square" lIns="90000" tIns="45000" rIns="90000" bIns="45000">
+            <a:spAutoFit/>
+          </a:bodyPr>
+          <a:lstStyle/>
+          <a:p>
+            <a:pPr>
+              <a:lnSpc>
+                <a:spcPct val="100000"/>
+              </a:lnSpc>
+            </a:pPr>
+            <a:r>
+              <a:rPr lang="pt-BR" sz="900" spc="-1" dirty="0">
+                <a:solidFill>
+                  <a:srgbClr val="000000"/>
+                </a:solidFill>
+                <a:latin typeface="Calibri"/>
+                <a:ea typeface="DejaVu Sans"/>
+              </a:rPr>
+              <a:t>Solicitação de débito para a compra</a:t>
+            </a:r>
+            <a:endParaRPr lang="pt-BR" sz="900" b="0" strike="noStrike" spc="-1" dirty="0">
+              <a:latin typeface="Arial"/>
+            </a:endParaRPr>
+          </a:p>
+        </p:txBody>
+      </p:sp>
+    </p:spTree>
+    <p:extLst>
+      <p:ext uri="{BB962C8B-B14F-4D97-AF65-F5344CB8AC3E}">
+        <p14:creationId xmlns:p14="http://schemas.microsoft.com/office/powerpoint/2010/main" val="4161120727"/>
+      </p:ext>
+    </p:extLst>
   </p:cSld>
   <p:clrMapOvr>
     <a:masterClrMapping/>
